--- a/CYBER360-3.1-3.2-WMI-and-CIM.pptx
+++ b/CYBER360-3.1-3.2-WMI-and-CIM.pptx
@@ -1567,7 +1567,7 @@
   <pc:docChgLst>
     <pc:chgData name="Gibbons, Carl" userId="d2b037bc-8fb4-4222-845c-61440543a456" providerId="ADAL" clId="{8B117223-2596-4D61-9C62-CC9BD4B9A421}"/>
     <pc:docChg chg="custSel addSld delSld modSld">
-      <pc:chgData name="Gibbons, Carl" userId="d2b037bc-8fb4-4222-845c-61440543a456" providerId="ADAL" clId="{8B117223-2596-4D61-9C62-CC9BD4B9A421}" dt="2024-01-16T01:00:51.762" v="2281" actId="313"/>
+      <pc:chgData name="Gibbons, Carl" userId="d2b037bc-8fb4-4222-845c-61440543a456" providerId="ADAL" clId="{8B117223-2596-4D61-9C62-CC9BD4B9A421}" dt="2024-01-24T22:00:55.310" v="2286" actId="20577"/>
       <pc:docMkLst>
         <pc:docMk/>
       </pc:docMkLst>
@@ -1587,7 +1587,7 @@
         </pc:spChg>
       </pc:sldChg>
       <pc:sldChg chg="modSp mod">
-        <pc:chgData name="Gibbons, Carl" userId="d2b037bc-8fb4-4222-845c-61440543a456" providerId="ADAL" clId="{8B117223-2596-4D61-9C62-CC9BD4B9A421}" dt="2024-01-16T00:53:29.880" v="1971" actId="20577"/>
+        <pc:chgData name="Gibbons, Carl" userId="d2b037bc-8fb4-4222-845c-61440543a456" providerId="ADAL" clId="{8B117223-2596-4D61-9C62-CC9BD4B9A421}" dt="2024-01-24T22:00:55.310" v="2286" actId="20577"/>
         <pc:sldMkLst>
           <pc:docMk/>
           <pc:sldMk cId="2312486803" sldId="261"/>
@@ -1601,7 +1601,7 @@
           </ac:spMkLst>
         </pc:spChg>
         <pc:spChg chg="mod">
-          <ac:chgData name="Gibbons, Carl" userId="d2b037bc-8fb4-4222-845c-61440543a456" providerId="ADAL" clId="{8B117223-2596-4D61-9C62-CC9BD4B9A421}" dt="2024-01-16T00:53:29.880" v="1971" actId="20577"/>
+          <ac:chgData name="Gibbons, Carl" userId="d2b037bc-8fb4-4222-845c-61440543a456" providerId="ADAL" clId="{8B117223-2596-4D61-9C62-CC9BD4B9A421}" dt="2024-01-24T22:00:55.310" v="2286" actId="20577"/>
           <ac:spMkLst>
             <pc:docMk/>
             <pc:sldMk cId="2312486803" sldId="261"/>
@@ -2387,7 +2387,7 @@
           <a:p>
             <a:fld id="{421996D4-4A1C-4BBC-AA2B-FD5B7FC395A0}" type="datetime1">
               <a:rPr lang="en-US" smtClean="0"/>
-              <a:t>1/15/2024</a:t>
+              <a:t>1/24/2024</a:t>
             </a:fld>
             <a:endParaRPr lang="en-US"/>
           </a:p>
@@ -2585,7 +2585,7 @@
           <a:p>
             <a:fld id="{CB43818D-5554-4105-BE04-CEE32DEBDA0A}" type="datetime1">
               <a:rPr lang="en-US" smtClean="0"/>
-              <a:t>1/15/2024</a:t>
+              <a:t>1/24/2024</a:t>
             </a:fld>
             <a:endParaRPr lang="en-US"/>
           </a:p>
@@ -2793,7 +2793,7 @@
           <a:p>
             <a:fld id="{AFAC11C6-1708-41BC-9474-3D7842023D96}" type="datetime1">
               <a:rPr lang="en-US" smtClean="0"/>
-              <a:t>1/15/2024</a:t>
+              <a:t>1/24/2024</a:t>
             </a:fld>
             <a:endParaRPr lang="en-US"/>
           </a:p>
@@ -3072,7 +3072,7 @@
           <a:p>
             <a:fld id="{490605F8-8C86-41F5-9F5E-04EDB8C2540B}" type="datetime1">
               <a:rPr lang="en-US" smtClean="0"/>
-              <a:t>1/15/2024</a:t>
+              <a:t>1/24/2024</a:t>
             </a:fld>
             <a:endParaRPr lang="en-US"/>
           </a:p>
@@ -3347,7 +3347,7 @@
           <a:p>
             <a:fld id="{CA355DA2-1E89-41CC-B722-CBFC08F260AE}" type="datetime1">
               <a:rPr lang="en-US" smtClean="0"/>
-              <a:t>1/15/2024</a:t>
+              <a:t>1/24/2024</a:t>
             </a:fld>
             <a:endParaRPr lang="en-US"/>
           </a:p>
@@ -3612,7 +3612,7 @@
           <a:p>
             <a:fld id="{7F6AFD48-C472-404E-B7B5-BA44CCF2F55D}" type="datetime1">
               <a:rPr lang="en-US" smtClean="0"/>
-              <a:t>1/15/2024</a:t>
+              <a:t>1/24/2024</a:t>
             </a:fld>
             <a:endParaRPr lang="en-US"/>
           </a:p>
@@ -4024,7 +4024,7 @@
           <a:p>
             <a:fld id="{B33F52E9-9255-4CAF-909C-660126F1B079}" type="datetime1">
               <a:rPr lang="en-US" smtClean="0"/>
-              <a:t>1/15/2024</a:t>
+              <a:t>1/24/2024</a:t>
             </a:fld>
             <a:endParaRPr lang="en-US"/>
           </a:p>
@@ -4165,7 +4165,7 @@
           <a:p>
             <a:fld id="{67F9F019-D13C-4797-8A9F-7B02D5B8121E}" type="datetime1">
               <a:rPr lang="en-US" smtClean="0"/>
-              <a:t>1/15/2024</a:t>
+              <a:t>1/24/2024</a:t>
             </a:fld>
             <a:endParaRPr lang="en-US"/>
           </a:p>
@@ -4278,7 +4278,7 @@
           <a:p>
             <a:fld id="{FDA143B9-A6C4-436D-945A-FF5B3EA2EF39}" type="datetime1">
               <a:rPr lang="en-US" smtClean="0"/>
-              <a:t>1/15/2024</a:t>
+              <a:t>1/24/2024</a:t>
             </a:fld>
             <a:endParaRPr lang="en-US"/>
           </a:p>
@@ -4589,7 +4589,7 @@
           <a:p>
             <a:fld id="{457E18FE-B6F9-4F6A-835B-8251F04458A0}" type="datetime1">
               <a:rPr lang="en-US" smtClean="0"/>
-              <a:t>1/15/2024</a:t>
+              <a:t>1/24/2024</a:t>
             </a:fld>
             <a:endParaRPr lang="en-US"/>
           </a:p>
@@ -4877,7 +4877,7 @@
           <a:p>
             <a:fld id="{5F2690CE-112A-455B-AD5F-E26CEA6A5331}" type="datetime1">
               <a:rPr lang="en-US" smtClean="0"/>
-              <a:t>1/15/2024</a:t>
+              <a:t>1/24/2024</a:t>
             </a:fld>
             <a:endParaRPr lang="en-US"/>
           </a:p>
@@ -5118,7 +5118,7 @@
           <a:p>
             <a:fld id="{9C4E342D-98AB-407C-88D4-A20ED0F70E1C}" type="datetime1">
               <a:rPr lang="en-US" smtClean="0"/>
-              <a:t>1/15/2024</a:t>
+              <a:t>1/24/2024</a:t>
             </a:fld>
             <a:endParaRPr lang="en-US"/>
           </a:p>
@@ -5807,7 +5807,7 @@
             </a:pPr>
             <a:r>
               <a:rPr lang="en-US" dirty="0"/>
-              <a:t>Also unfortunately, over time Microsoft’s tools began to drift away from standards.</a:t>
+              <a:t>Also unfortunately, over time Microsoft’s WMI tools began to drift away from standards.</a:t>
             </a:r>
           </a:p>
           <a:p>
@@ -5903,8 +5903,13 @@
             </a:pPr>
             <a:r>
               <a:rPr lang="en-US" dirty="0"/>
-              <a:t>WMI software is still available in Windows 11 and Windows Server 2022</a:t>
-            </a:r>
+              <a:t>WMI software is still available in Windows 11 and Windows </a:t>
+            </a:r>
+            <a:r>
+              <a:rPr lang="en-US"/>
+              <a:t>Server 2022,</a:t>
+            </a:r>
+            <a:endParaRPr lang="en-US" dirty="0"/>
           </a:p>
           <a:p>
             <a:pPr marL="800100" lvl="1" indent="-342900">

--- a/CYBER360-3.1-3.2-WMI-and-CIM.pptx
+++ b/CYBER360-3.1-3.2-WMI-and-CIM.pptx
@@ -126,6 +126,474 @@
 <file path=ppt/changesInfos/changesInfo1.xml><?xml version="1.0" encoding="utf-8"?>
 <pc:chgInfo xmlns:a="http://schemas.openxmlformats.org/drawingml/2006/main" xmlns:r="http://schemas.openxmlformats.org/officeDocument/2006/relationships" xmlns:ac="http://schemas.microsoft.com/office/drawing/2013/main/command" xmlns:pc="http://schemas.microsoft.com/office/powerpoint/2013/main/command">
   <pc:docChgLst>
+    <pc:chgData name="Gibbons, Carl" userId="d2b037bc-8fb4-4222-845c-61440543a456" providerId="ADAL" clId="{14F797DE-E75B-4062-A6FB-AA9F07155580}"/>
+    <pc:docChg chg="undo custSel addSld modSld">
+      <pc:chgData name="Gibbons, Carl" userId="d2b037bc-8fb4-4222-845c-61440543a456" providerId="ADAL" clId="{14F797DE-E75B-4062-A6FB-AA9F07155580}" dt="2023-12-29T21:55:15.574" v="6853" actId="255"/>
+      <pc:docMkLst>
+        <pc:docMk/>
+      </pc:docMkLst>
+      <pc:sldChg chg="modSp mod">
+        <pc:chgData name="Gibbons, Carl" userId="d2b037bc-8fb4-4222-845c-61440543a456" providerId="ADAL" clId="{14F797DE-E75B-4062-A6FB-AA9F07155580}" dt="2023-12-29T17:10:38.181" v="10" actId="20577"/>
+        <pc:sldMkLst>
+          <pc:docMk/>
+          <pc:sldMk cId="3308175748" sldId="256"/>
+        </pc:sldMkLst>
+        <pc:spChg chg="mod">
+          <ac:chgData name="Gibbons, Carl" userId="d2b037bc-8fb4-4222-845c-61440543a456" providerId="ADAL" clId="{14F797DE-E75B-4062-A6FB-AA9F07155580}" dt="2023-12-29T17:10:38.181" v="10" actId="20577"/>
+          <ac:spMkLst>
+            <pc:docMk/>
+            <pc:sldMk cId="3308175748" sldId="256"/>
+            <ac:spMk id="3" creationId="{EEC4D41B-E776-05F2-BE0B-89BB339485AB}"/>
+          </ac:spMkLst>
+        </pc:spChg>
+      </pc:sldChg>
+      <pc:sldChg chg="modSp mod">
+        <pc:chgData name="Gibbons, Carl" userId="d2b037bc-8fb4-4222-845c-61440543a456" providerId="ADAL" clId="{14F797DE-E75B-4062-A6FB-AA9F07155580}" dt="2023-12-29T17:51:52.012" v="2089" actId="20577"/>
+        <pc:sldMkLst>
+          <pc:docMk/>
+          <pc:sldMk cId="2312486803" sldId="261"/>
+        </pc:sldMkLst>
+        <pc:spChg chg="mod">
+          <ac:chgData name="Gibbons, Carl" userId="d2b037bc-8fb4-4222-845c-61440543a456" providerId="ADAL" clId="{14F797DE-E75B-4062-A6FB-AA9F07155580}" dt="2023-12-29T17:23:59.510" v="341" actId="20577"/>
+          <ac:spMkLst>
+            <pc:docMk/>
+            <pc:sldMk cId="2312486803" sldId="261"/>
+            <ac:spMk id="2" creationId="{31B75992-5098-A283-4925-2CCEBB801DC5}"/>
+          </ac:spMkLst>
+        </pc:spChg>
+        <pc:spChg chg="mod">
+          <ac:chgData name="Gibbons, Carl" userId="d2b037bc-8fb4-4222-845c-61440543a456" providerId="ADAL" clId="{14F797DE-E75B-4062-A6FB-AA9F07155580}" dt="2023-12-29T17:51:52.012" v="2089" actId="20577"/>
+          <ac:spMkLst>
+            <pc:docMk/>
+            <pc:sldMk cId="2312486803" sldId="261"/>
+            <ac:spMk id="3" creationId="{B5924E0F-A977-1710-779D-EEB74261AF34}"/>
+          </ac:spMkLst>
+        </pc:spChg>
+      </pc:sldChg>
+      <pc:sldChg chg="addSp modSp mod">
+        <pc:chgData name="Gibbons, Carl" userId="d2b037bc-8fb4-4222-845c-61440543a456" providerId="ADAL" clId="{14F797DE-E75B-4062-A6FB-AA9F07155580}" dt="2023-12-29T21:53:53.831" v="6845" actId="20577"/>
+        <pc:sldMkLst>
+          <pc:docMk/>
+          <pc:sldMk cId="657795359" sldId="277"/>
+        </pc:sldMkLst>
+        <pc:spChg chg="mod">
+          <ac:chgData name="Gibbons, Carl" userId="d2b037bc-8fb4-4222-845c-61440543a456" providerId="ADAL" clId="{14F797DE-E75B-4062-A6FB-AA9F07155580}" dt="2023-12-29T21:45:47.422" v="6393" actId="20577"/>
+          <ac:spMkLst>
+            <pc:docMk/>
+            <pc:sldMk cId="657795359" sldId="277"/>
+            <ac:spMk id="2" creationId="{1862E903-3C56-BB42-2361-009F2336475A}"/>
+          </ac:spMkLst>
+        </pc:spChg>
+        <pc:spChg chg="add mod">
+          <ac:chgData name="Gibbons, Carl" userId="d2b037bc-8fb4-4222-845c-61440543a456" providerId="ADAL" clId="{14F797DE-E75B-4062-A6FB-AA9F07155580}" dt="2023-12-29T21:53:53.831" v="6845" actId="20577"/>
+          <ac:spMkLst>
+            <pc:docMk/>
+            <pc:sldMk cId="657795359" sldId="277"/>
+            <ac:spMk id="3" creationId="{D9D594D6-F4EE-B0AB-C128-26D2D32F8E21}"/>
+          </ac:spMkLst>
+        </pc:spChg>
+      </pc:sldChg>
+      <pc:sldChg chg="modSp mod">
+        <pc:chgData name="Gibbons, Carl" userId="d2b037bc-8fb4-4222-845c-61440543a456" providerId="ADAL" clId="{14F797DE-E75B-4062-A6FB-AA9F07155580}" dt="2023-12-29T18:26:31.431" v="3669" actId="20577"/>
+        <pc:sldMkLst>
+          <pc:docMk/>
+          <pc:sldMk cId="3989541258" sldId="278"/>
+        </pc:sldMkLst>
+        <pc:spChg chg="mod">
+          <ac:chgData name="Gibbons, Carl" userId="d2b037bc-8fb4-4222-845c-61440543a456" providerId="ADAL" clId="{14F797DE-E75B-4062-A6FB-AA9F07155580}" dt="2023-12-29T17:53:20.837" v="2147" actId="20577"/>
+          <ac:spMkLst>
+            <pc:docMk/>
+            <pc:sldMk cId="3989541258" sldId="278"/>
+            <ac:spMk id="2" creationId="{31B75992-5098-A283-4925-2CCEBB801DC5}"/>
+          </ac:spMkLst>
+        </pc:spChg>
+        <pc:spChg chg="mod">
+          <ac:chgData name="Gibbons, Carl" userId="d2b037bc-8fb4-4222-845c-61440543a456" providerId="ADAL" clId="{14F797DE-E75B-4062-A6FB-AA9F07155580}" dt="2023-12-29T18:26:31.431" v="3669" actId="20577"/>
+          <ac:spMkLst>
+            <pc:docMk/>
+            <pc:sldMk cId="3989541258" sldId="278"/>
+            <ac:spMk id="3" creationId="{B5924E0F-A977-1710-779D-EEB74261AF34}"/>
+          </ac:spMkLst>
+        </pc:spChg>
+      </pc:sldChg>
+      <pc:sldChg chg="modSp mod">
+        <pc:chgData name="Gibbons, Carl" userId="d2b037bc-8fb4-4222-845c-61440543a456" providerId="ADAL" clId="{14F797DE-E75B-4062-A6FB-AA9F07155580}" dt="2023-12-29T21:55:15.574" v="6853" actId="255"/>
+        <pc:sldMkLst>
+          <pc:docMk/>
+          <pc:sldMk cId="1861646120" sldId="293"/>
+        </pc:sldMkLst>
+        <pc:spChg chg="mod">
+          <ac:chgData name="Gibbons, Carl" userId="d2b037bc-8fb4-4222-845c-61440543a456" providerId="ADAL" clId="{14F797DE-E75B-4062-A6FB-AA9F07155580}" dt="2023-12-29T18:01:10.039" v="2767" actId="20577"/>
+          <ac:spMkLst>
+            <pc:docMk/>
+            <pc:sldMk cId="1861646120" sldId="293"/>
+            <ac:spMk id="2" creationId="{31B75992-5098-A283-4925-2CCEBB801DC5}"/>
+          </ac:spMkLst>
+        </pc:spChg>
+        <pc:spChg chg="mod">
+          <ac:chgData name="Gibbons, Carl" userId="d2b037bc-8fb4-4222-845c-61440543a456" providerId="ADAL" clId="{14F797DE-E75B-4062-A6FB-AA9F07155580}" dt="2023-12-29T21:55:15.574" v="6853" actId="255"/>
+          <ac:spMkLst>
+            <pc:docMk/>
+            <pc:sldMk cId="1861646120" sldId="293"/>
+            <ac:spMk id="3" creationId="{B5924E0F-A977-1710-779D-EEB74261AF34}"/>
+          </ac:spMkLst>
+        </pc:spChg>
+      </pc:sldChg>
+      <pc:sldChg chg="modSp mod">
+        <pc:chgData name="Gibbons, Carl" userId="d2b037bc-8fb4-4222-845c-61440543a456" providerId="ADAL" clId="{14F797DE-E75B-4062-A6FB-AA9F07155580}" dt="2023-12-29T21:55:08.313" v="6852" actId="255"/>
+        <pc:sldMkLst>
+          <pc:docMk/>
+          <pc:sldMk cId="2232562783" sldId="294"/>
+        </pc:sldMkLst>
+        <pc:spChg chg="mod">
+          <ac:chgData name="Gibbons, Carl" userId="d2b037bc-8fb4-4222-845c-61440543a456" providerId="ADAL" clId="{14F797DE-E75B-4062-A6FB-AA9F07155580}" dt="2023-12-29T18:24:14.937" v="3546" actId="20577"/>
+          <ac:spMkLst>
+            <pc:docMk/>
+            <pc:sldMk cId="2232562783" sldId="294"/>
+            <ac:spMk id="2" creationId="{31B75992-5098-A283-4925-2CCEBB801DC5}"/>
+          </ac:spMkLst>
+        </pc:spChg>
+        <pc:spChg chg="mod">
+          <ac:chgData name="Gibbons, Carl" userId="d2b037bc-8fb4-4222-845c-61440543a456" providerId="ADAL" clId="{14F797DE-E75B-4062-A6FB-AA9F07155580}" dt="2023-12-29T21:55:08.313" v="6852" actId="255"/>
+          <ac:spMkLst>
+            <pc:docMk/>
+            <pc:sldMk cId="2232562783" sldId="294"/>
+            <ac:spMk id="3" creationId="{B5924E0F-A977-1710-779D-EEB74261AF34}"/>
+          </ac:spMkLst>
+        </pc:spChg>
+      </pc:sldChg>
+      <pc:sldChg chg="modSp add mod">
+        <pc:chgData name="Gibbons, Carl" userId="d2b037bc-8fb4-4222-845c-61440543a456" providerId="ADAL" clId="{14F797DE-E75B-4062-A6FB-AA9F07155580}" dt="2023-12-29T21:55:02.689" v="6851" actId="255"/>
+        <pc:sldMkLst>
+          <pc:docMk/>
+          <pc:sldMk cId="806767687" sldId="295"/>
+        </pc:sldMkLst>
+        <pc:spChg chg="mod">
+          <ac:chgData name="Gibbons, Carl" userId="d2b037bc-8fb4-4222-845c-61440543a456" providerId="ADAL" clId="{14F797DE-E75B-4062-A6FB-AA9F07155580}" dt="2023-12-29T18:50:33.208" v="4036" actId="113"/>
+          <ac:spMkLst>
+            <pc:docMk/>
+            <pc:sldMk cId="806767687" sldId="295"/>
+            <ac:spMk id="2" creationId="{31B75992-5098-A283-4925-2CCEBB801DC5}"/>
+          </ac:spMkLst>
+        </pc:spChg>
+        <pc:spChg chg="mod">
+          <ac:chgData name="Gibbons, Carl" userId="d2b037bc-8fb4-4222-845c-61440543a456" providerId="ADAL" clId="{14F797DE-E75B-4062-A6FB-AA9F07155580}" dt="2023-12-29T21:55:02.689" v="6851" actId="255"/>
+          <ac:spMkLst>
+            <pc:docMk/>
+            <pc:sldMk cId="806767687" sldId="295"/>
+            <ac:spMk id="3" creationId="{B5924E0F-A977-1710-779D-EEB74261AF34}"/>
+          </ac:spMkLst>
+        </pc:spChg>
+      </pc:sldChg>
+      <pc:sldChg chg="modSp mod">
+        <pc:chgData name="Gibbons, Carl" userId="d2b037bc-8fb4-4222-845c-61440543a456" providerId="ADAL" clId="{14F797DE-E75B-4062-A6FB-AA9F07155580}" dt="2023-12-29T21:54:48.370" v="6850" actId="255"/>
+        <pc:sldMkLst>
+          <pc:docMk/>
+          <pc:sldMk cId="3145157247" sldId="296"/>
+        </pc:sldMkLst>
+        <pc:spChg chg="mod">
+          <ac:chgData name="Gibbons, Carl" userId="d2b037bc-8fb4-4222-845c-61440543a456" providerId="ADAL" clId="{14F797DE-E75B-4062-A6FB-AA9F07155580}" dt="2023-12-29T21:07:20.782" v="4695" actId="20577"/>
+          <ac:spMkLst>
+            <pc:docMk/>
+            <pc:sldMk cId="3145157247" sldId="296"/>
+            <ac:spMk id="2" creationId="{31B75992-5098-A283-4925-2CCEBB801DC5}"/>
+          </ac:spMkLst>
+        </pc:spChg>
+        <pc:spChg chg="mod">
+          <ac:chgData name="Gibbons, Carl" userId="d2b037bc-8fb4-4222-845c-61440543a456" providerId="ADAL" clId="{14F797DE-E75B-4062-A6FB-AA9F07155580}" dt="2023-12-29T21:54:48.370" v="6850" actId="255"/>
+          <ac:spMkLst>
+            <pc:docMk/>
+            <pc:sldMk cId="3145157247" sldId="296"/>
+            <ac:spMk id="3" creationId="{B5924E0F-A977-1710-779D-EEB74261AF34}"/>
+          </ac:spMkLst>
+        </pc:spChg>
+      </pc:sldChg>
+      <pc:sldChg chg="modSp mod">
+        <pc:chgData name="Gibbons, Carl" userId="d2b037bc-8fb4-4222-845c-61440543a456" providerId="ADAL" clId="{14F797DE-E75B-4062-A6FB-AA9F07155580}" dt="2023-12-29T21:54:42.630" v="6849" actId="255"/>
+        <pc:sldMkLst>
+          <pc:docMk/>
+          <pc:sldMk cId="2424714671" sldId="297"/>
+        </pc:sldMkLst>
+        <pc:spChg chg="mod">
+          <ac:chgData name="Gibbons, Carl" userId="d2b037bc-8fb4-4222-845c-61440543a456" providerId="ADAL" clId="{14F797DE-E75B-4062-A6FB-AA9F07155580}" dt="2023-12-29T21:07:54.964" v="4712" actId="20577"/>
+          <ac:spMkLst>
+            <pc:docMk/>
+            <pc:sldMk cId="2424714671" sldId="297"/>
+            <ac:spMk id="2" creationId="{31B75992-5098-A283-4925-2CCEBB801DC5}"/>
+          </ac:spMkLst>
+        </pc:spChg>
+        <pc:spChg chg="mod">
+          <ac:chgData name="Gibbons, Carl" userId="d2b037bc-8fb4-4222-845c-61440543a456" providerId="ADAL" clId="{14F797DE-E75B-4062-A6FB-AA9F07155580}" dt="2023-12-29T21:54:42.630" v="6849" actId="255"/>
+          <ac:spMkLst>
+            <pc:docMk/>
+            <pc:sldMk cId="2424714671" sldId="297"/>
+            <ac:spMk id="3" creationId="{B5924E0F-A977-1710-779D-EEB74261AF34}"/>
+          </ac:spMkLst>
+        </pc:spChg>
+      </pc:sldChg>
+      <pc:sldChg chg="modSp mod">
+        <pc:chgData name="Gibbons, Carl" userId="d2b037bc-8fb4-4222-845c-61440543a456" providerId="ADAL" clId="{14F797DE-E75B-4062-A6FB-AA9F07155580}" dt="2023-12-29T21:54:28.975" v="6848" actId="255"/>
+        <pc:sldMkLst>
+          <pc:docMk/>
+          <pc:sldMk cId="3450195044" sldId="298"/>
+        </pc:sldMkLst>
+        <pc:spChg chg="mod">
+          <ac:chgData name="Gibbons, Carl" userId="d2b037bc-8fb4-4222-845c-61440543a456" providerId="ADAL" clId="{14F797DE-E75B-4062-A6FB-AA9F07155580}" dt="2023-12-29T21:23:42.216" v="5202" actId="20577"/>
+          <ac:spMkLst>
+            <pc:docMk/>
+            <pc:sldMk cId="3450195044" sldId="298"/>
+            <ac:spMk id="2" creationId="{31B75992-5098-A283-4925-2CCEBB801DC5}"/>
+          </ac:spMkLst>
+        </pc:spChg>
+        <pc:spChg chg="mod">
+          <ac:chgData name="Gibbons, Carl" userId="d2b037bc-8fb4-4222-845c-61440543a456" providerId="ADAL" clId="{14F797DE-E75B-4062-A6FB-AA9F07155580}" dt="2023-12-29T21:54:28.975" v="6848" actId="255"/>
+          <ac:spMkLst>
+            <pc:docMk/>
+            <pc:sldMk cId="3450195044" sldId="298"/>
+            <ac:spMk id="3" creationId="{B5924E0F-A977-1710-779D-EEB74261AF34}"/>
+          </ac:spMkLst>
+        </pc:spChg>
+      </pc:sldChg>
+      <pc:sldChg chg="modSp mod">
+        <pc:chgData name="Gibbons, Carl" userId="d2b037bc-8fb4-4222-845c-61440543a456" providerId="ADAL" clId="{14F797DE-E75B-4062-A6FB-AA9F07155580}" dt="2023-12-29T21:54:18.720" v="6846" actId="255"/>
+        <pc:sldMkLst>
+          <pc:docMk/>
+          <pc:sldMk cId="3633122843" sldId="299"/>
+        </pc:sldMkLst>
+        <pc:spChg chg="mod">
+          <ac:chgData name="Gibbons, Carl" userId="d2b037bc-8fb4-4222-845c-61440543a456" providerId="ADAL" clId="{14F797DE-E75B-4062-A6FB-AA9F07155580}" dt="2023-12-29T21:31:23.761" v="5684" actId="20577"/>
+          <ac:spMkLst>
+            <pc:docMk/>
+            <pc:sldMk cId="3633122843" sldId="299"/>
+            <ac:spMk id="2" creationId="{31B75992-5098-A283-4925-2CCEBB801DC5}"/>
+          </ac:spMkLst>
+        </pc:spChg>
+        <pc:spChg chg="mod">
+          <ac:chgData name="Gibbons, Carl" userId="d2b037bc-8fb4-4222-845c-61440543a456" providerId="ADAL" clId="{14F797DE-E75B-4062-A6FB-AA9F07155580}" dt="2023-12-29T21:54:18.720" v="6846" actId="255"/>
+          <ac:spMkLst>
+            <pc:docMk/>
+            <pc:sldMk cId="3633122843" sldId="299"/>
+            <ac:spMk id="3" creationId="{B5924E0F-A977-1710-779D-EEB74261AF34}"/>
+          </ac:spMkLst>
+        </pc:spChg>
+      </pc:sldChg>
+    </pc:docChg>
+  </pc:docChgLst>
+  <pc:docChgLst>
+    <pc:chgData name="Gibbons, Carl" userId="d2b037bc-8fb4-4222-845c-61440543a456" providerId="ADAL" clId="{8C497311-FA0D-4174-880A-DAA4EEB2BF3B}"/>
+    <pc:docChg chg="custSel delSld modSld">
+      <pc:chgData name="Gibbons, Carl" userId="d2b037bc-8fb4-4222-845c-61440543a456" providerId="ADAL" clId="{8C497311-FA0D-4174-880A-DAA4EEB2BF3B}" dt="2023-12-29T17:07:57.293" v="7187" actId="20577"/>
+      <pc:docMkLst>
+        <pc:docMk/>
+      </pc:docMkLst>
+      <pc:sldChg chg="modSp mod">
+        <pc:chgData name="Gibbons, Carl" userId="d2b037bc-8fb4-4222-845c-61440543a456" providerId="ADAL" clId="{8C497311-FA0D-4174-880A-DAA4EEB2BF3B}" dt="2023-12-29T17:06:57.427" v="7098" actId="20577"/>
+        <pc:sldMkLst>
+          <pc:docMk/>
+          <pc:sldMk cId="3308175748" sldId="256"/>
+        </pc:sldMkLst>
+        <pc:spChg chg="mod">
+          <ac:chgData name="Gibbons, Carl" userId="d2b037bc-8fb4-4222-845c-61440543a456" providerId="ADAL" clId="{8C497311-FA0D-4174-880A-DAA4EEB2BF3B}" dt="2023-12-29T17:06:57.427" v="7098" actId="20577"/>
+          <ac:spMkLst>
+            <pc:docMk/>
+            <pc:sldMk cId="3308175748" sldId="256"/>
+            <ac:spMk id="3" creationId="{EEC4D41B-E776-05F2-BE0B-89BB339485AB}"/>
+          </ac:spMkLst>
+        </pc:spChg>
+      </pc:sldChg>
+      <pc:sldChg chg="modSp mod">
+        <pc:chgData name="Gibbons, Carl" userId="d2b037bc-8fb4-4222-845c-61440543a456" providerId="ADAL" clId="{8C497311-FA0D-4174-880A-DAA4EEB2BF3B}" dt="2023-12-29T15:08:44.674" v="3403" actId="20577"/>
+        <pc:sldMkLst>
+          <pc:docMk/>
+          <pc:sldMk cId="2312486803" sldId="261"/>
+        </pc:sldMkLst>
+        <pc:spChg chg="mod">
+          <ac:chgData name="Gibbons, Carl" userId="d2b037bc-8fb4-4222-845c-61440543a456" providerId="ADAL" clId="{8C497311-FA0D-4174-880A-DAA4EEB2BF3B}" dt="2023-12-29T14:20:41.496" v="51" actId="20577"/>
+          <ac:spMkLst>
+            <pc:docMk/>
+            <pc:sldMk cId="2312486803" sldId="261"/>
+            <ac:spMk id="2" creationId="{31B75992-5098-A283-4925-2CCEBB801DC5}"/>
+          </ac:spMkLst>
+        </pc:spChg>
+        <pc:spChg chg="mod">
+          <ac:chgData name="Gibbons, Carl" userId="d2b037bc-8fb4-4222-845c-61440543a456" providerId="ADAL" clId="{8C497311-FA0D-4174-880A-DAA4EEB2BF3B}" dt="2023-12-29T15:08:44.674" v="3403" actId="20577"/>
+          <ac:spMkLst>
+            <pc:docMk/>
+            <pc:sldMk cId="2312486803" sldId="261"/>
+            <ac:spMk id="3" creationId="{B5924E0F-A977-1710-779D-EEB74261AF34}"/>
+          </ac:spMkLst>
+        </pc:spChg>
+      </pc:sldChg>
+      <pc:sldChg chg="delSp modSp mod">
+        <pc:chgData name="Gibbons, Carl" userId="d2b037bc-8fb4-4222-845c-61440543a456" providerId="ADAL" clId="{8C497311-FA0D-4174-880A-DAA4EEB2BF3B}" dt="2023-12-29T17:07:57.293" v="7187" actId="20577"/>
+        <pc:sldMkLst>
+          <pc:docMk/>
+          <pc:sldMk cId="657795359" sldId="277"/>
+        </pc:sldMkLst>
+        <pc:spChg chg="mod">
+          <ac:chgData name="Gibbons, Carl" userId="d2b037bc-8fb4-4222-845c-61440543a456" providerId="ADAL" clId="{8C497311-FA0D-4174-880A-DAA4EEB2BF3B}" dt="2023-12-29T17:07:57.293" v="7187" actId="20577"/>
+          <ac:spMkLst>
+            <pc:docMk/>
+            <pc:sldMk cId="657795359" sldId="277"/>
+            <ac:spMk id="2" creationId="{1862E903-3C56-BB42-2361-009F2336475A}"/>
+          </ac:spMkLst>
+        </pc:spChg>
+        <pc:spChg chg="del mod">
+          <ac:chgData name="Gibbons, Carl" userId="d2b037bc-8fb4-4222-845c-61440543a456" providerId="ADAL" clId="{8C497311-FA0D-4174-880A-DAA4EEB2BF3B}" dt="2023-12-29T17:07:50.480" v="7185"/>
+          <ac:spMkLst>
+            <pc:docMk/>
+            <pc:sldMk cId="657795359" sldId="277"/>
+            <ac:spMk id="3" creationId="{90179172-96B3-95D0-A137-257770BE7642}"/>
+          </ac:spMkLst>
+        </pc:spChg>
+      </pc:sldChg>
+      <pc:sldChg chg="modSp mod">
+        <pc:chgData name="Gibbons, Carl" userId="d2b037bc-8fb4-4222-845c-61440543a456" providerId="ADAL" clId="{8C497311-FA0D-4174-880A-DAA4EEB2BF3B}" dt="2023-12-29T15:35:37.192" v="6042" actId="5793"/>
+        <pc:sldMkLst>
+          <pc:docMk/>
+          <pc:sldMk cId="3989541258" sldId="278"/>
+        </pc:sldMkLst>
+        <pc:spChg chg="mod">
+          <ac:chgData name="Gibbons, Carl" userId="d2b037bc-8fb4-4222-845c-61440543a456" providerId="ADAL" clId="{8C497311-FA0D-4174-880A-DAA4EEB2BF3B}" dt="2023-12-29T15:09:22.213" v="3411" actId="20577"/>
+          <ac:spMkLst>
+            <pc:docMk/>
+            <pc:sldMk cId="3989541258" sldId="278"/>
+            <ac:spMk id="2" creationId="{31B75992-5098-A283-4925-2CCEBB801DC5}"/>
+          </ac:spMkLst>
+        </pc:spChg>
+        <pc:spChg chg="mod">
+          <ac:chgData name="Gibbons, Carl" userId="d2b037bc-8fb4-4222-845c-61440543a456" providerId="ADAL" clId="{8C497311-FA0D-4174-880A-DAA4EEB2BF3B}" dt="2023-12-29T15:35:37.192" v="6042" actId="5793"/>
+          <ac:spMkLst>
+            <pc:docMk/>
+            <pc:sldMk cId="3989541258" sldId="278"/>
+            <ac:spMk id="3" creationId="{B5924E0F-A977-1710-779D-EEB74261AF34}"/>
+          </ac:spMkLst>
+        </pc:spChg>
+      </pc:sldChg>
+      <pc:sldChg chg="del">
+        <pc:chgData name="Gibbons, Carl" userId="d2b037bc-8fb4-4222-845c-61440543a456" providerId="ADAL" clId="{8C497311-FA0D-4174-880A-DAA4EEB2BF3B}" dt="2023-12-29T17:07:06.467" v="7099" actId="47"/>
+        <pc:sldMkLst>
+          <pc:docMk/>
+          <pc:sldMk cId="2335633195" sldId="279"/>
+        </pc:sldMkLst>
+      </pc:sldChg>
+      <pc:sldChg chg="del">
+        <pc:chgData name="Gibbons, Carl" userId="d2b037bc-8fb4-4222-845c-61440543a456" providerId="ADAL" clId="{8C497311-FA0D-4174-880A-DAA4EEB2BF3B}" dt="2023-12-29T17:07:07.395" v="7100" actId="47"/>
+        <pc:sldMkLst>
+          <pc:docMk/>
+          <pc:sldMk cId="1284534978" sldId="280"/>
+        </pc:sldMkLst>
+      </pc:sldChg>
+      <pc:sldChg chg="del">
+        <pc:chgData name="Gibbons, Carl" userId="d2b037bc-8fb4-4222-845c-61440543a456" providerId="ADAL" clId="{8C497311-FA0D-4174-880A-DAA4EEB2BF3B}" dt="2023-12-29T17:07:07.895" v="7101" actId="47"/>
+        <pc:sldMkLst>
+          <pc:docMk/>
+          <pc:sldMk cId="1802585387" sldId="281"/>
+        </pc:sldMkLst>
+      </pc:sldChg>
+      <pc:sldChg chg="del">
+        <pc:chgData name="Gibbons, Carl" userId="d2b037bc-8fb4-4222-845c-61440543a456" providerId="ADAL" clId="{8C497311-FA0D-4174-880A-DAA4EEB2BF3B}" dt="2023-12-29T17:07:08.365" v="7102" actId="47"/>
+        <pc:sldMkLst>
+          <pc:docMk/>
+          <pc:sldMk cId="724803187" sldId="282"/>
+        </pc:sldMkLst>
+      </pc:sldChg>
+      <pc:sldChg chg="del">
+        <pc:chgData name="Gibbons, Carl" userId="d2b037bc-8fb4-4222-845c-61440543a456" providerId="ADAL" clId="{8C497311-FA0D-4174-880A-DAA4EEB2BF3B}" dt="2023-12-29T17:07:08.842" v="7103" actId="47"/>
+        <pc:sldMkLst>
+          <pc:docMk/>
+          <pc:sldMk cId="1926009205" sldId="283"/>
+        </pc:sldMkLst>
+      </pc:sldChg>
+      <pc:sldChg chg="del">
+        <pc:chgData name="Gibbons, Carl" userId="d2b037bc-8fb4-4222-845c-61440543a456" providerId="ADAL" clId="{8C497311-FA0D-4174-880A-DAA4EEB2BF3B}" dt="2023-12-29T17:07:09.362" v="7104" actId="47"/>
+        <pc:sldMkLst>
+          <pc:docMk/>
+          <pc:sldMk cId="2366216895" sldId="284"/>
+        </pc:sldMkLst>
+      </pc:sldChg>
+      <pc:sldChg chg="del">
+        <pc:chgData name="Gibbons, Carl" userId="d2b037bc-8fb4-4222-845c-61440543a456" providerId="ADAL" clId="{8C497311-FA0D-4174-880A-DAA4EEB2BF3B}" dt="2023-12-29T17:07:09.925" v="7105" actId="47"/>
+        <pc:sldMkLst>
+          <pc:docMk/>
+          <pc:sldMk cId="3371896289" sldId="285"/>
+        </pc:sldMkLst>
+      </pc:sldChg>
+      <pc:sldChg chg="del">
+        <pc:chgData name="Gibbons, Carl" userId="d2b037bc-8fb4-4222-845c-61440543a456" providerId="ADAL" clId="{8C497311-FA0D-4174-880A-DAA4EEB2BF3B}" dt="2023-12-29T17:07:10.474" v="7106" actId="47"/>
+        <pc:sldMkLst>
+          <pc:docMk/>
+          <pc:sldMk cId="3193160409" sldId="286"/>
+        </pc:sldMkLst>
+      </pc:sldChg>
+      <pc:sldChg chg="del">
+        <pc:chgData name="Gibbons, Carl" userId="d2b037bc-8fb4-4222-845c-61440543a456" providerId="ADAL" clId="{8C497311-FA0D-4174-880A-DAA4EEB2BF3B}" dt="2023-12-29T17:07:11.056" v="7107" actId="47"/>
+        <pc:sldMkLst>
+          <pc:docMk/>
+          <pc:sldMk cId="2688338374" sldId="287"/>
+        </pc:sldMkLst>
+      </pc:sldChg>
+      <pc:sldChg chg="del">
+        <pc:chgData name="Gibbons, Carl" userId="d2b037bc-8fb4-4222-845c-61440543a456" providerId="ADAL" clId="{8C497311-FA0D-4174-880A-DAA4EEB2BF3B}" dt="2023-12-29T17:07:11.624" v="7108" actId="47"/>
+        <pc:sldMkLst>
+          <pc:docMk/>
+          <pc:sldMk cId="2142935017" sldId="288"/>
+        </pc:sldMkLst>
+      </pc:sldChg>
+      <pc:sldChg chg="del">
+        <pc:chgData name="Gibbons, Carl" userId="d2b037bc-8fb4-4222-845c-61440543a456" providerId="ADAL" clId="{8C497311-FA0D-4174-880A-DAA4EEB2BF3B}" dt="2023-12-29T17:07:12.218" v="7109" actId="47"/>
+        <pc:sldMkLst>
+          <pc:docMk/>
+          <pc:sldMk cId="2784625941" sldId="289"/>
+        </pc:sldMkLst>
+      </pc:sldChg>
+      <pc:sldChg chg="del">
+        <pc:chgData name="Gibbons, Carl" userId="d2b037bc-8fb4-4222-845c-61440543a456" providerId="ADAL" clId="{8C497311-FA0D-4174-880A-DAA4EEB2BF3B}" dt="2023-12-29T17:07:12.802" v="7110" actId="47"/>
+        <pc:sldMkLst>
+          <pc:docMk/>
+          <pc:sldMk cId="1677974689" sldId="290"/>
+        </pc:sldMkLst>
+      </pc:sldChg>
+      <pc:sldChg chg="del">
+        <pc:chgData name="Gibbons, Carl" userId="d2b037bc-8fb4-4222-845c-61440543a456" providerId="ADAL" clId="{8C497311-FA0D-4174-880A-DAA4EEB2BF3B}" dt="2023-12-29T17:07:13.420" v="7111" actId="47"/>
+        <pc:sldMkLst>
+          <pc:docMk/>
+          <pc:sldMk cId="4219326696" sldId="291"/>
+        </pc:sldMkLst>
+      </pc:sldChg>
+      <pc:sldChg chg="del">
+        <pc:chgData name="Gibbons, Carl" userId="d2b037bc-8fb4-4222-845c-61440543a456" providerId="ADAL" clId="{8C497311-FA0D-4174-880A-DAA4EEB2BF3B}" dt="2023-12-29T17:07:14.054" v="7112" actId="47"/>
+        <pc:sldMkLst>
+          <pc:docMk/>
+          <pc:sldMk cId="33911121" sldId="292"/>
+        </pc:sldMkLst>
+      </pc:sldChg>
+      <pc:sldChg chg="modSp mod">
+        <pc:chgData name="Gibbons, Carl" userId="d2b037bc-8fb4-4222-845c-61440543a456" providerId="ADAL" clId="{8C497311-FA0D-4174-880A-DAA4EEB2BF3B}" dt="2023-12-29T15:43:57.081" v="7062" actId="20577"/>
+        <pc:sldMkLst>
+          <pc:docMk/>
+          <pc:sldMk cId="1861646120" sldId="293"/>
+        </pc:sldMkLst>
+        <pc:spChg chg="mod">
+          <ac:chgData name="Gibbons, Carl" userId="d2b037bc-8fb4-4222-845c-61440543a456" providerId="ADAL" clId="{8C497311-FA0D-4174-880A-DAA4EEB2BF3B}" dt="2023-12-29T15:36:21.703" v="6112" actId="20577"/>
+          <ac:spMkLst>
+            <pc:docMk/>
+            <pc:sldMk cId="1861646120" sldId="293"/>
+            <ac:spMk id="2" creationId="{31B75992-5098-A283-4925-2CCEBB801DC5}"/>
+          </ac:spMkLst>
+        </pc:spChg>
+        <pc:spChg chg="mod">
+          <ac:chgData name="Gibbons, Carl" userId="d2b037bc-8fb4-4222-845c-61440543a456" providerId="ADAL" clId="{8C497311-FA0D-4174-880A-DAA4EEB2BF3B}" dt="2023-12-29T15:43:57.081" v="7062" actId="20577"/>
+          <ac:spMkLst>
+            <pc:docMk/>
+            <pc:sldMk cId="1861646120" sldId="293"/>
+            <ac:spMk id="3" creationId="{B5924E0F-A977-1710-779D-EEB74261AF34}"/>
+          </ac:spMkLst>
+        </pc:spChg>
+      </pc:sldChg>
+    </pc:docChg>
+  </pc:docChgLst>
+  <pc:docChgLst>
     <pc:chgData name="Gibbons, Carl" userId="d2b037bc-8fb4-4222-845c-61440543a456" providerId="ADAL" clId="{B22431BF-FF40-422E-84B9-DE35C0B96CC3}"/>
     <pc:docChg chg="undo custSel delSld modSld">
       <pc:chgData name="Gibbons, Carl" userId="d2b037bc-8fb4-4222-845c-61440543a456" providerId="ADAL" clId="{B22431BF-FF40-422E-84B9-DE35C0B96CC3}" dt="2024-01-04T23:02:20.392" v="6116" actId="20577"/>
@@ -355,6 +823,211 @@
             <pc:docMk/>
             <pc:sldMk cId="3488854045" sldId="302"/>
             <ac:spMk id="3" creationId="{B5924E0F-A977-1710-779D-EEB74261AF34}"/>
+          </ac:spMkLst>
+        </pc:spChg>
+      </pc:sldChg>
+    </pc:docChg>
+  </pc:docChgLst>
+  <pc:docChgLst>
+    <pc:chgData name="Gibbons, Carl" userId="d2b037bc-8fb4-4222-845c-61440543a456" providerId="ADAL" clId="{8B117223-2596-4D61-9C62-CC9BD4B9A421}"/>
+    <pc:docChg chg="custSel addSld delSld modSld">
+      <pc:chgData name="Gibbons, Carl" userId="d2b037bc-8fb4-4222-845c-61440543a456" providerId="ADAL" clId="{8B117223-2596-4D61-9C62-CC9BD4B9A421}" dt="2024-01-24T22:00:55.310" v="2286" actId="20577"/>
+      <pc:docMkLst>
+        <pc:docMk/>
+      </pc:docMkLst>
+      <pc:sldChg chg="modSp mod">
+        <pc:chgData name="Gibbons, Carl" userId="d2b037bc-8fb4-4222-845c-61440543a456" providerId="ADAL" clId="{8B117223-2596-4D61-9C62-CC9BD4B9A421}" dt="2024-01-16T00:57:55.449" v="2005" actId="20577"/>
+        <pc:sldMkLst>
+          <pc:docMk/>
+          <pc:sldMk cId="3308175748" sldId="256"/>
+        </pc:sldMkLst>
+        <pc:spChg chg="mod">
+          <ac:chgData name="Gibbons, Carl" userId="d2b037bc-8fb4-4222-845c-61440543a456" providerId="ADAL" clId="{8B117223-2596-4D61-9C62-CC9BD4B9A421}" dt="2024-01-16T00:57:55.449" v="2005" actId="20577"/>
+          <ac:spMkLst>
+            <pc:docMk/>
+            <pc:sldMk cId="3308175748" sldId="256"/>
+            <ac:spMk id="3" creationId="{EEC4D41B-E776-05F2-BE0B-89BB339485AB}"/>
+          </ac:spMkLst>
+        </pc:spChg>
+      </pc:sldChg>
+      <pc:sldChg chg="modSp mod">
+        <pc:chgData name="Gibbons, Carl" userId="d2b037bc-8fb4-4222-845c-61440543a456" providerId="ADAL" clId="{8B117223-2596-4D61-9C62-CC9BD4B9A421}" dt="2024-01-24T22:00:55.310" v="2286" actId="20577"/>
+        <pc:sldMkLst>
+          <pc:docMk/>
+          <pc:sldMk cId="2312486803" sldId="261"/>
+        </pc:sldMkLst>
+        <pc:spChg chg="mod">
+          <ac:chgData name="Gibbons, Carl" userId="d2b037bc-8fb4-4222-845c-61440543a456" providerId="ADAL" clId="{8B117223-2596-4D61-9C62-CC9BD4B9A421}" dt="2024-01-16T00:15:29.289" v="286" actId="20577"/>
+          <ac:spMkLst>
+            <pc:docMk/>
+            <pc:sldMk cId="2312486803" sldId="261"/>
+            <ac:spMk id="2" creationId="{31B75992-5098-A283-4925-2CCEBB801DC5}"/>
+          </ac:spMkLst>
+        </pc:spChg>
+        <pc:spChg chg="mod">
+          <ac:chgData name="Gibbons, Carl" userId="d2b037bc-8fb4-4222-845c-61440543a456" providerId="ADAL" clId="{8B117223-2596-4D61-9C62-CC9BD4B9A421}" dt="2024-01-24T22:00:55.310" v="2286" actId="20577"/>
+          <ac:spMkLst>
+            <pc:docMk/>
+            <pc:sldMk cId="2312486803" sldId="261"/>
+            <ac:spMk id="3" creationId="{B5924E0F-A977-1710-779D-EEB74261AF34}"/>
+          </ac:spMkLst>
+        </pc:spChg>
+      </pc:sldChg>
+      <pc:sldChg chg="modSp add mod">
+        <pc:chgData name="Gibbons, Carl" userId="d2b037bc-8fb4-4222-845c-61440543a456" providerId="ADAL" clId="{8B117223-2596-4D61-9C62-CC9BD4B9A421}" dt="2024-01-16T01:00:51.762" v="2281" actId="313"/>
+        <pc:sldMkLst>
+          <pc:docMk/>
+          <pc:sldMk cId="3885141102" sldId="262"/>
+        </pc:sldMkLst>
+        <pc:spChg chg="mod">
+          <ac:chgData name="Gibbons, Carl" userId="d2b037bc-8fb4-4222-845c-61440543a456" providerId="ADAL" clId="{8B117223-2596-4D61-9C62-CC9BD4B9A421}" dt="2024-01-16T00:42:42.463" v="1503" actId="20577"/>
+          <ac:spMkLst>
+            <pc:docMk/>
+            <pc:sldMk cId="3885141102" sldId="262"/>
+            <ac:spMk id="2" creationId="{31B75992-5098-A283-4925-2CCEBB801DC5}"/>
+          </ac:spMkLst>
+        </pc:spChg>
+        <pc:spChg chg="mod">
+          <ac:chgData name="Gibbons, Carl" userId="d2b037bc-8fb4-4222-845c-61440543a456" providerId="ADAL" clId="{8B117223-2596-4D61-9C62-CC9BD4B9A421}" dt="2024-01-16T01:00:51.762" v="2281" actId="313"/>
+          <ac:spMkLst>
+            <pc:docMk/>
+            <pc:sldMk cId="3885141102" sldId="262"/>
+            <ac:spMk id="3" creationId="{B5924E0F-A977-1710-779D-EEB74261AF34}"/>
+          </ac:spMkLst>
+        </pc:spChg>
+      </pc:sldChg>
+      <pc:sldChg chg="add">
+        <pc:chgData name="Gibbons, Carl" userId="d2b037bc-8fb4-4222-845c-61440543a456" providerId="ADAL" clId="{8B117223-2596-4D61-9C62-CC9BD4B9A421}" dt="2024-01-16T00:58:20.162" v="2006"/>
+        <pc:sldMkLst>
+          <pc:docMk/>
+          <pc:sldMk cId="1719402288" sldId="263"/>
+        </pc:sldMkLst>
+      </pc:sldChg>
+      <pc:sldChg chg="del">
+        <pc:chgData name="Gibbons, Carl" userId="d2b037bc-8fb4-4222-845c-61440543a456" providerId="ADAL" clId="{8B117223-2596-4D61-9C62-CC9BD4B9A421}" dt="2024-01-16T00:11:26.015" v="227" actId="47"/>
+        <pc:sldMkLst>
+          <pc:docMk/>
+          <pc:sldMk cId="3989541258" sldId="278"/>
+        </pc:sldMkLst>
+      </pc:sldChg>
+      <pc:sldChg chg="del">
+        <pc:chgData name="Gibbons, Carl" userId="d2b037bc-8fb4-4222-845c-61440543a456" providerId="ADAL" clId="{8B117223-2596-4D61-9C62-CC9BD4B9A421}" dt="2024-01-16T00:11:26.575" v="228" actId="47"/>
+        <pc:sldMkLst>
+          <pc:docMk/>
+          <pc:sldMk cId="1861646120" sldId="293"/>
+        </pc:sldMkLst>
+      </pc:sldChg>
+      <pc:sldChg chg="del">
+        <pc:chgData name="Gibbons, Carl" userId="d2b037bc-8fb4-4222-845c-61440543a456" providerId="ADAL" clId="{8B117223-2596-4D61-9C62-CC9BD4B9A421}" dt="2024-01-16T00:11:27.206" v="229" actId="47"/>
+        <pc:sldMkLst>
+          <pc:docMk/>
+          <pc:sldMk cId="2232562783" sldId="294"/>
+        </pc:sldMkLst>
+      </pc:sldChg>
+      <pc:sldChg chg="del">
+        <pc:chgData name="Gibbons, Carl" userId="d2b037bc-8fb4-4222-845c-61440543a456" providerId="ADAL" clId="{8B117223-2596-4D61-9C62-CC9BD4B9A421}" dt="2024-01-16T00:11:27.766" v="230" actId="47"/>
+        <pc:sldMkLst>
+          <pc:docMk/>
+          <pc:sldMk cId="845747584" sldId="300"/>
+        </pc:sldMkLst>
+      </pc:sldChg>
+      <pc:sldChg chg="del">
+        <pc:chgData name="Gibbons, Carl" userId="d2b037bc-8fb4-4222-845c-61440543a456" providerId="ADAL" clId="{8B117223-2596-4D61-9C62-CC9BD4B9A421}" dt="2024-01-16T00:11:30.314" v="231" actId="47"/>
+        <pc:sldMkLst>
+          <pc:docMk/>
+          <pc:sldMk cId="3372579319" sldId="301"/>
+        </pc:sldMkLst>
+      </pc:sldChg>
+    </pc:docChg>
+  </pc:docChgLst>
+  <pc:docChgLst>
+    <pc:chgData name="Gibbons, Carl" userId="d2b037bc-8fb4-4222-845c-61440543a456" providerId="ADAL" clId="{C1E6ABF6-BAED-4B26-97DB-20A1E8B7A1A4}"/>
+    <pc:docChg chg="custSel modSld">
+      <pc:chgData name="Gibbons, Carl" userId="d2b037bc-8fb4-4222-845c-61440543a456" providerId="ADAL" clId="{C1E6ABF6-BAED-4B26-97DB-20A1E8B7A1A4}" dt="2023-12-06T02:23:48.337" v="274" actId="20577"/>
+      <pc:docMkLst>
+        <pc:docMk/>
+      </pc:docMkLst>
+      <pc:sldChg chg="modSp mod">
+        <pc:chgData name="Gibbons, Carl" userId="d2b037bc-8fb4-4222-845c-61440543a456" providerId="ADAL" clId="{C1E6ABF6-BAED-4B26-97DB-20A1E8B7A1A4}" dt="2023-11-21T16:22:17.597" v="97" actId="20577"/>
+        <pc:sldMkLst>
+          <pc:docMk/>
+          <pc:sldMk cId="3308175748" sldId="256"/>
+        </pc:sldMkLst>
+        <pc:spChg chg="mod">
+          <ac:chgData name="Gibbons, Carl" userId="d2b037bc-8fb4-4222-845c-61440543a456" providerId="ADAL" clId="{C1E6ABF6-BAED-4B26-97DB-20A1E8B7A1A4}" dt="2023-11-21T05:49:34.464" v="2"/>
+          <ac:spMkLst>
+            <pc:docMk/>
+            <pc:sldMk cId="3308175748" sldId="256"/>
+            <ac:spMk id="2" creationId="{ACEA2649-DC6B-3373-A7E6-7F0E103D8B8B}"/>
+          </ac:spMkLst>
+        </pc:spChg>
+        <pc:spChg chg="mod">
+          <ac:chgData name="Gibbons, Carl" userId="d2b037bc-8fb4-4222-845c-61440543a456" providerId="ADAL" clId="{C1E6ABF6-BAED-4B26-97DB-20A1E8B7A1A4}" dt="2023-11-21T16:22:17.597" v="97" actId="20577"/>
+          <ac:spMkLst>
+            <pc:docMk/>
+            <pc:sldMk cId="3308175748" sldId="256"/>
+            <ac:spMk id="3" creationId="{EEC4D41B-E776-05F2-BE0B-89BB339485AB}"/>
+          </ac:spMkLst>
+        </pc:spChg>
+        <pc:spChg chg="mod">
+          <ac:chgData name="Gibbons, Carl" userId="d2b037bc-8fb4-4222-845c-61440543a456" providerId="ADAL" clId="{C1E6ABF6-BAED-4B26-97DB-20A1E8B7A1A4}" dt="2023-11-21T05:49:34.464" v="2"/>
+          <ac:spMkLst>
+            <pc:docMk/>
+            <pc:sldMk cId="3308175748" sldId="256"/>
+            <ac:spMk id="4" creationId="{4664ABB7-0B55-0242-2E51-B3286EE7B5EB}"/>
+          </ac:spMkLst>
+        </pc:spChg>
+      </pc:sldChg>
+      <pc:sldChg chg="modSp">
+        <pc:chgData name="Gibbons, Carl" userId="d2b037bc-8fb4-4222-845c-61440543a456" providerId="ADAL" clId="{C1E6ABF6-BAED-4B26-97DB-20A1E8B7A1A4}" dt="2023-11-21T05:49:34.464" v="2"/>
+        <pc:sldMkLst>
+          <pc:docMk/>
+          <pc:sldMk cId="2312486803" sldId="261"/>
+        </pc:sldMkLst>
+        <pc:spChg chg="mod">
+          <ac:chgData name="Gibbons, Carl" userId="d2b037bc-8fb4-4222-845c-61440543a456" providerId="ADAL" clId="{C1E6ABF6-BAED-4B26-97DB-20A1E8B7A1A4}" dt="2023-11-21T05:49:34.464" v="2"/>
+          <ac:spMkLst>
+            <pc:docMk/>
+            <pc:sldMk cId="2312486803" sldId="261"/>
+            <ac:spMk id="2" creationId="{31B75992-5098-A283-4925-2CCEBB801DC5}"/>
+          </ac:spMkLst>
+        </pc:spChg>
+      </pc:sldChg>
+      <pc:sldChg chg="modSp mod">
+        <pc:chgData name="Gibbons, Carl" userId="d2b037bc-8fb4-4222-845c-61440543a456" providerId="ADAL" clId="{C1E6ABF6-BAED-4B26-97DB-20A1E8B7A1A4}" dt="2023-11-21T07:48:19.790" v="77" actId="20577"/>
+        <pc:sldMkLst>
+          <pc:docMk/>
+          <pc:sldMk cId="378743348" sldId="270"/>
+        </pc:sldMkLst>
+        <pc:spChg chg="mod">
+          <ac:chgData name="Gibbons, Carl" userId="d2b037bc-8fb4-4222-845c-61440543a456" providerId="ADAL" clId="{C1E6ABF6-BAED-4B26-97DB-20A1E8B7A1A4}" dt="2023-11-21T07:48:19.790" v="77" actId="20577"/>
+          <ac:spMkLst>
+            <pc:docMk/>
+            <pc:sldMk cId="378743348" sldId="270"/>
+            <ac:spMk id="3" creationId="{80041865-9773-290D-EB35-F8AF8BFC505C}"/>
+          </ac:spMkLst>
+        </pc:spChg>
+      </pc:sldChg>
+      <pc:sldChg chg="modSp mod">
+        <pc:chgData name="Gibbons, Carl" userId="d2b037bc-8fb4-4222-845c-61440543a456" providerId="ADAL" clId="{C1E6ABF6-BAED-4B26-97DB-20A1E8B7A1A4}" dt="2023-12-06T02:23:48.337" v="274" actId="20577"/>
+        <pc:sldMkLst>
+          <pc:docMk/>
+          <pc:sldMk cId="657795359" sldId="277"/>
+        </pc:sldMkLst>
+        <pc:spChg chg="mod">
+          <ac:chgData name="Gibbons, Carl" userId="d2b037bc-8fb4-4222-845c-61440543a456" providerId="ADAL" clId="{C1E6ABF6-BAED-4B26-97DB-20A1E8B7A1A4}" dt="2023-11-21T05:49:34.464" v="2"/>
+          <ac:spMkLst>
+            <pc:docMk/>
+            <pc:sldMk cId="657795359" sldId="277"/>
+            <ac:spMk id="2" creationId="{1862E903-3C56-BB42-2361-009F2336475A}"/>
+          </ac:spMkLst>
+        </pc:spChg>
+        <pc:spChg chg="mod">
+          <ac:chgData name="Gibbons, Carl" userId="d2b037bc-8fb4-4222-845c-61440543a456" providerId="ADAL" clId="{C1E6ABF6-BAED-4B26-97DB-20A1E8B7A1A4}" dt="2023-12-06T02:23:48.337" v="274" actId="20577"/>
+          <ac:spMkLst>
+            <pc:docMk/>
+            <pc:sldMk cId="657795359" sldId="277"/>
+            <ac:spMk id="3" creationId="{90179172-96B3-95D0-A137-257770BE7642}"/>
           </ac:spMkLst>
         </pc:spChg>
       </pc:sldChg>
@@ -820,260 +1493,6 @@
     </pc:docChg>
   </pc:docChgLst>
   <pc:docChgLst>
-    <pc:chgData name="Gibbons, Carl" userId="d2b037bc-8fb4-4222-845c-61440543a456" providerId="ADAL" clId="{14F797DE-E75B-4062-A6FB-AA9F07155580}"/>
-    <pc:docChg chg="undo custSel addSld modSld">
-      <pc:chgData name="Gibbons, Carl" userId="d2b037bc-8fb4-4222-845c-61440543a456" providerId="ADAL" clId="{14F797DE-E75B-4062-A6FB-AA9F07155580}" dt="2023-12-29T21:55:15.574" v="6853" actId="255"/>
-      <pc:docMkLst>
-        <pc:docMk/>
-      </pc:docMkLst>
-      <pc:sldChg chg="modSp mod">
-        <pc:chgData name="Gibbons, Carl" userId="d2b037bc-8fb4-4222-845c-61440543a456" providerId="ADAL" clId="{14F797DE-E75B-4062-A6FB-AA9F07155580}" dt="2023-12-29T17:10:38.181" v="10" actId="20577"/>
-        <pc:sldMkLst>
-          <pc:docMk/>
-          <pc:sldMk cId="3308175748" sldId="256"/>
-        </pc:sldMkLst>
-        <pc:spChg chg="mod">
-          <ac:chgData name="Gibbons, Carl" userId="d2b037bc-8fb4-4222-845c-61440543a456" providerId="ADAL" clId="{14F797DE-E75B-4062-A6FB-AA9F07155580}" dt="2023-12-29T17:10:38.181" v="10" actId="20577"/>
-          <ac:spMkLst>
-            <pc:docMk/>
-            <pc:sldMk cId="3308175748" sldId="256"/>
-            <ac:spMk id="3" creationId="{EEC4D41B-E776-05F2-BE0B-89BB339485AB}"/>
-          </ac:spMkLst>
-        </pc:spChg>
-      </pc:sldChg>
-      <pc:sldChg chg="modSp mod">
-        <pc:chgData name="Gibbons, Carl" userId="d2b037bc-8fb4-4222-845c-61440543a456" providerId="ADAL" clId="{14F797DE-E75B-4062-A6FB-AA9F07155580}" dt="2023-12-29T17:51:52.012" v="2089" actId="20577"/>
-        <pc:sldMkLst>
-          <pc:docMk/>
-          <pc:sldMk cId="2312486803" sldId="261"/>
-        </pc:sldMkLst>
-        <pc:spChg chg="mod">
-          <ac:chgData name="Gibbons, Carl" userId="d2b037bc-8fb4-4222-845c-61440543a456" providerId="ADAL" clId="{14F797DE-E75B-4062-A6FB-AA9F07155580}" dt="2023-12-29T17:23:59.510" v="341" actId="20577"/>
-          <ac:spMkLst>
-            <pc:docMk/>
-            <pc:sldMk cId="2312486803" sldId="261"/>
-            <ac:spMk id="2" creationId="{31B75992-5098-A283-4925-2CCEBB801DC5}"/>
-          </ac:spMkLst>
-        </pc:spChg>
-        <pc:spChg chg="mod">
-          <ac:chgData name="Gibbons, Carl" userId="d2b037bc-8fb4-4222-845c-61440543a456" providerId="ADAL" clId="{14F797DE-E75B-4062-A6FB-AA9F07155580}" dt="2023-12-29T17:51:52.012" v="2089" actId="20577"/>
-          <ac:spMkLst>
-            <pc:docMk/>
-            <pc:sldMk cId="2312486803" sldId="261"/>
-            <ac:spMk id="3" creationId="{B5924E0F-A977-1710-779D-EEB74261AF34}"/>
-          </ac:spMkLst>
-        </pc:spChg>
-      </pc:sldChg>
-      <pc:sldChg chg="addSp modSp mod">
-        <pc:chgData name="Gibbons, Carl" userId="d2b037bc-8fb4-4222-845c-61440543a456" providerId="ADAL" clId="{14F797DE-E75B-4062-A6FB-AA9F07155580}" dt="2023-12-29T21:53:53.831" v="6845" actId="20577"/>
-        <pc:sldMkLst>
-          <pc:docMk/>
-          <pc:sldMk cId="657795359" sldId="277"/>
-        </pc:sldMkLst>
-        <pc:spChg chg="mod">
-          <ac:chgData name="Gibbons, Carl" userId="d2b037bc-8fb4-4222-845c-61440543a456" providerId="ADAL" clId="{14F797DE-E75B-4062-A6FB-AA9F07155580}" dt="2023-12-29T21:45:47.422" v="6393" actId="20577"/>
-          <ac:spMkLst>
-            <pc:docMk/>
-            <pc:sldMk cId="657795359" sldId="277"/>
-            <ac:spMk id="2" creationId="{1862E903-3C56-BB42-2361-009F2336475A}"/>
-          </ac:spMkLst>
-        </pc:spChg>
-        <pc:spChg chg="add mod">
-          <ac:chgData name="Gibbons, Carl" userId="d2b037bc-8fb4-4222-845c-61440543a456" providerId="ADAL" clId="{14F797DE-E75B-4062-A6FB-AA9F07155580}" dt="2023-12-29T21:53:53.831" v="6845" actId="20577"/>
-          <ac:spMkLst>
-            <pc:docMk/>
-            <pc:sldMk cId="657795359" sldId="277"/>
-            <ac:spMk id="3" creationId="{D9D594D6-F4EE-B0AB-C128-26D2D32F8E21}"/>
-          </ac:spMkLst>
-        </pc:spChg>
-      </pc:sldChg>
-      <pc:sldChg chg="modSp mod">
-        <pc:chgData name="Gibbons, Carl" userId="d2b037bc-8fb4-4222-845c-61440543a456" providerId="ADAL" clId="{14F797DE-E75B-4062-A6FB-AA9F07155580}" dt="2023-12-29T18:26:31.431" v="3669" actId="20577"/>
-        <pc:sldMkLst>
-          <pc:docMk/>
-          <pc:sldMk cId="3989541258" sldId="278"/>
-        </pc:sldMkLst>
-        <pc:spChg chg="mod">
-          <ac:chgData name="Gibbons, Carl" userId="d2b037bc-8fb4-4222-845c-61440543a456" providerId="ADAL" clId="{14F797DE-E75B-4062-A6FB-AA9F07155580}" dt="2023-12-29T17:53:20.837" v="2147" actId="20577"/>
-          <ac:spMkLst>
-            <pc:docMk/>
-            <pc:sldMk cId="3989541258" sldId="278"/>
-            <ac:spMk id="2" creationId="{31B75992-5098-A283-4925-2CCEBB801DC5}"/>
-          </ac:spMkLst>
-        </pc:spChg>
-        <pc:spChg chg="mod">
-          <ac:chgData name="Gibbons, Carl" userId="d2b037bc-8fb4-4222-845c-61440543a456" providerId="ADAL" clId="{14F797DE-E75B-4062-A6FB-AA9F07155580}" dt="2023-12-29T18:26:31.431" v="3669" actId="20577"/>
-          <ac:spMkLst>
-            <pc:docMk/>
-            <pc:sldMk cId="3989541258" sldId="278"/>
-            <ac:spMk id="3" creationId="{B5924E0F-A977-1710-779D-EEB74261AF34}"/>
-          </ac:spMkLst>
-        </pc:spChg>
-      </pc:sldChg>
-      <pc:sldChg chg="modSp mod">
-        <pc:chgData name="Gibbons, Carl" userId="d2b037bc-8fb4-4222-845c-61440543a456" providerId="ADAL" clId="{14F797DE-E75B-4062-A6FB-AA9F07155580}" dt="2023-12-29T21:55:15.574" v="6853" actId="255"/>
-        <pc:sldMkLst>
-          <pc:docMk/>
-          <pc:sldMk cId="1861646120" sldId="293"/>
-        </pc:sldMkLst>
-        <pc:spChg chg="mod">
-          <ac:chgData name="Gibbons, Carl" userId="d2b037bc-8fb4-4222-845c-61440543a456" providerId="ADAL" clId="{14F797DE-E75B-4062-A6FB-AA9F07155580}" dt="2023-12-29T18:01:10.039" v="2767" actId="20577"/>
-          <ac:spMkLst>
-            <pc:docMk/>
-            <pc:sldMk cId="1861646120" sldId="293"/>
-            <ac:spMk id="2" creationId="{31B75992-5098-A283-4925-2CCEBB801DC5}"/>
-          </ac:spMkLst>
-        </pc:spChg>
-        <pc:spChg chg="mod">
-          <ac:chgData name="Gibbons, Carl" userId="d2b037bc-8fb4-4222-845c-61440543a456" providerId="ADAL" clId="{14F797DE-E75B-4062-A6FB-AA9F07155580}" dt="2023-12-29T21:55:15.574" v="6853" actId="255"/>
-          <ac:spMkLst>
-            <pc:docMk/>
-            <pc:sldMk cId="1861646120" sldId="293"/>
-            <ac:spMk id="3" creationId="{B5924E0F-A977-1710-779D-EEB74261AF34}"/>
-          </ac:spMkLst>
-        </pc:spChg>
-      </pc:sldChg>
-      <pc:sldChg chg="modSp mod">
-        <pc:chgData name="Gibbons, Carl" userId="d2b037bc-8fb4-4222-845c-61440543a456" providerId="ADAL" clId="{14F797DE-E75B-4062-A6FB-AA9F07155580}" dt="2023-12-29T21:55:08.313" v="6852" actId="255"/>
-        <pc:sldMkLst>
-          <pc:docMk/>
-          <pc:sldMk cId="2232562783" sldId="294"/>
-        </pc:sldMkLst>
-        <pc:spChg chg="mod">
-          <ac:chgData name="Gibbons, Carl" userId="d2b037bc-8fb4-4222-845c-61440543a456" providerId="ADAL" clId="{14F797DE-E75B-4062-A6FB-AA9F07155580}" dt="2023-12-29T18:24:14.937" v="3546" actId="20577"/>
-          <ac:spMkLst>
-            <pc:docMk/>
-            <pc:sldMk cId="2232562783" sldId="294"/>
-            <ac:spMk id="2" creationId="{31B75992-5098-A283-4925-2CCEBB801DC5}"/>
-          </ac:spMkLst>
-        </pc:spChg>
-        <pc:spChg chg="mod">
-          <ac:chgData name="Gibbons, Carl" userId="d2b037bc-8fb4-4222-845c-61440543a456" providerId="ADAL" clId="{14F797DE-E75B-4062-A6FB-AA9F07155580}" dt="2023-12-29T21:55:08.313" v="6852" actId="255"/>
-          <ac:spMkLst>
-            <pc:docMk/>
-            <pc:sldMk cId="2232562783" sldId="294"/>
-            <ac:spMk id="3" creationId="{B5924E0F-A977-1710-779D-EEB74261AF34}"/>
-          </ac:spMkLst>
-        </pc:spChg>
-      </pc:sldChg>
-      <pc:sldChg chg="modSp add mod">
-        <pc:chgData name="Gibbons, Carl" userId="d2b037bc-8fb4-4222-845c-61440543a456" providerId="ADAL" clId="{14F797DE-E75B-4062-A6FB-AA9F07155580}" dt="2023-12-29T21:55:02.689" v="6851" actId="255"/>
-        <pc:sldMkLst>
-          <pc:docMk/>
-          <pc:sldMk cId="806767687" sldId="295"/>
-        </pc:sldMkLst>
-        <pc:spChg chg="mod">
-          <ac:chgData name="Gibbons, Carl" userId="d2b037bc-8fb4-4222-845c-61440543a456" providerId="ADAL" clId="{14F797DE-E75B-4062-A6FB-AA9F07155580}" dt="2023-12-29T18:50:33.208" v="4036" actId="113"/>
-          <ac:spMkLst>
-            <pc:docMk/>
-            <pc:sldMk cId="806767687" sldId="295"/>
-            <ac:spMk id="2" creationId="{31B75992-5098-A283-4925-2CCEBB801DC5}"/>
-          </ac:spMkLst>
-        </pc:spChg>
-        <pc:spChg chg="mod">
-          <ac:chgData name="Gibbons, Carl" userId="d2b037bc-8fb4-4222-845c-61440543a456" providerId="ADAL" clId="{14F797DE-E75B-4062-A6FB-AA9F07155580}" dt="2023-12-29T21:55:02.689" v="6851" actId="255"/>
-          <ac:spMkLst>
-            <pc:docMk/>
-            <pc:sldMk cId="806767687" sldId="295"/>
-            <ac:spMk id="3" creationId="{B5924E0F-A977-1710-779D-EEB74261AF34}"/>
-          </ac:spMkLst>
-        </pc:spChg>
-      </pc:sldChg>
-      <pc:sldChg chg="modSp mod">
-        <pc:chgData name="Gibbons, Carl" userId="d2b037bc-8fb4-4222-845c-61440543a456" providerId="ADAL" clId="{14F797DE-E75B-4062-A6FB-AA9F07155580}" dt="2023-12-29T21:54:48.370" v="6850" actId="255"/>
-        <pc:sldMkLst>
-          <pc:docMk/>
-          <pc:sldMk cId="3145157247" sldId="296"/>
-        </pc:sldMkLst>
-        <pc:spChg chg="mod">
-          <ac:chgData name="Gibbons, Carl" userId="d2b037bc-8fb4-4222-845c-61440543a456" providerId="ADAL" clId="{14F797DE-E75B-4062-A6FB-AA9F07155580}" dt="2023-12-29T21:07:20.782" v="4695" actId="20577"/>
-          <ac:spMkLst>
-            <pc:docMk/>
-            <pc:sldMk cId="3145157247" sldId="296"/>
-            <ac:spMk id="2" creationId="{31B75992-5098-A283-4925-2CCEBB801DC5}"/>
-          </ac:spMkLst>
-        </pc:spChg>
-        <pc:spChg chg="mod">
-          <ac:chgData name="Gibbons, Carl" userId="d2b037bc-8fb4-4222-845c-61440543a456" providerId="ADAL" clId="{14F797DE-E75B-4062-A6FB-AA9F07155580}" dt="2023-12-29T21:54:48.370" v="6850" actId="255"/>
-          <ac:spMkLst>
-            <pc:docMk/>
-            <pc:sldMk cId="3145157247" sldId="296"/>
-            <ac:spMk id="3" creationId="{B5924E0F-A977-1710-779D-EEB74261AF34}"/>
-          </ac:spMkLst>
-        </pc:spChg>
-      </pc:sldChg>
-      <pc:sldChg chg="modSp mod">
-        <pc:chgData name="Gibbons, Carl" userId="d2b037bc-8fb4-4222-845c-61440543a456" providerId="ADAL" clId="{14F797DE-E75B-4062-A6FB-AA9F07155580}" dt="2023-12-29T21:54:42.630" v="6849" actId="255"/>
-        <pc:sldMkLst>
-          <pc:docMk/>
-          <pc:sldMk cId="2424714671" sldId="297"/>
-        </pc:sldMkLst>
-        <pc:spChg chg="mod">
-          <ac:chgData name="Gibbons, Carl" userId="d2b037bc-8fb4-4222-845c-61440543a456" providerId="ADAL" clId="{14F797DE-E75B-4062-A6FB-AA9F07155580}" dt="2023-12-29T21:07:54.964" v="4712" actId="20577"/>
-          <ac:spMkLst>
-            <pc:docMk/>
-            <pc:sldMk cId="2424714671" sldId="297"/>
-            <ac:spMk id="2" creationId="{31B75992-5098-A283-4925-2CCEBB801DC5}"/>
-          </ac:spMkLst>
-        </pc:spChg>
-        <pc:spChg chg="mod">
-          <ac:chgData name="Gibbons, Carl" userId="d2b037bc-8fb4-4222-845c-61440543a456" providerId="ADAL" clId="{14F797DE-E75B-4062-A6FB-AA9F07155580}" dt="2023-12-29T21:54:42.630" v="6849" actId="255"/>
-          <ac:spMkLst>
-            <pc:docMk/>
-            <pc:sldMk cId="2424714671" sldId="297"/>
-            <ac:spMk id="3" creationId="{B5924E0F-A977-1710-779D-EEB74261AF34}"/>
-          </ac:spMkLst>
-        </pc:spChg>
-      </pc:sldChg>
-      <pc:sldChg chg="modSp mod">
-        <pc:chgData name="Gibbons, Carl" userId="d2b037bc-8fb4-4222-845c-61440543a456" providerId="ADAL" clId="{14F797DE-E75B-4062-A6FB-AA9F07155580}" dt="2023-12-29T21:54:28.975" v="6848" actId="255"/>
-        <pc:sldMkLst>
-          <pc:docMk/>
-          <pc:sldMk cId="3450195044" sldId="298"/>
-        </pc:sldMkLst>
-        <pc:spChg chg="mod">
-          <ac:chgData name="Gibbons, Carl" userId="d2b037bc-8fb4-4222-845c-61440543a456" providerId="ADAL" clId="{14F797DE-E75B-4062-A6FB-AA9F07155580}" dt="2023-12-29T21:23:42.216" v="5202" actId="20577"/>
-          <ac:spMkLst>
-            <pc:docMk/>
-            <pc:sldMk cId="3450195044" sldId="298"/>
-            <ac:spMk id="2" creationId="{31B75992-5098-A283-4925-2CCEBB801DC5}"/>
-          </ac:spMkLst>
-        </pc:spChg>
-        <pc:spChg chg="mod">
-          <ac:chgData name="Gibbons, Carl" userId="d2b037bc-8fb4-4222-845c-61440543a456" providerId="ADAL" clId="{14F797DE-E75B-4062-A6FB-AA9F07155580}" dt="2023-12-29T21:54:28.975" v="6848" actId="255"/>
-          <ac:spMkLst>
-            <pc:docMk/>
-            <pc:sldMk cId="3450195044" sldId="298"/>
-            <ac:spMk id="3" creationId="{B5924E0F-A977-1710-779D-EEB74261AF34}"/>
-          </ac:spMkLst>
-        </pc:spChg>
-      </pc:sldChg>
-      <pc:sldChg chg="modSp mod">
-        <pc:chgData name="Gibbons, Carl" userId="d2b037bc-8fb4-4222-845c-61440543a456" providerId="ADAL" clId="{14F797DE-E75B-4062-A6FB-AA9F07155580}" dt="2023-12-29T21:54:18.720" v="6846" actId="255"/>
-        <pc:sldMkLst>
-          <pc:docMk/>
-          <pc:sldMk cId="3633122843" sldId="299"/>
-        </pc:sldMkLst>
-        <pc:spChg chg="mod">
-          <ac:chgData name="Gibbons, Carl" userId="d2b037bc-8fb4-4222-845c-61440543a456" providerId="ADAL" clId="{14F797DE-E75B-4062-A6FB-AA9F07155580}" dt="2023-12-29T21:31:23.761" v="5684" actId="20577"/>
-          <ac:spMkLst>
-            <pc:docMk/>
-            <pc:sldMk cId="3633122843" sldId="299"/>
-            <ac:spMk id="2" creationId="{31B75992-5098-A283-4925-2CCEBB801DC5}"/>
-          </ac:spMkLst>
-        </pc:spChg>
-        <pc:spChg chg="mod">
-          <ac:chgData name="Gibbons, Carl" userId="d2b037bc-8fb4-4222-845c-61440543a456" providerId="ADAL" clId="{14F797DE-E75B-4062-A6FB-AA9F07155580}" dt="2023-12-29T21:54:18.720" v="6846" actId="255"/>
-          <ac:spMkLst>
-            <pc:docMk/>
-            <pc:sldMk cId="3633122843" sldId="299"/>
-            <ac:spMk id="3" creationId="{B5924E0F-A977-1710-779D-EEB74261AF34}"/>
-          </ac:spMkLst>
-        </pc:spChg>
-      </pc:sldChg>
-    </pc:docChg>
-  </pc:docChgLst>
-  <pc:docChgLst>
     <pc:chgData name="Gibbons, Carl" userId="d2b037bc-8fb4-4222-845c-61440543a456" providerId="ADAL" clId="{4505F98C-4CC4-4983-9729-597D2A150C85}"/>
     <pc:docChg chg="undo custSel addSld delSld modSld">
       <pc:chgData name="Gibbons, Carl" userId="d2b037bc-8fb4-4222-845c-61440543a456" providerId="ADAL" clId="{4505F98C-4CC4-4983-9729-597D2A150C85}" dt="2023-12-29T02:21:47.448" v="17685" actId="20577"/>
@@ -1561,425 +1980,6 @@
           <pc:docMk/>
           <pc:sldMk cId="852415543" sldId="293"/>
         </pc:sldMkLst>
-      </pc:sldChg>
-    </pc:docChg>
-  </pc:docChgLst>
-  <pc:docChgLst>
-    <pc:chgData name="Gibbons, Carl" userId="d2b037bc-8fb4-4222-845c-61440543a456" providerId="ADAL" clId="{8B117223-2596-4D61-9C62-CC9BD4B9A421}"/>
-    <pc:docChg chg="custSel addSld delSld modSld">
-      <pc:chgData name="Gibbons, Carl" userId="d2b037bc-8fb4-4222-845c-61440543a456" providerId="ADAL" clId="{8B117223-2596-4D61-9C62-CC9BD4B9A421}" dt="2024-01-24T22:00:55.310" v="2286" actId="20577"/>
-      <pc:docMkLst>
-        <pc:docMk/>
-      </pc:docMkLst>
-      <pc:sldChg chg="modSp mod">
-        <pc:chgData name="Gibbons, Carl" userId="d2b037bc-8fb4-4222-845c-61440543a456" providerId="ADAL" clId="{8B117223-2596-4D61-9C62-CC9BD4B9A421}" dt="2024-01-16T00:57:55.449" v="2005" actId="20577"/>
-        <pc:sldMkLst>
-          <pc:docMk/>
-          <pc:sldMk cId="3308175748" sldId="256"/>
-        </pc:sldMkLst>
-        <pc:spChg chg="mod">
-          <ac:chgData name="Gibbons, Carl" userId="d2b037bc-8fb4-4222-845c-61440543a456" providerId="ADAL" clId="{8B117223-2596-4D61-9C62-CC9BD4B9A421}" dt="2024-01-16T00:57:55.449" v="2005" actId="20577"/>
-          <ac:spMkLst>
-            <pc:docMk/>
-            <pc:sldMk cId="3308175748" sldId="256"/>
-            <ac:spMk id="3" creationId="{EEC4D41B-E776-05F2-BE0B-89BB339485AB}"/>
-          </ac:spMkLst>
-        </pc:spChg>
-      </pc:sldChg>
-      <pc:sldChg chg="modSp mod">
-        <pc:chgData name="Gibbons, Carl" userId="d2b037bc-8fb4-4222-845c-61440543a456" providerId="ADAL" clId="{8B117223-2596-4D61-9C62-CC9BD4B9A421}" dt="2024-01-24T22:00:55.310" v="2286" actId="20577"/>
-        <pc:sldMkLst>
-          <pc:docMk/>
-          <pc:sldMk cId="2312486803" sldId="261"/>
-        </pc:sldMkLst>
-        <pc:spChg chg="mod">
-          <ac:chgData name="Gibbons, Carl" userId="d2b037bc-8fb4-4222-845c-61440543a456" providerId="ADAL" clId="{8B117223-2596-4D61-9C62-CC9BD4B9A421}" dt="2024-01-16T00:15:29.289" v="286" actId="20577"/>
-          <ac:spMkLst>
-            <pc:docMk/>
-            <pc:sldMk cId="2312486803" sldId="261"/>
-            <ac:spMk id="2" creationId="{31B75992-5098-A283-4925-2CCEBB801DC5}"/>
-          </ac:spMkLst>
-        </pc:spChg>
-        <pc:spChg chg="mod">
-          <ac:chgData name="Gibbons, Carl" userId="d2b037bc-8fb4-4222-845c-61440543a456" providerId="ADAL" clId="{8B117223-2596-4D61-9C62-CC9BD4B9A421}" dt="2024-01-24T22:00:55.310" v="2286" actId="20577"/>
-          <ac:spMkLst>
-            <pc:docMk/>
-            <pc:sldMk cId="2312486803" sldId="261"/>
-            <ac:spMk id="3" creationId="{B5924E0F-A977-1710-779D-EEB74261AF34}"/>
-          </ac:spMkLst>
-        </pc:spChg>
-      </pc:sldChg>
-      <pc:sldChg chg="modSp add mod">
-        <pc:chgData name="Gibbons, Carl" userId="d2b037bc-8fb4-4222-845c-61440543a456" providerId="ADAL" clId="{8B117223-2596-4D61-9C62-CC9BD4B9A421}" dt="2024-01-16T01:00:51.762" v="2281" actId="313"/>
-        <pc:sldMkLst>
-          <pc:docMk/>
-          <pc:sldMk cId="3885141102" sldId="262"/>
-        </pc:sldMkLst>
-        <pc:spChg chg="mod">
-          <ac:chgData name="Gibbons, Carl" userId="d2b037bc-8fb4-4222-845c-61440543a456" providerId="ADAL" clId="{8B117223-2596-4D61-9C62-CC9BD4B9A421}" dt="2024-01-16T00:42:42.463" v="1503" actId="20577"/>
-          <ac:spMkLst>
-            <pc:docMk/>
-            <pc:sldMk cId="3885141102" sldId="262"/>
-            <ac:spMk id="2" creationId="{31B75992-5098-A283-4925-2CCEBB801DC5}"/>
-          </ac:spMkLst>
-        </pc:spChg>
-        <pc:spChg chg="mod">
-          <ac:chgData name="Gibbons, Carl" userId="d2b037bc-8fb4-4222-845c-61440543a456" providerId="ADAL" clId="{8B117223-2596-4D61-9C62-CC9BD4B9A421}" dt="2024-01-16T01:00:51.762" v="2281" actId="313"/>
-          <ac:spMkLst>
-            <pc:docMk/>
-            <pc:sldMk cId="3885141102" sldId="262"/>
-            <ac:spMk id="3" creationId="{B5924E0F-A977-1710-779D-EEB74261AF34}"/>
-          </ac:spMkLst>
-        </pc:spChg>
-      </pc:sldChg>
-      <pc:sldChg chg="add">
-        <pc:chgData name="Gibbons, Carl" userId="d2b037bc-8fb4-4222-845c-61440543a456" providerId="ADAL" clId="{8B117223-2596-4D61-9C62-CC9BD4B9A421}" dt="2024-01-16T00:58:20.162" v="2006"/>
-        <pc:sldMkLst>
-          <pc:docMk/>
-          <pc:sldMk cId="1719402288" sldId="263"/>
-        </pc:sldMkLst>
-      </pc:sldChg>
-      <pc:sldChg chg="del">
-        <pc:chgData name="Gibbons, Carl" userId="d2b037bc-8fb4-4222-845c-61440543a456" providerId="ADAL" clId="{8B117223-2596-4D61-9C62-CC9BD4B9A421}" dt="2024-01-16T00:11:26.015" v="227" actId="47"/>
-        <pc:sldMkLst>
-          <pc:docMk/>
-          <pc:sldMk cId="3989541258" sldId="278"/>
-        </pc:sldMkLst>
-      </pc:sldChg>
-      <pc:sldChg chg="del">
-        <pc:chgData name="Gibbons, Carl" userId="d2b037bc-8fb4-4222-845c-61440543a456" providerId="ADAL" clId="{8B117223-2596-4D61-9C62-CC9BD4B9A421}" dt="2024-01-16T00:11:26.575" v="228" actId="47"/>
-        <pc:sldMkLst>
-          <pc:docMk/>
-          <pc:sldMk cId="1861646120" sldId="293"/>
-        </pc:sldMkLst>
-      </pc:sldChg>
-      <pc:sldChg chg="del">
-        <pc:chgData name="Gibbons, Carl" userId="d2b037bc-8fb4-4222-845c-61440543a456" providerId="ADAL" clId="{8B117223-2596-4D61-9C62-CC9BD4B9A421}" dt="2024-01-16T00:11:27.206" v="229" actId="47"/>
-        <pc:sldMkLst>
-          <pc:docMk/>
-          <pc:sldMk cId="2232562783" sldId="294"/>
-        </pc:sldMkLst>
-      </pc:sldChg>
-      <pc:sldChg chg="del">
-        <pc:chgData name="Gibbons, Carl" userId="d2b037bc-8fb4-4222-845c-61440543a456" providerId="ADAL" clId="{8B117223-2596-4D61-9C62-CC9BD4B9A421}" dt="2024-01-16T00:11:27.766" v="230" actId="47"/>
-        <pc:sldMkLst>
-          <pc:docMk/>
-          <pc:sldMk cId="845747584" sldId="300"/>
-        </pc:sldMkLst>
-      </pc:sldChg>
-      <pc:sldChg chg="del">
-        <pc:chgData name="Gibbons, Carl" userId="d2b037bc-8fb4-4222-845c-61440543a456" providerId="ADAL" clId="{8B117223-2596-4D61-9C62-CC9BD4B9A421}" dt="2024-01-16T00:11:30.314" v="231" actId="47"/>
-        <pc:sldMkLst>
-          <pc:docMk/>
-          <pc:sldMk cId="3372579319" sldId="301"/>
-        </pc:sldMkLst>
-      </pc:sldChg>
-    </pc:docChg>
-  </pc:docChgLst>
-  <pc:docChgLst>
-    <pc:chgData name="Gibbons, Carl" userId="d2b037bc-8fb4-4222-845c-61440543a456" providerId="ADAL" clId="{C1E6ABF6-BAED-4B26-97DB-20A1E8B7A1A4}"/>
-    <pc:docChg chg="custSel modSld">
-      <pc:chgData name="Gibbons, Carl" userId="d2b037bc-8fb4-4222-845c-61440543a456" providerId="ADAL" clId="{C1E6ABF6-BAED-4B26-97DB-20A1E8B7A1A4}" dt="2023-12-06T02:23:48.337" v="274" actId="20577"/>
-      <pc:docMkLst>
-        <pc:docMk/>
-      </pc:docMkLst>
-      <pc:sldChg chg="modSp mod">
-        <pc:chgData name="Gibbons, Carl" userId="d2b037bc-8fb4-4222-845c-61440543a456" providerId="ADAL" clId="{C1E6ABF6-BAED-4B26-97DB-20A1E8B7A1A4}" dt="2023-11-21T16:22:17.597" v="97" actId="20577"/>
-        <pc:sldMkLst>
-          <pc:docMk/>
-          <pc:sldMk cId="3308175748" sldId="256"/>
-        </pc:sldMkLst>
-        <pc:spChg chg="mod">
-          <ac:chgData name="Gibbons, Carl" userId="d2b037bc-8fb4-4222-845c-61440543a456" providerId="ADAL" clId="{C1E6ABF6-BAED-4B26-97DB-20A1E8B7A1A4}" dt="2023-11-21T05:49:34.464" v="2"/>
-          <ac:spMkLst>
-            <pc:docMk/>
-            <pc:sldMk cId="3308175748" sldId="256"/>
-            <ac:spMk id="2" creationId="{ACEA2649-DC6B-3373-A7E6-7F0E103D8B8B}"/>
-          </ac:spMkLst>
-        </pc:spChg>
-        <pc:spChg chg="mod">
-          <ac:chgData name="Gibbons, Carl" userId="d2b037bc-8fb4-4222-845c-61440543a456" providerId="ADAL" clId="{C1E6ABF6-BAED-4B26-97DB-20A1E8B7A1A4}" dt="2023-11-21T16:22:17.597" v="97" actId="20577"/>
-          <ac:spMkLst>
-            <pc:docMk/>
-            <pc:sldMk cId="3308175748" sldId="256"/>
-            <ac:spMk id="3" creationId="{EEC4D41B-E776-05F2-BE0B-89BB339485AB}"/>
-          </ac:spMkLst>
-        </pc:spChg>
-        <pc:spChg chg="mod">
-          <ac:chgData name="Gibbons, Carl" userId="d2b037bc-8fb4-4222-845c-61440543a456" providerId="ADAL" clId="{C1E6ABF6-BAED-4B26-97DB-20A1E8B7A1A4}" dt="2023-11-21T05:49:34.464" v="2"/>
-          <ac:spMkLst>
-            <pc:docMk/>
-            <pc:sldMk cId="3308175748" sldId="256"/>
-            <ac:spMk id="4" creationId="{4664ABB7-0B55-0242-2E51-B3286EE7B5EB}"/>
-          </ac:spMkLst>
-        </pc:spChg>
-      </pc:sldChg>
-      <pc:sldChg chg="modSp">
-        <pc:chgData name="Gibbons, Carl" userId="d2b037bc-8fb4-4222-845c-61440543a456" providerId="ADAL" clId="{C1E6ABF6-BAED-4B26-97DB-20A1E8B7A1A4}" dt="2023-11-21T05:49:34.464" v="2"/>
-        <pc:sldMkLst>
-          <pc:docMk/>
-          <pc:sldMk cId="2312486803" sldId="261"/>
-        </pc:sldMkLst>
-        <pc:spChg chg="mod">
-          <ac:chgData name="Gibbons, Carl" userId="d2b037bc-8fb4-4222-845c-61440543a456" providerId="ADAL" clId="{C1E6ABF6-BAED-4B26-97DB-20A1E8B7A1A4}" dt="2023-11-21T05:49:34.464" v="2"/>
-          <ac:spMkLst>
-            <pc:docMk/>
-            <pc:sldMk cId="2312486803" sldId="261"/>
-            <ac:spMk id="2" creationId="{31B75992-5098-A283-4925-2CCEBB801DC5}"/>
-          </ac:spMkLst>
-        </pc:spChg>
-      </pc:sldChg>
-      <pc:sldChg chg="modSp mod">
-        <pc:chgData name="Gibbons, Carl" userId="d2b037bc-8fb4-4222-845c-61440543a456" providerId="ADAL" clId="{C1E6ABF6-BAED-4B26-97DB-20A1E8B7A1A4}" dt="2023-11-21T07:48:19.790" v="77" actId="20577"/>
-        <pc:sldMkLst>
-          <pc:docMk/>
-          <pc:sldMk cId="378743348" sldId="270"/>
-        </pc:sldMkLst>
-        <pc:spChg chg="mod">
-          <ac:chgData name="Gibbons, Carl" userId="d2b037bc-8fb4-4222-845c-61440543a456" providerId="ADAL" clId="{C1E6ABF6-BAED-4B26-97DB-20A1E8B7A1A4}" dt="2023-11-21T07:48:19.790" v="77" actId="20577"/>
-          <ac:spMkLst>
-            <pc:docMk/>
-            <pc:sldMk cId="378743348" sldId="270"/>
-            <ac:spMk id="3" creationId="{80041865-9773-290D-EB35-F8AF8BFC505C}"/>
-          </ac:spMkLst>
-        </pc:spChg>
-      </pc:sldChg>
-      <pc:sldChg chg="modSp mod">
-        <pc:chgData name="Gibbons, Carl" userId="d2b037bc-8fb4-4222-845c-61440543a456" providerId="ADAL" clId="{C1E6ABF6-BAED-4B26-97DB-20A1E8B7A1A4}" dt="2023-12-06T02:23:48.337" v="274" actId="20577"/>
-        <pc:sldMkLst>
-          <pc:docMk/>
-          <pc:sldMk cId="657795359" sldId="277"/>
-        </pc:sldMkLst>
-        <pc:spChg chg="mod">
-          <ac:chgData name="Gibbons, Carl" userId="d2b037bc-8fb4-4222-845c-61440543a456" providerId="ADAL" clId="{C1E6ABF6-BAED-4B26-97DB-20A1E8B7A1A4}" dt="2023-11-21T05:49:34.464" v="2"/>
-          <ac:spMkLst>
-            <pc:docMk/>
-            <pc:sldMk cId="657795359" sldId="277"/>
-            <ac:spMk id="2" creationId="{1862E903-3C56-BB42-2361-009F2336475A}"/>
-          </ac:spMkLst>
-        </pc:spChg>
-        <pc:spChg chg="mod">
-          <ac:chgData name="Gibbons, Carl" userId="d2b037bc-8fb4-4222-845c-61440543a456" providerId="ADAL" clId="{C1E6ABF6-BAED-4B26-97DB-20A1E8B7A1A4}" dt="2023-12-06T02:23:48.337" v="274" actId="20577"/>
-          <ac:spMkLst>
-            <pc:docMk/>
-            <pc:sldMk cId="657795359" sldId="277"/>
-            <ac:spMk id="3" creationId="{90179172-96B3-95D0-A137-257770BE7642}"/>
-          </ac:spMkLst>
-        </pc:spChg>
-      </pc:sldChg>
-    </pc:docChg>
-  </pc:docChgLst>
-  <pc:docChgLst>
-    <pc:chgData name="Gibbons, Carl" userId="d2b037bc-8fb4-4222-845c-61440543a456" providerId="ADAL" clId="{8C497311-FA0D-4174-880A-DAA4EEB2BF3B}"/>
-    <pc:docChg chg="custSel delSld modSld">
-      <pc:chgData name="Gibbons, Carl" userId="d2b037bc-8fb4-4222-845c-61440543a456" providerId="ADAL" clId="{8C497311-FA0D-4174-880A-DAA4EEB2BF3B}" dt="2023-12-29T17:07:57.293" v="7187" actId="20577"/>
-      <pc:docMkLst>
-        <pc:docMk/>
-      </pc:docMkLst>
-      <pc:sldChg chg="modSp mod">
-        <pc:chgData name="Gibbons, Carl" userId="d2b037bc-8fb4-4222-845c-61440543a456" providerId="ADAL" clId="{8C497311-FA0D-4174-880A-DAA4EEB2BF3B}" dt="2023-12-29T17:06:57.427" v="7098" actId="20577"/>
-        <pc:sldMkLst>
-          <pc:docMk/>
-          <pc:sldMk cId="3308175748" sldId="256"/>
-        </pc:sldMkLst>
-        <pc:spChg chg="mod">
-          <ac:chgData name="Gibbons, Carl" userId="d2b037bc-8fb4-4222-845c-61440543a456" providerId="ADAL" clId="{8C497311-FA0D-4174-880A-DAA4EEB2BF3B}" dt="2023-12-29T17:06:57.427" v="7098" actId="20577"/>
-          <ac:spMkLst>
-            <pc:docMk/>
-            <pc:sldMk cId="3308175748" sldId="256"/>
-            <ac:spMk id="3" creationId="{EEC4D41B-E776-05F2-BE0B-89BB339485AB}"/>
-          </ac:spMkLst>
-        </pc:spChg>
-      </pc:sldChg>
-      <pc:sldChg chg="modSp mod">
-        <pc:chgData name="Gibbons, Carl" userId="d2b037bc-8fb4-4222-845c-61440543a456" providerId="ADAL" clId="{8C497311-FA0D-4174-880A-DAA4EEB2BF3B}" dt="2023-12-29T15:08:44.674" v="3403" actId="20577"/>
-        <pc:sldMkLst>
-          <pc:docMk/>
-          <pc:sldMk cId="2312486803" sldId="261"/>
-        </pc:sldMkLst>
-        <pc:spChg chg="mod">
-          <ac:chgData name="Gibbons, Carl" userId="d2b037bc-8fb4-4222-845c-61440543a456" providerId="ADAL" clId="{8C497311-FA0D-4174-880A-DAA4EEB2BF3B}" dt="2023-12-29T14:20:41.496" v="51" actId="20577"/>
-          <ac:spMkLst>
-            <pc:docMk/>
-            <pc:sldMk cId="2312486803" sldId="261"/>
-            <ac:spMk id="2" creationId="{31B75992-5098-A283-4925-2CCEBB801DC5}"/>
-          </ac:spMkLst>
-        </pc:spChg>
-        <pc:spChg chg="mod">
-          <ac:chgData name="Gibbons, Carl" userId="d2b037bc-8fb4-4222-845c-61440543a456" providerId="ADAL" clId="{8C497311-FA0D-4174-880A-DAA4EEB2BF3B}" dt="2023-12-29T15:08:44.674" v="3403" actId="20577"/>
-          <ac:spMkLst>
-            <pc:docMk/>
-            <pc:sldMk cId="2312486803" sldId="261"/>
-            <ac:spMk id="3" creationId="{B5924E0F-A977-1710-779D-EEB74261AF34}"/>
-          </ac:spMkLst>
-        </pc:spChg>
-      </pc:sldChg>
-      <pc:sldChg chg="delSp modSp mod">
-        <pc:chgData name="Gibbons, Carl" userId="d2b037bc-8fb4-4222-845c-61440543a456" providerId="ADAL" clId="{8C497311-FA0D-4174-880A-DAA4EEB2BF3B}" dt="2023-12-29T17:07:57.293" v="7187" actId="20577"/>
-        <pc:sldMkLst>
-          <pc:docMk/>
-          <pc:sldMk cId="657795359" sldId="277"/>
-        </pc:sldMkLst>
-        <pc:spChg chg="mod">
-          <ac:chgData name="Gibbons, Carl" userId="d2b037bc-8fb4-4222-845c-61440543a456" providerId="ADAL" clId="{8C497311-FA0D-4174-880A-DAA4EEB2BF3B}" dt="2023-12-29T17:07:57.293" v="7187" actId="20577"/>
-          <ac:spMkLst>
-            <pc:docMk/>
-            <pc:sldMk cId="657795359" sldId="277"/>
-            <ac:spMk id="2" creationId="{1862E903-3C56-BB42-2361-009F2336475A}"/>
-          </ac:spMkLst>
-        </pc:spChg>
-        <pc:spChg chg="del mod">
-          <ac:chgData name="Gibbons, Carl" userId="d2b037bc-8fb4-4222-845c-61440543a456" providerId="ADAL" clId="{8C497311-FA0D-4174-880A-DAA4EEB2BF3B}" dt="2023-12-29T17:07:50.480" v="7185"/>
-          <ac:spMkLst>
-            <pc:docMk/>
-            <pc:sldMk cId="657795359" sldId="277"/>
-            <ac:spMk id="3" creationId="{90179172-96B3-95D0-A137-257770BE7642}"/>
-          </ac:spMkLst>
-        </pc:spChg>
-      </pc:sldChg>
-      <pc:sldChg chg="modSp mod">
-        <pc:chgData name="Gibbons, Carl" userId="d2b037bc-8fb4-4222-845c-61440543a456" providerId="ADAL" clId="{8C497311-FA0D-4174-880A-DAA4EEB2BF3B}" dt="2023-12-29T15:35:37.192" v="6042" actId="5793"/>
-        <pc:sldMkLst>
-          <pc:docMk/>
-          <pc:sldMk cId="3989541258" sldId="278"/>
-        </pc:sldMkLst>
-        <pc:spChg chg="mod">
-          <ac:chgData name="Gibbons, Carl" userId="d2b037bc-8fb4-4222-845c-61440543a456" providerId="ADAL" clId="{8C497311-FA0D-4174-880A-DAA4EEB2BF3B}" dt="2023-12-29T15:09:22.213" v="3411" actId="20577"/>
-          <ac:spMkLst>
-            <pc:docMk/>
-            <pc:sldMk cId="3989541258" sldId="278"/>
-            <ac:spMk id="2" creationId="{31B75992-5098-A283-4925-2CCEBB801DC5}"/>
-          </ac:spMkLst>
-        </pc:spChg>
-        <pc:spChg chg="mod">
-          <ac:chgData name="Gibbons, Carl" userId="d2b037bc-8fb4-4222-845c-61440543a456" providerId="ADAL" clId="{8C497311-FA0D-4174-880A-DAA4EEB2BF3B}" dt="2023-12-29T15:35:37.192" v="6042" actId="5793"/>
-          <ac:spMkLst>
-            <pc:docMk/>
-            <pc:sldMk cId="3989541258" sldId="278"/>
-            <ac:spMk id="3" creationId="{B5924E0F-A977-1710-779D-EEB74261AF34}"/>
-          </ac:spMkLst>
-        </pc:spChg>
-      </pc:sldChg>
-      <pc:sldChg chg="del">
-        <pc:chgData name="Gibbons, Carl" userId="d2b037bc-8fb4-4222-845c-61440543a456" providerId="ADAL" clId="{8C497311-FA0D-4174-880A-DAA4EEB2BF3B}" dt="2023-12-29T17:07:06.467" v="7099" actId="47"/>
-        <pc:sldMkLst>
-          <pc:docMk/>
-          <pc:sldMk cId="2335633195" sldId="279"/>
-        </pc:sldMkLst>
-      </pc:sldChg>
-      <pc:sldChg chg="del">
-        <pc:chgData name="Gibbons, Carl" userId="d2b037bc-8fb4-4222-845c-61440543a456" providerId="ADAL" clId="{8C497311-FA0D-4174-880A-DAA4EEB2BF3B}" dt="2023-12-29T17:07:07.395" v="7100" actId="47"/>
-        <pc:sldMkLst>
-          <pc:docMk/>
-          <pc:sldMk cId="1284534978" sldId="280"/>
-        </pc:sldMkLst>
-      </pc:sldChg>
-      <pc:sldChg chg="del">
-        <pc:chgData name="Gibbons, Carl" userId="d2b037bc-8fb4-4222-845c-61440543a456" providerId="ADAL" clId="{8C497311-FA0D-4174-880A-DAA4EEB2BF3B}" dt="2023-12-29T17:07:07.895" v="7101" actId="47"/>
-        <pc:sldMkLst>
-          <pc:docMk/>
-          <pc:sldMk cId="1802585387" sldId="281"/>
-        </pc:sldMkLst>
-      </pc:sldChg>
-      <pc:sldChg chg="del">
-        <pc:chgData name="Gibbons, Carl" userId="d2b037bc-8fb4-4222-845c-61440543a456" providerId="ADAL" clId="{8C497311-FA0D-4174-880A-DAA4EEB2BF3B}" dt="2023-12-29T17:07:08.365" v="7102" actId="47"/>
-        <pc:sldMkLst>
-          <pc:docMk/>
-          <pc:sldMk cId="724803187" sldId="282"/>
-        </pc:sldMkLst>
-      </pc:sldChg>
-      <pc:sldChg chg="del">
-        <pc:chgData name="Gibbons, Carl" userId="d2b037bc-8fb4-4222-845c-61440543a456" providerId="ADAL" clId="{8C497311-FA0D-4174-880A-DAA4EEB2BF3B}" dt="2023-12-29T17:07:08.842" v="7103" actId="47"/>
-        <pc:sldMkLst>
-          <pc:docMk/>
-          <pc:sldMk cId="1926009205" sldId="283"/>
-        </pc:sldMkLst>
-      </pc:sldChg>
-      <pc:sldChg chg="del">
-        <pc:chgData name="Gibbons, Carl" userId="d2b037bc-8fb4-4222-845c-61440543a456" providerId="ADAL" clId="{8C497311-FA0D-4174-880A-DAA4EEB2BF3B}" dt="2023-12-29T17:07:09.362" v="7104" actId="47"/>
-        <pc:sldMkLst>
-          <pc:docMk/>
-          <pc:sldMk cId="2366216895" sldId="284"/>
-        </pc:sldMkLst>
-      </pc:sldChg>
-      <pc:sldChg chg="del">
-        <pc:chgData name="Gibbons, Carl" userId="d2b037bc-8fb4-4222-845c-61440543a456" providerId="ADAL" clId="{8C497311-FA0D-4174-880A-DAA4EEB2BF3B}" dt="2023-12-29T17:07:09.925" v="7105" actId="47"/>
-        <pc:sldMkLst>
-          <pc:docMk/>
-          <pc:sldMk cId="3371896289" sldId="285"/>
-        </pc:sldMkLst>
-      </pc:sldChg>
-      <pc:sldChg chg="del">
-        <pc:chgData name="Gibbons, Carl" userId="d2b037bc-8fb4-4222-845c-61440543a456" providerId="ADAL" clId="{8C497311-FA0D-4174-880A-DAA4EEB2BF3B}" dt="2023-12-29T17:07:10.474" v="7106" actId="47"/>
-        <pc:sldMkLst>
-          <pc:docMk/>
-          <pc:sldMk cId="3193160409" sldId="286"/>
-        </pc:sldMkLst>
-      </pc:sldChg>
-      <pc:sldChg chg="del">
-        <pc:chgData name="Gibbons, Carl" userId="d2b037bc-8fb4-4222-845c-61440543a456" providerId="ADAL" clId="{8C497311-FA0D-4174-880A-DAA4EEB2BF3B}" dt="2023-12-29T17:07:11.056" v="7107" actId="47"/>
-        <pc:sldMkLst>
-          <pc:docMk/>
-          <pc:sldMk cId="2688338374" sldId="287"/>
-        </pc:sldMkLst>
-      </pc:sldChg>
-      <pc:sldChg chg="del">
-        <pc:chgData name="Gibbons, Carl" userId="d2b037bc-8fb4-4222-845c-61440543a456" providerId="ADAL" clId="{8C497311-FA0D-4174-880A-DAA4EEB2BF3B}" dt="2023-12-29T17:07:11.624" v="7108" actId="47"/>
-        <pc:sldMkLst>
-          <pc:docMk/>
-          <pc:sldMk cId="2142935017" sldId="288"/>
-        </pc:sldMkLst>
-      </pc:sldChg>
-      <pc:sldChg chg="del">
-        <pc:chgData name="Gibbons, Carl" userId="d2b037bc-8fb4-4222-845c-61440543a456" providerId="ADAL" clId="{8C497311-FA0D-4174-880A-DAA4EEB2BF3B}" dt="2023-12-29T17:07:12.218" v="7109" actId="47"/>
-        <pc:sldMkLst>
-          <pc:docMk/>
-          <pc:sldMk cId="2784625941" sldId="289"/>
-        </pc:sldMkLst>
-      </pc:sldChg>
-      <pc:sldChg chg="del">
-        <pc:chgData name="Gibbons, Carl" userId="d2b037bc-8fb4-4222-845c-61440543a456" providerId="ADAL" clId="{8C497311-FA0D-4174-880A-DAA4EEB2BF3B}" dt="2023-12-29T17:07:12.802" v="7110" actId="47"/>
-        <pc:sldMkLst>
-          <pc:docMk/>
-          <pc:sldMk cId="1677974689" sldId="290"/>
-        </pc:sldMkLst>
-      </pc:sldChg>
-      <pc:sldChg chg="del">
-        <pc:chgData name="Gibbons, Carl" userId="d2b037bc-8fb4-4222-845c-61440543a456" providerId="ADAL" clId="{8C497311-FA0D-4174-880A-DAA4EEB2BF3B}" dt="2023-12-29T17:07:13.420" v="7111" actId="47"/>
-        <pc:sldMkLst>
-          <pc:docMk/>
-          <pc:sldMk cId="4219326696" sldId="291"/>
-        </pc:sldMkLst>
-      </pc:sldChg>
-      <pc:sldChg chg="del">
-        <pc:chgData name="Gibbons, Carl" userId="d2b037bc-8fb4-4222-845c-61440543a456" providerId="ADAL" clId="{8C497311-FA0D-4174-880A-DAA4EEB2BF3B}" dt="2023-12-29T17:07:14.054" v="7112" actId="47"/>
-        <pc:sldMkLst>
-          <pc:docMk/>
-          <pc:sldMk cId="33911121" sldId="292"/>
-        </pc:sldMkLst>
-      </pc:sldChg>
-      <pc:sldChg chg="modSp mod">
-        <pc:chgData name="Gibbons, Carl" userId="d2b037bc-8fb4-4222-845c-61440543a456" providerId="ADAL" clId="{8C497311-FA0D-4174-880A-DAA4EEB2BF3B}" dt="2023-12-29T15:43:57.081" v="7062" actId="20577"/>
-        <pc:sldMkLst>
-          <pc:docMk/>
-          <pc:sldMk cId="1861646120" sldId="293"/>
-        </pc:sldMkLst>
-        <pc:spChg chg="mod">
-          <ac:chgData name="Gibbons, Carl" userId="d2b037bc-8fb4-4222-845c-61440543a456" providerId="ADAL" clId="{8C497311-FA0D-4174-880A-DAA4EEB2BF3B}" dt="2023-12-29T15:36:21.703" v="6112" actId="20577"/>
-          <ac:spMkLst>
-            <pc:docMk/>
-            <pc:sldMk cId="1861646120" sldId="293"/>
-            <ac:spMk id="2" creationId="{31B75992-5098-A283-4925-2CCEBB801DC5}"/>
-          </ac:spMkLst>
-        </pc:spChg>
-        <pc:spChg chg="mod">
-          <ac:chgData name="Gibbons, Carl" userId="d2b037bc-8fb4-4222-845c-61440543a456" providerId="ADAL" clId="{8C497311-FA0D-4174-880A-DAA4EEB2BF3B}" dt="2023-12-29T15:43:57.081" v="7062" actId="20577"/>
-          <ac:spMkLst>
-            <pc:docMk/>
-            <pc:sldMk cId="1861646120" sldId="293"/>
-            <ac:spMk id="3" creationId="{B5924E0F-A977-1710-779D-EEB74261AF34}"/>
-          </ac:spMkLst>
-        </pc:spChg>
       </pc:sldChg>
     </pc:docChg>
   </pc:docChgLst>
@@ -2387,7 +2387,7 @@
           <a:p>
             <a:fld id="{421996D4-4A1C-4BBC-AA2B-FD5B7FC395A0}" type="datetime1">
               <a:rPr lang="en-US" smtClean="0"/>
-              <a:t>1/24/2024</a:t>
+              <a:t>10/10/2024</a:t>
             </a:fld>
             <a:endParaRPr lang="en-US"/>
           </a:p>
@@ -2585,7 +2585,7 @@
           <a:p>
             <a:fld id="{CB43818D-5554-4105-BE04-CEE32DEBDA0A}" type="datetime1">
               <a:rPr lang="en-US" smtClean="0"/>
-              <a:t>1/24/2024</a:t>
+              <a:t>10/10/2024</a:t>
             </a:fld>
             <a:endParaRPr lang="en-US"/>
           </a:p>
@@ -2793,7 +2793,7 @@
           <a:p>
             <a:fld id="{AFAC11C6-1708-41BC-9474-3D7842023D96}" type="datetime1">
               <a:rPr lang="en-US" smtClean="0"/>
-              <a:t>1/24/2024</a:t>
+              <a:t>10/10/2024</a:t>
             </a:fld>
             <a:endParaRPr lang="en-US"/>
           </a:p>
@@ -3072,7 +3072,7 @@
           <a:p>
             <a:fld id="{490605F8-8C86-41F5-9F5E-04EDB8C2540B}" type="datetime1">
               <a:rPr lang="en-US" smtClean="0"/>
-              <a:t>1/24/2024</a:t>
+              <a:t>10/10/2024</a:t>
             </a:fld>
             <a:endParaRPr lang="en-US"/>
           </a:p>
@@ -3347,7 +3347,7 @@
           <a:p>
             <a:fld id="{CA355DA2-1E89-41CC-B722-CBFC08F260AE}" type="datetime1">
               <a:rPr lang="en-US" smtClean="0"/>
-              <a:t>1/24/2024</a:t>
+              <a:t>10/10/2024</a:t>
             </a:fld>
             <a:endParaRPr lang="en-US"/>
           </a:p>
@@ -3612,7 +3612,7 @@
           <a:p>
             <a:fld id="{7F6AFD48-C472-404E-B7B5-BA44CCF2F55D}" type="datetime1">
               <a:rPr lang="en-US" smtClean="0"/>
-              <a:t>1/24/2024</a:t>
+              <a:t>10/10/2024</a:t>
             </a:fld>
             <a:endParaRPr lang="en-US"/>
           </a:p>
@@ -4024,7 +4024,7 @@
           <a:p>
             <a:fld id="{B33F52E9-9255-4CAF-909C-660126F1B079}" type="datetime1">
               <a:rPr lang="en-US" smtClean="0"/>
-              <a:t>1/24/2024</a:t>
+              <a:t>10/10/2024</a:t>
             </a:fld>
             <a:endParaRPr lang="en-US"/>
           </a:p>
@@ -4165,7 +4165,7 @@
           <a:p>
             <a:fld id="{67F9F019-D13C-4797-8A9F-7B02D5B8121E}" type="datetime1">
               <a:rPr lang="en-US" smtClean="0"/>
-              <a:t>1/24/2024</a:t>
+              <a:t>10/10/2024</a:t>
             </a:fld>
             <a:endParaRPr lang="en-US"/>
           </a:p>
@@ -4278,7 +4278,7 @@
           <a:p>
             <a:fld id="{FDA143B9-A6C4-436D-945A-FF5B3EA2EF39}" type="datetime1">
               <a:rPr lang="en-US" smtClean="0"/>
-              <a:t>1/24/2024</a:t>
+              <a:t>10/10/2024</a:t>
             </a:fld>
             <a:endParaRPr lang="en-US"/>
           </a:p>
@@ -4589,7 +4589,7 @@
           <a:p>
             <a:fld id="{457E18FE-B6F9-4F6A-835B-8251F04458A0}" type="datetime1">
               <a:rPr lang="en-US" smtClean="0"/>
-              <a:t>1/24/2024</a:t>
+              <a:t>10/10/2024</a:t>
             </a:fld>
             <a:endParaRPr lang="en-US"/>
           </a:p>
@@ -4877,7 +4877,7 @@
           <a:p>
             <a:fld id="{5F2690CE-112A-455B-AD5F-E26CEA6A5331}" type="datetime1">
               <a:rPr lang="en-US" smtClean="0"/>
-              <a:t>1/24/2024</a:t>
+              <a:t>10/10/2024</a:t>
             </a:fld>
             <a:endParaRPr lang="en-US"/>
           </a:p>
@@ -5118,7 +5118,7 @@
           <a:p>
             <a:fld id="{9C4E342D-98AB-407C-88D4-A20ED0F70E1C}" type="datetime1">
               <a:rPr lang="en-US" smtClean="0"/>
-              <a:t>1/24/2024</a:t>
+              <a:t>10/10/2024</a:t>
             </a:fld>
             <a:endParaRPr lang="en-US"/>
           </a:p>
@@ -5836,7 +5836,7 @@
               <a:rPr lang="en-US" dirty="0">
                 <a:latin typeface="Lucida Console" panose="020B0609040504020204" pitchFamily="49" charset="0"/>
               </a:rPr>
-              <a:t>Wmic, </a:t>
+              <a:t>wmic, </a:t>
             </a:r>
             <a:r>
               <a:rPr lang="en-US" dirty="0" err="1">
@@ -5903,13 +5903,8 @@
             </a:pPr>
             <a:r>
               <a:rPr lang="en-US" dirty="0"/>
-              <a:t>WMI software is still available in Windows 11 and Windows </a:t>
-            </a:r>
-            <a:r>
-              <a:rPr lang="en-US"/>
-              <a:t>Server 2022,</a:t>
-            </a:r>
-            <a:endParaRPr lang="en-US" dirty="0"/>
+              <a:t>WMI software is still available in Windows 11 and Windows Server 2022,</a:t>
+            </a:r>
           </a:p>
           <a:p>
             <a:pPr marL="800100" lvl="1" indent="-342900">

--- a/CYBER360-3.1-3.2-WMI-and-CIM.pptx
+++ b/CYBER360-3.1-3.2-WMI-and-CIM.pptx
@@ -2,13 +2,13 @@
 <file path=ppt/presentation.xml><?xml version="1.0" encoding="utf-8"?>
 <p:presentation xmlns:a="http://schemas.openxmlformats.org/drawingml/2006/main" xmlns:r="http://schemas.openxmlformats.org/officeDocument/2006/relationships" xmlns:p="http://schemas.openxmlformats.org/presentationml/2006/main" saveSubsetFonts="1">
   <p:sldMasterIdLst>
-    <p:sldMasterId id="2147483712" r:id="rId1"/>
+    <p:sldMasterId id="2147483648" r:id="rId1"/>
   </p:sldMasterIdLst>
   <p:sldIdLst>
-    <p:sldId id="256" r:id="rId2"/>
-    <p:sldId id="261" r:id="rId3"/>
-    <p:sldId id="263" r:id="rId4"/>
-    <p:sldId id="262" r:id="rId5"/>
+    <p:sldId id="257" r:id="rId2"/>
+    <p:sldId id="258" r:id="rId3"/>
+    <p:sldId id="259" r:id="rId4"/>
+    <p:sldId id="260" r:id="rId5"/>
   </p:sldIdLst>
   <p:sldSz cx="12192000" cy="6858000"/>
   <p:notesSz cx="6858000" cy="9144000"/>
@@ -115,2123 +115,81 @@
 </p:presentation>
 </file>
 
-<file path=ppt/revisionInfo.xml><?xml version="1.0" encoding="utf-8"?>
-<p1510:revInfo xmlns:a="http://schemas.openxmlformats.org/drawingml/2006/main" xmlns:r="http://schemas.openxmlformats.org/officeDocument/2006/relationships" xmlns:p1510="http://schemas.microsoft.com/office/powerpoint/2015/10/main">
-  <p1510:revLst>
-    <p1510:client id="{8B117223-2596-4D61-9C62-CC9BD4B9A421}" v="2" dt="2024-01-16T00:58:20.164"/>
-  </p1510:revLst>
-</p1510:revInfo>
-</file>
-
 <file path=ppt/changesInfos/changesInfo1.xml><?xml version="1.0" encoding="utf-8"?>
 <pc:chgInfo xmlns:a="http://schemas.openxmlformats.org/drawingml/2006/main" xmlns:r="http://schemas.openxmlformats.org/officeDocument/2006/relationships" xmlns:ac="http://schemas.microsoft.com/office/drawing/2013/main/command" xmlns:pc="http://schemas.microsoft.com/office/powerpoint/2013/main/command">
   <pc:docChgLst>
-    <pc:chgData name="Gibbons, Carl" userId="d2b037bc-8fb4-4222-845c-61440543a456" providerId="ADAL" clId="{14F797DE-E75B-4062-A6FB-AA9F07155580}"/>
-    <pc:docChg chg="undo custSel addSld modSld">
-      <pc:chgData name="Gibbons, Carl" userId="d2b037bc-8fb4-4222-845c-61440543a456" providerId="ADAL" clId="{14F797DE-E75B-4062-A6FB-AA9F07155580}" dt="2023-12-29T21:55:15.574" v="6853" actId="255"/>
+    <pc:chgData name="Talbert, Matthew" userId="877a4118-3f16-4ac9-a72c-5dd2c7b28c85" providerId="ADAL" clId="{B698C7AD-BC15-4F18-918A-9C89967A4803}"/>
+    <pc:docChg chg="modSld">
+      <pc:chgData name="Talbert, Matthew" userId="877a4118-3f16-4ac9-a72c-5dd2c7b28c85" providerId="ADAL" clId="{B698C7AD-BC15-4F18-918A-9C89967A4803}" dt="2024-11-21T23:50:35.469" v="88" actId="1036"/>
       <pc:docMkLst>
         <pc:docMk/>
       </pc:docMkLst>
       <pc:sldChg chg="modSp mod">
-        <pc:chgData name="Gibbons, Carl" userId="d2b037bc-8fb4-4222-845c-61440543a456" providerId="ADAL" clId="{14F797DE-E75B-4062-A6FB-AA9F07155580}" dt="2023-12-29T17:10:38.181" v="10" actId="20577"/>
+        <pc:chgData name="Talbert, Matthew" userId="877a4118-3f16-4ac9-a72c-5dd2c7b28c85" providerId="ADAL" clId="{B698C7AD-BC15-4F18-918A-9C89967A4803}" dt="2024-11-21T23:50:20.204" v="12" actId="1036"/>
         <pc:sldMkLst>
           <pc:docMk/>
-          <pc:sldMk cId="3308175748" sldId="256"/>
+          <pc:sldMk cId="2312486803" sldId="258"/>
         </pc:sldMkLst>
         <pc:spChg chg="mod">
-          <ac:chgData name="Gibbons, Carl" userId="d2b037bc-8fb4-4222-845c-61440543a456" providerId="ADAL" clId="{14F797DE-E75B-4062-A6FB-AA9F07155580}" dt="2023-12-29T17:10:38.181" v="10" actId="20577"/>
+          <ac:chgData name="Talbert, Matthew" userId="877a4118-3f16-4ac9-a72c-5dd2c7b28c85" providerId="ADAL" clId="{B698C7AD-BC15-4F18-918A-9C89967A4803}" dt="2024-11-21T23:50:20.204" v="12" actId="1036"/>
           <ac:spMkLst>
             <pc:docMk/>
-            <pc:sldMk cId="3308175748" sldId="256"/>
-            <ac:spMk id="3" creationId="{EEC4D41B-E776-05F2-BE0B-89BB339485AB}"/>
-          </ac:spMkLst>
-        </pc:spChg>
-      </pc:sldChg>
-      <pc:sldChg chg="modSp mod">
-        <pc:chgData name="Gibbons, Carl" userId="d2b037bc-8fb4-4222-845c-61440543a456" providerId="ADAL" clId="{14F797DE-E75B-4062-A6FB-AA9F07155580}" dt="2023-12-29T17:51:52.012" v="2089" actId="20577"/>
-        <pc:sldMkLst>
-          <pc:docMk/>
-          <pc:sldMk cId="2312486803" sldId="261"/>
-        </pc:sldMkLst>
-        <pc:spChg chg="mod">
-          <ac:chgData name="Gibbons, Carl" userId="d2b037bc-8fb4-4222-845c-61440543a456" providerId="ADAL" clId="{14F797DE-E75B-4062-A6FB-AA9F07155580}" dt="2023-12-29T17:23:59.510" v="341" actId="20577"/>
-          <ac:spMkLst>
-            <pc:docMk/>
-            <pc:sldMk cId="2312486803" sldId="261"/>
+            <pc:sldMk cId="2312486803" sldId="258"/>
             <ac:spMk id="2" creationId="{31B75992-5098-A283-4925-2CCEBB801DC5}"/>
           </ac:spMkLst>
         </pc:spChg>
         <pc:spChg chg="mod">
-          <ac:chgData name="Gibbons, Carl" userId="d2b037bc-8fb4-4222-845c-61440543a456" providerId="ADAL" clId="{14F797DE-E75B-4062-A6FB-AA9F07155580}" dt="2023-12-29T17:51:52.012" v="2089" actId="20577"/>
+          <ac:chgData name="Talbert, Matthew" userId="877a4118-3f16-4ac9-a72c-5dd2c7b28c85" providerId="ADAL" clId="{B698C7AD-BC15-4F18-918A-9C89967A4803}" dt="2024-11-21T23:50:16.844" v="0" actId="1036"/>
           <ac:spMkLst>
             <pc:docMk/>
-            <pc:sldMk cId="2312486803" sldId="261"/>
-            <ac:spMk id="3" creationId="{B5924E0F-A977-1710-779D-EEB74261AF34}"/>
-          </ac:spMkLst>
-        </pc:spChg>
-      </pc:sldChg>
-      <pc:sldChg chg="addSp modSp mod">
-        <pc:chgData name="Gibbons, Carl" userId="d2b037bc-8fb4-4222-845c-61440543a456" providerId="ADAL" clId="{14F797DE-E75B-4062-A6FB-AA9F07155580}" dt="2023-12-29T21:53:53.831" v="6845" actId="20577"/>
-        <pc:sldMkLst>
-          <pc:docMk/>
-          <pc:sldMk cId="657795359" sldId="277"/>
-        </pc:sldMkLst>
-        <pc:spChg chg="mod">
-          <ac:chgData name="Gibbons, Carl" userId="d2b037bc-8fb4-4222-845c-61440543a456" providerId="ADAL" clId="{14F797DE-E75B-4062-A6FB-AA9F07155580}" dt="2023-12-29T21:45:47.422" v="6393" actId="20577"/>
-          <ac:spMkLst>
-            <pc:docMk/>
-            <pc:sldMk cId="657795359" sldId="277"/>
-            <ac:spMk id="2" creationId="{1862E903-3C56-BB42-2361-009F2336475A}"/>
-          </ac:spMkLst>
-        </pc:spChg>
-        <pc:spChg chg="add mod">
-          <ac:chgData name="Gibbons, Carl" userId="d2b037bc-8fb4-4222-845c-61440543a456" providerId="ADAL" clId="{14F797DE-E75B-4062-A6FB-AA9F07155580}" dt="2023-12-29T21:53:53.831" v="6845" actId="20577"/>
-          <ac:spMkLst>
-            <pc:docMk/>
-            <pc:sldMk cId="657795359" sldId="277"/>
-            <ac:spMk id="3" creationId="{D9D594D6-F4EE-B0AB-C128-26D2D32F8E21}"/>
-          </ac:spMkLst>
-        </pc:spChg>
-      </pc:sldChg>
-      <pc:sldChg chg="modSp mod">
-        <pc:chgData name="Gibbons, Carl" userId="d2b037bc-8fb4-4222-845c-61440543a456" providerId="ADAL" clId="{14F797DE-E75B-4062-A6FB-AA9F07155580}" dt="2023-12-29T18:26:31.431" v="3669" actId="20577"/>
-        <pc:sldMkLst>
-          <pc:docMk/>
-          <pc:sldMk cId="3989541258" sldId="278"/>
-        </pc:sldMkLst>
-        <pc:spChg chg="mod">
-          <ac:chgData name="Gibbons, Carl" userId="d2b037bc-8fb4-4222-845c-61440543a456" providerId="ADAL" clId="{14F797DE-E75B-4062-A6FB-AA9F07155580}" dt="2023-12-29T17:53:20.837" v="2147" actId="20577"/>
-          <ac:spMkLst>
-            <pc:docMk/>
-            <pc:sldMk cId="3989541258" sldId="278"/>
-            <ac:spMk id="2" creationId="{31B75992-5098-A283-4925-2CCEBB801DC5}"/>
-          </ac:spMkLst>
-        </pc:spChg>
-        <pc:spChg chg="mod">
-          <ac:chgData name="Gibbons, Carl" userId="d2b037bc-8fb4-4222-845c-61440543a456" providerId="ADAL" clId="{14F797DE-E75B-4062-A6FB-AA9F07155580}" dt="2023-12-29T18:26:31.431" v="3669" actId="20577"/>
-          <ac:spMkLst>
-            <pc:docMk/>
-            <pc:sldMk cId="3989541258" sldId="278"/>
+            <pc:sldMk cId="2312486803" sldId="258"/>
             <ac:spMk id="3" creationId="{B5924E0F-A977-1710-779D-EEB74261AF34}"/>
           </ac:spMkLst>
         </pc:spChg>
       </pc:sldChg>
       <pc:sldChg chg="modSp mod">
-        <pc:chgData name="Gibbons, Carl" userId="d2b037bc-8fb4-4222-845c-61440543a456" providerId="ADAL" clId="{14F797DE-E75B-4062-A6FB-AA9F07155580}" dt="2023-12-29T21:55:15.574" v="6853" actId="255"/>
+        <pc:chgData name="Talbert, Matthew" userId="877a4118-3f16-4ac9-a72c-5dd2c7b28c85" providerId="ADAL" clId="{B698C7AD-BC15-4F18-918A-9C89967A4803}" dt="2024-11-21T23:50:28.620" v="50" actId="1036"/>
         <pc:sldMkLst>
           <pc:docMk/>
-          <pc:sldMk cId="1861646120" sldId="293"/>
+          <pc:sldMk cId="1719402288" sldId="259"/>
         </pc:sldMkLst>
         <pc:spChg chg="mod">
-          <ac:chgData name="Gibbons, Carl" userId="d2b037bc-8fb4-4222-845c-61440543a456" providerId="ADAL" clId="{14F797DE-E75B-4062-A6FB-AA9F07155580}" dt="2023-12-29T18:01:10.039" v="2767" actId="20577"/>
+          <ac:chgData name="Talbert, Matthew" userId="877a4118-3f16-4ac9-a72c-5dd2c7b28c85" providerId="ADAL" clId="{B698C7AD-BC15-4F18-918A-9C89967A4803}" dt="2024-11-21T23:50:28.620" v="50" actId="1036"/>
           <ac:spMkLst>
             <pc:docMk/>
-            <pc:sldMk cId="1861646120" sldId="293"/>
+            <pc:sldMk cId="1719402288" sldId="259"/>
             <ac:spMk id="2" creationId="{31B75992-5098-A283-4925-2CCEBB801DC5}"/>
           </ac:spMkLst>
         </pc:spChg>
         <pc:spChg chg="mod">
-          <ac:chgData name="Gibbons, Carl" userId="d2b037bc-8fb4-4222-845c-61440543a456" providerId="ADAL" clId="{14F797DE-E75B-4062-A6FB-AA9F07155580}" dt="2023-12-29T21:55:15.574" v="6853" actId="255"/>
+          <ac:chgData name="Talbert, Matthew" userId="877a4118-3f16-4ac9-a72c-5dd2c7b28c85" providerId="ADAL" clId="{B698C7AD-BC15-4F18-918A-9C89967A4803}" dt="2024-11-21T23:50:26.532" v="38" actId="1036"/>
           <ac:spMkLst>
             <pc:docMk/>
-            <pc:sldMk cId="1861646120" sldId="293"/>
+            <pc:sldMk cId="1719402288" sldId="259"/>
             <ac:spMk id="3" creationId="{B5924E0F-A977-1710-779D-EEB74261AF34}"/>
           </ac:spMkLst>
         </pc:spChg>
       </pc:sldChg>
       <pc:sldChg chg="modSp mod">
-        <pc:chgData name="Gibbons, Carl" userId="d2b037bc-8fb4-4222-845c-61440543a456" providerId="ADAL" clId="{14F797DE-E75B-4062-A6FB-AA9F07155580}" dt="2023-12-29T21:55:08.313" v="6852" actId="255"/>
+        <pc:chgData name="Talbert, Matthew" userId="877a4118-3f16-4ac9-a72c-5dd2c7b28c85" providerId="ADAL" clId="{B698C7AD-BC15-4F18-918A-9C89967A4803}" dt="2024-11-21T23:50:35.469" v="88" actId="1036"/>
         <pc:sldMkLst>
           <pc:docMk/>
-          <pc:sldMk cId="2232562783" sldId="294"/>
+          <pc:sldMk cId="3885141102" sldId="260"/>
         </pc:sldMkLst>
         <pc:spChg chg="mod">
-          <ac:chgData name="Gibbons, Carl" userId="d2b037bc-8fb4-4222-845c-61440543a456" providerId="ADAL" clId="{14F797DE-E75B-4062-A6FB-AA9F07155580}" dt="2023-12-29T18:24:14.937" v="3546" actId="20577"/>
+          <ac:chgData name="Talbert, Matthew" userId="877a4118-3f16-4ac9-a72c-5dd2c7b28c85" providerId="ADAL" clId="{B698C7AD-BC15-4F18-918A-9C89967A4803}" dt="2024-11-21T23:50:35.469" v="88" actId="1036"/>
           <ac:spMkLst>
             <pc:docMk/>
-            <pc:sldMk cId="2232562783" sldId="294"/>
+            <pc:sldMk cId="3885141102" sldId="260"/>
             <ac:spMk id="2" creationId="{31B75992-5098-A283-4925-2CCEBB801DC5}"/>
           </ac:spMkLst>
         </pc:spChg>
         <pc:spChg chg="mod">
-          <ac:chgData name="Gibbons, Carl" userId="d2b037bc-8fb4-4222-845c-61440543a456" providerId="ADAL" clId="{14F797DE-E75B-4062-A6FB-AA9F07155580}" dt="2023-12-29T21:55:08.313" v="6852" actId="255"/>
+          <ac:chgData name="Talbert, Matthew" userId="877a4118-3f16-4ac9-a72c-5dd2c7b28c85" providerId="ADAL" clId="{B698C7AD-BC15-4F18-918A-9C89967A4803}" dt="2024-11-21T23:50:32.493" v="75" actId="1036"/>
           <ac:spMkLst>
             <pc:docMk/>
-            <pc:sldMk cId="2232562783" sldId="294"/>
+            <pc:sldMk cId="3885141102" sldId="260"/>
             <ac:spMk id="3" creationId="{B5924E0F-A977-1710-779D-EEB74261AF34}"/>
-          </ac:spMkLst>
-        </pc:spChg>
-      </pc:sldChg>
-      <pc:sldChg chg="modSp add mod">
-        <pc:chgData name="Gibbons, Carl" userId="d2b037bc-8fb4-4222-845c-61440543a456" providerId="ADAL" clId="{14F797DE-E75B-4062-A6FB-AA9F07155580}" dt="2023-12-29T21:55:02.689" v="6851" actId="255"/>
-        <pc:sldMkLst>
-          <pc:docMk/>
-          <pc:sldMk cId="806767687" sldId="295"/>
-        </pc:sldMkLst>
-        <pc:spChg chg="mod">
-          <ac:chgData name="Gibbons, Carl" userId="d2b037bc-8fb4-4222-845c-61440543a456" providerId="ADAL" clId="{14F797DE-E75B-4062-A6FB-AA9F07155580}" dt="2023-12-29T18:50:33.208" v="4036" actId="113"/>
-          <ac:spMkLst>
-            <pc:docMk/>
-            <pc:sldMk cId="806767687" sldId="295"/>
-            <ac:spMk id="2" creationId="{31B75992-5098-A283-4925-2CCEBB801DC5}"/>
-          </ac:spMkLst>
-        </pc:spChg>
-        <pc:spChg chg="mod">
-          <ac:chgData name="Gibbons, Carl" userId="d2b037bc-8fb4-4222-845c-61440543a456" providerId="ADAL" clId="{14F797DE-E75B-4062-A6FB-AA9F07155580}" dt="2023-12-29T21:55:02.689" v="6851" actId="255"/>
-          <ac:spMkLst>
-            <pc:docMk/>
-            <pc:sldMk cId="806767687" sldId="295"/>
-            <ac:spMk id="3" creationId="{B5924E0F-A977-1710-779D-EEB74261AF34}"/>
-          </ac:spMkLst>
-        </pc:spChg>
-      </pc:sldChg>
-      <pc:sldChg chg="modSp mod">
-        <pc:chgData name="Gibbons, Carl" userId="d2b037bc-8fb4-4222-845c-61440543a456" providerId="ADAL" clId="{14F797DE-E75B-4062-A6FB-AA9F07155580}" dt="2023-12-29T21:54:48.370" v="6850" actId="255"/>
-        <pc:sldMkLst>
-          <pc:docMk/>
-          <pc:sldMk cId="3145157247" sldId="296"/>
-        </pc:sldMkLst>
-        <pc:spChg chg="mod">
-          <ac:chgData name="Gibbons, Carl" userId="d2b037bc-8fb4-4222-845c-61440543a456" providerId="ADAL" clId="{14F797DE-E75B-4062-A6FB-AA9F07155580}" dt="2023-12-29T21:07:20.782" v="4695" actId="20577"/>
-          <ac:spMkLst>
-            <pc:docMk/>
-            <pc:sldMk cId="3145157247" sldId="296"/>
-            <ac:spMk id="2" creationId="{31B75992-5098-A283-4925-2CCEBB801DC5}"/>
-          </ac:spMkLst>
-        </pc:spChg>
-        <pc:spChg chg="mod">
-          <ac:chgData name="Gibbons, Carl" userId="d2b037bc-8fb4-4222-845c-61440543a456" providerId="ADAL" clId="{14F797DE-E75B-4062-A6FB-AA9F07155580}" dt="2023-12-29T21:54:48.370" v="6850" actId="255"/>
-          <ac:spMkLst>
-            <pc:docMk/>
-            <pc:sldMk cId="3145157247" sldId="296"/>
-            <ac:spMk id="3" creationId="{B5924E0F-A977-1710-779D-EEB74261AF34}"/>
-          </ac:spMkLst>
-        </pc:spChg>
-      </pc:sldChg>
-      <pc:sldChg chg="modSp mod">
-        <pc:chgData name="Gibbons, Carl" userId="d2b037bc-8fb4-4222-845c-61440543a456" providerId="ADAL" clId="{14F797DE-E75B-4062-A6FB-AA9F07155580}" dt="2023-12-29T21:54:42.630" v="6849" actId="255"/>
-        <pc:sldMkLst>
-          <pc:docMk/>
-          <pc:sldMk cId="2424714671" sldId="297"/>
-        </pc:sldMkLst>
-        <pc:spChg chg="mod">
-          <ac:chgData name="Gibbons, Carl" userId="d2b037bc-8fb4-4222-845c-61440543a456" providerId="ADAL" clId="{14F797DE-E75B-4062-A6FB-AA9F07155580}" dt="2023-12-29T21:07:54.964" v="4712" actId="20577"/>
-          <ac:spMkLst>
-            <pc:docMk/>
-            <pc:sldMk cId="2424714671" sldId="297"/>
-            <ac:spMk id="2" creationId="{31B75992-5098-A283-4925-2CCEBB801DC5}"/>
-          </ac:spMkLst>
-        </pc:spChg>
-        <pc:spChg chg="mod">
-          <ac:chgData name="Gibbons, Carl" userId="d2b037bc-8fb4-4222-845c-61440543a456" providerId="ADAL" clId="{14F797DE-E75B-4062-A6FB-AA9F07155580}" dt="2023-12-29T21:54:42.630" v="6849" actId="255"/>
-          <ac:spMkLst>
-            <pc:docMk/>
-            <pc:sldMk cId="2424714671" sldId="297"/>
-            <ac:spMk id="3" creationId="{B5924E0F-A977-1710-779D-EEB74261AF34}"/>
-          </ac:spMkLst>
-        </pc:spChg>
-      </pc:sldChg>
-      <pc:sldChg chg="modSp mod">
-        <pc:chgData name="Gibbons, Carl" userId="d2b037bc-8fb4-4222-845c-61440543a456" providerId="ADAL" clId="{14F797DE-E75B-4062-A6FB-AA9F07155580}" dt="2023-12-29T21:54:28.975" v="6848" actId="255"/>
-        <pc:sldMkLst>
-          <pc:docMk/>
-          <pc:sldMk cId="3450195044" sldId="298"/>
-        </pc:sldMkLst>
-        <pc:spChg chg="mod">
-          <ac:chgData name="Gibbons, Carl" userId="d2b037bc-8fb4-4222-845c-61440543a456" providerId="ADAL" clId="{14F797DE-E75B-4062-A6FB-AA9F07155580}" dt="2023-12-29T21:23:42.216" v="5202" actId="20577"/>
-          <ac:spMkLst>
-            <pc:docMk/>
-            <pc:sldMk cId="3450195044" sldId="298"/>
-            <ac:spMk id="2" creationId="{31B75992-5098-A283-4925-2CCEBB801DC5}"/>
-          </ac:spMkLst>
-        </pc:spChg>
-        <pc:spChg chg="mod">
-          <ac:chgData name="Gibbons, Carl" userId="d2b037bc-8fb4-4222-845c-61440543a456" providerId="ADAL" clId="{14F797DE-E75B-4062-A6FB-AA9F07155580}" dt="2023-12-29T21:54:28.975" v="6848" actId="255"/>
-          <ac:spMkLst>
-            <pc:docMk/>
-            <pc:sldMk cId="3450195044" sldId="298"/>
-            <ac:spMk id="3" creationId="{B5924E0F-A977-1710-779D-EEB74261AF34}"/>
-          </ac:spMkLst>
-        </pc:spChg>
-      </pc:sldChg>
-      <pc:sldChg chg="modSp mod">
-        <pc:chgData name="Gibbons, Carl" userId="d2b037bc-8fb4-4222-845c-61440543a456" providerId="ADAL" clId="{14F797DE-E75B-4062-A6FB-AA9F07155580}" dt="2023-12-29T21:54:18.720" v="6846" actId="255"/>
-        <pc:sldMkLst>
-          <pc:docMk/>
-          <pc:sldMk cId="3633122843" sldId="299"/>
-        </pc:sldMkLst>
-        <pc:spChg chg="mod">
-          <ac:chgData name="Gibbons, Carl" userId="d2b037bc-8fb4-4222-845c-61440543a456" providerId="ADAL" clId="{14F797DE-E75B-4062-A6FB-AA9F07155580}" dt="2023-12-29T21:31:23.761" v="5684" actId="20577"/>
-          <ac:spMkLst>
-            <pc:docMk/>
-            <pc:sldMk cId="3633122843" sldId="299"/>
-            <ac:spMk id="2" creationId="{31B75992-5098-A283-4925-2CCEBB801DC5}"/>
-          </ac:spMkLst>
-        </pc:spChg>
-        <pc:spChg chg="mod">
-          <ac:chgData name="Gibbons, Carl" userId="d2b037bc-8fb4-4222-845c-61440543a456" providerId="ADAL" clId="{14F797DE-E75B-4062-A6FB-AA9F07155580}" dt="2023-12-29T21:54:18.720" v="6846" actId="255"/>
-          <ac:spMkLst>
-            <pc:docMk/>
-            <pc:sldMk cId="3633122843" sldId="299"/>
-            <ac:spMk id="3" creationId="{B5924E0F-A977-1710-779D-EEB74261AF34}"/>
-          </ac:spMkLst>
-        </pc:spChg>
-      </pc:sldChg>
-    </pc:docChg>
-  </pc:docChgLst>
-  <pc:docChgLst>
-    <pc:chgData name="Gibbons, Carl" userId="d2b037bc-8fb4-4222-845c-61440543a456" providerId="ADAL" clId="{8C497311-FA0D-4174-880A-DAA4EEB2BF3B}"/>
-    <pc:docChg chg="custSel delSld modSld">
-      <pc:chgData name="Gibbons, Carl" userId="d2b037bc-8fb4-4222-845c-61440543a456" providerId="ADAL" clId="{8C497311-FA0D-4174-880A-DAA4EEB2BF3B}" dt="2023-12-29T17:07:57.293" v="7187" actId="20577"/>
-      <pc:docMkLst>
-        <pc:docMk/>
-      </pc:docMkLst>
-      <pc:sldChg chg="modSp mod">
-        <pc:chgData name="Gibbons, Carl" userId="d2b037bc-8fb4-4222-845c-61440543a456" providerId="ADAL" clId="{8C497311-FA0D-4174-880A-DAA4EEB2BF3B}" dt="2023-12-29T17:06:57.427" v="7098" actId="20577"/>
-        <pc:sldMkLst>
-          <pc:docMk/>
-          <pc:sldMk cId="3308175748" sldId="256"/>
-        </pc:sldMkLst>
-        <pc:spChg chg="mod">
-          <ac:chgData name="Gibbons, Carl" userId="d2b037bc-8fb4-4222-845c-61440543a456" providerId="ADAL" clId="{8C497311-FA0D-4174-880A-DAA4EEB2BF3B}" dt="2023-12-29T17:06:57.427" v="7098" actId="20577"/>
-          <ac:spMkLst>
-            <pc:docMk/>
-            <pc:sldMk cId="3308175748" sldId="256"/>
-            <ac:spMk id="3" creationId="{EEC4D41B-E776-05F2-BE0B-89BB339485AB}"/>
-          </ac:spMkLst>
-        </pc:spChg>
-      </pc:sldChg>
-      <pc:sldChg chg="modSp mod">
-        <pc:chgData name="Gibbons, Carl" userId="d2b037bc-8fb4-4222-845c-61440543a456" providerId="ADAL" clId="{8C497311-FA0D-4174-880A-DAA4EEB2BF3B}" dt="2023-12-29T15:08:44.674" v="3403" actId="20577"/>
-        <pc:sldMkLst>
-          <pc:docMk/>
-          <pc:sldMk cId="2312486803" sldId="261"/>
-        </pc:sldMkLst>
-        <pc:spChg chg="mod">
-          <ac:chgData name="Gibbons, Carl" userId="d2b037bc-8fb4-4222-845c-61440543a456" providerId="ADAL" clId="{8C497311-FA0D-4174-880A-DAA4EEB2BF3B}" dt="2023-12-29T14:20:41.496" v="51" actId="20577"/>
-          <ac:spMkLst>
-            <pc:docMk/>
-            <pc:sldMk cId="2312486803" sldId="261"/>
-            <ac:spMk id="2" creationId="{31B75992-5098-A283-4925-2CCEBB801DC5}"/>
-          </ac:spMkLst>
-        </pc:spChg>
-        <pc:spChg chg="mod">
-          <ac:chgData name="Gibbons, Carl" userId="d2b037bc-8fb4-4222-845c-61440543a456" providerId="ADAL" clId="{8C497311-FA0D-4174-880A-DAA4EEB2BF3B}" dt="2023-12-29T15:08:44.674" v="3403" actId="20577"/>
-          <ac:spMkLst>
-            <pc:docMk/>
-            <pc:sldMk cId="2312486803" sldId="261"/>
-            <ac:spMk id="3" creationId="{B5924E0F-A977-1710-779D-EEB74261AF34}"/>
-          </ac:spMkLst>
-        </pc:spChg>
-      </pc:sldChg>
-      <pc:sldChg chg="delSp modSp mod">
-        <pc:chgData name="Gibbons, Carl" userId="d2b037bc-8fb4-4222-845c-61440543a456" providerId="ADAL" clId="{8C497311-FA0D-4174-880A-DAA4EEB2BF3B}" dt="2023-12-29T17:07:57.293" v="7187" actId="20577"/>
-        <pc:sldMkLst>
-          <pc:docMk/>
-          <pc:sldMk cId="657795359" sldId="277"/>
-        </pc:sldMkLst>
-        <pc:spChg chg="mod">
-          <ac:chgData name="Gibbons, Carl" userId="d2b037bc-8fb4-4222-845c-61440543a456" providerId="ADAL" clId="{8C497311-FA0D-4174-880A-DAA4EEB2BF3B}" dt="2023-12-29T17:07:57.293" v="7187" actId="20577"/>
-          <ac:spMkLst>
-            <pc:docMk/>
-            <pc:sldMk cId="657795359" sldId="277"/>
-            <ac:spMk id="2" creationId="{1862E903-3C56-BB42-2361-009F2336475A}"/>
-          </ac:spMkLst>
-        </pc:spChg>
-        <pc:spChg chg="del mod">
-          <ac:chgData name="Gibbons, Carl" userId="d2b037bc-8fb4-4222-845c-61440543a456" providerId="ADAL" clId="{8C497311-FA0D-4174-880A-DAA4EEB2BF3B}" dt="2023-12-29T17:07:50.480" v="7185"/>
-          <ac:spMkLst>
-            <pc:docMk/>
-            <pc:sldMk cId="657795359" sldId="277"/>
-            <ac:spMk id="3" creationId="{90179172-96B3-95D0-A137-257770BE7642}"/>
-          </ac:spMkLst>
-        </pc:spChg>
-      </pc:sldChg>
-      <pc:sldChg chg="modSp mod">
-        <pc:chgData name="Gibbons, Carl" userId="d2b037bc-8fb4-4222-845c-61440543a456" providerId="ADAL" clId="{8C497311-FA0D-4174-880A-DAA4EEB2BF3B}" dt="2023-12-29T15:35:37.192" v="6042" actId="5793"/>
-        <pc:sldMkLst>
-          <pc:docMk/>
-          <pc:sldMk cId="3989541258" sldId="278"/>
-        </pc:sldMkLst>
-        <pc:spChg chg="mod">
-          <ac:chgData name="Gibbons, Carl" userId="d2b037bc-8fb4-4222-845c-61440543a456" providerId="ADAL" clId="{8C497311-FA0D-4174-880A-DAA4EEB2BF3B}" dt="2023-12-29T15:09:22.213" v="3411" actId="20577"/>
-          <ac:spMkLst>
-            <pc:docMk/>
-            <pc:sldMk cId="3989541258" sldId="278"/>
-            <ac:spMk id="2" creationId="{31B75992-5098-A283-4925-2CCEBB801DC5}"/>
-          </ac:spMkLst>
-        </pc:spChg>
-        <pc:spChg chg="mod">
-          <ac:chgData name="Gibbons, Carl" userId="d2b037bc-8fb4-4222-845c-61440543a456" providerId="ADAL" clId="{8C497311-FA0D-4174-880A-DAA4EEB2BF3B}" dt="2023-12-29T15:35:37.192" v="6042" actId="5793"/>
-          <ac:spMkLst>
-            <pc:docMk/>
-            <pc:sldMk cId="3989541258" sldId="278"/>
-            <ac:spMk id="3" creationId="{B5924E0F-A977-1710-779D-EEB74261AF34}"/>
-          </ac:spMkLst>
-        </pc:spChg>
-      </pc:sldChg>
-      <pc:sldChg chg="del">
-        <pc:chgData name="Gibbons, Carl" userId="d2b037bc-8fb4-4222-845c-61440543a456" providerId="ADAL" clId="{8C497311-FA0D-4174-880A-DAA4EEB2BF3B}" dt="2023-12-29T17:07:06.467" v="7099" actId="47"/>
-        <pc:sldMkLst>
-          <pc:docMk/>
-          <pc:sldMk cId="2335633195" sldId="279"/>
-        </pc:sldMkLst>
-      </pc:sldChg>
-      <pc:sldChg chg="del">
-        <pc:chgData name="Gibbons, Carl" userId="d2b037bc-8fb4-4222-845c-61440543a456" providerId="ADAL" clId="{8C497311-FA0D-4174-880A-DAA4EEB2BF3B}" dt="2023-12-29T17:07:07.395" v="7100" actId="47"/>
-        <pc:sldMkLst>
-          <pc:docMk/>
-          <pc:sldMk cId="1284534978" sldId="280"/>
-        </pc:sldMkLst>
-      </pc:sldChg>
-      <pc:sldChg chg="del">
-        <pc:chgData name="Gibbons, Carl" userId="d2b037bc-8fb4-4222-845c-61440543a456" providerId="ADAL" clId="{8C497311-FA0D-4174-880A-DAA4EEB2BF3B}" dt="2023-12-29T17:07:07.895" v="7101" actId="47"/>
-        <pc:sldMkLst>
-          <pc:docMk/>
-          <pc:sldMk cId="1802585387" sldId="281"/>
-        </pc:sldMkLst>
-      </pc:sldChg>
-      <pc:sldChg chg="del">
-        <pc:chgData name="Gibbons, Carl" userId="d2b037bc-8fb4-4222-845c-61440543a456" providerId="ADAL" clId="{8C497311-FA0D-4174-880A-DAA4EEB2BF3B}" dt="2023-12-29T17:07:08.365" v="7102" actId="47"/>
-        <pc:sldMkLst>
-          <pc:docMk/>
-          <pc:sldMk cId="724803187" sldId="282"/>
-        </pc:sldMkLst>
-      </pc:sldChg>
-      <pc:sldChg chg="del">
-        <pc:chgData name="Gibbons, Carl" userId="d2b037bc-8fb4-4222-845c-61440543a456" providerId="ADAL" clId="{8C497311-FA0D-4174-880A-DAA4EEB2BF3B}" dt="2023-12-29T17:07:08.842" v="7103" actId="47"/>
-        <pc:sldMkLst>
-          <pc:docMk/>
-          <pc:sldMk cId="1926009205" sldId="283"/>
-        </pc:sldMkLst>
-      </pc:sldChg>
-      <pc:sldChg chg="del">
-        <pc:chgData name="Gibbons, Carl" userId="d2b037bc-8fb4-4222-845c-61440543a456" providerId="ADAL" clId="{8C497311-FA0D-4174-880A-DAA4EEB2BF3B}" dt="2023-12-29T17:07:09.362" v="7104" actId="47"/>
-        <pc:sldMkLst>
-          <pc:docMk/>
-          <pc:sldMk cId="2366216895" sldId="284"/>
-        </pc:sldMkLst>
-      </pc:sldChg>
-      <pc:sldChg chg="del">
-        <pc:chgData name="Gibbons, Carl" userId="d2b037bc-8fb4-4222-845c-61440543a456" providerId="ADAL" clId="{8C497311-FA0D-4174-880A-DAA4EEB2BF3B}" dt="2023-12-29T17:07:09.925" v="7105" actId="47"/>
-        <pc:sldMkLst>
-          <pc:docMk/>
-          <pc:sldMk cId="3371896289" sldId="285"/>
-        </pc:sldMkLst>
-      </pc:sldChg>
-      <pc:sldChg chg="del">
-        <pc:chgData name="Gibbons, Carl" userId="d2b037bc-8fb4-4222-845c-61440543a456" providerId="ADAL" clId="{8C497311-FA0D-4174-880A-DAA4EEB2BF3B}" dt="2023-12-29T17:07:10.474" v="7106" actId="47"/>
-        <pc:sldMkLst>
-          <pc:docMk/>
-          <pc:sldMk cId="3193160409" sldId="286"/>
-        </pc:sldMkLst>
-      </pc:sldChg>
-      <pc:sldChg chg="del">
-        <pc:chgData name="Gibbons, Carl" userId="d2b037bc-8fb4-4222-845c-61440543a456" providerId="ADAL" clId="{8C497311-FA0D-4174-880A-DAA4EEB2BF3B}" dt="2023-12-29T17:07:11.056" v="7107" actId="47"/>
-        <pc:sldMkLst>
-          <pc:docMk/>
-          <pc:sldMk cId="2688338374" sldId="287"/>
-        </pc:sldMkLst>
-      </pc:sldChg>
-      <pc:sldChg chg="del">
-        <pc:chgData name="Gibbons, Carl" userId="d2b037bc-8fb4-4222-845c-61440543a456" providerId="ADAL" clId="{8C497311-FA0D-4174-880A-DAA4EEB2BF3B}" dt="2023-12-29T17:07:11.624" v="7108" actId="47"/>
-        <pc:sldMkLst>
-          <pc:docMk/>
-          <pc:sldMk cId="2142935017" sldId="288"/>
-        </pc:sldMkLst>
-      </pc:sldChg>
-      <pc:sldChg chg="del">
-        <pc:chgData name="Gibbons, Carl" userId="d2b037bc-8fb4-4222-845c-61440543a456" providerId="ADAL" clId="{8C497311-FA0D-4174-880A-DAA4EEB2BF3B}" dt="2023-12-29T17:07:12.218" v="7109" actId="47"/>
-        <pc:sldMkLst>
-          <pc:docMk/>
-          <pc:sldMk cId="2784625941" sldId="289"/>
-        </pc:sldMkLst>
-      </pc:sldChg>
-      <pc:sldChg chg="del">
-        <pc:chgData name="Gibbons, Carl" userId="d2b037bc-8fb4-4222-845c-61440543a456" providerId="ADAL" clId="{8C497311-FA0D-4174-880A-DAA4EEB2BF3B}" dt="2023-12-29T17:07:12.802" v="7110" actId="47"/>
-        <pc:sldMkLst>
-          <pc:docMk/>
-          <pc:sldMk cId="1677974689" sldId="290"/>
-        </pc:sldMkLst>
-      </pc:sldChg>
-      <pc:sldChg chg="del">
-        <pc:chgData name="Gibbons, Carl" userId="d2b037bc-8fb4-4222-845c-61440543a456" providerId="ADAL" clId="{8C497311-FA0D-4174-880A-DAA4EEB2BF3B}" dt="2023-12-29T17:07:13.420" v="7111" actId="47"/>
-        <pc:sldMkLst>
-          <pc:docMk/>
-          <pc:sldMk cId="4219326696" sldId="291"/>
-        </pc:sldMkLst>
-      </pc:sldChg>
-      <pc:sldChg chg="del">
-        <pc:chgData name="Gibbons, Carl" userId="d2b037bc-8fb4-4222-845c-61440543a456" providerId="ADAL" clId="{8C497311-FA0D-4174-880A-DAA4EEB2BF3B}" dt="2023-12-29T17:07:14.054" v="7112" actId="47"/>
-        <pc:sldMkLst>
-          <pc:docMk/>
-          <pc:sldMk cId="33911121" sldId="292"/>
-        </pc:sldMkLst>
-      </pc:sldChg>
-      <pc:sldChg chg="modSp mod">
-        <pc:chgData name="Gibbons, Carl" userId="d2b037bc-8fb4-4222-845c-61440543a456" providerId="ADAL" clId="{8C497311-FA0D-4174-880A-DAA4EEB2BF3B}" dt="2023-12-29T15:43:57.081" v="7062" actId="20577"/>
-        <pc:sldMkLst>
-          <pc:docMk/>
-          <pc:sldMk cId="1861646120" sldId="293"/>
-        </pc:sldMkLst>
-        <pc:spChg chg="mod">
-          <ac:chgData name="Gibbons, Carl" userId="d2b037bc-8fb4-4222-845c-61440543a456" providerId="ADAL" clId="{8C497311-FA0D-4174-880A-DAA4EEB2BF3B}" dt="2023-12-29T15:36:21.703" v="6112" actId="20577"/>
-          <ac:spMkLst>
-            <pc:docMk/>
-            <pc:sldMk cId="1861646120" sldId="293"/>
-            <ac:spMk id="2" creationId="{31B75992-5098-A283-4925-2CCEBB801DC5}"/>
-          </ac:spMkLst>
-        </pc:spChg>
-        <pc:spChg chg="mod">
-          <ac:chgData name="Gibbons, Carl" userId="d2b037bc-8fb4-4222-845c-61440543a456" providerId="ADAL" clId="{8C497311-FA0D-4174-880A-DAA4EEB2BF3B}" dt="2023-12-29T15:43:57.081" v="7062" actId="20577"/>
-          <ac:spMkLst>
-            <pc:docMk/>
-            <pc:sldMk cId="1861646120" sldId="293"/>
-            <ac:spMk id="3" creationId="{B5924E0F-A977-1710-779D-EEB74261AF34}"/>
-          </ac:spMkLst>
-        </pc:spChg>
-      </pc:sldChg>
-    </pc:docChg>
-  </pc:docChgLst>
-  <pc:docChgLst>
-    <pc:chgData name="Gibbons, Carl" userId="d2b037bc-8fb4-4222-845c-61440543a456" providerId="ADAL" clId="{B22431BF-FF40-422E-84B9-DE35C0B96CC3}"/>
-    <pc:docChg chg="undo custSel delSld modSld">
-      <pc:chgData name="Gibbons, Carl" userId="d2b037bc-8fb4-4222-845c-61440543a456" providerId="ADAL" clId="{B22431BF-FF40-422E-84B9-DE35C0B96CC3}" dt="2024-01-04T23:02:20.392" v="6116" actId="20577"/>
-      <pc:docMkLst>
-        <pc:docMk/>
-      </pc:docMkLst>
-      <pc:sldChg chg="modSp mod">
-        <pc:chgData name="Gibbons, Carl" userId="d2b037bc-8fb4-4222-845c-61440543a456" providerId="ADAL" clId="{B22431BF-FF40-422E-84B9-DE35C0B96CC3}" dt="2023-12-29T21:56:55.022" v="36" actId="20577"/>
-        <pc:sldMkLst>
-          <pc:docMk/>
-          <pc:sldMk cId="3308175748" sldId="256"/>
-        </pc:sldMkLst>
-        <pc:spChg chg="mod">
-          <ac:chgData name="Gibbons, Carl" userId="d2b037bc-8fb4-4222-845c-61440543a456" providerId="ADAL" clId="{B22431BF-FF40-422E-84B9-DE35C0B96CC3}" dt="2023-12-29T21:56:55.022" v="36" actId="20577"/>
-          <ac:spMkLst>
-            <pc:docMk/>
-            <pc:sldMk cId="3308175748" sldId="256"/>
-            <ac:spMk id="3" creationId="{EEC4D41B-E776-05F2-BE0B-89BB339485AB}"/>
-          </ac:spMkLst>
-        </pc:spChg>
-      </pc:sldChg>
-      <pc:sldChg chg="modSp mod">
-        <pc:chgData name="Gibbons, Carl" userId="d2b037bc-8fb4-4222-845c-61440543a456" providerId="ADAL" clId="{B22431BF-FF40-422E-84B9-DE35C0B96CC3}" dt="2024-01-04T23:00:14.898" v="6013" actId="20577"/>
-        <pc:sldMkLst>
-          <pc:docMk/>
-          <pc:sldMk cId="2312486803" sldId="261"/>
-        </pc:sldMkLst>
-        <pc:spChg chg="mod">
-          <ac:chgData name="Gibbons, Carl" userId="d2b037bc-8fb4-4222-845c-61440543a456" providerId="ADAL" clId="{B22431BF-FF40-422E-84B9-DE35C0B96CC3}" dt="2023-12-29T22:08:30.114" v="43" actId="20577"/>
-          <ac:spMkLst>
-            <pc:docMk/>
-            <pc:sldMk cId="2312486803" sldId="261"/>
-            <ac:spMk id="2" creationId="{31B75992-5098-A283-4925-2CCEBB801DC5}"/>
-          </ac:spMkLst>
-        </pc:spChg>
-        <pc:spChg chg="mod">
-          <ac:chgData name="Gibbons, Carl" userId="d2b037bc-8fb4-4222-845c-61440543a456" providerId="ADAL" clId="{B22431BF-FF40-422E-84B9-DE35C0B96CC3}" dt="2024-01-04T23:00:14.898" v="6013" actId="20577"/>
-          <ac:spMkLst>
-            <pc:docMk/>
-            <pc:sldMk cId="2312486803" sldId="261"/>
-            <ac:spMk id="3" creationId="{B5924E0F-A977-1710-779D-EEB74261AF34}"/>
-          </ac:spMkLst>
-        </pc:spChg>
-      </pc:sldChg>
-      <pc:sldChg chg="del">
-        <pc:chgData name="Gibbons, Carl" userId="d2b037bc-8fb4-4222-845c-61440543a456" providerId="ADAL" clId="{B22431BF-FF40-422E-84B9-DE35C0B96CC3}" dt="2023-12-30T00:06:35.373" v="5939" actId="47"/>
-        <pc:sldMkLst>
-          <pc:docMk/>
-          <pc:sldMk cId="657795359" sldId="277"/>
-        </pc:sldMkLst>
-      </pc:sldChg>
-      <pc:sldChg chg="modSp mod">
-        <pc:chgData name="Gibbons, Carl" userId="d2b037bc-8fb4-4222-845c-61440543a456" providerId="ADAL" clId="{B22431BF-FF40-422E-84B9-DE35C0B96CC3}" dt="2023-12-29T22:43:19.687" v="2380" actId="20577"/>
-        <pc:sldMkLst>
-          <pc:docMk/>
-          <pc:sldMk cId="3989541258" sldId="278"/>
-        </pc:sldMkLst>
-        <pc:spChg chg="mod">
-          <ac:chgData name="Gibbons, Carl" userId="d2b037bc-8fb4-4222-845c-61440543a456" providerId="ADAL" clId="{B22431BF-FF40-422E-84B9-DE35C0B96CC3}" dt="2023-12-29T22:43:19.687" v="2380" actId="20577"/>
-          <ac:spMkLst>
-            <pc:docMk/>
-            <pc:sldMk cId="3989541258" sldId="278"/>
-            <ac:spMk id="2" creationId="{31B75992-5098-A283-4925-2CCEBB801DC5}"/>
-          </ac:spMkLst>
-        </pc:spChg>
-        <pc:spChg chg="mod">
-          <ac:chgData name="Gibbons, Carl" userId="d2b037bc-8fb4-4222-845c-61440543a456" providerId="ADAL" clId="{B22431BF-FF40-422E-84B9-DE35C0B96CC3}" dt="2023-12-29T22:42:57.446" v="2316" actId="21"/>
-          <ac:spMkLst>
-            <pc:docMk/>
-            <pc:sldMk cId="3989541258" sldId="278"/>
-            <ac:spMk id="3" creationId="{B5924E0F-A977-1710-779D-EEB74261AF34}"/>
-          </ac:spMkLst>
-        </pc:spChg>
-      </pc:sldChg>
-      <pc:sldChg chg="modSp mod">
-        <pc:chgData name="Gibbons, Carl" userId="d2b037bc-8fb4-4222-845c-61440543a456" providerId="ADAL" clId="{B22431BF-FF40-422E-84B9-DE35C0B96CC3}" dt="2024-01-04T23:02:20.392" v="6116" actId="20577"/>
-        <pc:sldMkLst>
-          <pc:docMk/>
-          <pc:sldMk cId="1861646120" sldId="293"/>
-        </pc:sldMkLst>
-        <pc:spChg chg="mod">
-          <ac:chgData name="Gibbons, Carl" userId="d2b037bc-8fb4-4222-845c-61440543a456" providerId="ADAL" clId="{B22431BF-FF40-422E-84B9-DE35C0B96CC3}" dt="2023-12-29T22:43:38.151" v="2422" actId="20577"/>
-          <ac:spMkLst>
-            <pc:docMk/>
-            <pc:sldMk cId="1861646120" sldId="293"/>
-            <ac:spMk id="2" creationId="{31B75992-5098-A283-4925-2CCEBB801DC5}"/>
-          </ac:spMkLst>
-        </pc:spChg>
-        <pc:spChg chg="mod">
-          <ac:chgData name="Gibbons, Carl" userId="d2b037bc-8fb4-4222-845c-61440543a456" providerId="ADAL" clId="{B22431BF-FF40-422E-84B9-DE35C0B96CC3}" dt="2024-01-04T23:02:20.392" v="6116" actId="20577"/>
-          <ac:spMkLst>
-            <pc:docMk/>
-            <pc:sldMk cId="1861646120" sldId="293"/>
-            <ac:spMk id="3" creationId="{B5924E0F-A977-1710-779D-EEB74261AF34}"/>
-          </ac:spMkLst>
-        </pc:spChg>
-      </pc:sldChg>
-      <pc:sldChg chg="modSp mod">
-        <pc:chgData name="Gibbons, Carl" userId="d2b037bc-8fb4-4222-845c-61440543a456" providerId="ADAL" clId="{B22431BF-FF40-422E-84B9-DE35C0B96CC3}" dt="2023-12-30T00:07:46.447" v="5951" actId="20577"/>
-        <pc:sldMkLst>
-          <pc:docMk/>
-          <pc:sldMk cId="2232562783" sldId="294"/>
-        </pc:sldMkLst>
-        <pc:spChg chg="mod">
-          <ac:chgData name="Gibbons, Carl" userId="d2b037bc-8fb4-4222-845c-61440543a456" providerId="ADAL" clId="{B22431BF-FF40-422E-84B9-DE35C0B96CC3}" dt="2023-12-30T00:07:46.447" v="5951" actId="20577"/>
-          <ac:spMkLst>
-            <pc:docMk/>
-            <pc:sldMk cId="2232562783" sldId="294"/>
-            <ac:spMk id="2" creationId="{31B75992-5098-A283-4925-2CCEBB801DC5}"/>
-          </ac:spMkLst>
-        </pc:spChg>
-        <pc:spChg chg="mod">
-          <ac:chgData name="Gibbons, Carl" userId="d2b037bc-8fb4-4222-845c-61440543a456" providerId="ADAL" clId="{B22431BF-FF40-422E-84B9-DE35C0B96CC3}" dt="2023-12-29T23:10:49.132" v="4131" actId="20577"/>
-          <ac:spMkLst>
-            <pc:docMk/>
-            <pc:sldMk cId="2232562783" sldId="294"/>
-            <ac:spMk id="3" creationId="{B5924E0F-A977-1710-779D-EEB74261AF34}"/>
-          </ac:spMkLst>
-        </pc:spChg>
-      </pc:sldChg>
-      <pc:sldChg chg="modSp del mod">
-        <pc:chgData name="Gibbons, Carl" userId="d2b037bc-8fb4-4222-845c-61440543a456" providerId="ADAL" clId="{B22431BF-FF40-422E-84B9-DE35C0B96CC3}" dt="2023-12-30T00:06:31.761" v="5934" actId="47"/>
-        <pc:sldMkLst>
-          <pc:docMk/>
-          <pc:sldMk cId="806767687" sldId="295"/>
-        </pc:sldMkLst>
-        <pc:spChg chg="mod">
-          <ac:chgData name="Gibbons, Carl" userId="d2b037bc-8fb4-4222-845c-61440543a456" providerId="ADAL" clId="{B22431BF-FF40-422E-84B9-DE35C0B96CC3}" dt="2023-12-29T23:17:23.085" v="4333" actId="20577"/>
-          <ac:spMkLst>
-            <pc:docMk/>
-            <pc:sldMk cId="806767687" sldId="295"/>
-            <ac:spMk id="3" creationId="{B5924E0F-A977-1710-779D-EEB74261AF34}"/>
-          </ac:spMkLst>
-        </pc:spChg>
-      </pc:sldChg>
-      <pc:sldChg chg="del">
-        <pc:chgData name="Gibbons, Carl" userId="d2b037bc-8fb4-4222-845c-61440543a456" providerId="ADAL" clId="{B22431BF-FF40-422E-84B9-DE35C0B96CC3}" dt="2023-12-30T00:06:32.570" v="5935" actId="47"/>
-        <pc:sldMkLst>
-          <pc:docMk/>
-          <pc:sldMk cId="3145157247" sldId="296"/>
-        </pc:sldMkLst>
-      </pc:sldChg>
-      <pc:sldChg chg="del">
-        <pc:chgData name="Gibbons, Carl" userId="d2b037bc-8fb4-4222-845c-61440543a456" providerId="ADAL" clId="{B22431BF-FF40-422E-84B9-DE35C0B96CC3}" dt="2023-12-30T00:06:33.242" v="5936" actId="47"/>
-        <pc:sldMkLst>
-          <pc:docMk/>
-          <pc:sldMk cId="2424714671" sldId="297"/>
-        </pc:sldMkLst>
-      </pc:sldChg>
-      <pc:sldChg chg="del">
-        <pc:chgData name="Gibbons, Carl" userId="d2b037bc-8fb4-4222-845c-61440543a456" providerId="ADAL" clId="{B22431BF-FF40-422E-84B9-DE35C0B96CC3}" dt="2023-12-30T00:06:33.834" v="5937" actId="47"/>
-        <pc:sldMkLst>
-          <pc:docMk/>
-          <pc:sldMk cId="3450195044" sldId="298"/>
-        </pc:sldMkLst>
-      </pc:sldChg>
-      <pc:sldChg chg="del">
-        <pc:chgData name="Gibbons, Carl" userId="d2b037bc-8fb4-4222-845c-61440543a456" providerId="ADAL" clId="{B22431BF-FF40-422E-84B9-DE35C0B96CC3}" dt="2023-12-30T00:06:34.432" v="5938" actId="47"/>
-        <pc:sldMkLst>
-          <pc:docMk/>
-          <pc:sldMk cId="3633122843" sldId="299"/>
-        </pc:sldMkLst>
-      </pc:sldChg>
-      <pc:sldChg chg="modSp mod">
-        <pc:chgData name="Gibbons, Carl" userId="d2b037bc-8fb4-4222-845c-61440543a456" providerId="ADAL" clId="{B22431BF-FF40-422E-84B9-DE35C0B96CC3}" dt="2023-12-30T00:07:51.836" v="5963" actId="20577"/>
-        <pc:sldMkLst>
-          <pc:docMk/>
-          <pc:sldMk cId="845747584" sldId="300"/>
-        </pc:sldMkLst>
-        <pc:spChg chg="mod">
-          <ac:chgData name="Gibbons, Carl" userId="d2b037bc-8fb4-4222-845c-61440543a456" providerId="ADAL" clId="{B22431BF-FF40-422E-84B9-DE35C0B96CC3}" dt="2023-12-30T00:07:51.836" v="5963" actId="20577"/>
-          <ac:spMkLst>
-            <pc:docMk/>
-            <pc:sldMk cId="845747584" sldId="300"/>
-            <ac:spMk id="2" creationId="{31B75992-5098-A283-4925-2CCEBB801DC5}"/>
-          </ac:spMkLst>
-        </pc:spChg>
-        <pc:spChg chg="mod">
-          <ac:chgData name="Gibbons, Carl" userId="d2b037bc-8fb4-4222-845c-61440543a456" providerId="ADAL" clId="{B22431BF-FF40-422E-84B9-DE35C0B96CC3}" dt="2023-12-29T23:21:57.151" v="4600" actId="20577"/>
-          <ac:spMkLst>
-            <pc:docMk/>
-            <pc:sldMk cId="845747584" sldId="300"/>
-            <ac:spMk id="3" creationId="{B5924E0F-A977-1710-779D-EEB74261AF34}"/>
-          </ac:spMkLst>
-        </pc:spChg>
-      </pc:sldChg>
-      <pc:sldChg chg="modSp mod">
-        <pc:chgData name="Gibbons, Carl" userId="d2b037bc-8fb4-4222-845c-61440543a456" providerId="ADAL" clId="{B22431BF-FF40-422E-84B9-DE35C0B96CC3}" dt="2023-12-30T00:07:56.869" v="5975" actId="20577"/>
-        <pc:sldMkLst>
-          <pc:docMk/>
-          <pc:sldMk cId="3372579319" sldId="301"/>
-        </pc:sldMkLst>
-        <pc:spChg chg="mod">
-          <ac:chgData name="Gibbons, Carl" userId="d2b037bc-8fb4-4222-845c-61440543a456" providerId="ADAL" clId="{B22431BF-FF40-422E-84B9-DE35C0B96CC3}" dt="2023-12-30T00:07:56.869" v="5975" actId="20577"/>
-          <ac:spMkLst>
-            <pc:docMk/>
-            <pc:sldMk cId="3372579319" sldId="301"/>
-            <ac:spMk id="2" creationId="{31B75992-5098-A283-4925-2CCEBB801DC5}"/>
-          </ac:spMkLst>
-        </pc:spChg>
-        <pc:spChg chg="mod">
-          <ac:chgData name="Gibbons, Carl" userId="d2b037bc-8fb4-4222-845c-61440543a456" providerId="ADAL" clId="{B22431BF-FF40-422E-84B9-DE35C0B96CC3}" dt="2023-12-30T00:06:13.959" v="5932" actId="20577"/>
-          <ac:spMkLst>
-            <pc:docMk/>
-            <pc:sldMk cId="3372579319" sldId="301"/>
-            <ac:spMk id="3" creationId="{B5924E0F-A977-1710-779D-EEB74261AF34}"/>
-          </ac:spMkLst>
-        </pc:spChg>
-      </pc:sldChg>
-      <pc:sldChg chg="modSp del mod">
-        <pc:chgData name="Gibbons, Carl" userId="d2b037bc-8fb4-4222-845c-61440543a456" providerId="ADAL" clId="{B22431BF-FF40-422E-84B9-DE35C0B96CC3}" dt="2023-12-30T00:06:30.511" v="5933" actId="47"/>
-        <pc:sldMkLst>
-          <pc:docMk/>
-          <pc:sldMk cId="3488854045" sldId="302"/>
-        </pc:sldMkLst>
-        <pc:spChg chg="mod">
-          <ac:chgData name="Gibbons, Carl" userId="d2b037bc-8fb4-4222-845c-61440543a456" providerId="ADAL" clId="{B22431BF-FF40-422E-84B9-DE35C0B96CC3}" dt="2023-12-29T23:32:30.137" v="5532" actId="20577"/>
-          <ac:spMkLst>
-            <pc:docMk/>
-            <pc:sldMk cId="3488854045" sldId="302"/>
-            <ac:spMk id="2" creationId="{31B75992-5098-A283-4925-2CCEBB801DC5}"/>
-          </ac:spMkLst>
-        </pc:spChg>
-        <pc:spChg chg="mod">
-          <ac:chgData name="Gibbons, Carl" userId="d2b037bc-8fb4-4222-845c-61440543a456" providerId="ADAL" clId="{B22431BF-FF40-422E-84B9-DE35C0B96CC3}" dt="2023-12-29T23:35:41.617" v="5912" actId="20577"/>
-          <ac:spMkLst>
-            <pc:docMk/>
-            <pc:sldMk cId="3488854045" sldId="302"/>
-            <ac:spMk id="3" creationId="{B5924E0F-A977-1710-779D-EEB74261AF34}"/>
-          </ac:spMkLst>
-        </pc:spChg>
-      </pc:sldChg>
-    </pc:docChg>
-  </pc:docChgLst>
-  <pc:docChgLst>
-    <pc:chgData name="Gibbons, Carl" userId="d2b037bc-8fb4-4222-845c-61440543a456" providerId="ADAL" clId="{8B117223-2596-4D61-9C62-CC9BD4B9A421}"/>
-    <pc:docChg chg="custSel addSld delSld modSld">
-      <pc:chgData name="Gibbons, Carl" userId="d2b037bc-8fb4-4222-845c-61440543a456" providerId="ADAL" clId="{8B117223-2596-4D61-9C62-CC9BD4B9A421}" dt="2024-01-24T22:00:55.310" v="2286" actId="20577"/>
-      <pc:docMkLst>
-        <pc:docMk/>
-      </pc:docMkLst>
-      <pc:sldChg chg="modSp mod">
-        <pc:chgData name="Gibbons, Carl" userId="d2b037bc-8fb4-4222-845c-61440543a456" providerId="ADAL" clId="{8B117223-2596-4D61-9C62-CC9BD4B9A421}" dt="2024-01-16T00:57:55.449" v="2005" actId="20577"/>
-        <pc:sldMkLst>
-          <pc:docMk/>
-          <pc:sldMk cId="3308175748" sldId="256"/>
-        </pc:sldMkLst>
-        <pc:spChg chg="mod">
-          <ac:chgData name="Gibbons, Carl" userId="d2b037bc-8fb4-4222-845c-61440543a456" providerId="ADAL" clId="{8B117223-2596-4D61-9C62-CC9BD4B9A421}" dt="2024-01-16T00:57:55.449" v="2005" actId="20577"/>
-          <ac:spMkLst>
-            <pc:docMk/>
-            <pc:sldMk cId="3308175748" sldId="256"/>
-            <ac:spMk id="3" creationId="{EEC4D41B-E776-05F2-BE0B-89BB339485AB}"/>
-          </ac:spMkLst>
-        </pc:spChg>
-      </pc:sldChg>
-      <pc:sldChg chg="modSp mod">
-        <pc:chgData name="Gibbons, Carl" userId="d2b037bc-8fb4-4222-845c-61440543a456" providerId="ADAL" clId="{8B117223-2596-4D61-9C62-CC9BD4B9A421}" dt="2024-01-24T22:00:55.310" v="2286" actId="20577"/>
-        <pc:sldMkLst>
-          <pc:docMk/>
-          <pc:sldMk cId="2312486803" sldId="261"/>
-        </pc:sldMkLst>
-        <pc:spChg chg="mod">
-          <ac:chgData name="Gibbons, Carl" userId="d2b037bc-8fb4-4222-845c-61440543a456" providerId="ADAL" clId="{8B117223-2596-4D61-9C62-CC9BD4B9A421}" dt="2024-01-16T00:15:29.289" v="286" actId="20577"/>
-          <ac:spMkLst>
-            <pc:docMk/>
-            <pc:sldMk cId="2312486803" sldId="261"/>
-            <ac:spMk id="2" creationId="{31B75992-5098-A283-4925-2CCEBB801DC5}"/>
-          </ac:spMkLst>
-        </pc:spChg>
-        <pc:spChg chg="mod">
-          <ac:chgData name="Gibbons, Carl" userId="d2b037bc-8fb4-4222-845c-61440543a456" providerId="ADAL" clId="{8B117223-2596-4D61-9C62-CC9BD4B9A421}" dt="2024-01-24T22:00:55.310" v="2286" actId="20577"/>
-          <ac:spMkLst>
-            <pc:docMk/>
-            <pc:sldMk cId="2312486803" sldId="261"/>
-            <ac:spMk id="3" creationId="{B5924E0F-A977-1710-779D-EEB74261AF34}"/>
-          </ac:spMkLst>
-        </pc:spChg>
-      </pc:sldChg>
-      <pc:sldChg chg="modSp add mod">
-        <pc:chgData name="Gibbons, Carl" userId="d2b037bc-8fb4-4222-845c-61440543a456" providerId="ADAL" clId="{8B117223-2596-4D61-9C62-CC9BD4B9A421}" dt="2024-01-16T01:00:51.762" v="2281" actId="313"/>
-        <pc:sldMkLst>
-          <pc:docMk/>
-          <pc:sldMk cId="3885141102" sldId="262"/>
-        </pc:sldMkLst>
-        <pc:spChg chg="mod">
-          <ac:chgData name="Gibbons, Carl" userId="d2b037bc-8fb4-4222-845c-61440543a456" providerId="ADAL" clId="{8B117223-2596-4D61-9C62-CC9BD4B9A421}" dt="2024-01-16T00:42:42.463" v="1503" actId="20577"/>
-          <ac:spMkLst>
-            <pc:docMk/>
-            <pc:sldMk cId="3885141102" sldId="262"/>
-            <ac:spMk id="2" creationId="{31B75992-5098-A283-4925-2CCEBB801DC5}"/>
-          </ac:spMkLst>
-        </pc:spChg>
-        <pc:spChg chg="mod">
-          <ac:chgData name="Gibbons, Carl" userId="d2b037bc-8fb4-4222-845c-61440543a456" providerId="ADAL" clId="{8B117223-2596-4D61-9C62-CC9BD4B9A421}" dt="2024-01-16T01:00:51.762" v="2281" actId="313"/>
-          <ac:spMkLst>
-            <pc:docMk/>
-            <pc:sldMk cId="3885141102" sldId="262"/>
-            <ac:spMk id="3" creationId="{B5924E0F-A977-1710-779D-EEB74261AF34}"/>
-          </ac:spMkLst>
-        </pc:spChg>
-      </pc:sldChg>
-      <pc:sldChg chg="add">
-        <pc:chgData name="Gibbons, Carl" userId="d2b037bc-8fb4-4222-845c-61440543a456" providerId="ADAL" clId="{8B117223-2596-4D61-9C62-CC9BD4B9A421}" dt="2024-01-16T00:58:20.162" v="2006"/>
-        <pc:sldMkLst>
-          <pc:docMk/>
-          <pc:sldMk cId="1719402288" sldId="263"/>
-        </pc:sldMkLst>
-      </pc:sldChg>
-      <pc:sldChg chg="del">
-        <pc:chgData name="Gibbons, Carl" userId="d2b037bc-8fb4-4222-845c-61440543a456" providerId="ADAL" clId="{8B117223-2596-4D61-9C62-CC9BD4B9A421}" dt="2024-01-16T00:11:26.015" v="227" actId="47"/>
-        <pc:sldMkLst>
-          <pc:docMk/>
-          <pc:sldMk cId="3989541258" sldId="278"/>
-        </pc:sldMkLst>
-      </pc:sldChg>
-      <pc:sldChg chg="del">
-        <pc:chgData name="Gibbons, Carl" userId="d2b037bc-8fb4-4222-845c-61440543a456" providerId="ADAL" clId="{8B117223-2596-4D61-9C62-CC9BD4B9A421}" dt="2024-01-16T00:11:26.575" v="228" actId="47"/>
-        <pc:sldMkLst>
-          <pc:docMk/>
-          <pc:sldMk cId="1861646120" sldId="293"/>
-        </pc:sldMkLst>
-      </pc:sldChg>
-      <pc:sldChg chg="del">
-        <pc:chgData name="Gibbons, Carl" userId="d2b037bc-8fb4-4222-845c-61440543a456" providerId="ADAL" clId="{8B117223-2596-4D61-9C62-CC9BD4B9A421}" dt="2024-01-16T00:11:27.206" v="229" actId="47"/>
-        <pc:sldMkLst>
-          <pc:docMk/>
-          <pc:sldMk cId="2232562783" sldId="294"/>
-        </pc:sldMkLst>
-      </pc:sldChg>
-      <pc:sldChg chg="del">
-        <pc:chgData name="Gibbons, Carl" userId="d2b037bc-8fb4-4222-845c-61440543a456" providerId="ADAL" clId="{8B117223-2596-4D61-9C62-CC9BD4B9A421}" dt="2024-01-16T00:11:27.766" v="230" actId="47"/>
-        <pc:sldMkLst>
-          <pc:docMk/>
-          <pc:sldMk cId="845747584" sldId="300"/>
-        </pc:sldMkLst>
-      </pc:sldChg>
-      <pc:sldChg chg="del">
-        <pc:chgData name="Gibbons, Carl" userId="d2b037bc-8fb4-4222-845c-61440543a456" providerId="ADAL" clId="{8B117223-2596-4D61-9C62-CC9BD4B9A421}" dt="2024-01-16T00:11:30.314" v="231" actId="47"/>
-        <pc:sldMkLst>
-          <pc:docMk/>
-          <pc:sldMk cId="3372579319" sldId="301"/>
-        </pc:sldMkLst>
-      </pc:sldChg>
-    </pc:docChg>
-  </pc:docChgLst>
-  <pc:docChgLst>
-    <pc:chgData name="Gibbons, Carl" userId="d2b037bc-8fb4-4222-845c-61440543a456" providerId="ADAL" clId="{C1E6ABF6-BAED-4B26-97DB-20A1E8B7A1A4}"/>
-    <pc:docChg chg="custSel modSld">
-      <pc:chgData name="Gibbons, Carl" userId="d2b037bc-8fb4-4222-845c-61440543a456" providerId="ADAL" clId="{C1E6ABF6-BAED-4B26-97DB-20A1E8B7A1A4}" dt="2023-12-06T02:23:48.337" v="274" actId="20577"/>
-      <pc:docMkLst>
-        <pc:docMk/>
-      </pc:docMkLst>
-      <pc:sldChg chg="modSp mod">
-        <pc:chgData name="Gibbons, Carl" userId="d2b037bc-8fb4-4222-845c-61440543a456" providerId="ADAL" clId="{C1E6ABF6-BAED-4B26-97DB-20A1E8B7A1A4}" dt="2023-11-21T16:22:17.597" v="97" actId="20577"/>
-        <pc:sldMkLst>
-          <pc:docMk/>
-          <pc:sldMk cId="3308175748" sldId="256"/>
-        </pc:sldMkLst>
-        <pc:spChg chg="mod">
-          <ac:chgData name="Gibbons, Carl" userId="d2b037bc-8fb4-4222-845c-61440543a456" providerId="ADAL" clId="{C1E6ABF6-BAED-4B26-97DB-20A1E8B7A1A4}" dt="2023-11-21T05:49:34.464" v="2"/>
-          <ac:spMkLst>
-            <pc:docMk/>
-            <pc:sldMk cId="3308175748" sldId="256"/>
-            <ac:spMk id="2" creationId="{ACEA2649-DC6B-3373-A7E6-7F0E103D8B8B}"/>
-          </ac:spMkLst>
-        </pc:spChg>
-        <pc:spChg chg="mod">
-          <ac:chgData name="Gibbons, Carl" userId="d2b037bc-8fb4-4222-845c-61440543a456" providerId="ADAL" clId="{C1E6ABF6-BAED-4B26-97DB-20A1E8B7A1A4}" dt="2023-11-21T16:22:17.597" v="97" actId="20577"/>
-          <ac:spMkLst>
-            <pc:docMk/>
-            <pc:sldMk cId="3308175748" sldId="256"/>
-            <ac:spMk id="3" creationId="{EEC4D41B-E776-05F2-BE0B-89BB339485AB}"/>
-          </ac:spMkLst>
-        </pc:spChg>
-        <pc:spChg chg="mod">
-          <ac:chgData name="Gibbons, Carl" userId="d2b037bc-8fb4-4222-845c-61440543a456" providerId="ADAL" clId="{C1E6ABF6-BAED-4B26-97DB-20A1E8B7A1A4}" dt="2023-11-21T05:49:34.464" v="2"/>
-          <ac:spMkLst>
-            <pc:docMk/>
-            <pc:sldMk cId="3308175748" sldId="256"/>
-            <ac:spMk id="4" creationId="{4664ABB7-0B55-0242-2E51-B3286EE7B5EB}"/>
-          </ac:spMkLst>
-        </pc:spChg>
-      </pc:sldChg>
-      <pc:sldChg chg="modSp">
-        <pc:chgData name="Gibbons, Carl" userId="d2b037bc-8fb4-4222-845c-61440543a456" providerId="ADAL" clId="{C1E6ABF6-BAED-4B26-97DB-20A1E8B7A1A4}" dt="2023-11-21T05:49:34.464" v="2"/>
-        <pc:sldMkLst>
-          <pc:docMk/>
-          <pc:sldMk cId="2312486803" sldId="261"/>
-        </pc:sldMkLst>
-        <pc:spChg chg="mod">
-          <ac:chgData name="Gibbons, Carl" userId="d2b037bc-8fb4-4222-845c-61440543a456" providerId="ADAL" clId="{C1E6ABF6-BAED-4B26-97DB-20A1E8B7A1A4}" dt="2023-11-21T05:49:34.464" v="2"/>
-          <ac:spMkLst>
-            <pc:docMk/>
-            <pc:sldMk cId="2312486803" sldId="261"/>
-            <ac:spMk id="2" creationId="{31B75992-5098-A283-4925-2CCEBB801DC5}"/>
-          </ac:spMkLst>
-        </pc:spChg>
-      </pc:sldChg>
-      <pc:sldChg chg="modSp mod">
-        <pc:chgData name="Gibbons, Carl" userId="d2b037bc-8fb4-4222-845c-61440543a456" providerId="ADAL" clId="{C1E6ABF6-BAED-4B26-97DB-20A1E8B7A1A4}" dt="2023-11-21T07:48:19.790" v="77" actId="20577"/>
-        <pc:sldMkLst>
-          <pc:docMk/>
-          <pc:sldMk cId="378743348" sldId="270"/>
-        </pc:sldMkLst>
-        <pc:spChg chg="mod">
-          <ac:chgData name="Gibbons, Carl" userId="d2b037bc-8fb4-4222-845c-61440543a456" providerId="ADAL" clId="{C1E6ABF6-BAED-4B26-97DB-20A1E8B7A1A4}" dt="2023-11-21T07:48:19.790" v="77" actId="20577"/>
-          <ac:spMkLst>
-            <pc:docMk/>
-            <pc:sldMk cId="378743348" sldId="270"/>
-            <ac:spMk id="3" creationId="{80041865-9773-290D-EB35-F8AF8BFC505C}"/>
-          </ac:spMkLst>
-        </pc:spChg>
-      </pc:sldChg>
-      <pc:sldChg chg="modSp mod">
-        <pc:chgData name="Gibbons, Carl" userId="d2b037bc-8fb4-4222-845c-61440543a456" providerId="ADAL" clId="{C1E6ABF6-BAED-4B26-97DB-20A1E8B7A1A4}" dt="2023-12-06T02:23:48.337" v="274" actId="20577"/>
-        <pc:sldMkLst>
-          <pc:docMk/>
-          <pc:sldMk cId="657795359" sldId="277"/>
-        </pc:sldMkLst>
-        <pc:spChg chg="mod">
-          <ac:chgData name="Gibbons, Carl" userId="d2b037bc-8fb4-4222-845c-61440543a456" providerId="ADAL" clId="{C1E6ABF6-BAED-4B26-97DB-20A1E8B7A1A4}" dt="2023-11-21T05:49:34.464" v="2"/>
-          <ac:spMkLst>
-            <pc:docMk/>
-            <pc:sldMk cId="657795359" sldId="277"/>
-            <ac:spMk id="2" creationId="{1862E903-3C56-BB42-2361-009F2336475A}"/>
-          </ac:spMkLst>
-        </pc:spChg>
-        <pc:spChg chg="mod">
-          <ac:chgData name="Gibbons, Carl" userId="d2b037bc-8fb4-4222-845c-61440543a456" providerId="ADAL" clId="{C1E6ABF6-BAED-4B26-97DB-20A1E8B7A1A4}" dt="2023-12-06T02:23:48.337" v="274" actId="20577"/>
-          <ac:spMkLst>
-            <pc:docMk/>
-            <pc:sldMk cId="657795359" sldId="277"/>
-            <ac:spMk id="3" creationId="{90179172-96B3-95D0-A137-257770BE7642}"/>
-          </ac:spMkLst>
-        </pc:spChg>
-      </pc:sldChg>
-    </pc:docChg>
-  </pc:docChgLst>
-  <pc:docChgLst>
-    <pc:chgData name="Gibbons, Carl" userId="d2b037bc-8fb4-4222-845c-61440543a456" providerId="ADAL" clId="{3CE3119B-1917-4F7B-A5AD-6C146E3F914B}"/>
-    <pc:docChg chg="undo custSel addSld delSld modSld sldOrd">
-      <pc:chgData name="Gibbons, Carl" userId="d2b037bc-8fb4-4222-845c-61440543a456" providerId="ADAL" clId="{3CE3119B-1917-4F7B-A5AD-6C146E3F914B}" dt="2023-12-28T21:57:42.900" v="13126" actId="20577"/>
-      <pc:docMkLst>
-        <pc:docMk/>
-      </pc:docMkLst>
-      <pc:sldChg chg="modSp mod">
-        <pc:chgData name="Gibbons, Carl" userId="d2b037bc-8fb4-4222-845c-61440543a456" providerId="ADAL" clId="{3CE3119B-1917-4F7B-A5AD-6C146E3F914B}" dt="2023-12-24T03:25:35.899" v="17" actId="20577"/>
-        <pc:sldMkLst>
-          <pc:docMk/>
-          <pc:sldMk cId="3308175748" sldId="256"/>
-        </pc:sldMkLst>
-        <pc:spChg chg="mod">
-          <ac:chgData name="Gibbons, Carl" userId="d2b037bc-8fb4-4222-845c-61440543a456" providerId="ADAL" clId="{3CE3119B-1917-4F7B-A5AD-6C146E3F914B}" dt="2023-12-24T03:25:35.899" v="17" actId="20577"/>
-          <ac:spMkLst>
-            <pc:docMk/>
-            <pc:sldMk cId="3308175748" sldId="256"/>
-            <ac:spMk id="3" creationId="{EEC4D41B-E776-05F2-BE0B-89BB339485AB}"/>
-          </ac:spMkLst>
-        </pc:spChg>
-      </pc:sldChg>
-      <pc:sldChg chg="del">
-        <pc:chgData name="Gibbons, Carl" userId="d2b037bc-8fb4-4222-845c-61440543a456" providerId="ADAL" clId="{3CE3119B-1917-4F7B-A5AD-6C146E3F914B}" dt="2023-12-24T04:15:13.652" v="2206" actId="47"/>
-        <pc:sldMkLst>
-          <pc:docMk/>
-          <pc:sldMk cId="519357719" sldId="260"/>
-        </pc:sldMkLst>
-      </pc:sldChg>
-      <pc:sldChg chg="delSp modSp mod">
-        <pc:chgData name="Gibbons, Carl" userId="d2b037bc-8fb4-4222-845c-61440543a456" providerId="ADAL" clId="{3CE3119B-1917-4F7B-A5AD-6C146E3F914B}" dt="2023-12-28T19:44:28.921" v="4873" actId="20577"/>
-        <pc:sldMkLst>
-          <pc:docMk/>
-          <pc:sldMk cId="2312486803" sldId="261"/>
-        </pc:sldMkLst>
-        <pc:spChg chg="mod">
-          <ac:chgData name="Gibbons, Carl" userId="d2b037bc-8fb4-4222-845c-61440543a456" providerId="ADAL" clId="{3CE3119B-1917-4F7B-A5AD-6C146E3F914B}" dt="2023-12-24T03:44:40.577" v="592" actId="20577"/>
-          <ac:spMkLst>
-            <pc:docMk/>
-            <pc:sldMk cId="2312486803" sldId="261"/>
-            <ac:spMk id="2" creationId="{31B75992-5098-A283-4925-2CCEBB801DC5}"/>
-          </ac:spMkLst>
-        </pc:spChg>
-        <pc:spChg chg="mod">
-          <ac:chgData name="Gibbons, Carl" userId="d2b037bc-8fb4-4222-845c-61440543a456" providerId="ADAL" clId="{3CE3119B-1917-4F7B-A5AD-6C146E3F914B}" dt="2023-12-28T19:44:28.921" v="4873" actId="20577"/>
-          <ac:spMkLst>
-            <pc:docMk/>
-            <pc:sldMk cId="2312486803" sldId="261"/>
-            <ac:spMk id="3" creationId="{B5924E0F-A977-1710-779D-EEB74261AF34}"/>
-          </ac:spMkLst>
-        </pc:spChg>
-        <pc:picChg chg="del">
-          <ac:chgData name="Gibbons, Carl" userId="d2b037bc-8fb4-4222-845c-61440543a456" providerId="ADAL" clId="{3CE3119B-1917-4F7B-A5AD-6C146E3F914B}" dt="2023-12-24T03:25:42.885" v="18" actId="478"/>
-          <ac:picMkLst>
-            <pc:docMk/>
-            <pc:sldMk cId="2312486803" sldId="261"/>
-            <ac:picMk id="5" creationId="{95F1B758-8221-A28F-F68D-1A79ADBC274D}"/>
-          </ac:picMkLst>
-        </pc:picChg>
-      </pc:sldChg>
-      <pc:sldChg chg="del">
-        <pc:chgData name="Gibbons, Carl" userId="d2b037bc-8fb4-4222-845c-61440543a456" providerId="ADAL" clId="{3CE3119B-1917-4F7B-A5AD-6C146E3F914B}" dt="2023-12-24T04:15:12.349" v="2205" actId="47"/>
-        <pc:sldMkLst>
-          <pc:docMk/>
-          <pc:sldMk cId="378743348" sldId="270"/>
-        </pc:sldMkLst>
-      </pc:sldChg>
-      <pc:sldChg chg="modSp mod">
-        <pc:chgData name="Gibbons, Carl" userId="d2b037bc-8fb4-4222-845c-61440543a456" providerId="ADAL" clId="{3CE3119B-1917-4F7B-A5AD-6C146E3F914B}" dt="2023-12-28T21:57:42.900" v="13126" actId="20577"/>
-        <pc:sldMkLst>
-          <pc:docMk/>
-          <pc:sldMk cId="657795359" sldId="277"/>
-        </pc:sldMkLst>
-        <pc:spChg chg="mod">
-          <ac:chgData name="Gibbons, Carl" userId="d2b037bc-8fb4-4222-845c-61440543a456" providerId="ADAL" clId="{3CE3119B-1917-4F7B-A5AD-6C146E3F914B}" dt="2023-12-28T21:57:42.900" v="13126" actId="20577"/>
-          <ac:spMkLst>
-            <pc:docMk/>
-            <pc:sldMk cId="657795359" sldId="277"/>
-            <ac:spMk id="2" creationId="{1862E903-3C56-BB42-2361-009F2336475A}"/>
-          </ac:spMkLst>
-        </pc:spChg>
-        <pc:spChg chg="mod">
-          <ac:chgData name="Gibbons, Carl" userId="d2b037bc-8fb4-4222-845c-61440543a456" providerId="ADAL" clId="{3CE3119B-1917-4F7B-A5AD-6C146E3F914B}" dt="2023-12-28T21:57:39.566" v="13125" actId="20577"/>
-          <ac:spMkLst>
-            <pc:docMk/>
-            <pc:sldMk cId="657795359" sldId="277"/>
-            <ac:spMk id="3" creationId="{90179172-96B3-95D0-A137-257770BE7642}"/>
-          </ac:spMkLst>
-        </pc:spChg>
-      </pc:sldChg>
-      <pc:sldChg chg="del">
-        <pc:chgData name="Gibbons, Carl" userId="d2b037bc-8fb4-4222-845c-61440543a456" providerId="ADAL" clId="{3CE3119B-1917-4F7B-A5AD-6C146E3F914B}" dt="2023-12-24T04:15:14.863" v="2207" actId="47"/>
-        <pc:sldMkLst>
-          <pc:docMk/>
-          <pc:sldMk cId="376509629" sldId="278"/>
-        </pc:sldMkLst>
-      </pc:sldChg>
-      <pc:sldChg chg="del">
-        <pc:chgData name="Gibbons, Carl" userId="d2b037bc-8fb4-4222-845c-61440543a456" providerId="ADAL" clId="{3CE3119B-1917-4F7B-A5AD-6C146E3F914B}" dt="2023-12-24T04:15:16.084" v="2208" actId="47"/>
-        <pc:sldMkLst>
-          <pc:docMk/>
-          <pc:sldMk cId="3153831418" sldId="279"/>
-        </pc:sldMkLst>
-      </pc:sldChg>
-      <pc:sldChg chg="del">
-        <pc:chgData name="Gibbons, Carl" userId="d2b037bc-8fb4-4222-845c-61440543a456" providerId="ADAL" clId="{3CE3119B-1917-4F7B-A5AD-6C146E3F914B}" dt="2023-12-24T04:15:16.999" v="2209" actId="47"/>
-        <pc:sldMkLst>
-          <pc:docMk/>
-          <pc:sldMk cId="1730491475" sldId="280"/>
-        </pc:sldMkLst>
-      </pc:sldChg>
-      <pc:sldChg chg="del">
-        <pc:chgData name="Gibbons, Carl" userId="d2b037bc-8fb4-4222-845c-61440543a456" providerId="ADAL" clId="{3CE3119B-1917-4F7B-A5AD-6C146E3F914B}" dt="2023-12-24T04:15:17.902" v="2210" actId="47"/>
-        <pc:sldMkLst>
-          <pc:docMk/>
-          <pc:sldMk cId="2142935958" sldId="281"/>
-        </pc:sldMkLst>
-      </pc:sldChg>
-      <pc:sldChg chg="del">
-        <pc:chgData name="Gibbons, Carl" userId="d2b037bc-8fb4-4222-845c-61440543a456" providerId="ADAL" clId="{3CE3119B-1917-4F7B-A5AD-6C146E3F914B}" dt="2023-12-24T04:15:18.904" v="2211" actId="47"/>
-        <pc:sldMkLst>
-          <pc:docMk/>
-          <pc:sldMk cId="1371681654" sldId="282"/>
-        </pc:sldMkLst>
-      </pc:sldChg>
-      <pc:sldChg chg="addSp modSp mod">
-        <pc:chgData name="Gibbons, Carl" userId="d2b037bc-8fb4-4222-845c-61440543a456" providerId="ADAL" clId="{3CE3119B-1917-4F7B-A5AD-6C146E3F914B}" dt="2023-12-24T04:21:46.824" v="2699" actId="20577"/>
-        <pc:sldMkLst>
-          <pc:docMk/>
-          <pc:sldMk cId="2959024232" sldId="283"/>
-        </pc:sldMkLst>
-        <pc:spChg chg="mod">
-          <ac:chgData name="Gibbons, Carl" userId="d2b037bc-8fb4-4222-845c-61440543a456" providerId="ADAL" clId="{3CE3119B-1917-4F7B-A5AD-6C146E3F914B}" dt="2023-12-24T03:51:38.841" v="820" actId="20577"/>
-          <ac:spMkLst>
-            <pc:docMk/>
-            <pc:sldMk cId="2959024232" sldId="283"/>
-            <ac:spMk id="2" creationId="{31B75992-5098-A283-4925-2CCEBB801DC5}"/>
-          </ac:spMkLst>
-        </pc:spChg>
-        <pc:spChg chg="mod">
-          <ac:chgData name="Gibbons, Carl" userId="d2b037bc-8fb4-4222-845c-61440543a456" providerId="ADAL" clId="{3CE3119B-1917-4F7B-A5AD-6C146E3F914B}" dt="2023-12-24T03:50:43.198" v="773" actId="20577"/>
-          <ac:spMkLst>
-            <pc:docMk/>
-            <pc:sldMk cId="2959024232" sldId="283"/>
-            <ac:spMk id="3" creationId="{B5924E0F-A977-1710-779D-EEB74261AF34}"/>
-          </ac:spMkLst>
-        </pc:spChg>
-        <pc:spChg chg="add mod">
-          <ac:chgData name="Gibbons, Carl" userId="d2b037bc-8fb4-4222-845c-61440543a456" providerId="ADAL" clId="{3CE3119B-1917-4F7B-A5AD-6C146E3F914B}" dt="2023-12-24T03:51:05.835" v="812" actId="20577"/>
-          <ac:spMkLst>
-            <pc:docMk/>
-            <pc:sldMk cId="2959024232" sldId="283"/>
-            <ac:spMk id="4" creationId="{6B5EF911-ED83-01C5-8F00-FD1AD80E90D2}"/>
-          </ac:spMkLst>
-        </pc:spChg>
-        <pc:spChg chg="add mod">
-          <ac:chgData name="Gibbons, Carl" userId="d2b037bc-8fb4-4222-845c-61440543a456" providerId="ADAL" clId="{3CE3119B-1917-4F7B-A5AD-6C146E3F914B}" dt="2023-12-24T04:21:46.824" v="2699" actId="20577"/>
-          <ac:spMkLst>
-            <pc:docMk/>
-            <pc:sldMk cId="2959024232" sldId="283"/>
-            <ac:spMk id="5" creationId="{746F0B3D-627C-BF49-CF83-A524927EBEDE}"/>
-          </ac:spMkLst>
-        </pc:spChg>
-      </pc:sldChg>
-      <pc:sldChg chg="delSp modSp mod">
-        <pc:chgData name="Gibbons, Carl" userId="d2b037bc-8fb4-4222-845c-61440543a456" providerId="ADAL" clId="{3CE3119B-1917-4F7B-A5AD-6C146E3F914B}" dt="2023-12-28T21:03:44.041" v="10649" actId="20577"/>
-        <pc:sldMkLst>
-          <pc:docMk/>
-          <pc:sldMk cId="3114675387" sldId="284"/>
-        </pc:sldMkLst>
-        <pc:spChg chg="mod">
-          <ac:chgData name="Gibbons, Carl" userId="d2b037bc-8fb4-4222-845c-61440543a456" providerId="ADAL" clId="{3CE3119B-1917-4F7B-A5AD-6C146E3F914B}" dt="2023-12-24T04:15:28.805" v="2213" actId="20577"/>
-          <ac:spMkLst>
-            <pc:docMk/>
-            <pc:sldMk cId="3114675387" sldId="284"/>
-            <ac:spMk id="2" creationId="{31B75992-5098-A283-4925-2CCEBB801DC5}"/>
-          </ac:spMkLst>
-        </pc:spChg>
-        <pc:spChg chg="mod">
-          <ac:chgData name="Gibbons, Carl" userId="d2b037bc-8fb4-4222-845c-61440543a456" providerId="ADAL" clId="{3CE3119B-1917-4F7B-A5AD-6C146E3F914B}" dt="2023-12-28T21:03:44.041" v="10649" actId="20577"/>
-          <ac:spMkLst>
-            <pc:docMk/>
-            <pc:sldMk cId="3114675387" sldId="284"/>
-            <ac:spMk id="3" creationId="{B5924E0F-A977-1710-779D-EEB74261AF34}"/>
-          </ac:spMkLst>
-        </pc:spChg>
-        <pc:spChg chg="del mod">
-          <ac:chgData name="Gibbons, Carl" userId="d2b037bc-8fb4-4222-845c-61440543a456" providerId="ADAL" clId="{3CE3119B-1917-4F7B-A5AD-6C146E3F914B}" dt="2023-12-24T04:17:34.876" v="2369" actId="478"/>
-          <ac:spMkLst>
-            <pc:docMk/>
-            <pc:sldMk cId="3114675387" sldId="284"/>
-            <ac:spMk id="4" creationId="{6B5EF911-ED83-01C5-8F00-FD1AD80E90D2}"/>
-          </ac:spMkLst>
-        </pc:spChg>
-        <pc:spChg chg="mod">
-          <ac:chgData name="Gibbons, Carl" userId="d2b037bc-8fb4-4222-845c-61440543a456" providerId="ADAL" clId="{3CE3119B-1917-4F7B-A5AD-6C146E3F914B}" dt="2023-12-24T04:25:41.312" v="2946" actId="20577"/>
-          <ac:spMkLst>
-            <pc:docMk/>
-            <pc:sldMk cId="3114675387" sldId="284"/>
-            <ac:spMk id="5" creationId="{746F0B3D-627C-BF49-CF83-A524927EBEDE}"/>
-          </ac:spMkLst>
-        </pc:spChg>
-      </pc:sldChg>
-      <pc:sldChg chg="modSp mod">
-        <pc:chgData name="Gibbons, Carl" userId="d2b037bc-8fb4-4222-845c-61440543a456" providerId="ADAL" clId="{3CE3119B-1917-4F7B-A5AD-6C146E3F914B}" dt="2023-12-28T20:27:51.520" v="8472" actId="20577"/>
-        <pc:sldMkLst>
-          <pc:docMk/>
-          <pc:sldMk cId="1243134729" sldId="285"/>
-        </pc:sldMkLst>
-        <pc:spChg chg="mod">
-          <ac:chgData name="Gibbons, Carl" userId="d2b037bc-8fb4-4222-845c-61440543a456" providerId="ADAL" clId="{3CE3119B-1917-4F7B-A5AD-6C146E3F914B}" dt="2023-12-28T18:55:00.802" v="3019" actId="20577"/>
-          <ac:spMkLst>
-            <pc:docMk/>
-            <pc:sldMk cId="1243134729" sldId="285"/>
-            <ac:spMk id="2" creationId="{31B75992-5098-A283-4925-2CCEBB801DC5}"/>
-          </ac:spMkLst>
-        </pc:spChg>
-        <pc:spChg chg="mod">
-          <ac:chgData name="Gibbons, Carl" userId="d2b037bc-8fb4-4222-845c-61440543a456" providerId="ADAL" clId="{3CE3119B-1917-4F7B-A5AD-6C146E3F914B}" dt="2023-12-28T19:11:28.137" v="4139" actId="20577"/>
-          <ac:spMkLst>
-            <pc:docMk/>
-            <pc:sldMk cId="1243134729" sldId="285"/>
-            <ac:spMk id="3" creationId="{B5924E0F-A977-1710-779D-EEB74261AF34}"/>
-          </ac:spMkLst>
-        </pc:spChg>
-        <pc:spChg chg="mod">
-          <ac:chgData name="Gibbons, Carl" userId="d2b037bc-8fb4-4222-845c-61440543a456" providerId="ADAL" clId="{3CE3119B-1917-4F7B-A5AD-6C146E3F914B}" dt="2023-12-28T20:27:51.520" v="8472" actId="20577"/>
-          <ac:spMkLst>
-            <pc:docMk/>
-            <pc:sldMk cId="1243134729" sldId="285"/>
-            <ac:spMk id="5" creationId="{746F0B3D-627C-BF49-CF83-A524927EBEDE}"/>
-          </ac:spMkLst>
-        </pc:spChg>
-      </pc:sldChg>
-      <pc:sldChg chg="modSp mod ord">
-        <pc:chgData name="Gibbons, Carl" userId="d2b037bc-8fb4-4222-845c-61440543a456" providerId="ADAL" clId="{3CE3119B-1917-4F7B-A5AD-6C146E3F914B}" dt="2023-12-28T20:26:55.852" v="8407" actId="20577"/>
-        <pc:sldMkLst>
-          <pc:docMk/>
-          <pc:sldMk cId="954591853" sldId="286"/>
-        </pc:sldMkLst>
-        <pc:spChg chg="mod">
-          <ac:chgData name="Gibbons, Carl" userId="d2b037bc-8fb4-4222-845c-61440543a456" providerId="ADAL" clId="{3CE3119B-1917-4F7B-A5AD-6C146E3F914B}" dt="2023-12-28T19:12:25.523" v="4250" actId="20577"/>
-          <ac:spMkLst>
-            <pc:docMk/>
-            <pc:sldMk cId="954591853" sldId="286"/>
-            <ac:spMk id="2" creationId="{31B75992-5098-A283-4925-2CCEBB801DC5}"/>
-          </ac:spMkLst>
-        </pc:spChg>
-        <pc:spChg chg="mod">
-          <ac:chgData name="Gibbons, Carl" userId="d2b037bc-8fb4-4222-845c-61440543a456" providerId="ADAL" clId="{3CE3119B-1917-4F7B-A5AD-6C146E3F914B}" dt="2023-12-28T20:11:15.517" v="7216" actId="20577"/>
-          <ac:spMkLst>
-            <pc:docMk/>
-            <pc:sldMk cId="954591853" sldId="286"/>
-            <ac:spMk id="3" creationId="{B5924E0F-A977-1710-779D-EEB74261AF34}"/>
-          </ac:spMkLst>
-        </pc:spChg>
-        <pc:spChg chg="mod">
-          <ac:chgData name="Gibbons, Carl" userId="d2b037bc-8fb4-4222-845c-61440543a456" providerId="ADAL" clId="{3CE3119B-1917-4F7B-A5AD-6C146E3F914B}" dt="2023-12-28T20:26:55.852" v="8407" actId="20577"/>
-          <ac:spMkLst>
-            <pc:docMk/>
-            <pc:sldMk cId="954591853" sldId="286"/>
-            <ac:spMk id="5" creationId="{746F0B3D-627C-BF49-CF83-A524927EBEDE}"/>
-          </ac:spMkLst>
-        </pc:spChg>
-      </pc:sldChg>
-      <pc:sldChg chg="addSp modSp mod">
-        <pc:chgData name="Gibbons, Carl" userId="d2b037bc-8fb4-4222-845c-61440543a456" providerId="ADAL" clId="{3CE3119B-1917-4F7B-A5AD-6C146E3F914B}" dt="2023-12-28T20:10:30.792" v="7202" actId="122"/>
-        <pc:sldMkLst>
-          <pc:docMk/>
-          <pc:sldMk cId="2614091779" sldId="287"/>
-        </pc:sldMkLst>
-        <pc:spChg chg="mod">
-          <ac:chgData name="Gibbons, Carl" userId="d2b037bc-8fb4-4222-845c-61440543a456" providerId="ADAL" clId="{3CE3119B-1917-4F7B-A5AD-6C146E3F914B}" dt="2023-12-28T19:52:51.742" v="5814" actId="20577"/>
-          <ac:spMkLst>
-            <pc:docMk/>
-            <pc:sldMk cId="2614091779" sldId="287"/>
-            <ac:spMk id="2" creationId="{31B75992-5098-A283-4925-2CCEBB801DC5}"/>
-          </ac:spMkLst>
-        </pc:spChg>
-        <pc:spChg chg="mod">
-          <ac:chgData name="Gibbons, Carl" userId="d2b037bc-8fb4-4222-845c-61440543a456" providerId="ADAL" clId="{3CE3119B-1917-4F7B-A5AD-6C146E3F914B}" dt="2023-12-28T19:48:55.211" v="5618" actId="14100"/>
-          <ac:spMkLst>
-            <pc:docMk/>
-            <pc:sldMk cId="2614091779" sldId="287"/>
-            <ac:spMk id="3" creationId="{B5924E0F-A977-1710-779D-EEB74261AF34}"/>
-          </ac:spMkLst>
-        </pc:spChg>
-        <pc:graphicFrameChg chg="add mod modGraphic">
-          <ac:chgData name="Gibbons, Carl" userId="d2b037bc-8fb4-4222-845c-61440543a456" providerId="ADAL" clId="{3CE3119B-1917-4F7B-A5AD-6C146E3F914B}" dt="2023-12-28T20:10:30.792" v="7202" actId="122"/>
-          <ac:graphicFrameMkLst>
-            <pc:docMk/>
-            <pc:sldMk cId="2614091779" sldId="287"/>
-            <ac:graphicFrameMk id="4" creationId="{3CFEF9C3-22C7-2157-EBC8-9116E36A6081}"/>
-          </ac:graphicFrameMkLst>
-        </pc:graphicFrameChg>
-      </pc:sldChg>
-      <pc:sldChg chg="delSp modSp mod">
-        <pc:chgData name="Gibbons, Carl" userId="d2b037bc-8fb4-4222-845c-61440543a456" providerId="ADAL" clId="{3CE3119B-1917-4F7B-A5AD-6C146E3F914B}" dt="2023-12-28T20:10:52.990" v="7204" actId="114"/>
-        <pc:sldMkLst>
-          <pc:docMk/>
-          <pc:sldMk cId="1341659426" sldId="288"/>
-        </pc:sldMkLst>
-        <pc:spChg chg="mod">
-          <ac:chgData name="Gibbons, Carl" userId="d2b037bc-8fb4-4222-845c-61440543a456" providerId="ADAL" clId="{3CE3119B-1917-4F7B-A5AD-6C146E3F914B}" dt="2023-12-28T19:53:19.425" v="5816" actId="20577"/>
-          <ac:spMkLst>
-            <pc:docMk/>
-            <pc:sldMk cId="1341659426" sldId="288"/>
-            <ac:spMk id="2" creationId="{31B75992-5098-A283-4925-2CCEBB801DC5}"/>
-          </ac:spMkLst>
-        </pc:spChg>
-        <pc:spChg chg="mod">
-          <ac:chgData name="Gibbons, Carl" userId="d2b037bc-8fb4-4222-845c-61440543a456" providerId="ADAL" clId="{3CE3119B-1917-4F7B-A5AD-6C146E3F914B}" dt="2023-12-28T20:10:52.990" v="7204" actId="114"/>
-          <ac:spMkLst>
-            <pc:docMk/>
-            <pc:sldMk cId="1341659426" sldId="288"/>
-            <ac:spMk id="3" creationId="{B5924E0F-A977-1710-779D-EEB74261AF34}"/>
-          </ac:spMkLst>
-        </pc:spChg>
-        <pc:graphicFrameChg chg="del modGraphic">
-          <ac:chgData name="Gibbons, Carl" userId="d2b037bc-8fb4-4222-845c-61440543a456" providerId="ADAL" clId="{3CE3119B-1917-4F7B-A5AD-6C146E3F914B}" dt="2023-12-28T19:53:27.454" v="5818" actId="21"/>
-          <ac:graphicFrameMkLst>
-            <pc:docMk/>
-            <pc:sldMk cId="1341659426" sldId="288"/>
-            <ac:graphicFrameMk id="4" creationId="{3CFEF9C3-22C7-2157-EBC8-9116E36A6081}"/>
-          </ac:graphicFrameMkLst>
-        </pc:graphicFrameChg>
-      </pc:sldChg>
-      <pc:sldChg chg="addSp modSp new mod">
-        <pc:chgData name="Gibbons, Carl" userId="d2b037bc-8fb4-4222-845c-61440543a456" providerId="ADAL" clId="{3CE3119B-1917-4F7B-A5AD-6C146E3F914B}" dt="2023-12-28T21:20:58.470" v="11391" actId="27636"/>
-        <pc:sldMkLst>
-          <pc:docMk/>
-          <pc:sldMk cId="2966054478" sldId="289"/>
-        </pc:sldMkLst>
-        <pc:spChg chg="mod">
-          <ac:chgData name="Gibbons, Carl" userId="d2b037bc-8fb4-4222-845c-61440543a456" providerId="ADAL" clId="{3CE3119B-1917-4F7B-A5AD-6C146E3F914B}" dt="2023-12-28T21:20:58.470" v="11391" actId="27636"/>
-          <ac:spMkLst>
-            <pc:docMk/>
-            <pc:sldMk cId="2966054478" sldId="289"/>
-            <ac:spMk id="2" creationId="{264BAEB2-591D-DEE6-3C00-0BAAC69880F0}"/>
-          </ac:spMkLst>
-        </pc:spChg>
-        <pc:spChg chg="add mod">
-          <ac:chgData name="Gibbons, Carl" userId="d2b037bc-8fb4-4222-845c-61440543a456" providerId="ADAL" clId="{3CE3119B-1917-4F7B-A5AD-6C146E3F914B}" dt="2023-12-28T21:02:37.455" v="10592" actId="20577"/>
-          <ac:spMkLst>
-            <pc:docMk/>
-            <pc:sldMk cId="2966054478" sldId="289"/>
-            <ac:spMk id="3" creationId="{0620B8A1-699E-C7B4-0A32-7D9C4529CA27}"/>
-          </ac:spMkLst>
-        </pc:spChg>
-      </pc:sldChg>
-      <pc:sldChg chg="modSp mod">
-        <pc:chgData name="Gibbons, Carl" userId="d2b037bc-8fb4-4222-845c-61440543a456" providerId="ADAL" clId="{3CE3119B-1917-4F7B-A5AD-6C146E3F914B}" dt="2023-12-28T20:25:14.044" v="8347" actId="20577"/>
-        <pc:sldMkLst>
-          <pc:docMk/>
-          <pc:sldMk cId="1014272238" sldId="290"/>
-        </pc:sldMkLst>
-        <pc:spChg chg="mod">
-          <ac:chgData name="Gibbons, Carl" userId="d2b037bc-8fb4-4222-845c-61440543a456" providerId="ADAL" clId="{3CE3119B-1917-4F7B-A5AD-6C146E3F914B}" dt="2023-12-28T20:14:14.888" v="7303" actId="20577"/>
-          <ac:spMkLst>
-            <pc:docMk/>
-            <pc:sldMk cId="1014272238" sldId="290"/>
-            <ac:spMk id="2" creationId="{31B75992-5098-A283-4925-2CCEBB801DC5}"/>
-          </ac:spMkLst>
-        </pc:spChg>
-        <pc:spChg chg="mod">
-          <ac:chgData name="Gibbons, Carl" userId="d2b037bc-8fb4-4222-845c-61440543a456" providerId="ADAL" clId="{3CE3119B-1917-4F7B-A5AD-6C146E3F914B}" dt="2023-12-28T20:25:14.044" v="8347" actId="20577"/>
-          <ac:spMkLst>
-            <pc:docMk/>
-            <pc:sldMk cId="1014272238" sldId="290"/>
-            <ac:spMk id="3" creationId="{B5924E0F-A977-1710-779D-EEB74261AF34}"/>
-          </ac:spMkLst>
-        </pc:spChg>
-      </pc:sldChg>
-      <pc:sldChg chg="modSp mod">
-        <pc:chgData name="Gibbons, Carl" userId="d2b037bc-8fb4-4222-845c-61440543a456" providerId="ADAL" clId="{3CE3119B-1917-4F7B-A5AD-6C146E3F914B}" dt="2023-12-28T21:21:03.949" v="11393" actId="27636"/>
-        <pc:sldMkLst>
-          <pc:docMk/>
-          <pc:sldMk cId="3689580349" sldId="291"/>
-        </pc:sldMkLst>
-        <pc:spChg chg="mod">
-          <ac:chgData name="Gibbons, Carl" userId="d2b037bc-8fb4-4222-845c-61440543a456" providerId="ADAL" clId="{3CE3119B-1917-4F7B-A5AD-6C146E3F914B}" dt="2023-12-28T21:21:03.949" v="11393" actId="27636"/>
-          <ac:spMkLst>
-            <pc:docMk/>
-            <pc:sldMk cId="3689580349" sldId="291"/>
-            <ac:spMk id="2" creationId="{264BAEB2-591D-DEE6-3C00-0BAAC69880F0}"/>
-          </ac:spMkLst>
-        </pc:spChg>
-        <pc:spChg chg="mod">
-          <ac:chgData name="Gibbons, Carl" userId="d2b037bc-8fb4-4222-845c-61440543a456" providerId="ADAL" clId="{3CE3119B-1917-4F7B-A5AD-6C146E3F914B}" dt="2023-12-28T21:02:59.174" v="10621" actId="20577"/>
-          <ac:spMkLst>
-            <pc:docMk/>
-            <pc:sldMk cId="3689580349" sldId="291"/>
-            <ac:spMk id="3" creationId="{0620B8A1-699E-C7B4-0A32-7D9C4529CA27}"/>
-          </ac:spMkLst>
-        </pc:spChg>
-      </pc:sldChg>
-      <pc:sldChg chg="modSp mod">
-        <pc:chgData name="Gibbons, Carl" userId="d2b037bc-8fb4-4222-845c-61440543a456" providerId="ADAL" clId="{3CE3119B-1917-4F7B-A5AD-6C146E3F914B}" dt="2023-12-28T21:30:34.709" v="11884" actId="20577"/>
-        <pc:sldMkLst>
-          <pc:docMk/>
-          <pc:sldMk cId="2738411615" sldId="292"/>
-        </pc:sldMkLst>
-        <pc:spChg chg="mod">
-          <ac:chgData name="Gibbons, Carl" userId="d2b037bc-8fb4-4222-845c-61440543a456" providerId="ADAL" clId="{3CE3119B-1917-4F7B-A5AD-6C146E3F914B}" dt="2023-12-28T21:27:00.893" v="11646" actId="20577"/>
-          <ac:spMkLst>
-            <pc:docMk/>
-            <pc:sldMk cId="2738411615" sldId="292"/>
-            <ac:spMk id="2" creationId="{31B75992-5098-A283-4925-2CCEBB801DC5}"/>
-          </ac:spMkLst>
-        </pc:spChg>
-        <pc:spChg chg="mod">
-          <ac:chgData name="Gibbons, Carl" userId="d2b037bc-8fb4-4222-845c-61440543a456" providerId="ADAL" clId="{3CE3119B-1917-4F7B-A5AD-6C146E3F914B}" dt="2023-12-28T21:30:34.709" v="11884" actId="20577"/>
-          <ac:spMkLst>
-            <pc:docMk/>
-            <pc:sldMk cId="2738411615" sldId="292"/>
-            <ac:spMk id="3" creationId="{B5924E0F-A977-1710-779D-EEB74261AF34}"/>
-          </ac:spMkLst>
-        </pc:spChg>
-      </pc:sldChg>
-      <pc:sldChg chg="modSp mod">
-        <pc:chgData name="Gibbons, Carl" userId="d2b037bc-8fb4-4222-845c-61440543a456" providerId="ADAL" clId="{3CE3119B-1917-4F7B-A5AD-6C146E3F914B}" dt="2023-12-28T21:56:49.002" v="13100" actId="20577"/>
-        <pc:sldMkLst>
-          <pc:docMk/>
-          <pc:sldMk cId="852415543" sldId="293"/>
-        </pc:sldMkLst>
-        <pc:spChg chg="mod">
-          <ac:chgData name="Gibbons, Carl" userId="d2b037bc-8fb4-4222-845c-61440543a456" providerId="ADAL" clId="{3CE3119B-1917-4F7B-A5AD-6C146E3F914B}" dt="2023-12-28T21:32:23.582" v="11900" actId="20577"/>
-          <ac:spMkLst>
-            <pc:docMk/>
-            <pc:sldMk cId="852415543" sldId="293"/>
-            <ac:spMk id="2" creationId="{264BAEB2-591D-DEE6-3C00-0BAAC69880F0}"/>
-          </ac:spMkLst>
-        </pc:spChg>
-        <pc:spChg chg="mod">
-          <ac:chgData name="Gibbons, Carl" userId="d2b037bc-8fb4-4222-845c-61440543a456" providerId="ADAL" clId="{3CE3119B-1917-4F7B-A5AD-6C146E3F914B}" dt="2023-12-28T21:56:49.002" v="13100" actId="20577"/>
-          <ac:spMkLst>
-            <pc:docMk/>
-            <pc:sldMk cId="852415543" sldId="293"/>
-            <ac:spMk id="3" creationId="{0620B8A1-699E-C7B4-0A32-7D9C4529CA27}"/>
-          </ac:spMkLst>
-        </pc:spChg>
-      </pc:sldChg>
-      <pc:sldMasterChg chg="delSldLayout">
-        <pc:chgData name="Gibbons, Carl" userId="d2b037bc-8fb4-4222-845c-61440543a456" providerId="ADAL" clId="{3CE3119B-1917-4F7B-A5AD-6C146E3F914B}" dt="2023-12-24T04:15:18.904" v="2211" actId="47"/>
-        <pc:sldMasterMkLst>
-          <pc:docMk/>
-          <pc:sldMasterMk cId="3616380004" sldId="2147483712"/>
-        </pc:sldMasterMkLst>
-        <pc:sldLayoutChg chg="del">
-          <pc:chgData name="Gibbons, Carl" userId="d2b037bc-8fb4-4222-845c-61440543a456" providerId="ADAL" clId="{3CE3119B-1917-4F7B-A5AD-6C146E3F914B}" dt="2023-12-24T04:15:18.904" v="2211" actId="47"/>
-          <pc:sldLayoutMkLst>
-            <pc:docMk/>
-            <pc:sldMasterMk cId="3616380004" sldId="2147483712"/>
-            <pc:sldLayoutMk cId="2633931619" sldId="2147483725"/>
-          </pc:sldLayoutMkLst>
-        </pc:sldLayoutChg>
-      </pc:sldMasterChg>
-    </pc:docChg>
-  </pc:docChgLst>
-  <pc:docChgLst>
-    <pc:chgData name="Gibbons, Carl" userId="d2b037bc-8fb4-4222-845c-61440543a456" providerId="ADAL" clId="{4505F98C-4CC4-4983-9729-597D2A150C85}"/>
-    <pc:docChg chg="undo custSel addSld delSld modSld">
-      <pc:chgData name="Gibbons, Carl" userId="d2b037bc-8fb4-4222-845c-61440543a456" providerId="ADAL" clId="{4505F98C-4CC4-4983-9729-597D2A150C85}" dt="2023-12-29T02:21:47.448" v="17685" actId="20577"/>
-      <pc:docMkLst>
-        <pc:docMk/>
-      </pc:docMkLst>
-      <pc:sldChg chg="modSp mod">
-        <pc:chgData name="Gibbons, Carl" userId="d2b037bc-8fb4-4222-845c-61440543a456" providerId="ADAL" clId="{4505F98C-4CC4-4983-9729-597D2A150C85}" dt="2023-12-28T22:02:31.848" v="28" actId="20577"/>
-        <pc:sldMkLst>
-          <pc:docMk/>
-          <pc:sldMk cId="3308175748" sldId="256"/>
-        </pc:sldMkLst>
-        <pc:spChg chg="mod">
-          <ac:chgData name="Gibbons, Carl" userId="d2b037bc-8fb4-4222-845c-61440543a456" providerId="ADAL" clId="{4505F98C-4CC4-4983-9729-597D2A150C85}" dt="2023-12-28T22:02:31.848" v="28" actId="20577"/>
-          <ac:spMkLst>
-            <pc:docMk/>
-            <pc:sldMk cId="3308175748" sldId="256"/>
-            <ac:spMk id="3" creationId="{EEC4D41B-E776-05F2-BE0B-89BB339485AB}"/>
-          </ac:spMkLst>
-        </pc:spChg>
-      </pc:sldChg>
-      <pc:sldChg chg="modSp mod">
-        <pc:chgData name="Gibbons, Carl" userId="d2b037bc-8fb4-4222-845c-61440543a456" providerId="ADAL" clId="{4505F98C-4CC4-4983-9729-597D2A150C85}" dt="2023-12-28T22:45:53.299" v="4302" actId="20577"/>
-        <pc:sldMkLst>
-          <pc:docMk/>
-          <pc:sldMk cId="2312486803" sldId="261"/>
-        </pc:sldMkLst>
-        <pc:spChg chg="mod">
-          <ac:chgData name="Gibbons, Carl" userId="d2b037bc-8fb4-4222-845c-61440543a456" providerId="ADAL" clId="{4505F98C-4CC4-4983-9729-597D2A150C85}" dt="2023-12-28T22:02:40.492" v="50" actId="20577"/>
-          <ac:spMkLst>
-            <pc:docMk/>
-            <pc:sldMk cId="2312486803" sldId="261"/>
-            <ac:spMk id="2" creationId="{31B75992-5098-A283-4925-2CCEBB801DC5}"/>
-          </ac:spMkLst>
-        </pc:spChg>
-        <pc:spChg chg="mod">
-          <ac:chgData name="Gibbons, Carl" userId="d2b037bc-8fb4-4222-845c-61440543a456" providerId="ADAL" clId="{4505F98C-4CC4-4983-9729-597D2A150C85}" dt="2023-12-28T22:45:53.299" v="4302" actId="20577"/>
-          <ac:spMkLst>
-            <pc:docMk/>
-            <pc:sldMk cId="2312486803" sldId="261"/>
-            <ac:spMk id="3" creationId="{B5924E0F-A977-1710-779D-EEB74261AF34}"/>
-          </ac:spMkLst>
-        </pc:spChg>
-      </pc:sldChg>
-      <pc:sldChg chg="modSp mod">
-        <pc:chgData name="Gibbons, Carl" userId="d2b037bc-8fb4-4222-845c-61440543a456" providerId="ADAL" clId="{4505F98C-4CC4-4983-9729-597D2A150C85}" dt="2023-12-29T02:18:39.170" v="17623" actId="20577"/>
-        <pc:sldMkLst>
-          <pc:docMk/>
-          <pc:sldMk cId="657795359" sldId="277"/>
-        </pc:sldMkLst>
-        <pc:spChg chg="mod">
-          <ac:chgData name="Gibbons, Carl" userId="d2b037bc-8fb4-4222-845c-61440543a456" providerId="ADAL" clId="{4505F98C-4CC4-4983-9729-597D2A150C85}" dt="2023-12-29T02:18:39.170" v="17623" actId="20577"/>
-          <ac:spMkLst>
-            <pc:docMk/>
-            <pc:sldMk cId="657795359" sldId="277"/>
-            <ac:spMk id="3" creationId="{90179172-96B3-95D0-A137-257770BE7642}"/>
-          </ac:spMkLst>
-        </pc:spChg>
-      </pc:sldChg>
-      <pc:sldChg chg="modSp mod">
-        <pc:chgData name="Gibbons, Carl" userId="d2b037bc-8fb4-4222-845c-61440543a456" providerId="ADAL" clId="{4505F98C-4CC4-4983-9729-597D2A150C85}" dt="2023-12-29T02:21:47.448" v="17685" actId="20577"/>
-        <pc:sldMkLst>
-          <pc:docMk/>
-          <pc:sldMk cId="3989541258" sldId="278"/>
-        </pc:sldMkLst>
-        <pc:spChg chg="mod">
-          <ac:chgData name="Gibbons, Carl" userId="d2b037bc-8fb4-4222-845c-61440543a456" providerId="ADAL" clId="{4505F98C-4CC4-4983-9729-597D2A150C85}" dt="2023-12-28T22:23:56.363" v="2262" actId="20577"/>
-          <ac:spMkLst>
-            <pc:docMk/>
-            <pc:sldMk cId="3989541258" sldId="278"/>
-            <ac:spMk id="2" creationId="{31B75992-5098-A283-4925-2CCEBB801DC5}"/>
-          </ac:spMkLst>
-        </pc:spChg>
-        <pc:spChg chg="mod">
-          <ac:chgData name="Gibbons, Carl" userId="d2b037bc-8fb4-4222-845c-61440543a456" providerId="ADAL" clId="{4505F98C-4CC4-4983-9729-597D2A150C85}" dt="2023-12-29T02:21:47.448" v="17685" actId="20577"/>
-          <ac:spMkLst>
-            <pc:docMk/>
-            <pc:sldMk cId="3989541258" sldId="278"/>
-            <ac:spMk id="3" creationId="{B5924E0F-A977-1710-779D-EEB74261AF34}"/>
-          </ac:spMkLst>
-        </pc:spChg>
-      </pc:sldChg>
-      <pc:sldChg chg="modSp mod">
-        <pc:chgData name="Gibbons, Carl" userId="d2b037bc-8fb4-4222-845c-61440543a456" providerId="ADAL" clId="{4505F98C-4CC4-4983-9729-597D2A150C85}" dt="2023-12-29T00:21:55.646" v="8344" actId="20577"/>
-        <pc:sldMkLst>
-          <pc:docMk/>
-          <pc:sldMk cId="2335633195" sldId="279"/>
-        </pc:sldMkLst>
-        <pc:spChg chg="mod">
-          <ac:chgData name="Gibbons, Carl" userId="d2b037bc-8fb4-4222-845c-61440543a456" providerId="ADAL" clId="{4505F98C-4CC4-4983-9729-597D2A150C85}" dt="2023-12-29T00:21:55.646" v="8344" actId="20577"/>
-          <ac:spMkLst>
-            <pc:docMk/>
-            <pc:sldMk cId="2335633195" sldId="279"/>
-            <ac:spMk id="2" creationId="{31B75992-5098-A283-4925-2CCEBB801DC5}"/>
-          </ac:spMkLst>
-        </pc:spChg>
-        <pc:spChg chg="mod">
-          <ac:chgData name="Gibbons, Carl" userId="d2b037bc-8fb4-4222-845c-61440543a456" providerId="ADAL" clId="{4505F98C-4CC4-4983-9729-597D2A150C85}" dt="2023-12-28T22:56:22.080" v="4730" actId="20577"/>
-          <ac:spMkLst>
-            <pc:docMk/>
-            <pc:sldMk cId="2335633195" sldId="279"/>
-            <ac:spMk id="3" creationId="{B5924E0F-A977-1710-779D-EEB74261AF34}"/>
-          </ac:spMkLst>
-        </pc:spChg>
-      </pc:sldChg>
-      <pc:sldChg chg="modSp add mod">
-        <pc:chgData name="Gibbons, Carl" userId="d2b037bc-8fb4-4222-845c-61440543a456" providerId="ADAL" clId="{4505F98C-4CC4-4983-9729-597D2A150C85}" dt="2023-12-28T23:39:19.135" v="5592" actId="20577"/>
-        <pc:sldMkLst>
-          <pc:docMk/>
-          <pc:sldMk cId="1284534978" sldId="280"/>
-        </pc:sldMkLst>
-        <pc:spChg chg="mod">
-          <ac:chgData name="Gibbons, Carl" userId="d2b037bc-8fb4-4222-845c-61440543a456" providerId="ADAL" clId="{4505F98C-4CC4-4983-9729-597D2A150C85}" dt="2023-12-28T23:26:13.166" v="4743" actId="20577"/>
-          <ac:spMkLst>
-            <pc:docMk/>
-            <pc:sldMk cId="1284534978" sldId="280"/>
-            <ac:spMk id="2" creationId="{31B75992-5098-A283-4925-2CCEBB801DC5}"/>
-          </ac:spMkLst>
-        </pc:spChg>
-        <pc:spChg chg="mod">
-          <ac:chgData name="Gibbons, Carl" userId="d2b037bc-8fb4-4222-845c-61440543a456" providerId="ADAL" clId="{4505F98C-4CC4-4983-9729-597D2A150C85}" dt="2023-12-28T23:39:19.135" v="5592" actId="20577"/>
-          <ac:spMkLst>
-            <pc:docMk/>
-            <pc:sldMk cId="1284534978" sldId="280"/>
-            <ac:spMk id="3" creationId="{B5924E0F-A977-1710-779D-EEB74261AF34}"/>
-          </ac:spMkLst>
-        </pc:spChg>
-      </pc:sldChg>
-      <pc:sldChg chg="modSp mod">
-        <pc:chgData name="Gibbons, Carl" userId="d2b037bc-8fb4-4222-845c-61440543a456" providerId="ADAL" clId="{4505F98C-4CC4-4983-9729-597D2A150C85}" dt="2023-12-28T23:42:19.634" v="5967" actId="20577"/>
-        <pc:sldMkLst>
-          <pc:docMk/>
-          <pc:sldMk cId="1802585387" sldId="281"/>
-        </pc:sldMkLst>
-        <pc:spChg chg="mod">
-          <ac:chgData name="Gibbons, Carl" userId="d2b037bc-8fb4-4222-845c-61440543a456" providerId="ADAL" clId="{4505F98C-4CC4-4983-9729-597D2A150C85}" dt="2023-12-28T23:34:47.360" v="5351" actId="20577"/>
-          <ac:spMkLst>
-            <pc:docMk/>
-            <pc:sldMk cId="1802585387" sldId="281"/>
-            <ac:spMk id="2" creationId="{31B75992-5098-A283-4925-2CCEBB801DC5}"/>
-          </ac:spMkLst>
-        </pc:spChg>
-        <pc:spChg chg="mod">
-          <ac:chgData name="Gibbons, Carl" userId="d2b037bc-8fb4-4222-845c-61440543a456" providerId="ADAL" clId="{4505F98C-4CC4-4983-9729-597D2A150C85}" dt="2023-12-28T23:42:19.634" v="5967" actId="20577"/>
-          <ac:spMkLst>
-            <pc:docMk/>
-            <pc:sldMk cId="1802585387" sldId="281"/>
-            <ac:spMk id="3" creationId="{B5924E0F-A977-1710-779D-EEB74261AF34}"/>
-          </ac:spMkLst>
-        </pc:spChg>
-      </pc:sldChg>
-      <pc:sldChg chg="modSp mod">
-        <pc:chgData name="Gibbons, Carl" userId="d2b037bc-8fb4-4222-845c-61440543a456" providerId="ADAL" clId="{4505F98C-4CC4-4983-9729-597D2A150C85}" dt="2023-12-28T23:54:03.356" v="6623"/>
-        <pc:sldMkLst>
-          <pc:docMk/>
-          <pc:sldMk cId="724803187" sldId="282"/>
-        </pc:sldMkLst>
-        <pc:spChg chg="mod">
-          <ac:chgData name="Gibbons, Carl" userId="d2b037bc-8fb4-4222-845c-61440543a456" providerId="ADAL" clId="{4505F98C-4CC4-4983-9729-597D2A150C85}" dt="2023-12-28T23:39:52.399" v="5606" actId="20577"/>
-          <ac:spMkLst>
-            <pc:docMk/>
-            <pc:sldMk cId="724803187" sldId="282"/>
-            <ac:spMk id="2" creationId="{31B75992-5098-A283-4925-2CCEBB801DC5}"/>
-          </ac:spMkLst>
-        </pc:spChg>
-        <pc:spChg chg="mod">
-          <ac:chgData name="Gibbons, Carl" userId="d2b037bc-8fb4-4222-845c-61440543a456" providerId="ADAL" clId="{4505F98C-4CC4-4983-9729-597D2A150C85}" dt="2023-12-28T23:54:03.356" v="6623"/>
-          <ac:spMkLst>
-            <pc:docMk/>
-            <pc:sldMk cId="724803187" sldId="282"/>
-            <ac:spMk id="3" creationId="{B5924E0F-A977-1710-779D-EEB74261AF34}"/>
-          </ac:spMkLst>
-        </pc:spChg>
-      </pc:sldChg>
-      <pc:sldChg chg="modSp mod">
-        <pc:chgData name="Gibbons, Carl" userId="d2b037bc-8fb4-4222-845c-61440543a456" providerId="ADAL" clId="{4505F98C-4CC4-4983-9729-597D2A150C85}" dt="2023-12-29T02:19:53.158" v="17637" actId="20577"/>
-        <pc:sldMkLst>
-          <pc:docMk/>
-          <pc:sldMk cId="1926009205" sldId="283"/>
-        </pc:sldMkLst>
-        <pc:spChg chg="mod">
-          <ac:chgData name="Gibbons, Carl" userId="d2b037bc-8fb4-4222-845c-61440543a456" providerId="ADAL" clId="{4505F98C-4CC4-4983-9729-597D2A150C85}" dt="2023-12-29T00:22:07.704" v="8354" actId="20577"/>
-          <ac:spMkLst>
-            <pc:docMk/>
-            <pc:sldMk cId="1926009205" sldId="283"/>
-            <ac:spMk id="2" creationId="{31B75992-5098-A283-4925-2CCEBB801DC5}"/>
-          </ac:spMkLst>
-        </pc:spChg>
-        <pc:spChg chg="mod">
-          <ac:chgData name="Gibbons, Carl" userId="d2b037bc-8fb4-4222-845c-61440543a456" providerId="ADAL" clId="{4505F98C-4CC4-4983-9729-597D2A150C85}" dt="2023-12-29T02:19:53.158" v="17637" actId="20577"/>
-          <ac:spMkLst>
-            <pc:docMk/>
-            <pc:sldMk cId="1926009205" sldId="283"/>
-            <ac:spMk id="3" creationId="{B5924E0F-A977-1710-779D-EEB74261AF34}"/>
-          </ac:spMkLst>
-        </pc:spChg>
-      </pc:sldChg>
-      <pc:sldChg chg="del">
-        <pc:chgData name="Gibbons, Carl" userId="d2b037bc-8fb4-4222-845c-61440543a456" providerId="ADAL" clId="{4505F98C-4CC4-4983-9729-597D2A150C85}" dt="2023-12-28T22:17:09.732" v="1699" actId="47"/>
-        <pc:sldMkLst>
-          <pc:docMk/>
-          <pc:sldMk cId="2959024232" sldId="283"/>
-        </pc:sldMkLst>
-      </pc:sldChg>
-      <pc:sldChg chg="modSp mod">
-        <pc:chgData name="Gibbons, Carl" userId="d2b037bc-8fb4-4222-845c-61440543a456" providerId="ADAL" clId="{4505F98C-4CC4-4983-9729-597D2A150C85}" dt="2023-12-29T00:22:15.499" v="8364" actId="20577"/>
-        <pc:sldMkLst>
-          <pc:docMk/>
-          <pc:sldMk cId="2366216895" sldId="284"/>
-        </pc:sldMkLst>
-        <pc:spChg chg="mod">
-          <ac:chgData name="Gibbons, Carl" userId="d2b037bc-8fb4-4222-845c-61440543a456" providerId="ADAL" clId="{4505F98C-4CC4-4983-9729-597D2A150C85}" dt="2023-12-29T00:22:15.499" v="8364" actId="20577"/>
-          <ac:spMkLst>
-            <pc:docMk/>
-            <pc:sldMk cId="2366216895" sldId="284"/>
-            <ac:spMk id="2" creationId="{31B75992-5098-A283-4925-2CCEBB801DC5}"/>
-          </ac:spMkLst>
-        </pc:spChg>
-        <pc:spChg chg="mod">
-          <ac:chgData name="Gibbons, Carl" userId="d2b037bc-8fb4-4222-845c-61440543a456" providerId="ADAL" clId="{4505F98C-4CC4-4983-9729-597D2A150C85}" dt="2023-12-29T00:20:51.612" v="8260" actId="20577"/>
-          <ac:spMkLst>
-            <pc:docMk/>
-            <pc:sldMk cId="2366216895" sldId="284"/>
-            <ac:spMk id="3" creationId="{B5924E0F-A977-1710-779D-EEB74261AF34}"/>
-          </ac:spMkLst>
-        </pc:spChg>
-      </pc:sldChg>
-      <pc:sldChg chg="del">
-        <pc:chgData name="Gibbons, Carl" userId="d2b037bc-8fb4-4222-845c-61440543a456" providerId="ADAL" clId="{4505F98C-4CC4-4983-9729-597D2A150C85}" dt="2023-12-28T22:17:08.965" v="1698" actId="47"/>
-        <pc:sldMkLst>
-          <pc:docMk/>
-          <pc:sldMk cId="3114675387" sldId="284"/>
-        </pc:sldMkLst>
-      </pc:sldChg>
-      <pc:sldChg chg="del">
-        <pc:chgData name="Gibbons, Carl" userId="d2b037bc-8fb4-4222-845c-61440543a456" providerId="ADAL" clId="{4505F98C-4CC4-4983-9729-597D2A150C85}" dt="2023-12-28T22:17:08.106" v="1697" actId="47"/>
-        <pc:sldMkLst>
-          <pc:docMk/>
-          <pc:sldMk cId="1243134729" sldId="285"/>
-        </pc:sldMkLst>
-      </pc:sldChg>
-      <pc:sldChg chg="modSp mod">
-        <pc:chgData name="Gibbons, Carl" userId="d2b037bc-8fb4-4222-845c-61440543a456" providerId="ADAL" clId="{4505F98C-4CC4-4983-9729-597D2A150C85}" dt="2023-12-29T01:14:23.500" v="12327" actId="20577"/>
-        <pc:sldMkLst>
-          <pc:docMk/>
-          <pc:sldMk cId="3371896289" sldId="285"/>
-        </pc:sldMkLst>
-        <pc:spChg chg="mod">
-          <ac:chgData name="Gibbons, Carl" userId="d2b037bc-8fb4-4222-845c-61440543a456" providerId="ADAL" clId="{4505F98C-4CC4-4983-9729-597D2A150C85}" dt="2023-12-29T00:22:25.432" v="8374" actId="20577"/>
-          <ac:spMkLst>
-            <pc:docMk/>
-            <pc:sldMk cId="3371896289" sldId="285"/>
-            <ac:spMk id="2" creationId="{31B75992-5098-A283-4925-2CCEBB801DC5}"/>
-          </ac:spMkLst>
-        </pc:spChg>
-        <pc:spChg chg="mod">
-          <ac:chgData name="Gibbons, Carl" userId="d2b037bc-8fb4-4222-845c-61440543a456" providerId="ADAL" clId="{4505F98C-4CC4-4983-9729-597D2A150C85}" dt="2023-12-29T01:14:23.500" v="12327" actId="20577"/>
-          <ac:spMkLst>
-            <pc:docMk/>
-            <pc:sldMk cId="3371896289" sldId="285"/>
-            <ac:spMk id="3" creationId="{B5924E0F-A977-1710-779D-EEB74261AF34}"/>
-          </ac:spMkLst>
-        </pc:spChg>
-      </pc:sldChg>
-      <pc:sldChg chg="add del">
-        <pc:chgData name="Gibbons, Carl" userId="d2b037bc-8fb4-4222-845c-61440543a456" providerId="ADAL" clId="{4505F98C-4CC4-4983-9729-597D2A150C85}" dt="2023-12-29T00:13:59.438" v="7954" actId="2696"/>
-        <pc:sldMkLst>
-          <pc:docMk/>
-          <pc:sldMk cId="3635199420" sldId="285"/>
-        </pc:sldMkLst>
-      </pc:sldChg>
-      <pc:sldChg chg="del">
-        <pc:chgData name="Gibbons, Carl" userId="d2b037bc-8fb4-4222-845c-61440543a456" providerId="ADAL" clId="{4505F98C-4CC4-4983-9729-597D2A150C85}" dt="2023-12-28T22:17:10.620" v="1700" actId="47"/>
-        <pc:sldMkLst>
-          <pc:docMk/>
-          <pc:sldMk cId="954591853" sldId="286"/>
-        </pc:sldMkLst>
-      </pc:sldChg>
-      <pc:sldChg chg="modSp mod">
-        <pc:chgData name="Gibbons, Carl" userId="d2b037bc-8fb4-4222-845c-61440543a456" providerId="ADAL" clId="{4505F98C-4CC4-4983-9729-597D2A150C85}" dt="2023-12-29T01:14:14.317" v="12318" actId="20577"/>
-        <pc:sldMkLst>
-          <pc:docMk/>
-          <pc:sldMk cId="3193160409" sldId="286"/>
-        </pc:sldMkLst>
-        <pc:spChg chg="mod">
-          <ac:chgData name="Gibbons, Carl" userId="d2b037bc-8fb4-4222-845c-61440543a456" providerId="ADAL" clId="{4505F98C-4CC4-4983-9729-597D2A150C85}" dt="2023-12-29T00:33:44.511" v="9517" actId="20577"/>
-          <ac:spMkLst>
-            <pc:docMk/>
-            <pc:sldMk cId="3193160409" sldId="286"/>
-            <ac:spMk id="2" creationId="{31B75992-5098-A283-4925-2CCEBB801DC5}"/>
-          </ac:spMkLst>
-        </pc:spChg>
-        <pc:spChg chg="mod">
-          <ac:chgData name="Gibbons, Carl" userId="d2b037bc-8fb4-4222-845c-61440543a456" providerId="ADAL" clId="{4505F98C-4CC4-4983-9729-597D2A150C85}" dt="2023-12-29T01:14:14.317" v="12318" actId="20577"/>
-          <ac:spMkLst>
-            <pc:docMk/>
-            <pc:sldMk cId="3193160409" sldId="286"/>
-            <ac:spMk id="3" creationId="{B5924E0F-A977-1710-779D-EEB74261AF34}"/>
-          </ac:spMkLst>
-        </pc:spChg>
-      </pc:sldChg>
-      <pc:sldChg chg="del">
-        <pc:chgData name="Gibbons, Carl" userId="d2b037bc-8fb4-4222-845c-61440543a456" providerId="ADAL" clId="{4505F98C-4CC4-4983-9729-597D2A150C85}" dt="2023-12-28T22:17:12.413" v="1702" actId="47"/>
-        <pc:sldMkLst>
-          <pc:docMk/>
-          <pc:sldMk cId="2614091779" sldId="287"/>
-        </pc:sldMkLst>
-      </pc:sldChg>
-      <pc:sldChg chg="modSp mod">
-        <pc:chgData name="Gibbons, Carl" userId="d2b037bc-8fb4-4222-845c-61440543a456" providerId="ADAL" clId="{4505F98C-4CC4-4983-9729-597D2A150C85}" dt="2023-12-29T02:19:05.385" v="17624"/>
-        <pc:sldMkLst>
-          <pc:docMk/>
-          <pc:sldMk cId="2688338374" sldId="287"/>
-        </pc:sldMkLst>
-        <pc:spChg chg="mod">
-          <ac:chgData name="Gibbons, Carl" userId="d2b037bc-8fb4-4222-845c-61440543a456" providerId="ADAL" clId="{4505F98C-4CC4-4983-9729-597D2A150C85}" dt="2023-12-29T00:41:11.438" v="10364" actId="20577"/>
-          <ac:spMkLst>
-            <pc:docMk/>
-            <pc:sldMk cId="2688338374" sldId="287"/>
-            <ac:spMk id="2" creationId="{31B75992-5098-A283-4925-2CCEBB801DC5}"/>
-          </ac:spMkLst>
-        </pc:spChg>
-        <pc:spChg chg="mod">
-          <ac:chgData name="Gibbons, Carl" userId="d2b037bc-8fb4-4222-845c-61440543a456" providerId="ADAL" clId="{4505F98C-4CC4-4983-9729-597D2A150C85}" dt="2023-12-29T02:19:05.385" v="17624"/>
-          <ac:spMkLst>
-            <pc:docMk/>
-            <pc:sldMk cId="2688338374" sldId="287"/>
-            <ac:spMk id="3" creationId="{B5924E0F-A977-1710-779D-EEB74261AF34}"/>
-          </ac:spMkLst>
-        </pc:spChg>
-      </pc:sldChg>
-      <pc:sldChg chg="del">
-        <pc:chgData name="Gibbons, Carl" userId="d2b037bc-8fb4-4222-845c-61440543a456" providerId="ADAL" clId="{4505F98C-4CC4-4983-9729-597D2A150C85}" dt="2023-12-28T22:17:11.407" v="1701" actId="47"/>
-        <pc:sldMkLst>
-          <pc:docMk/>
-          <pc:sldMk cId="1341659426" sldId="288"/>
-        </pc:sldMkLst>
-      </pc:sldChg>
-      <pc:sldChg chg="modSp add mod">
-        <pc:chgData name="Gibbons, Carl" userId="d2b037bc-8fb4-4222-845c-61440543a456" providerId="ADAL" clId="{4505F98C-4CC4-4983-9729-597D2A150C85}" dt="2023-12-29T01:45:37.293" v="15006"/>
-        <pc:sldMkLst>
-          <pc:docMk/>
-          <pc:sldMk cId="2142935017" sldId="288"/>
-        </pc:sldMkLst>
-        <pc:spChg chg="mod">
-          <ac:chgData name="Gibbons, Carl" userId="d2b037bc-8fb4-4222-845c-61440543a456" providerId="ADAL" clId="{4505F98C-4CC4-4983-9729-597D2A150C85}" dt="2023-12-29T01:16:27.501" v="12383" actId="20577"/>
-          <ac:spMkLst>
-            <pc:docMk/>
-            <pc:sldMk cId="2142935017" sldId="288"/>
-            <ac:spMk id="2" creationId="{31B75992-5098-A283-4925-2CCEBB801DC5}"/>
-          </ac:spMkLst>
-        </pc:spChg>
-        <pc:spChg chg="mod">
-          <ac:chgData name="Gibbons, Carl" userId="d2b037bc-8fb4-4222-845c-61440543a456" providerId="ADAL" clId="{4505F98C-4CC4-4983-9729-597D2A150C85}" dt="2023-12-29T01:45:37.293" v="15006"/>
-          <ac:spMkLst>
-            <pc:docMk/>
-            <pc:sldMk cId="2142935017" sldId="288"/>
-            <ac:spMk id="3" creationId="{B5924E0F-A977-1710-779D-EEB74261AF34}"/>
-          </ac:spMkLst>
-        </pc:spChg>
-      </pc:sldChg>
-      <pc:sldChg chg="modSp mod">
-        <pc:chgData name="Gibbons, Carl" userId="d2b037bc-8fb4-4222-845c-61440543a456" providerId="ADAL" clId="{4505F98C-4CC4-4983-9729-597D2A150C85}" dt="2023-12-29T01:50:54.342" v="15124" actId="20577"/>
-        <pc:sldMkLst>
-          <pc:docMk/>
-          <pc:sldMk cId="2784625941" sldId="289"/>
-        </pc:sldMkLst>
-        <pc:spChg chg="mod">
-          <ac:chgData name="Gibbons, Carl" userId="d2b037bc-8fb4-4222-845c-61440543a456" providerId="ADAL" clId="{4505F98C-4CC4-4983-9729-597D2A150C85}" dt="2023-12-29T01:23:40.688" v="13177" actId="20577"/>
-          <ac:spMkLst>
-            <pc:docMk/>
-            <pc:sldMk cId="2784625941" sldId="289"/>
-            <ac:spMk id="2" creationId="{31B75992-5098-A283-4925-2CCEBB801DC5}"/>
-          </ac:spMkLst>
-        </pc:spChg>
-        <pc:spChg chg="mod">
-          <ac:chgData name="Gibbons, Carl" userId="d2b037bc-8fb4-4222-845c-61440543a456" providerId="ADAL" clId="{4505F98C-4CC4-4983-9729-597D2A150C85}" dt="2023-12-29T01:50:54.342" v="15124" actId="20577"/>
-          <ac:spMkLst>
-            <pc:docMk/>
-            <pc:sldMk cId="2784625941" sldId="289"/>
-            <ac:spMk id="3" creationId="{B5924E0F-A977-1710-779D-EEB74261AF34}"/>
-          </ac:spMkLst>
-        </pc:spChg>
-      </pc:sldChg>
-      <pc:sldChg chg="del">
-        <pc:chgData name="Gibbons, Carl" userId="d2b037bc-8fb4-4222-845c-61440543a456" providerId="ADAL" clId="{4505F98C-4CC4-4983-9729-597D2A150C85}" dt="2023-12-28T22:17:05.773" v="1696" actId="47"/>
-        <pc:sldMkLst>
-          <pc:docMk/>
-          <pc:sldMk cId="2966054478" sldId="289"/>
-        </pc:sldMkLst>
-      </pc:sldChg>
-      <pc:sldChg chg="del">
-        <pc:chgData name="Gibbons, Carl" userId="d2b037bc-8fb4-4222-845c-61440543a456" providerId="ADAL" clId="{4505F98C-4CC4-4983-9729-597D2A150C85}" dt="2023-12-28T22:17:13.315" v="1703" actId="47"/>
-        <pc:sldMkLst>
-          <pc:docMk/>
-          <pc:sldMk cId="1014272238" sldId="290"/>
-        </pc:sldMkLst>
-      </pc:sldChg>
-      <pc:sldChg chg="modSp add mod">
-        <pc:chgData name="Gibbons, Carl" userId="d2b037bc-8fb4-4222-845c-61440543a456" providerId="ADAL" clId="{4505F98C-4CC4-4983-9729-597D2A150C85}" dt="2023-12-29T01:50:36.539" v="15123" actId="20577"/>
-        <pc:sldMkLst>
-          <pc:docMk/>
-          <pc:sldMk cId="1677974689" sldId="290"/>
-        </pc:sldMkLst>
-        <pc:spChg chg="mod">
-          <ac:chgData name="Gibbons, Carl" userId="d2b037bc-8fb4-4222-845c-61440543a456" providerId="ADAL" clId="{4505F98C-4CC4-4983-9729-597D2A150C85}" dt="2023-12-29T01:37:36.931" v="14365" actId="20577"/>
-          <ac:spMkLst>
-            <pc:docMk/>
-            <pc:sldMk cId="1677974689" sldId="290"/>
-            <ac:spMk id="2" creationId="{31B75992-5098-A283-4925-2CCEBB801DC5}"/>
-          </ac:spMkLst>
-        </pc:spChg>
-        <pc:spChg chg="mod">
-          <ac:chgData name="Gibbons, Carl" userId="d2b037bc-8fb4-4222-845c-61440543a456" providerId="ADAL" clId="{4505F98C-4CC4-4983-9729-597D2A150C85}" dt="2023-12-29T01:50:36.539" v="15123" actId="20577"/>
-          <ac:spMkLst>
-            <pc:docMk/>
-            <pc:sldMk cId="1677974689" sldId="290"/>
-            <ac:spMk id="3" creationId="{B5924E0F-A977-1710-779D-EEB74261AF34}"/>
-          </ac:spMkLst>
-        </pc:spChg>
-      </pc:sldChg>
-      <pc:sldChg chg="del">
-        <pc:chgData name="Gibbons, Carl" userId="d2b037bc-8fb4-4222-845c-61440543a456" providerId="ADAL" clId="{4505F98C-4CC4-4983-9729-597D2A150C85}" dt="2023-12-28T22:17:05.079" v="1695" actId="47"/>
-        <pc:sldMkLst>
-          <pc:docMk/>
-          <pc:sldMk cId="3689580349" sldId="291"/>
-        </pc:sldMkLst>
-      </pc:sldChg>
-      <pc:sldChg chg="modSp add mod">
-        <pc:chgData name="Gibbons, Carl" userId="d2b037bc-8fb4-4222-845c-61440543a456" providerId="ADAL" clId="{4505F98C-4CC4-4983-9729-597D2A150C85}" dt="2023-12-29T02:03:57.372" v="16335" actId="20577"/>
-        <pc:sldMkLst>
-          <pc:docMk/>
-          <pc:sldMk cId="4219326696" sldId="291"/>
-        </pc:sldMkLst>
-        <pc:spChg chg="mod">
-          <ac:chgData name="Gibbons, Carl" userId="d2b037bc-8fb4-4222-845c-61440543a456" providerId="ADAL" clId="{4505F98C-4CC4-4983-9729-597D2A150C85}" dt="2023-12-29T01:51:52.820" v="15161" actId="20577"/>
-          <ac:spMkLst>
-            <pc:docMk/>
-            <pc:sldMk cId="4219326696" sldId="291"/>
-            <ac:spMk id="2" creationId="{31B75992-5098-A283-4925-2CCEBB801DC5}"/>
-          </ac:spMkLst>
-        </pc:spChg>
-        <pc:spChg chg="mod">
-          <ac:chgData name="Gibbons, Carl" userId="d2b037bc-8fb4-4222-845c-61440543a456" providerId="ADAL" clId="{4505F98C-4CC4-4983-9729-597D2A150C85}" dt="2023-12-29T02:03:57.372" v="16335" actId="20577"/>
-          <ac:spMkLst>
-            <pc:docMk/>
-            <pc:sldMk cId="4219326696" sldId="291"/>
-            <ac:spMk id="3" creationId="{B5924E0F-A977-1710-779D-EEB74261AF34}"/>
-          </ac:spMkLst>
-        </pc:spChg>
-      </pc:sldChg>
-      <pc:sldChg chg="modSp add mod">
-        <pc:chgData name="Gibbons, Carl" userId="d2b037bc-8fb4-4222-845c-61440543a456" providerId="ADAL" clId="{4505F98C-4CC4-4983-9729-597D2A150C85}" dt="2023-12-29T02:16:48.887" v="17543" actId="20577"/>
-        <pc:sldMkLst>
-          <pc:docMk/>
-          <pc:sldMk cId="33911121" sldId="292"/>
-        </pc:sldMkLst>
-        <pc:spChg chg="mod">
-          <ac:chgData name="Gibbons, Carl" userId="d2b037bc-8fb4-4222-845c-61440543a456" providerId="ADAL" clId="{4505F98C-4CC4-4983-9729-597D2A150C85}" dt="2023-12-29T02:06:26.879" v="16405" actId="20577"/>
-          <ac:spMkLst>
-            <pc:docMk/>
-            <pc:sldMk cId="33911121" sldId="292"/>
-            <ac:spMk id="2" creationId="{1862E903-3C56-BB42-2361-009F2336475A}"/>
-          </ac:spMkLst>
-        </pc:spChg>
-        <pc:spChg chg="mod">
-          <ac:chgData name="Gibbons, Carl" userId="d2b037bc-8fb4-4222-845c-61440543a456" providerId="ADAL" clId="{4505F98C-4CC4-4983-9729-597D2A150C85}" dt="2023-12-29T02:16:48.887" v="17543" actId="20577"/>
-          <ac:spMkLst>
-            <pc:docMk/>
-            <pc:sldMk cId="33911121" sldId="292"/>
-            <ac:spMk id="3" creationId="{90179172-96B3-95D0-A137-257770BE7642}"/>
-          </ac:spMkLst>
-        </pc:spChg>
-      </pc:sldChg>
-      <pc:sldChg chg="del">
-        <pc:chgData name="Gibbons, Carl" userId="d2b037bc-8fb4-4222-845c-61440543a456" providerId="ADAL" clId="{4505F98C-4CC4-4983-9729-597D2A150C85}" dt="2023-12-28T22:17:14.720" v="1704" actId="47"/>
-        <pc:sldMkLst>
-          <pc:docMk/>
-          <pc:sldMk cId="2738411615" sldId="292"/>
-        </pc:sldMkLst>
-      </pc:sldChg>
-      <pc:sldChg chg="del">
-        <pc:chgData name="Gibbons, Carl" userId="d2b037bc-8fb4-4222-845c-61440543a456" providerId="ADAL" clId="{4505F98C-4CC4-4983-9729-597D2A150C85}" dt="2023-12-28T22:17:04.103" v="1694" actId="47"/>
-        <pc:sldMkLst>
-          <pc:docMk/>
-          <pc:sldMk cId="852415543" sldId="293"/>
-        </pc:sldMkLst>
-      </pc:sldChg>
-    </pc:docChg>
-  </pc:docChgLst>
-  <pc:docChgLst>
-    <pc:chgData name="Gibbons, Carl" userId="d2b037bc-8fb4-4222-845c-61440543a456" providerId="ADAL" clId="{3D73FC3D-A932-426E-A7E0-475220CAB957}"/>
-    <pc:docChg chg="undo redo custSel addSld delSld modSld">
-      <pc:chgData name="Gibbons, Carl" userId="d2b037bc-8fb4-4222-845c-61440543a456" providerId="ADAL" clId="{3D73FC3D-A932-426E-A7E0-475220CAB957}" dt="2023-12-24T03:24:28.415" v="11663" actId="20577"/>
-      <pc:docMkLst>
-        <pc:docMk/>
-      </pc:docMkLst>
-      <pc:sldChg chg="modSp mod">
-        <pc:chgData name="Gibbons, Carl" userId="d2b037bc-8fb4-4222-845c-61440543a456" providerId="ADAL" clId="{3D73FC3D-A932-426E-A7E0-475220CAB957}" dt="2023-12-23T23:38:20.022" v="49" actId="20577"/>
-        <pc:sldMkLst>
-          <pc:docMk/>
-          <pc:sldMk cId="3308175748" sldId="256"/>
-        </pc:sldMkLst>
-        <pc:spChg chg="mod">
-          <ac:chgData name="Gibbons, Carl" userId="d2b037bc-8fb4-4222-845c-61440543a456" providerId="ADAL" clId="{3D73FC3D-A932-426E-A7E0-475220CAB957}" dt="2023-12-23T23:38:20.022" v="49" actId="20577"/>
-          <ac:spMkLst>
-            <pc:docMk/>
-            <pc:sldMk cId="3308175748" sldId="256"/>
-            <ac:spMk id="3" creationId="{EEC4D41B-E776-05F2-BE0B-89BB339485AB}"/>
-          </ac:spMkLst>
-        </pc:spChg>
-      </pc:sldChg>
-      <pc:sldChg chg="modSp mod">
-        <pc:chgData name="Gibbons, Carl" userId="d2b037bc-8fb4-4222-845c-61440543a456" providerId="ADAL" clId="{3D73FC3D-A932-426E-A7E0-475220CAB957}" dt="2023-12-24T01:13:09.893" v="3743" actId="20577"/>
-        <pc:sldMkLst>
-          <pc:docMk/>
-          <pc:sldMk cId="519357719" sldId="260"/>
-        </pc:sldMkLst>
-        <pc:spChg chg="mod">
-          <ac:chgData name="Gibbons, Carl" userId="d2b037bc-8fb4-4222-845c-61440543a456" providerId="ADAL" clId="{3D73FC3D-A932-426E-A7E0-475220CAB957}" dt="2023-12-24T00:45:38.249" v="1787" actId="20577"/>
-          <ac:spMkLst>
-            <pc:docMk/>
-            <pc:sldMk cId="519357719" sldId="260"/>
-            <ac:spMk id="2" creationId="{E8E7C5B6-3D55-D6F8-C2DE-9B6E32C23A9C}"/>
-          </ac:spMkLst>
-        </pc:spChg>
-        <pc:spChg chg="mod">
-          <ac:chgData name="Gibbons, Carl" userId="d2b037bc-8fb4-4222-845c-61440543a456" providerId="ADAL" clId="{3D73FC3D-A932-426E-A7E0-475220CAB957}" dt="2023-12-24T01:13:09.893" v="3743" actId="20577"/>
-          <ac:spMkLst>
-            <pc:docMk/>
-            <pc:sldMk cId="519357719" sldId="260"/>
-            <ac:spMk id="3" creationId="{17D02A72-79B4-B4A1-5F2B-4922B2F25909}"/>
-          </ac:spMkLst>
-        </pc:spChg>
-      </pc:sldChg>
-      <pc:sldChg chg="addSp modSp mod">
-        <pc:chgData name="Gibbons, Carl" userId="d2b037bc-8fb4-4222-845c-61440543a456" providerId="ADAL" clId="{3D73FC3D-A932-426E-A7E0-475220CAB957}" dt="2023-12-24T00:00:09.105" v="711" actId="20577"/>
-        <pc:sldMkLst>
-          <pc:docMk/>
-          <pc:sldMk cId="2312486803" sldId="261"/>
-        </pc:sldMkLst>
-        <pc:spChg chg="mod">
-          <ac:chgData name="Gibbons, Carl" userId="d2b037bc-8fb4-4222-845c-61440543a456" providerId="ADAL" clId="{3D73FC3D-A932-426E-A7E0-475220CAB957}" dt="2023-12-23T23:50:04.782" v="85" actId="20577"/>
-          <ac:spMkLst>
-            <pc:docMk/>
-            <pc:sldMk cId="2312486803" sldId="261"/>
-            <ac:spMk id="2" creationId="{31B75992-5098-A283-4925-2CCEBB801DC5}"/>
-          </ac:spMkLst>
-        </pc:spChg>
-        <pc:spChg chg="mod">
-          <ac:chgData name="Gibbons, Carl" userId="d2b037bc-8fb4-4222-845c-61440543a456" providerId="ADAL" clId="{3D73FC3D-A932-426E-A7E0-475220CAB957}" dt="2023-12-24T00:00:09.105" v="711" actId="20577"/>
-          <ac:spMkLst>
-            <pc:docMk/>
-            <pc:sldMk cId="2312486803" sldId="261"/>
-            <ac:spMk id="3" creationId="{B5924E0F-A977-1710-779D-EEB74261AF34}"/>
-          </ac:spMkLst>
-        </pc:spChg>
-        <pc:picChg chg="add mod">
-          <ac:chgData name="Gibbons, Carl" userId="d2b037bc-8fb4-4222-845c-61440543a456" providerId="ADAL" clId="{3D73FC3D-A932-426E-A7E0-475220CAB957}" dt="2023-12-23T23:51:02.278" v="91" actId="1076"/>
-          <ac:picMkLst>
-            <pc:docMk/>
-            <pc:sldMk cId="2312486803" sldId="261"/>
-            <ac:picMk id="5" creationId="{95F1B758-8221-A28F-F68D-1A79ADBC274D}"/>
-          </ac:picMkLst>
-        </pc:picChg>
-      </pc:sldChg>
-      <pc:sldChg chg="modSp mod">
-        <pc:chgData name="Gibbons, Carl" userId="d2b037bc-8fb4-4222-845c-61440543a456" providerId="ADAL" clId="{3D73FC3D-A932-426E-A7E0-475220CAB957}" dt="2023-12-24T00:44:00.546" v="1681" actId="20577"/>
-        <pc:sldMkLst>
-          <pc:docMk/>
-          <pc:sldMk cId="378743348" sldId="270"/>
-        </pc:sldMkLst>
-        <pc:spChg chg="mod">
-          <ac:chgData name="Gibbons, Carl" userId="d2b037bc-8fb4-4222-845c-61440543a456" providerId="ADAL" clId="{3D73FC3D-A932-426E-A7E0-475220CAB957}" dt="2023-12-24T00:42:29.049" v="1647" actId="114"/>
-          <ac:spMkLst>
-            <pc:docMk/>
-            <pc:sldMk cId="378743348" sldId="270"/>
-            <ac:spMk id="2" creationId="{C5822466-AC61-5579-F313-7B8A3FE65CC8}"/>
-          </ac:spMkLst>
-        </pc:spChg>
-        <pc:spChg chg="mod">
-          <ac:chgData name="Gibbons, Carl" userId="d2b037bc-8fb4-4222-845c-61440543a456" providerId="ADAL" clId="{3D73FC3D-A932-426E-A7E0-475220CAB957}" dt="2023-12-24T00:44:00.546" v="1681" actId="20577"/>
-          <ac:spMkLst>
-            <pc:docMk/>
-            <pc:sldMk cId="378743348" sldId="270"/>
-            <ac:spMk id="3" creationId="{80041865-9773-290D-EB35-F8AF8BFC505C}"/>
-          </ac:spMkLst>
-        </pc:spChg>
-      </pc:sldChg>
-      <pc:sldChg chg="modSp mod">
-        <pc:chgData name="Gibbons, Carl" userId="d2b037bc-8fb4-4222-845c-61440543a456" providerId="ADAL" clId="{3D73FC3D-A932-426E-A7E0-475220CAB957}" dt="2023-12-24T03:24:28.415" v="11663" actId="20577"/>
-        <pc:sldMkLst>
-          <pc:docMk/>
-          <pc:sldMk cId="657795359" sldId="277"/>
-        </pc:sldMkLst>
-        <pc:spChg chg="mod">
-          <ac:chgData name="Gibbons, Carl" userId="d2b037bc-8fb4-4222-845c-61440543a456" providerId="ADAL" clId="{3D73FC3D-A932-426E-A7E0-475220CAB957}" dt="2023-12-24T03:22:59.669" v="11407" actId="20577"/>
-          <ac:spMkLst>
-            <pc:docMk/>
-            <pc:sldMk cId="657795359" sldId="277"/>
-            <ac:spMk id="2" creationId="{1862E903-3C56-BB42-2361-009F2336475A}"/>
-          </ac:spMkLst>
-        </pc:spChg>
-        <pc:spChg chg="mod">
-          <ac:chgData name="Gibbons, Carl" userId="d2b037bc-8fb4-4222-845c-61440543a456" providerId="ADAL" clId="{3D73FC3D-A932-426E-A7E0-475220CAB957}" dt="2023-12-24T03:24:28.415" v="11663" actId="20577"/>
-          <ac:spMkLst>
-            <pc:docMk/>
-            <pc:sldMk cId="657795359" sldId="277"/>
-            <ac:spMk id="3" creationId="{90179172-96B3-95D0-A137-257770BE7642}"/>
-          </ac:spMkLst>
-        </pc:spChg>
-      </pc:sldChg>
-      <pc:sldChg chg="modSp mod">
-        <pc:chgData name="Gibbons, Carl" userId="d2b037bc-8fb4-4222-845c-61440543a456" providerId="ADAL" clId="{3D73FC3D-A932-426E-A7E0-475220CAB957}" dt="2023-12-24T01:34:56.666" v="4550" actId="20577"/>
-        <pc:sldMkLst>
-          <pc:docMk/>
-          <pc:sldMk cId="376509629" sldId="278"/>
-        </pc:sldMkLst>
-        <pc:spChg chg="mod">
-          <ac:chgData name="Gibbons, Carl" userId="d2b037bc-8fb4-4222-845c-61440543a456" providerId="ADAL" clId="{3D73FC3D-A932-426E-A7E0-475220CAB957}" dt="2023-12-24T01:29:35.543" v="4429" actId="20577"/>
-          <ac:spMkLst>
-            <pc:docMk/>
-            <pc:sldMk cId="376509629" sldId="278"/>
-            <ac:spMk id="2" creationId="{E8E7C5B6-3D55-D6F8-C2DE-9B6E32C23A9C}"/>
-          </ac:spMkLst>
-        </pc:spChg>
-        <pc:spChg chg="mod">
-          <ac:chgData name="Gibbons, Carl" userId="d2b037bc-8fb4-4222-845c-61440543a456" providerId="ADAL" clId="{3D73FC3D-A932-426E-A7E0-475220CAB957}" dt="2023-12-24T01:34:56.666" v="4550" actId="20577"/>
-          <ac:spMkLst>
-            <pc:docMk/>
-            <pc:sldMk cId="376509629" sldId="278"/>
-            <ac:spMk id="3" creationId="{17D02A72-79B4-B4A1-5F2B-4922B2F25909}"/>
-          </ac:spMkLst>
-        </pc:spChg>
-      </pc:sldChg>
-      <pc:sldChg chg="modSp add mod">
-        <pc:chgData name="Gibbons, Carl" userId="d2b037bc-8fb4-4222-845c-61440543a456" providerId="ADAL" clId="{3D73FC3D-A932-426E-A7E0-475220CAB957}" dt="2023-12-24T01:50:22.304" v="5579" actId="20577"/>
-        <pc:sldMkLst>
-          <pc:docMk/>
-          <pc:sldMk cId="3153831418" sldId="279"/>
-        </pc:sldMkLst>
-        <pc:spChg chg="mod">
-          <ac:chgData name="Gibbons, Carl" userId="d2b037bc-8fb4-4222-845c-61440543a456" providerId="ADAL" clId="{3D73FC3D-A932-426E-A7E0-475220CAB957}" dt="2023-12-24T01:36:49.541" v="4576" actId="20577"/>
-          <ac:spMkLst>
-            <pc:docMk/>
-            <pc:sldMk cId="3153831418" sldId="279"/>
-            <ac:spMk id="2" creationId="{E8E7C5B6-3D55-D6F8-C2DE-9B6E32C23A9C}"/>
-          </ac:spMkLst>
-        </pc:spChg>
-        <pc:spChg chg="mod">
-          <ac:chgData name="Gibbons, Carl" userId="d2b037bc-8fb4-4222-845c-61440543a456" providerId="ADAL" clId="{3D73FC3D-A932-426E-A7E0-475220CAB957}" dt="2023-12-24T01:50:22.304" v="5579" actId="20577"/>
-          <ac:spMkLst>
-            <pc:docMk/>
-            <pc:sldMk cId="3153831418" sldId="279"/>
-            <ac:spMk id="3" creationId="{17D02A72-79B4-B4A1-5F2B-4922B2F25909}"/>
-          </ac:spMkLst>
-        </pc:spChg>
-      </pc:sldChg>
-      <pc:sldChg chg="del">
-        <pc:chgData name="Gibbons, Carl" userId="d2b037bc-8fb4-4222-845c-61440543a456" providerId="ADAL" clId="{3D73FC3D-A932-426E-A7E0-475220CAB957}" dt="2023-12-24T01:36:36.846" v="4551"/>
-        <pc:sldMkLst>
-          <pc:docMk/>
-          <pc:sldMk cId="3319441950" sldId="279"/>
-        </pc:sldMkLst>
-      </pc:sldChg>
-      <pc:sldChg chg="addSp delSp modSp mod">
-        <pc:chgData name="Gibbons, Carl" userId="d2b037bc-8fb4-4222-845c-61440543a456" providerId="ADAL" clId="{3D73FC3D-A932-426E-A7E0-475220CAB957}" dt="2023-12-24T02:38:37.357" v="8076" actId="22"/>
-        <pc:sldMkLst>
-          <pc:docMk/>
-          <pc:sldMk cId="1730491475" sldId="280"/>
-        </pc:sldMkLst>
-        <pc:spChg chg="mod">
-          <ac:chgData name="Gibbons, Carl" userId="d2b037bc-8fb4-4222-845c-61440543a456" providerId="ADAL" clId="{3D73FC3D-A932-426E-A7E0-475220CAB957}" dt="2023-12-24T01:50:32.554" v="5581" actId="20577"/>
-          <ac:spMkLst>
-            <pc:docMk/>
-            <pc:sldMk cId="1730491475" sldId="280"/>
-            <ac:spMk id="2" creationId="{E8E7C5B6-3D55-D6F8-C2DE-9B6E32C23A9C}"/>
-          </ac:spMkLst>
-        </pc:spChg>
-        <pc:spChg chg="mod">
-          <ac:chgData name="Gibbons, Carl" userId="d2b037bc-8fb4-4222-845c-61440543a456" providerId="ADAL" clId="{3D73FC3D-A932-426E-A7E0-475220CAB957}" dt="2023-12-24T02:35:28.836" v="8074" actId="12"/>
-          <ac:spMkLst>
-            <pc:docMk/>
-            <pc:sldMk cId="1730491475" sldId="280"/>
-            <ac:spMk id="3" creationId="{17D02A72-79B4-B4A1-5F2B-4922B2F25909}"/>
-          </ac:spMkLst>
-        </pc:spChg>
-        <pc:spChg chg="add del">
-          <ac:chgData name="Gibbons, Carl" userId="d2b037bc-8fb4-4222-845c-61440543a456" providerId="ADAL" clId="{3D73FC3D-A932-426E-A7E0-475220CAB957}" dt="2023-12-24T02:38:37.357" v="8076" actId="22"/>
-          <ac:spMkLst>
-            <pc:docMk/>
-            <pc:sldMk cId="1730491475" sldId="280"/>
-            <ac:spMk id="5" creationId="{8BB9020B-ED8A-501F-CC80-C270A0022D15}"/>
-          </ac:spMkLst>
-        </pc:spChg>
-      </pc:sldChg>
-      <pc:sldChg chg="modSp mod">
-        <pc:chgData name="Gibbons, Carl" userId="d2b037bc-8fb4-4222-845c-61440543a456" providerId="ADAL" clId="{3D73FC3D-A932-426E-A7E0-475220CAB957}" dt="2023-12-24T03:05:20.109" v="10364" actId="20577"/>
-        <pc:sldMkLst>
-          <pc:docMk/>
-          <pc:sldMk cId="2142935958" sldId="281"/>
-        </pc:sldMkLst>
-        <pc:spChg chg="mod">
-          <ac:chgData name="Gibbons, Carl" userId="d2b037bc-8fb4-4222-845c-61440543a456" providerId="ADAL" clId="{3D73FC3D-A932-426E-A7E0-475220CAB957}" dt="2023-12-24T02:43:01.996" v="8436" actId="20577"/>
-          <ac:spMkLst>
-            <pc:docMk/>
-            <pc:sldMk cId="2142935958" sldId="281"/>
-            <ac:spMk id="2" creationId="{E8E7C5B6-3D55-D6F8-C2DE-9B6E32C23A9C}"/>
-          </ac:spMkLst>
-        </pc:spChg>
-        <pc:spChg chg="mod">
-          <ac:chgData name="Gibbons, Carl" userId="d2b037bc-8fb4-4222-845c-61440543a456" providerId="ADAL" clId="{3D73FC3D-A932-426E-A7E0-475220CAB957}" dt="2023-12-24T03:05:20.109" v="10364" actId="20577"/>
-          <ac:spMkLst>
-            <pc:docMk/>
-            <pc:sldMk cId="2142935958" sldId="281"/>
-            <ac:spMk id="3" creationId="{17D02A72-79B4-B4A1-5F2B-4922B2F25909}"/>
-          </ac:spMkLst>
-        </pc:spChg>
-      </pc:sldChg>
-      <pc:sldChg chg="modSp mod">
-        <pc:chgData name="Gibbons, Carl" userId="d2b037bc-8fb4-4222-845c-61440543a456" providerId="ADAL" clId="{3D73FC3D-A932-426E-A7E0-475220CAB957}" dt="2023-12-24T03:22:15.893" v="11397" actId="2711"/>
-        <pc:sldMkLst>
-          <pc:docMk/>
-          <pc:sldMk cId="1371681654" sldId="282"/>
-        </pc:sldMkLst>
-        <pc:spChg chg="mod">
-          <ac:chgData name="Gibbons, Carl" userId="d2b037bc-8fb4-4222-845c-61440543a456" providerId="ADAL" clId="{3D73FC3D-A932-426E-A7E0-475220CAB957}" dt="2023-12-24T03:12:22.296" v="10563" actId="1036"/>
-          <ac:spMkLst>
-            <pc:docMk/>
-            <pc:sldMk cId="1371681654" sldId="282"/>
-            <ac:spMk id="2" creationId="{E8E7C5B6-3D55-D6F8-C2DE-9B6E32C23A9C}"/>
-          </ac:spMkLst>
-        </pc:spChg>
-        <pc:spChg chg="mod">
-          <ac:chgData name="Gibbons, Carl" userId="d2b037bc-8fb4-4222-845c-61440543a456" providerId="ADAL" clId="{3D73FC3D-A932-426E-A7E0-475220CAB957}" dt="2023-12-24T03:22:15.893" v="11397" actId="2711"/>
-          <ac:spMkLst>
-            <pc:docMk/>
-            <pc:sldMk cId="1371681654" sldId="282"/>
-            <ac:spMk id="3" creationId="{17D02A72-79B4-B4A1-5F2B-4922B2F25909}"/>
           </ac:spMkLst>
         </pc:spChg>
       </pc:sldChg>
@@ -2241,7 +199,7 @@
 </file>
 
 <file path=ppt/slideLayouts/slideLayout1.xml><?xml version="1.0" encoding="utf-8"?>
-<p:sldLayout xmlns:a="http://schemas.openxmlformats.org/drawingml/2006/main" xmlns:r="http://schemas.openxmlformats.org/officeDocument/2006/relationships" xmlns:p="http://schemas.openxmlformats.org/presentationml/2006/main" type="title" preserve="1">
+<p:sldLayout xmlns:a="http://schemas.openxmlformats.org/drawingml/2006/main" xmlns:r="http://schemas.openxmlformats.org/officeDocument/2006/relationships" xmlns:p="http://schemas.openxmlformats.org/presentationml/2006/main" preserve="1" userDrawn="1">
   <p:cSld name="Title Slide">
     <p:spTree>
       <p:nvGrpSpPr>
@@ -2257,200 +215,10 @@
           <a:chExt cx="0" cy="0"/>
         </a:xfrm>
       </p:grpSpPr>
-      <p:sp>
-        <p:nvSpPr>
-          <p:cNvPr id="2" name="Title 1">
-            <a:extLst>
-              <a:ext uri="{FF2B5EF4-FFF2-40B4-BE49-F238E27FC236}">
-                <a16:creationId xmlns:a16="http://schemas.microsoft.com/office/drawing/2014/main" id="{DD581941-0C9F-2373-780E-9153E7306EE0}"/>
-              </a:ext>
-            </a:extLst>
-          </p:cNvPr>
-          <p:cNvSpPr>
-            <a:spLocks noGrp="1"/>
-          </p:cNvSpPr>
-          <p:nvPr>
-            <p:ph type="ctrTitle"/>
-          </p:nvPr>
-        </p:nvSpPr>
-        <p:spPr>
-          <a:xfrm>
-            <a:off x="1524000" y="1122363"/>
-            <a:ext cx="9144000" cy="2387600"/>
-          </a:xfrm>
-        </p:spPr>
-        <p:txBody>
-          <a:bodyPr anchor="b"/>
-          <a:lstStyle>
-            <a:lvl1pPr algn="ctr">
-              <a:defRPr sz="6000"/>
-            </a:lvl1pPr>
-          </a:lstStyle>
-          <a:p>
-            <a:r>
-              <a:rPr lang="en-US"/>
-              <a:t>Click to edit Master title style</a:t>
-            </a:r>
-          </a:p>
-        </p:txBody>
-      </p:sp>
-      <p:sp>
-        <p:nvSpPr>
-          <p:cNvPr id="3" name="Subtitle 2">
-            <a:extLst>
-              <a:ext uri="{FF2B5EF4-FFF2-40B4-BE49-F238E27FC236}">
-                <a16:creationId xmlns:a16="http://schemas.microsoft.com/office/drawing/2014/main" id="{FC927A9A-3EED-7C12-0FFF-384113480AA1}"/>
-              </a:ext>
-            </a:extLst>
-          </p:cNvPr>
-          <p:cNvSpPr>
-            <a:spLocks noGrp="1"/>
-          </p:cNvSpPr>
-          <p:nvPr>
-            <p:ph type="subTitle" idx="1"/>
-          </p:nvPr>
-        </p:nvSpPr>
-        <p:spPr>
-          <a:xfrm>
-            <a:off x="1524000" y="3602038"/>
-            <a:ext cx="9144000" cy="1655762"/>
-          </a:xfrm>
-        </p:spPr>
-        <p:txBody>
-          <a:bodyPr/>
-          <a:lstStyle>
-            <a:lvl1pPr marL="0" indent="0" algn="ctr">
-              <a:buNone/>
-              <a:defRPr sz="2400"/>
-            </a:lvl1pPr>
-            <a:lvl2pPr marL="457200" indent="0" algn="ctr">
-              <a:buNone/>
-              <a:defRPr sz="2000"/>
-            </a:lvl2pPr>
-            <a:lvl3pPr marL="914400" indent="0" algn="ctr">
-              <a:buNone/>
-              <a:defRPr sz="1800"/>
-            </a:lvl3pPr>
-            <a:lvl4pPr marL="1371600" indent="0" algn="ctr">
-              <a:buNone/>
-              <a:defRPr sz="1600"/>
-            </a:lvl4pPr>
-            <a:lvl5pPr marL="1828800" indent="0" algn="ctr">
-              <a:buNone/>
-              <a:defRPr sz="1600"/>
-            </a:lvl5pPr>
-            <a:lvl6pPr marL="2286000" indent="0" algn="ctr">
-              <a:buNone/>
-              <a:defRPr sz="1600"/>
-            </a:lvl6pPr>
-            <a:lvl7pPr marL="2743200" indent="0" algn="ctr">
-              <a:buNone/>
-              <a:defRPr sz="1600"/>
-            </a:lvl7pPr>
-            <a:lvl8pPr marL="3200400" indent="0" algn="ctr">
-              <a:buNone/>
-              <a:defRPr sz="1600"/>
-            </a:lvl8pPr>
-            <a:lvl9pPr marL="3657600" indent="0" algn="ctr">
-              <a:buNone/>
-              <a:defRPr sz="1600"/>
-            </a:lvl9pPr>
-          </a:lstStyle>
-          <a:p>
-            <a:r>
-              <a:rPr lang="en-US"/>
-              <a:t>Click to edit Master subtitle style</a:t>
-            </a:r>
-          </a:p>
-        </p:txBody>
-      </p:sp>
-      <p:sp>
-        <p:nvSpPr>
-          <p:cNvPr id="4" name="Date Placeholder 3">
-            <a:extLst>
-              <a:ext uri="{FF2B5EF4-FFF2-40B4-BE49-F238E27FC236}">
-                <a16:creationId xmlns:a16="http://schemas.microsoft.com/office/drawing/2014/main" id="{E43FE0D7-D5FB-3326-9483-F15495075853}"/>
-              </a:ext>
-            </a:extLst>
-          </p:cNvPr>
-          <p:cNvSpPr>
-            <a:spLocks noGrp="1"/>
-          </p:cNvSpPr>
-          <p:nvPr>
-            <p:ph type="dt" sz="half" idx="10"/>
-          </p:nvPr>
-        </p:nvSpPr>
-        <p:spPr/>
-        <p:txBody>
-          <a:bodyPr/>
-          <a:lstStyle/>
-          <a:p>
-            <a:fld id="{421996D4-4A1C-4BBC-AA2B-FD5B7FC395A0}" type="datetime1">
-              <a:rPr lang="en-US" smtClean="0"/>
-              <a:t>10/10/2024</a:t>
-            </a:fld>
-            <a:endParaRPr lang="en-US"/>
-          </a:p>
-        </p:txBody>
-      </p:sp>
-      <p:sp>
-        <p:nvSpPr>
-          <p:cNvPr id="5" name="Footer Placeholder 4">
-            <a:extLst>
-              <a:ext uri="{FF2B5EF4-FFF2-40B4-BE49-F238E27FC236}">
-                <a16:creationId xmlns:a16="http://schemas.microsoft.com/office/drawing/2014/main" id="{AAEBCD6E-6B69-E7FF-A8EA-F8E294BDA7E7}"/>
-              </a:ext>
-            </a:extLst>
-          </p:cNvPr>
-          <p:cNvSpPr>
-            <a:spLocks noGrp="1"/>
-          </p:cNvSpPr>
-          <p:nvPr>
-            <p:ph type="ftr" sz="quarter" idx="11"/>
-          </p:nvPr>
-        </p:nvSpPr>
-        <p:spPr/>
-        <p:txBody>
-          <a:bodyPr/>
-          <a:lstStyle/>
-          <a:p>
-            <a:endParaRPr lang="en-US"/>
-          </a:p>
-        </p:txBody>
-      </p:sp>
-      <p:sp>
-        <p:nvSpPr>
-          <p:cNvPr id="6" name="Slide Number Placeholder 5">
-            <a:extLst>
-              <a:ext uri="{FF2B5EF4-FFF2-40B4-BE49-F238E27FC236}">
-                <a16:creationId xmlns:a16="http://schemas.microsoft.com/office/drawing/2014/main" id="{FF22DB5A-E75D-49DD-123C-37B6BC85E903}"/>
-              </a:ext>
-            </a:extLst>
-          </p:cNvPr>
-          <p:cNvSpPr>
-            <a:spLocks noGrp="1"/>
-          </p:cNvSpPr>
-          <p:nvPr>
-            <p:ph type="sldNum" sz="quarter" idx="12"/>
-          </p:nvPr>
-        </p:nvSpPr>
-        <p:spPr/>
-        <p:txBody>
-          <a:bodyPr/>
-          <a:lstStyle/>
-          <a:p>
-            <a:fld id="{B46E5E13-EE34-439C-B49B-F0CB75B28E1B}" type="slidenum">
-              <a:rPr lang="en-US" smtClean="0"/>
-              <a:t>‹#›</a:t>
-            </a:fld>
-            <a:endParaRPr lang="en-US"/>
-          </a:p>
-        </p:txBody>
-      </p:sp>
     </p:spTree>
     <p:extLst>
       <p:ext uri="{BB962C8B-B14F-4D97-AF65-F5344CB8AC3E}">
-        <p14:creationId xmlns:p14="http://schemas.microsoft.com/office/powerpoint/2010/main" val="4169122874"/>
+        <p14:creationId xmlns:p14="http://schemas.microsoft.com/office/powerpoint/2010/main" val="2903089904"/>
       </p:ext>
     </p:extLst>
   </p:cSld>
@@ -2482,7 +250,7 @@
           <p:cNvPr id="2" name="Title 1">
             <a:extLst>
               <a:ext uri="{FF2B5EF4-FFF2-40B4-BE49-F238E27FC236}">
-                <a16:creationId xmlns:a16="http://schemas.microsoft.com/office/drawing/2014/main" id="{D6AD2E5E-D555-7E2B-7E3F-7520CC1D227E}"/>
+                <a16:creationId xmlns:a16="http://schemas.microsoft.com/office/drawing/2014/main" id="{A2992E9E-93C1-7E84-A4D5-EA127AB4BDC1}"/>
               </a:ext>
             </a:extLst>
           </p:cNvPr>
@@ -2493,7 +261,15 @@
             <p:ph type="title"/>
           </p:nvPr>
         </p:nvSpPr>
-        <p:spPr/>
+        <p:spPr>
+          <a:xfrm>
+            <a:off x="602787" y="1498382"/>
+            <a:ext cx="10515600" cy="1325563"/>
+          </a:xfrm>
+          <a:prstGeom prst="rect">
+            <a:avLst/>
+          </a:prstGeom>
+        </p:spPr>
         <p:txBody>
           <a:bodyPr/>
           <a:lstStyle/>
@@ -2510,7 +286,7 @@
           <p:cNvPr id="3" name="Vertical Text Placeholder 2">
             <a:extLst>
               <a:ext uri="{FF2B5EF4-FFF2-40B4-BE49-F238E27FC236}">
-                <a16:creationId xmlns:a16="http://schemas.microsoft.com/office/drawing/2014/main" id="{21BCA2AE-5C6A-0627-55FB-1213E6BA2F01}"/>
+                <a16:creationId xmlns:a16="http://schemas.microsoft.com/office/drawing/2014/main" id="{FBFF1E9B-EE9D-9A7E-EE97-87C838D9BB2F}"/>
               </a:ext>
             </a:extLst>
           </p:cNvPr>
@@ -2521,7 +297,15 @@
             <p:ph type="body" orient="vert" idx="1"/>
           </p:nvPr>
         </p:nvSpPr>
-        <p:spPr/>
+        <p:spPr>
+          <a:xfrm>
+            <a:off x="838200" y="1825625"/>
+            <a:ext cx="10515600" cy="4351338"/>
+          </a:xfrm>
+          <a:prstGeom prst="rect">
+            <a:avLst/>
+          </a:prstGeom>
+        </p:spPr>
         <p:txBody>
           <a:bodyPr vert="eaVert"/>
           <a:lstStyle/>
@@ -2567,7 +351,7 @@
           <p:cNvPr id="4" name="Date Placeholder 3">
             <a:extLst>
               <a:ext uri="{FF2B5EF4-FFF2-40B4-BE49-F238E27FC236}">
-                <a16:creationId xmlns:a16="http://schemas.microsoft.com/office/drawing/2014/main" id="{5107EDAF-37A2-AD0D-A11E-C6E412B7CD68}"/>
+                <a16:creationId xmlns:a16="http://schemas.microsoft.com/office/drawing/2014/main" id="{450DA212-C93A-3075-FD32-156F351E64D4}"/>
               </a:ext>
             </a:extLst>
           </p:cNvPr>
@@ -2578,14 +362,22 @@
             <p:ph type="dt" sz="half" idx="10"/>
           </p:nvPr>
         </p:nvSpPr>
-        <p:spPr/>
-        <p:txBody>
-          <a:bodyPr/>
-          <a:lstStyle/>
-          <a:p>
-            <a:fld id="{CB43818D-5554-4105-BE04-CEE32DEBDA0A}" type="datetime1">
+        <p:spPr>
+          <a:xfrm>
+            <a:off x="838200" y="6445249"/>
+            <a:ext cx="2743200" cy="365125"/>
+          </a:xfrm>
+          <a:prstGeom prst="rect">
+            <a:avLst/>
+          </a:prstGeom>
+        </p:spPr>
+        <p:txBody>
+          <a:bodyPr/>
+          <a:lstStyle/>
+          <a:p>
+            <a:fld id="{71087A05-F855-4434-8DDE-39A8542098A6}" type="datetimeFigureOut">
               <a:rPr lang="en-US" smtClean="0"/>
-              <a:t>10/10/2024</a:t>
+              <a:t>11/21/2024</a:t>
             </a:fld>
             <a:endParaRPr lang="en-US"/>
           </a:p>
@@ -2596,7 +388,7 @@
           <p:cNvPr id="5" name="Footer Placeholder 4">
             <a:extLst>
               <a:ext uri="{FF2B5EF4-FFF2-40B4-BE49-F238E27FC236}">
-                <a16:creationId xmlns:a16="http://schemas.microsoft.com/office/drawing/2014/main" id="{17AABE0A-6316-1BFF-88AA-1E305E3595C5}"/>
+                <a16:creationId xmlns:a16="http://schemas.microsoft.com/office/drawing/2014/main" id="{D6AA4E94-35D9-7831-A0BB-9A28BFA422BE}"/>
               </a:ext>
             </a:extLst>
           </p:cNvPr>
@@ -2607,7 +399,15 @@
             <p:ph type="ftr" sz="quarter" idx="11"/>
           </p:nvPr>
         </p:nvSpPr>
-        <p:spPr/>
+        <p:spPr>
+          <a:xfrm>
+            <a:off x="4038600" y="6356350"/>
+            <a:ext cx="4114800" cy="365125"/>
+          </a:xfrm>
+          <a:prstGeom prst="rect">
+            <a:avLst/>
+          </a:prstGeom>
+        </p:spPr>
         <p:txBody>
           <a:bodyPr/>
           <a:lstStyle/>
@@ -2621,7 +421,7 @@
           <p:cNvPr id="6" name="Slide Number Placeholder 5">
             <a:extLst>
               <a:ext uri="{FF2B5EF4-FFF2-40B4-BE49-F238E27FC236}">
-                <a16:creationId xmlns:a16="http://schemas.microsoft.com/office/drawing/2014/main" id="{FC568FF5-9BB0-1800-E4BA-438F3408E54B}"/>
+                <a16:creationId xmlns:a16="http://schemas.microsoft.com/office/drawing/2014/main" id="{2E0B5BE5-01BB-5041-6101-F169276B2397}"/>
               </a:ext>
             </a:extLst>
           </p:cNvPr>
@@ -2632,12 +432,20 @@
             <p:ph type="sldNum" sz="quarter" idx="12"/>
           </p:nvPr>
         </p:nvSpPr>
-        <p:spPr/>
-        <p:txBody>
-          <a:bodyPr/>
-          <a:lstStyle/>
-          <a:p>
-            <a:fld id="{B46E5E13-EE34-439C-B49B-F0CB75B28E1B}" type="slidenum">
+        <p:spPr>
+          <a:xfrm>
+            <a:off x="8610600" y="6356350"/>
+            <a:ext cx="2743200" cy="365125"/>
+          </a:xfrm>
+          <a:prstGeom prst="rect">
+            <a:avLst/>
+          </a:prstGeom>
+        </p:spPr>
+        <p:txBody>
+          <a:bodyPr/>
+          <a:lstStyle/>
+          <a:p>
+            <a:fld id="{6C0014F0-3D1D-4459-A530-32E6C19AE461}" type="slidenum">
               <a:rPr lang="en-US" smtClean="0"/>
               <a:t>‹#›</a:t>
             </a:fld>
@@ -2648,7 +456,7 @@
     </p:spTree>
     <p:extLst>
       <p:ext uri="{BB962C8B-B14F-4D97-AF65-F5344CB8AC3E}">
-        <p14:creationId xmlns:p14="http://schemas.microsoft.com/office/powerpoint/2010/main" val="3088053719"/>
+        <p14:creationId xmlns:p14="http://schemas.microsoft.com/office/powerpoint/2010/main" val="3058523283"/>
       </p:ext>
     </p:extLst>
   </p:cSld>
@@ -2680,7 +488,7 @@
           <p:cNvPr id="2" name="Vertical Title 1">
             <a:extLst>
               <a:ext uri="{FF2B5EF4-FFF2-40B4-BE49-F238E27FC236}">
-                <a16:creationId xmlns:a16="http://schemas.microsoft.com/office/drawing/2014/main" id="{AAE8DA51-17B9-3E3B-6597-C3149EC564E7}"/>
+                <a16:creationId xmlns:a16="http://schemas.microsoft.com/office/drawing/2014/main" id="{B7D370E5-4104-4DF4-CE6F-43777E948DFD}"/>
               </a:ext>
             </a:extLst>
           </p:cNvPr>
@@ -2696,6 +504,9 @@
             <a:off x="8724900" y="365125"/>
             <a:ext cx="2628900" cy="5811838"/>
           </a:xfrm>
+          <a:prstGeom prst="rect">
+            <a:avLst/>
+          </a:prstGeom>
         </p:spPr>
         <p:txBody>
           <a:bodyPr vert="eaVert"/>
@@ -2713,7 +524,7 @@
           <p:cNvPr id="3" name="Vertical Text Placeholder 2">
             <a:extLst>
               <a:ext uri="{FF2B5EF4-FFF2-40B4-BE49-F238E27FC236}">
-                <a16:creationId xmlns:a16="http://schemas.microsoft.com/office/drawing/2014/main" id="{C43333B4-9DAF-48B6-30CB-E3B610BEF084}"/>
+                <a16:creationId xmlns:a16="http://schemas.microsoft.com/office/drawing/2014/main" id="{3CEA6D81-DFD1-D8AC-EC26-DC0557526EE4}"/>
               </a:ext>
             </a:extLst>
           </p:cNvPr>
@@ -2729,6 +540,9 @@
             <a:off x="838200" y="365125"/>
             <a:ext cx="7734300" cy="5811838"/>
           </a:xfrm>
+          <a:prstGeom prst="rect">
+            <a:avLst/>
+          </a:prstGeom>
         </p:spPr>
         <p:txBody>
           <a:bodyPr vert="eaVert"/>
@@ -2775,7 +589,7 @@
           <p:cNvPr id="4" name="Date Placeholder 3">
             <a:extLst>
               <a:ext uri="{FF2B5EF4-FFF2-40B4-BE49-F238E27FC236}">
-                <a16:creationId xmlns:a16="http://schemas.microsoft.com/office/drawing/2014/main" id="{6086BDD1-83F5-3D7A-8DD5-DF362A8AD1E7}"/>
+                <a16:creationId xmlns:a16="http://schemas.microsoft.com/office/drawing/2014/main" id="{60E27890-E421-871D-9D4F-F7E5B558B71E}"/>
               </a:ext>
             </a:extLst>
           </p:cNvPr>
@@ -2786,14 +600,22 @@
             <p:ph type="dt" sz="half" idx="10"/>
           </p:nvPr>
         </p:nvSpPr>
-        <p:spPr/>
-        <p:txBody>
-          <a:bodyPr/>
-          <a:lstStyle/>
-          <a:p>
-            <a:fld id="{AFAC11C6-1708-41BC-9474-3D7842023D96}" type="datetime1">
+        <p:spPr>
+          <a:xfrm>
+            <a:off x="838200" y="6445249"/>
+            <a:ext cx="2743200" cy="365125"/>
+          </a:xfrm>
+          <a:prstGeom prst="rect">
+            <a:avLst/>
+          </a:prstGeom>
+        </p:spPr>
+        <p:txBody>
+          <a:bodyPr/>
+          <a:lstStyle/>
+          <a:p>
+            <a:fld id="{71087A05-F855-4434-8DDE-39A8542098A6}" type="datetimeFigureOut">
               <a:rPr lang="en-US" smtClean="0"/>
-              <a:t>10/10/2024</a:t>
+              <a:t>11/21/2024</a:t>
             </a:fld>
             <a:endParaRPr lang="en-US"/>
           </a:p>
@@ -2804,7 +626,7 @@
           <p:cNvPr id="5" name="Footer Placeholder 4">
             <a:extLst>
               <a:ext uri="{FF2B5EF4-FFF2-40B4-BE49-F238E27FC236}">
-                <a16:creationId xmlns:a16="http://schemas.microsoft.com/office/drawing/2014/main" id="{4CD22109-0E78-0957-7BBE-F0B6D89EFBB0}"/>
+                <a16:creationId xmlns:a16="http://schemas.microsoft.com/office/drawing/2014/main" id="{B7A93CF4-905B-F31B-69BD-9BEBF9008D86}"/>
               </a:ext>
             </a:extLst>
           </p:cNvPr>
@@ -2815,7 +637,15 @@
             <p:ph type="ftr" sz="quarter" idx="11"/>
           </p:nvPr>
         </p:nvSpPr>
-        <p:spPr/>
+        <p:spPr>
+          <a:xfrm>
+            <a:off x="4038600" y="6356350"/>
+            <a:ext cx="4114800" cy="365125"/>
+          </a:xfrm>
+          <a:prstGeom prst="rect">
+            <a:avLst/>
+          </a:prstGeom>
+        </p:spPr>
         <p:txBody>
           <a:bodyPr/>
           <a:lstStyle/>
@@ -2829,7 +659,7 @@
           <p:cNvPr id="6" name="Slide Number Placeholder 5">
             <a:extLst>
               <a:ext uri="{FF2B5EF4-FFF2-40B4-BE49-F238E27FC236}">
-                <a16:creationId xmlns:a16="http://schemas.microsoft.com/office/drawing/2014/main" id="{292DE250-FF35-6AD5-3A95-9CDBFE6C2373}"/>
+                <a16:creationId xmlns:a16="http://schemas.microsoft.com/office/drawing/2014/main" id="{B9BD2B1C-442A-F5C9-9AEB-F9DE0158660F}"/>
               </a:ext>
             </a:extLst>
           </p:cNvPr>
@@ -2840,12 +670,20 @@
             <p:ph type="sldNum" sz="quarter" idx="12"/>
           </p:nvPr>
         </p:nvSpPr>
-        <p:spPr/>
-        <p:txBody>
-          <a:bodyPr/>
-          <a:lstStyle/>
-          <a:p>
-            <a:fld id="{B46E5E13-EE34-439C-B49B-F0CB75B28E1B}" type="slidenum">
+        <p:spPr>
+          <a:xfrm>
+            <a:off x="8610600" y="6356350"/>
+            <a:ext cx="2743200" cy="365125"/>
+          </a:xfrm>
+          <a:prstGeom prst="rect">
+            <a:avLst/>
+          </a:prstGeom>
+        </p:spPr>
+        <p:txBody>
+          <a:bodyPr/>
+          <a:lstStyle/>
+          <a:p>
+            <a:fld id="{6C0014F0-3D1D-4459-A530-32E6C19AE461}" type="slidenum">
               <a:rPr lang="en-US" smtClean="0"/>
               <a:t>‹#›</a:t>
             </a:fld>
@@ -2856,7 +694,7 @@
     </p:spTree>
     <p:extLst>
       <p:ext uri="{BB962C8B-B14F-4D97-AF65-F5344CB8AC3E}">
-        <p14:creationId xmlns:p14="http://schemas.microsoft.com/office/powerpoint/2010/main" val="3295637468"/>
+        <p14:creationId xmlns:p14="http://schemas.microsoft.com/office/powerpoint/2010/main" val="4080666653"/>
       </p:ext>
     </p:extLst>
   </p:cSld>
@@ -2867,6 +705,226 @@
 </file>
 
 <file path=ppt/slideLayouts/slideLayout12.xml><?xml version="1.0" encoding="utf-8"?>
+<p:sldLayout xmlns:a="http://schemas.openxmlformats.org/drawingml/2006/main" xmlns:r="http://schemas.openxmlformats.org/officeDocument/2006/relationships" xmlns:p="http://schemas.openxmlformats.org/presentationml/2006/main" type="title" preserve="1">
+  <p:cSld name="Title Slide">
+    <p:spTree>
+      <p:nvGrpSpPr>
+        <p:cNvPr id="1" name=""/>
+        <p:cNvGrpSpPr/>
+        <p:nvPr/>
+      </p:nvGrpSpPr>
+      <p:grpSpPr>
+        <a:xfrm>
+          <a:off x="0" y="0"/>
+          <a:ext cx="0" cy="0"/>
+          <a:chOff x="0" y="0"/>
+          <a:chExt cx="0" cy="0"/>
+        </a:xfrm>
+      </p:grpSpPr>
+      <p:sp>
+        <p:nvSpPr>
+          <p:cNvPr id="2" name="Title 1">
+            <a:extLst>
+              <a:ext uri="{FF2B5EF4-FFF2-40B4-BE49-F238E27FC236}">
+                <a16:creationId xmlns:a16="http://schemas.microsoft.com/office/drawing/2014/main" id="{DD581941-0C9F-2373-780E-9153E7306EE0}"/>
+              </a:ext>
+            </a:extLst>
+          </p:cNvPr>
+          <p:cNvSpPr>
+            <a:spLocks noGrp="1"/>
+          </p:cNvSpPr>
+          <p:nvPr>
+            <p:ph type="ctrTitle"/>
+          </p:nvPr>
+        </p:nvSpPr>
+        <p:spPr>
+          <a:xfrm>
+            <a:off x="1524000" y="1122363"/>
+            <a:ext cx="9144000" cy="2387600"/>
+          </a:xfrm>
+        </p:spPr>
+        <p:txBody>
+          <a:bodyPr anchor="b"/>
+          <a:lstStyle>
+            <a:lvl1pPr algn="ctr">
+              <a:defRPr sz="6000"/>
+            </a:lvl1pPr>
+          </a:lstStyle>
+          <a:p>
+            <a:r>
+              <a:rPr lang="en-US"/>
+              <a:t>Click to edit Master title style</a:t>
+            </a:r>
+          </a:p>
+        </p:txBody>
+      </p:sp>
+      <p:sp>
+        <p:nvSpPr>
+          <p:cNvPr id="3" name="Subtitle 2">
+            <a:extLst>
+              <a:ext uri="{FF2B5EF4-FFF2-40B4-BE49-F238E27FC236}">
+                <a16:creationId xmlns:a16="http://schemas.microsoft.com/office/drawing/2014/main" id="{FC927A9A-3EED-7C12-0FFF-384113480AA1}"/>
+              </a:ext>
+            </a:extLst>
+          </p:cNvPr>
+          <p:cNvSpPr>
+            <a:spLocks noGrp="1"/>
+          </p:cNvSpPr>
+          <p:nvPr>
+            <p:ph type="subTitle" idx="1"/>
+          </p:nvPr>
+        </p:nvSpPr>
+        <p:spPr>
+          <a:xfrm>
+            <a:off x="1524000" y="3602038"/>
+            <a:ext cx="9144000" cy="1655762"/>
+          </a:xfrm>
+        </p:spPr>
+        <p:txBody>
+          <a:bodyPr/>
+          <a:lstStyle>
+            <a:lvl1pPr marL="0" indent="0" algn="ctr">
+              <a:buNone/>
+              <a:defRPr sz="2400"/>
+            </a:lvl1pPr>
+            <a:lvl2pPr marL="457200" indent="0" algn="ctr">
+              <a:buNone/>
+              <a:defRPr sz="2000"/>
+            </a:lvl2pPr>
+            <a:lvl3pPr marL="914400" indent="0" algn="ctr">
+              <a:buNone/>
+              <a:defRPr sz="1800"/>
+            </a:lvl3pPr>
+            <a:lvl4pPr marL="1371600" indent="0" algn="ctr">
+              <a:buNone/>
+              <a:defRPr sz="1600"/>
+            </a:lvl4pPr>
+            <a:lvl5pPr marL="1828800" indent="0" algn="ctr">
+              <a:buNone/>
+              <a:defRPr sz="1600"/>
+            </a:lvl5pPr>
+            <a:lvl6pPr marL="2286000" indent="0" algn="ctr">
+              <a:buNone/>
+              <a:defRPr sz="1600"/>
+            </a:lvl6pPr>
+            <a:lvl7pPr marL="2743200" indent="0" algn="ctr">
+              <a:buNone/>
+              <a:defRPr sz="1600"/>
+            </a:lvl7pPr>
+            <a:lvl8pPr marL="3200400" indent="0" algn="ctr">
+              <a:buNone/>
+              <a:defRPr sz="1600"/>
+            </a:lvl8pPr>
+            <a:lvl9pPr marL="3657600" indent="0" algn="ctr">
+              <a:buNone/>
+              <a:defRPr sz="1600"/>
+            </a:lvl9pPr>
+          </a:lstStyle>
+          <a:p>
+            <a:r>
+              <a:rPr lang="en-US"/>
+              <a:t>Click to edit Master subtitle style</a:t>
+            </a:r>
+          </a:p>
+        </p:txBody>
+      </p:sp>
+      <p:sp>
+        <p:nvSpPr>
+          <p:cNvPr id="4" name="Date Placeholder 3">
+            <a:extLst>
+              <a:ext uri="{FF2B5EF4-FFF2-40B4-BE49-F238E27FC236}">
+                <a16:creationId xmlns:a16="http://schemas.microsoft.com/office/drawing/2014/main" id="{E43FE0D7-D5FB-3326-9483-F15495075853}"/>
+              </a:ext>
+            </a:extLst>
+          </p:cNvPr>
+          <p:cNvSpPr>
+            <a:spLocks noGrp="1"/>
+          </p:cNvSpPr>
+          <p:nvPr>
+            <p:ph type="dt" sz="half" idx="10"/>
+          </p:nvPr>
+        </p:nvSpPr>
+        <p:spPr/>
+        <p:txBody>
+          <a:bodyPr/>
+          <a:lstStyle/>
+          <a:p>
+            <a:fld id="{421996D4-4A1C-4BBC-AA2B-FD5B7FC395A0}" type="datetime1">
+              <a:rPr lang="en-US" smtClean="0"/>
+              <a:t>11/21/2024</a:t>
+            </a:fld>
+            <a:endParaRPr lang="en-US"/>
+          </a:p>
+        </p:txBody>
+      </p:sp>
+      <p:sp>
+        <p:nvSpPr>
+          <p:cNvPr id="5" name="Footer Placeholder 4">
+            <a:extLst>
+              <a:ext uri="{FF2B5EF4-FFF2-40B4-BE49-F238E27FC236}">
+                <a16:creationId xmlns:a16="http://schemas.microsoft.com/office/drawing/2014/main" id="{AAEBCD6E-6B69-E7FF-A8EA-F8E294BDA7E7}"/>
+              </a:ext>
+            </a:extLst>
+          </p:cNvPr>
+          <p:cNvSpPr>
+            <a:spLocks noGrp="1"/>
+          </p:cNvSpPr>
+          <p:nvPr>
+            <p:ph type="ftr" sz="quarter" idx="11"/>
+          </p:nvPr>
+        </p:nvSpPr>
+        <p:spPr/>
+        <p:txBody>
+          <a:bodyPr/>
+          <a:lstStyle/>
+          <a:p>
+            <a:endParaRPr lang="en-US"/>
+          </a:p>
+        </p:txBody>
+      </p:sp>
+      <p:sp>
+        <p:nvSpPr>
+          <p:cNvPr id="6" name="Slide Number Placeholder 5">
+            <a:extLst>
+              <a:ext uri="{FF2B5EF4-FFF2-40B4-BE49-F238E27FC236}">
+                <a16:creationId xmlns:a16="http://schemas.microsoft.com/office/drawing/2014/main" id="{FF22DB5A-E75D-49DD-123C-37B6BC85E903}"/>
+              </a:ext>
+            </a:extLst>
+          </p:cNvPr>
+          <p:cNvSpPr>
+            <a:spLocks noGrp="1"/>
+          </p:cNvSpPr>
+          <p:nvPr>
+            <p:ph type="sldNum" sz="quarter" idx="12"/>
+          </p:nvPr>
+        </p:nvSpPr>
+        <p:spPr/>
+        <p:txBody>
+          <a:bodyPr/>
+          <a:lstStyle/>
+          <a:p>
+            <a:fld id="{B46E5E13-EE34-439C-B49B-F0CB75B28E1B}" type="slidenum">
+              <a:rPr lang="en-US" smtClean="0"/>
+              <a:t>‹#›</a:t>
+            </a:fld>
+            <a:endParaRPr lang="en-US"/>
+          </a:p>
+        </p:txBody>
+      </p:sp>
+    </p:spTree>
+    <p:extLst>
+      <p:ext uri="{BB962C8B-B14F-4D97-AF65-F5344CB8AC3E}">
+        <p14:creationId xmlns:p14="http://schemas.microsoft.com/office/powerpoint/2010/main" val="3337989274"/>
+      </p:ext>
+    </p:extLst>
+  </p:cSld>
+  <p:clrMapOvr>
+    <a:masterClrMapping/>
+  </p:clrMapOvr>
+</p:sldLayout>
+</file>
+
+<file path=ppt/slideLayouts/slideLayout13.xml><?xml version="1.0" encoding="utf-8"?>
 <p:sldLayout xmlns:a="http://schemas.openxmlformats.org/drawingml/2006/main" xmlns:r="http://schemas.openxmlformats.org/officeDocument/2006/relationships" xmlns:p="http://schemas.openxmlformats.org/presentationml/2006/main">
   <p:cSld name="Contents slide layout">
     <p:spTree>
@@ -2937,7 +995,7 @@
     </p:spTree>
     <p:extLst>
       <p:ext uri="{BB962C8B-B14F-4D97-AF65-F5344CB8AC3E}">
-        <p14:creationId xmlns:p14="http://schemas.microsoft.com/office/powerpoint/2010/main" val="2488198393"/>
+        <p14:creationId xmlns:p14="http://schemas.microsoft.com/office/powerpoint/2010/main" val="2523372897"/>
       </p:ext>
     </p:extLst>
   </p:cSld>
@@ -2969,7 +1027,7 @@
           <p:cNvPr id="2" name="Title 1">
             <a:extLst>
               <a:ext uri="{FF2B5EF4-FFF2-40B4-BE49-F238E27FC236}">
-                <a16:creationId xmlns:a16="http://schemas.microsoft.com/office/drawing/2014/main" id="{9B53F3F8-E052-488D-90D0-D947B99C4AE2}"/>
+                <a16:creationId xmlns:a16="http://schemas.microsoft.com/office/drawing/2014/main" id="{6A54579A-6906-4E6D-591C-C727DF060739}"/>
               </a:ext>
             </a:extLst>
           </p:cNvPr>
@@ -2980,7 +1038,15 @@
             <p:ph type="title"/>
           </p:nvPr>
         </p:nvSpPr>
-        <p:spPr/>
+        <p:spPr>
+          <a:xfrm>
+            <a:off x="602787" y="1498382"/>
+            <a:ext cx="10515600" cy="1325563"/>
+          </a:xfrm>
+          <a:prstGeom prst="rect">
+            <a:avLst/>
+          </a:prstGeom>
+        </p:spPr>
         <p:txBody>
           <a:bodyPr/>
           <a:lstStyle/>
@@ -2997,7 +1063,7 @@
           <p:cNvPr id="3" name="Content Placeholder 2">
             <a:extLst>
               <a:ext uri="{FF2B5EF4-FFF2-40B4-BE49-F238E27FC236}">
-                <a16:creationId xmlns:a16="http://schemas.microsoft.com/office/drawing/2014/main" id="{EDD73720-466D-068E-61C9-BDF9BF686AF3}"/>
+                <a16:creationId xmlns:a16="http://schemas.microsoft.com/office/drawing/2014/main" id="{9C426EAA-227D-5ECA-282E-3A3B3C8AE97C}"/>
               </a:ext>
             </a:extLst>
           </p:cNvPr>
@@ -3008,7 +1074,15 @@
             <p:ph idx="1"/>
           </p:nvPr>
         </p:nvSpPr>
-        <p:spPr/>
+        <p:spPr>
+          <a:xfrm>
+            <a:off x="838200" y="1825625"/>
+            <a:ext cx="10515600" cy="4351338"/>
+          </a:xfrm>
+          <a:prstGeom prst="rect">
+            <a:avLst/>
+          </a:prstGeom>
+        </p:spPr>
         <p:txBody>
           <a:bodyPr/>
           <a:lstStyle/>
@@ -3054,7 +1128,7 @@
           <p:cNvPr id="4" name="Date Placeholder 3">
             <a:extLst>
               <a:ext uri="{FF2B5EF4-FFF2-40B4-BE49-F238E27FC236}">
-                <a16:creationId xmlns:a16="http://schemas.microsoft.com/office/drawing/2014/main" id="{86D8B675-57D5-D89F-01F5-209268AB9E4B}"/>
+                <a16:creationId xmlns:a16="http://schemas.microsoft.com/office/drawing/2014/main" id="{7F651069-7D1F-49B9-3F01-D52A9F3A60B7}"/>
               </a:ext>
             </a:extLst>
           </p:cNvPr>
@@ -3065,14 +1139,22 @@
             <p:ph type="dt" sz="half" idx="10"/>
           </p:nvPr>
         </p:nvSpPr>
-        <p:spPr/>
-        <p:txBody>
-          <a:bodyPr/>
-          <a:lstStyle/>
-          <a:p>
-            <a:fld id="{490605F8-8C86-41F5-9F5E-04EDB8C2540B}" type="datetime1">
+        <p:spPr>
+          <a:xfrm>
+            <a:off x="838200" y="6445249"/>
+            <a:ext cx="2743200" cy="365125"/>
+          </a:xfrm>
+          <a:prstGeom prst="rect">
+            <a:avLst/>
+          </a:prstGeom>
+        </p:spPr>
+        <p:txBody>
+          <a:bodyPr/>
+          <a:lstStyle/>
+          <a:p>
+            <a:fld id="{71087A05-F855-4434-8DDE-39A8542098A6}" type="datetimeFigureOut">
               <a:rPr lang="en-US" smtClean="0"/>
-              <a:t>10/10/2024</a:t>
+              <a:t>11/21/2024</a:t>
             </a:fld>
             <a:endParaRPr lang="en-US"/>
           </a:p>
@@ -3083,7 +1165,7 @@
           <p:cNvPr id="5" name="Footer Placeholder 4">
             <a:extLst>
               <a:ext uri="{FF2B5EF4-FFF2-40B4-BE49-F238E27FC236}">
-                <a16:creationId xmlns:a16="http://schemas.microsoft.com/office/drawing/2014/main" id="{7053F998-E2CB-02E4-49BF-97696F865F45}"/>
+                <a16:creationId xmlns:a16="http://schemas.microsoft.com/office/drawing/2014/main" id="{5756067D-C727-84C7-612B-F665F36170EE}"/>
               </a:ext>
             </a:extLst>
           </p:cNvPr>
@@ -3094,7 +1176,15 @@
             <p:ph type="ftr" sz="quarter" idx="11"/>
           </p:nvPr>
         </p:nvSpPr>
-        <p:spPr/>
+        <p:spPr>
+          <a:xfrm>
+            <a:off x="4038600" y="6356350"/>
+            <a:ext cx="4114800" cy="365125"/>
+          </a:xfrm>
+          <a:prstGeom prst="rect">
+            <a:avLst/>
+          </a:prstGeom>
+        </p:spPr>
         <p:txBody>
           <a:bodyPr/>
           <a:lstStyle/>
@@ -3108,7 +1198,7 @@
           <p:cNvPr id="6" name="Slide Number Placeholder 5">
             <a:extLst>
               <a:ext uri="{FF2B5EF4-FFF2-40B4-BE49-F238E27FC236}">
-                <a16:creationId xmlns:a16="http://schemas.microsoft.com/office/drawing/2014/main" id="{FED59867-B8CC-A6E9-DDC7-43729DA70B76}"/>
+                <a16:creationId xmlns:a16="http://schemas.microsoft.com/office/drawing/2014/main" id="{A3C64F88-1C59-3F79-931F-4F91F22F14D3}"/>
               </a:ext>
             </a:extLst>
           </p:cNvPr>
@@ -3119,12 +1209,20 @@
             <p:ph type="sldNum" sz="quarter" idx="12"/>
           </p:nvPr>
         </p:nvSpPr>
-        <p:spPr/>
-        <p:txBody>
-          <a:bodyPr/>
-          <a:lstStyle/>
-          <a:p>
-            <a:fld id="{B46E5E13-EE34-439C-B49B-F0CB75B28E1B}" type="slidenum">
+        <p:spPr>
+          <a:xfrm>
+            <a:off x="8610600" y="6356350"/>
+            <a:ext cx="2743200" cy="365125"/>
+          </a:xfrm>
+          <a:prstGeom prst="rect">
+            <a:avLst/>
+          </a:prstGeom>
+        </p:spPr>
+        <p:txBody>
+          <a:bodyPr/>
+          <a:lstStyle/>
+          <a:p>
+            <a:fld id="{6C0014F0-3D1D-4459-A530-32E6C19AE461}" type="slidenum">
               <a:rPr lang="en-US" smtClean="0"/>
               <a:t>‹#›</a:t>
             </a:fld>
@@ -3135,7 +1233,7 @@
     </p:spTree>
     <p:extLst>
       <p:ext uri="{BB962C8B-B14F-4D97-AF65-F5344CB8AC3E}">
-        <p14:creationId xmlns:p14="http://schemas.microsoft.com/office/powerpoint/2010/main" val="810322467"/>
+        <p14:creationId xmlns:p14="http://schemas.microsoft.com/office/powerpoint/2010/main" val="3412372441"/>
       </p:ext>
     </p:extLst>
   </p:cSld>
@@ -3167,7 +1265,7 @@
           <p:cNvPr id="2" name="Title 1">
             <a:extLst>
               <a:ext uri="{FF2B5EF4-FFF2-40B4-BE49-F238E27FC236}">
-                <a16:creationId xmlns:a16="http://schemas.microsoft.com/office/drawing/2014/main" id="{24562E59-A35F-2B41-2BE7-EC4592347134}"/>
+                <a16:creationId xmlns:a16="http://schemas.microsoft.com/office/drawing/2014/main" id="{C2E67B73-4EBE-86E7-DEDC-379A7358D71A}"/>
               </a:ext>
             </a:extLst>
           </p:cNvPr>
@@ -3183,6 +1281,9 @@
             <a:off x="831850" y="1709738"/>
             <a:ext cx="10515600" cy="2852737"/>
           </a:xfrm>
+          <a:prstGeom prst="rect">
+            <a:avLst/>
+          </a:prstGeom>
         </p:spPr>
         <p:txBody>
           <a:bodyPr anchor="b"/>
@@ -3204,7 +1305,7 @@
           <p:cNvPr id="3" name="Text Placeholder 2">
             <a:extLst>
               <a:ext uri="{FF2B5EF4-FFF2-40B4-BE49-F238E27FC236}">
-                <a16:creationId xmlns:a16="http://schemas.microsoft.com/office/drawing/2014/main" id="{6CB88CFD-8D25-CDFD-1F9A-6A5BAFD86DD9}"/>
+                <a16:creationId xmlns:a16="http://schemas.microsoft.com/office/drawing/2014/main" id="{39DC486F-4B2F-BAA7-822D-AF77A301C3EF}"/>
               </a:ext>
             </a:extLst>
           </p:cNvPr>
@@ -3220,6 +1321,9 @@
             <a:off x="831850" y="4589463"/>
             <a:ext cx="10515600" cy="1500187"/>
           </a:xfrm>
+          <a:prstGeom prst="rect">
+            <a:avLst/>
+          </a:prstGeom>
         </p:spPr>
         <p:txBody>
           <a:bodyPr/>
@@ -3229,7 +1333,7 @@
               <a:defRPr sz="2400">
                 <a:solidFill>
                   <a:schemeClr val="tx1">
-                    <a:tint val="75000"/>
+                    <a:tint val="82000"/>
                   </a:schemeClr>
                 </a:solidFill>
               </a:defRPr>
@@ -3239,7 +1343,7 @@
               <a:defRPr sz="2000">
                 <a:solidFill>
                   <a:schemeClr val="tx1">
-                    <a:tint val="75000"/>
+                    <a:tint val="82000"/>
                   </a:schemeClr>
                 </a:solidFill>
               </a:defRPr>
@@ -3249,7 +1353,7 @@
               <a:defRPr sz="1800">
                 <a:solidFill>
                   <a:schemeClr val="tx1">
-                    <a:tint val="75000"/>
+                    <a:tint val="82000"/>
                   </a:schemeClr>
                 </a:solidFill>
               </a:defRPr>
@@ -3259,7 +1363,7 @@
               <a:defRPr sz="1600">
                 <a:solidFill>
                   <a:schemeClr val="tx1">
-                    <a:tint val="75000"/>
+                    <a:tint val="82000"/>
                   </a:schemeClr>
                 </a:solidFill>
               </a:defRPr>
@@ -3269,7 +1373,7 @@
               <a:defRPr sz="1600">
                 <a:solidFill>
                   <a:schemeClr val="tx1">
-                    <a:tint val="75000"/>
+                    <a:tint val="82000"/>
                   </a:schemeClr>
                 </a:solidFill>
               </a:defRPr>
@@ -3279,7 +1383,7 @@
               <a:defRPr sz="1600">
                 <a:solidFill>
                   <a:schemeClr val="tx1">
-                    <a:tint val="75000"/>
+                    <a:tint val="82000"/>
                   </a:schemeClr>
                 </a:solidFill>
               </a:defRPr>
@@ -3289,7 +1393,7 @@
               <a:defRPr sz="1600">
                 <a:solidFill>
                   <a:schemeClr val="tx1">
-                    <a:tint val="75000"/>
+                    <a:tint val="82000"/>
                   </a:schemeClr>
                 </a:solidFill>
               </a:defRPr>
@@ -3299,7 +1403,7 @@
               <a:defRPr sz="1600">
                 <a:solidFill>
                   <a:schemeClr val="tx1">
-                    <a:tint val="75000"/>
+                    <a:tint val="82000"/>
                   </a:schemeClr>
                 </a:solidFill>
               </a:defRPr>
@@ -3309,7 +1413,7 @@
               <a:defRPr sz="1600">
                 <a:solidFill>
                   <a:schemeClr val="tx1">
-                    <a:tint val="75000"/>
+                    <a:tint val="82000"/>
                   </a:schemeClr>
                 </a:solidFill>
               </a:defRPr>
@@ -3329,7 +1433,7 @@
           <p:cNvPr id="4" name="Date Placeholder 3">
             <a:extLst>
               <a:ext uri="{FF2B5EF4-FFF2-40B4-BE49-F238E27FC236}">
-                <a16:creationId xmlns:a16="http://schemas.microsoft.com/office/drawing/2014/main" id="{5DC2235C-EA94-C1E9-D4DB-83056BF4C68F}"/>
+                <a16:creationId xmlns:a16="http://schemas.microsoft.com/office/drawing/2014/main" id="{AC1AB7C3-5E85-3B9F-4177-A1AF2AB486D8}"/>
               </a:ext>
             </a:extLst>
           </p:cNvPr>
@@ -3340,14 +1444,22 @@
             <p:ph type="dt" sz="half" idx="10"/>
           </p:nvPr>
         </p:nvSpPr>
-        <p:spPr/>
-        <p:txBody>
-          <a:bodyPr/>
-          <a:lstStyle/>
-          <a:p>
-            <a:fld id="{CA355DA2-1E89-41CC-B722-CBFC08F260AE}" type="datetime1">
+        <p:spPr>
+          <a:xfrm>
+            <a:off x="838200" y="6445249"/>
+            <a:ext cx="2743200" cy="365125"/>
+          </a:xfrm>
+          <a:prstGeom prst="rect">
+            <a:avLst/>
+          </a:prstGeom>
+        </p:spPr>
+        <p:txBody>
+          <a:bodyPr/>
+          <a:lstStyle/>
+          <a:p>
+            <a:fld id="{71087A05-F855-4434-8DDE-39A8542098A6}" type="datetimeFigureOut">
               <a:rPr lang="en-US" smtClean="0"/>
-              <a:t>10/10/2024</a:t>
+              <a:t>11/21/2024</a:t>
             </a:fld>
             <a:endParaRPr lang="en-US"/>
           </a:p>
@@ -3358,7 +1470,7 @@
           <p:cNvPr id="5" name="Footer Placeholder 4">
             <a:extLst>
               <a:ext uri="{FF2B5EF4-FFF2-40B4-BE49-F238E27FC236}">
-                <a16:creationId xmlns:a16="http://schemas.microsoft.com/office/drawing/2014/main" id="{E178E07A-E8A4-2767-2911-D824C588F20D}"/>
+                <a16:creationId xmlns:a16="http://schemas.microsoft.com/office/drawing/2014/main" id="{8950E3CD-02DB-7A08-79DC-74CA926DE70F}"/>
               </a:ext>
             </a:extLst>
           </p:cNvPr>
@@ -3369,7 +1481,15 @@
             <p:ph type="ftr" sz="quarter" idx="11"/>
           </p:nvPr>
         </p:nvSpPr>
-        <p:spPr/>
+        <p:spPr>
+          <a:xfrm>
+            <a:off x="4038600" y="6356350"/>
+            <a:ext cx="4114800" cy="365125"/>
+          </a:xfrm>
+          <a:prstGeom prst="rect">
+            <a:avLst/>
+          </a:prstGeom>
+        </p:spPr>
         <p:txBody>
           <a:bodyPr/>
           <a:lstStyle/>
@@ -3383,7 +1503,7 @@
           <p:cNvPr id="6" name="Slide Number Placeholder 5">
             <a:extLst>
               <a:ext uri="{FF2B5EF4-FFF2-40B4-BE49-F238E27FC236}">
-                <a16:creationId xmlns:a16="http://schemas.microsoft.com/office/drawing/2014/main" id="{6D865987-67F3-82BA-9FFE-7A512551887E}"/>
+                <a16:creationId xmlns:a16="http://schemas.microsoft.com/office/drawing/2014/main" id="{78D6A67F-8469-E8AB-D35D-DEC64EA01BF9}"/>
               </a:ext>
             </a:extLst>
           </p:cNvPr>
@@ -3394,12 +1514,20 @@
             <p:ph type="sldNum" sz="quarter" idx="12"/>
           </p:nvPr>
         </p:nvSpPr>
-        <p:spPr/>
-        <p:txBody>
-          <a:bodyPr/>
-          <a:lstStyle/>
-          <a:p>
-            <a:fld id="{B46E5E13-EE34-439C-B49B-F0CB75B28E1B}" type="slidenum">
+        <p:spPr>
+          <a:xfrm>
+            <a:off x="8610600" y="6356350"/>
+            <a:ext cx="2743200" cy="365125"/>
+          </a:xfrm>
+          <a:prstGeom prst="rect">
+            <a:avLst/>
+          </a:prstGeom>
+        </p:spPr>
+        <p:txBody>
+          <a:bodyPr/>
+          <a:lstStyle/>
+          <a:p>
+            <a:fld id="{6C0014F0-3D1D-4459-A530-32E6C19AE461}" type="slidenum">
               <a:rPr lang="en-US" smtClean="0"/>
               <a:t>‹#›</a:t>
             </a:fld>
@@ -3410,7 +1538,7 @@
     </p:spTree>
     <p:extLst>
       <p:ext uri="{BB962C8B-B14F-4D97-AF65-F5344CB8AC3E}">
-        <p14:creationId xmlns:p14="http://schemas.microsoft.com/office/powerpoint/2010/main" val="3397068280"/>
+        <p14:creationId xmlns:p14="http://schemas.microsoft.com/office/powerpoint/2010/main" val="2389875780"/>
       </p:ext>
     </p:extLst>
   </p:cSld>
@@ -3442,7 +1570,7 @@
           <p:cNvPr id="2" name="Title 1">
             <a:extLst>
               <a:ext uri="{FF2B5EF4-FFF2-40B4-BE49-F238E27FC236}">
-                <a16:creationId xmlns:a16="http://schemas.microsoft.com/office/drawing/2014/main" id="{D7417273-9D16-5639-8844-46262C7A214A}"/>
+                <a16:creationId xmlns:a16="http://schemas.microsoft.com/office/drawing/2014/main" id="{BFB01EF5-6F0D-8686-CDD5-7DB43C9F613E}"/>
               </a:ext>
             </a:extLst>
           </p:cNvPr>
@@ -3453,7 +1581,15 @@
             <p:ph type="title"/>
           </p:nvPr>
         </p:nvSpPr>
-        <p:spPr/>
+        <p:spPr>
+          <a:xfrm>
+            <a:off x="602787" y="1498382"/>
+            <a:ext cx="10515600" cy="1325563"/>
+          </a:xfrm>
+          <a:prstGeom prst="rect">
+            <a:avLst/>
+          </a:prstGeom>
+        </p:spPr>
         <p:txBody>
           <a:bodyPr/>
           <a:lstStyle/>
@@ -3470,7 +1606,7 @@
           <p:cNvPr id="3" name="Content Placeholder 2">
             <a:extLst>
               <a:ext uri="{FF2B5EF4-FFF2-40B4-BE49-F238E27FC236}">
-                <a16:creationId xmlns:a16="http://schemas.microsoft.com/office/drawing/2014/main" id="{B0CB97D0-5920-4A0C-455B-784B34D523CD}"/>
+                <a16:creationId xmlns:a16="http://schemas.microsoft.com/office/drawing/2014/main" id="{2ED595E2-3C65-7E01-6223-574BF8FB8119}"/>
               </a:ext>
             </a:extLst>
           </p:cNvPr>
@@ -3486,6 +1622,9 @@
             <a:off x="838200" y="1825625"/>
             <a:ext cx="5181600" cy="4351338"/>
           </a:xfrm>
+          <a:prstGeom prst="rect">
+            <a:avLst/>
+          </a:prstGeom>
         </p:spPr>
         <p:txBody>
           <a:bodyPr/>
@@ -3532,7 +1671,7 @@
           <p:cNvPr id="4" name="Content Placeholder 3">
             <a:extLst>
               <a:ext uri="{FF2B5EF4-FFF2-40B4-BE49-F238E27FC236}">
-                <a16:creationId xmlns:a16="http://schemas.microsoft.com/office/drawing/2014/main" id="{49C5FDBC-D200-7F14-85E8-2B208477DAF9}"/>
+                <a16:creationId xmlns:a16="http://schemas.microsoft.com/office/drawing/2014/main" id="{DFDA5243-FD59-824D-9801-C6A7FC40AD32}"/>
               </a:ext>
             </a:extLst>
           </p:cNvPr>
@@ -3548,6 +1687,9 @@
             <a:off x="6172200" y="1825625"/>
             <a:ext cx="5181600" cy="4351338"/>
           </a:xfrm>
+          <a:prstGeom prst="rect">
+            <a:avLst/>
+          </a:prstGeom>
         </p:spPr>
         <p:txBody>
           <a:bodyPr/>
@@ -3594,7 +1736,7 @@
           <p:cNvPr id="5" name="Date Placeholder 4">
             <a:extLst>
               <a:ext uri="{FF2B5EF4-FFF2-40B4-BE49-F238E27FC236}">
-                <a16:creationId xmlns:a16="http://schemas.microsoft.com/office/drawing/2014/main" id="{9C0A7D34-EDD4-2B7C-7597-31E5AE2E8BD6}"/>
+                <a16:creationId xmlns:a16="http://schemas.microsoft.com/office/drawing/2014/main" id="{BB0B0631-5586-E8EE-C280-1DC0A64D54C9}"/>
               </a:ext>
             </a:extLst>
           </p:cNvPr>
@@ -3605,14 +1747,22 @@
             <p:ph type="dt" sz="half" idx="10"/>
           </p:nvPr>
         </p:nvSpPr>
-        <p:spPr/>
-        <p:txBody>
-          <a:bodyPr/>
-          <a:lstStyle/>
-          <a:p>
-            <a:fld id="{7F6AFD48-C472-404E-B7B5-BA44CCF2F55D}" type="datetime1">
+        <p:spPr>
+          <a:xfrm>
+            <a:off x="838200" y="6445249"/>
+            <a:ext cx="2743200" cy="365125"/>
+          </a:xfrm>
+          <a:prstGeom prst="rect">
+            <a:avLst/>
+          </a:prstGeom>
+        </p:spPr>
+        <p:txBody>
+          <a:bodyPr/>
+          <a:lstStyle/>
+          <a:p>
+            <a:fld id="{71087A05-F855-4434-8DDE-39A8542098A6}" type="datetimeFigureOut">
               <a:rPr lang="en-US" smtClean="0"/>
-              <a:t>10/10/2024</a:t>
+              <a:t>11/21/2024</a:t>
             </a:fld>
             <a:endParaRPr lang="en-US"/>
           </a:p>
@@ -3623,7 +1773,7 @@
           <p:cNvPr id="6" name="Footer Placeholder 5">
             <a:extLst>
               <a:ext uri="{FF2B5EF4-FFF2-40B4-BE49-F238E27FC236}">
-                <a16:creationId xmlns:a16="http://schemas.microsoft.com/office/drawing/2014/main" id="{001C50E6-D64B-52FC-1719-552ED73B243D}"/>
+                <a16:creationId xmlns:a16="http://schemas.microsoft.com/office/drawing/2014/main" id="{4C7022BC-4356-2E12-5FFC-95893C9539C6}"/>
               </a:ext>
             </a:extLst>
           </p:cNvPr>
@@ -3634,7 +1784,15 @@
             <p:ph type="ftr" sz="quarter" idx="11"/>
           </p:nvPr>
         </p:nvSpPr>
-        <p:spPr/>
+        <p:spPr>
+          <a:xfrm>
+            <a:off x="4038600" y="6356350"/>
+            <a:ext cx="4114800" cy="365125"/>
+          </a:xfrm>
+          <a:prstGeom prst="rect">
+            <a:avLst/>
+          </a:prstGeom>
+        </p:spPr>
         <p:txBody>
           <a:bodyPr/>
           <a:lstStyle/>
@@ -3648,7 +1806,7 @@
           <p:cNvPr id="7" name="Slide Number Placeholder 6">
             <a:extLst>
               <a:ext uri="{FF2B5EF4-FFF2-40B4-BE49-F238E27FC236}">
-                <a16:creationId xmlns:a16="http://schemas.microsoft.com/office/drawing/2014/main" id="{159CBFED-25BE-7153-12B4-D0E8588920D3}"/>
+                <a16:creationId xmlns:a16="http://schemas.microsoft.com/office/drawing/2014/main" id="{2F6F0616-5185-D339-BFDE-0E16B9960312}"/>
               </a:ext>
             </a:extLst>
           </p:cNvPr>
@@ -3659,12 +1817,20 @@
             <p:ph type="sldNum" sz="quarter" idx="12"/>
           </p:nvPr>
         </p:nvSpPr>
-        <p:spPr/>
-        <p:txBody>
-          <a:bodyPr/>
-          <a:lstStyle/>
-          <a:p>
-            <a:fld id="{B46E5E13-EE34-439C-B49B-F0CB75B28E1B}" type="slidenum">
+        <p:spPr>
+          <a:xfrm>
+            <a:off x="8610600" y="6356350"/>
+            <a:ext cx="2743200" cy="365125"/>
+          </a:xfrm>
+          <a:prstGeom prst="rect">
+            <a:avLst/>
+          </a:prstGeom>
+        </p:spPr>
+        <p:txBody>
+          <a:bodyPr/>
+          <a:lstStyle/>
+          <a:p>
+            <a:fld id="{6C0014F0-3D1D-4459-A530-32E6C19AE461}" type="slidenum">
               <a:rPr lang="en-US" smtClean="0"/>
               <a:t>‹#›</a:t>
             </a:fld>
@@ -3675,7 +1841,7 @@
     </p:spTree>
     <p:extLst>
       <p:ext uri="{BB962C8B-B14F-4D97-AF65-F5344CB8AC3E}">
-        <p14:creationId xmlns:p14="http://schemas.microsoft.com/office/powerpoint/2010/main" val="239742289"/>
+        <p14:creationId xmlns:p14="http://schemas.microsoft.com/office/powerpoint/2010/main" val="1597145891"/>
       </p:ext>
     </p:extLst>
   </p:cSld>
@@ -3707,7 +1873,7 @@
           <p:cNvPr id="2" name="Title 1">
             <a:extLst>
               <a:ext uri="{FF2B5EF4-FFF2-40B4-BE49-F238E27FC236}">
-                <a16:creationId xmlns:a16="http://schemas.microsoft.com/office/drawing/2014/main" id="{4EC51817-320C-EB58-D57C-AAA586C0053E}"/>
+                <a16:creationId xmlns:a16="http://schemas.microsoft.com/office/drawing/2014/main" id="{0AADFFED-E59B-6D4E-6B64-0F5B746DEB96}"/>
               </a:ext>
             </a:extLst>
           </p:cNvPr>
@@ -3723,6 +1889,9 @@
             <a:off x="839788" y="365125"/>
             <a:ext cx="10515600" cy="1325563"/>
           </a:xfrm>
+          <a:prstGeom prst="rect">
+            <a:avLst/>
+          </a:prstGeom>
         </p:spPr>
         <p:txBody>
           <a:bodyPr/>
@@ -3740,7 +1909,7 @@
           <p:cNvPr id="3" name="Text Placeholder 2">
             <a:extLst>
               <a:ext uri="{FF2B5EF4-FFF2-40B4-BE49-F238E27FC236}">
-                <a16:creationId xmlns:a16="http://schemas.microsoft.com/office/drawing/2014/main" id="{21FF1CDE-5ED1-45BC-1BBF-82DBA76868F4}"/>
+                <a16:creationId xmlns:a16="http://schemas.microsoft.com/office/drawing/2014/main" id="{1D25BBE6-1C38-6614-EF63-AF608E55C235}"/>
               </a:ext>
             </a:extLst>
           </p:cNvPr>
@@ -3756,6 +1925,9 @@
             <a:off x="839788" y="1681163"/>
             <a:ext cx="5157787" cy="823912"/>
           </a:xfrm>
+          <a:prstGeom prst="rect">
+            <a:avLst/>
+          </a:prstGeom>
         </p:spPr>
         <p:txBody>
           <a:bodyPr anchor="b"/>
@@ -3811,7 +1983,7 @@
           <p:cNvPr id="4" name="Content Placeholder 3">
             <a:extLst>
               <a:ext uri="{FF2B5EF4-FFF2-40B4-BE49-F238E27FC236}">
-                <a16:creationId xmlns:a16="http://schemas.microsoft.com/office/drawing/2014/main" id="{CB45744E-8CC8-1B85-F492-6648EB8A9996}"/>
+                <a16:creationId xmlns:a16="http://schemas.microsoft.com/office/drawing/2014/main" id="{D639AC2E-A378-9E93-69F7-FF92F43FC3A8}"/>
               </a:ext>
             </a:extLst>
           </p:cNvPr>
@@ -3827,6 +1999,9 @@
             <a:off x="839788" y="2505075"/>
             <a:ext cx="5157787" cy="3684588"/>
           </a:xfrm>
+          <a:prstGeom prst="rect">
+            <a:avLst/>
+          </a:prstGeom>
         </p:spPr>
         <p:txBody>
           <a:bodyPr/>
@@ -3873,7 +2048,7 @@
           <p:cNvPr id="5" name="Text Placeholder 4">
             <a:extLst>
               <a:ext uri="{FF2B5EF4-FFF2-40B4-BE49-F238E27FC236}">
-                <a16:creationId xmlns:a16="http://schemas.microsoft.com/office/drawing/2014/main" id="{E073266C-0D92-527A-30E1-7ECDD28C0F91}"/>
+                <a16:creationId xmlns:a16="http://schemas.microsoft.com/office/drawing/2014/main" id="{E57BF240-C80B-E670-B12B-8BCBA850E04F}"/>
               </a:ext>
             </a:extLst>
           </p:cNvPr>
@@ -3889,6 +2064,9 @@
             <a:off x="6172200" y="1681163"/>
             <a:ext cx="5183188" cy="823912"/>
           </a:xfrm>
+          <a:prstGeom prst="rect">
+            <a:avLst/>
+          </a:prstGeom>
         </p:spPr>
         <p:txBody>
           <a:bodyPr anchor="b"/>
@@ -3944,7 +2122,7 @@
           <p:cNvPr id="6" name="Content Placeholder 5">
             <a:extLst>
               <a:ext uri="{FF2B5EF4-FFF2-40B4-BE49-F238E27FC236}">
-                <a16:creationId xmlns:a16="http://schemas.microsoft.com/office/drawing/2014/main" id="{1E10B574-E76B-4DE3-3CFA-1190E252BA61}"/>
+                <a16:creationId xmlns:a16="http://schemas.microsoft.com/office/drawing/2014/main" id="{6AB0FB7E-A75F-AB8B-3217-710BBB592FB3}"/>
               </a:ext>
             </a:extLst>
           </p:cNvPr>
@@ -3960,6 +2138,9 @@
             <a:off x="6172200" y="2505075"/>
             <a:ext cx="5183188" cy="3684588"/>
           </a:xfrm>
+          <a:prstGeom prst="rect">
+            <a:avLst/>
+          </a:prstGeom>
         </p:spPr>
         <p:txBody>
           <a:bodyPr/>
@@ -4006,7 +2187,7 @@
           <p:cNvPr id="7" name="Date Placeholder 6">
             <a:extLst>
               <a:ext uri="{FF2B5EF4-FFF2-40B4-BE49-F238E27FC236}">
-                <a16:creationId xmlns:a16="http://schemas.microsoft.com/office/drawing/2014/main" id="{B22F13C7-15CB-D0AD-592A-4574F62CF3CA}"/>
+                <a16:creationId xmlns:a16="http://schemas.microsoft.com/office/drawing/2014/main" id="{BBAC691C-E8A1-E4A4-391E-3EA19AE5DF7A}"/>
               </a:ext>
             </a:extLst>
           </p:cNvPr>
@@ -4017,14 +2198,22 @@
             <p:ph type="dt" sz="half" idx="10"/>
           </p:nvPr>
         </p:nvSpPr>
-        <p:spPr/>
-        <p:txBody>
-          <a:bodyPr/>
-          <a:lstStyle/>
-          <a:p>
-            <a:fld id="{B33F52E9-9255-4CAF-909C-660126F1B079}" type="datetime1">
+        <p:spPr>
+          <a:xfrm>
+            <a:off x="838200" y="6445249"/>
+            <a:ext cx="2743200" cy="365125"/>
+          </a:xfrm>
+          <a:prstGeom prst="rect">
+            <a:avLst/>
+          </a:prstGeom>
+        </p:spPr>
+        <p:txBody>
+          <a:bodyPr/>
+          <a:lstStyle/>
+          <a:p>
+            <a:fld id="{71087A05-F855-4434-8DDE-39A8542098A6}" type="datetimeFigureOut">
               <a:rPr lang="en-US" smtClean="0"/>
-              <a:t>10/10/2024</a:t>
+              <a:t>11/21/2024</a:t>
             </a:fld>
             <a:endParaRPr lang="en-US"/>
           </a:p>
@@ -4035,7 +2224,7 @@
           <p:cNvPr id="8" name="Footer Placeholder 7">
             <a:extLst>
               <a:ext uri="{FF2B5EF4-FFF2-40B4-BE49-F238E27FC236}">
-                <a16:creationId xmlns:a16="http://schemas.microsoft.com/office/drawing/2014/main" id="{2F5F3798-7B61-5530-4CE3-C6CC264D0CAB}"/>
+                <a16:creationId xmlns:a16="http://schemas.microsoft.com/office/drawing/2014/main" id="{A5742DC8-1560-8BC0-2128-ACBD57240165}"/>
               </a:ext>
             </a:extLst>
           </p:cNvPr>
@@ -4046,7 +2235,15 @@
             <p:ph type="ftr" sz="quarter" idx="11"/>
           </p:nvPr>
         </p:nvSpPr>
-        <p:spPr/>
+        <p:spPr>
+          <a:xfrm>
+            <a:off x="4038600" y="6356350"/>
+            <a:ext cx="4114800" cy="365125"/>
+          </a:xfrm>
+          <a:prstGeom prst="rect">
+            <a:avLst/>
+          </a:prstGeom>
+        </p:spPr>
         <p:txBody>
           <a:bodyPr/>
           <a:lstStyle/>
@@ -4060,7 +2257,7 @@
           <p:cNvPr id="9" name="Slide Number Placeholder 8">
             <a:extLst>
               <a:ext uri="{FF2B5EF4-FFF2-40B4-BE49-F238E27FC236}">
-                <a16:creationId xmlns:a16="http://schemas.microsoft.com/office/drawing/2014/main" id="{DEA57831-0ADE-7493-7182-6249F4413808}"/>
+                <a16:creationId xmlns:a16="http://schemas.microsoft.com/office/drawing/2014/main" id="{589CBA34-0EA5-98FC-EEAA-0C1A44BA1CB5}"/>
               </a:ext>
             </a:extLst>
           </p:cNvPr>
@@ -4071,12 +2268,20 @@
             <p:ph type="sldNum" sz="quarter" idx="12"/>
           </p:nvPr>
         </p:nvSpPr>
-        <p:spPr/>
-        <p:txBody>
-          <a:bodyPr/>
-          <a:lstStyle/>
-          <a:p>
-            <a:fld id="{B46E5E13-EE34-439C-B49B-F0CB75B28E1B}" type="slidenum">
+        <p:spPr>
+          <a:xfrm>
+            <a:off x="8610600" y="6356350"/>
+            <a:ext cx="2743200" cy="365125"/>
+          </a:xfrm>
+          <a:prstGeom prst="rect">
+            <a:avLst/>
+          </a:prstGeom>
+        </p:spPr>
+        <p:txBody>
+          <a:bodyPr/>
+          <a:lstStyle/>
+          <a:p>
+            <a:fld id="{6C0014F0-3D1D-4459-A530-32E6C19AE461}" type="slidenum">
               <a:rPr lang="en-US" smtClean="0"/>
               <a:t>‹#›</a:t>
             </a:fld>
@@ -4087,7 +2292,7 @@
     </p:spTree>
     <p:extLst>
       <p:ext uri="{BB962C8B-B14F-4D97-AF65-F5344CB8AC3E}">
-        <p14:creationId xmlns:p14="http://schemas.microsoft.com/office/powerpoint/2010/main" val="847567891"/>
+        <p14:creationId xmlns:p14="http://schemas.microsoft.com/office/powerpoint/2010/main" val="205957926"/>
       </p:ext>
     </p:extLst>
   </p:cSld>
@@ -4119,7 +2324,7 @@
           <p:cNvPr id="2" name="Title 1">
             <a:extLst>
               <a:ext uri="{FF2B5EF4-FFF2-40B4-BE49-F238E27FC236}">
-                <a16:creationId xmlns:a16="http://schemas.microsoft.com/office/drawing/2014/main" id="{C51D6B86-2F64-08CA-8DAC-2D6D1CA3880D}"/>
+                <a16:creationId xmlns:a16="http://schemas.microsoft.com/office/drawing/2014/main" id="{DB1F5818-3C7C-015C-2483-1875C395B0BF}"/>
               </a:ext>
             </a:extLst>
           </p:cNvPr>
@@ -4130,7 +2335,15 @@
             <p:ph type="title"/>
           </p:nvPr>
         </p:nvSpPr>
-        <p:spPr/>
+        <p:spPr>
+          <a:xfrm>
+            <a:off x="602787" y="1498382"/>
+            <a:ext cx="10515600" cy="1325563"/>
+          </a:xfrm>
+          <a:prstGeom prst="rect">
+            <a:avLst/>
+          </a:prstGeom>
+        </p:spPr>
         <p:txBody>
           <a:bodyPr/>
           <a:lstStyle/>
@@ -4147,7 +2360,7 @@
           <p:cNvPr id="3" name="Date Placeholder 2">
             <a:extLst>
               <a:ext uri="{FF2B5EF4-FFF2-40B4-BE49-F238E27FC236}">
-                <a16:creationId xmlns:a16="http://schemas.microsoft.com/office/drawing/2014/main" id="{03C4A398-4A9D-A2A3-6474-1E420261434B}"/>
+                <a16:creationId xmlns:a16="http://schemas.microsoft.com/office/drawing/2014/main" id="{F223477C-97F9-76B1-065E-300F62DDCF99}"/>
               </a:ext>
             </a:extLst>
           </p:cNvPr>
@@ -4158,14 +2371,22 @@
             <p:ph type="dt" sz="half" idx="10"/>
           </p:nvPr>
         </p:nvSpPr>
-        <p:spPr/>
-        <p:txBody>
-          <a:bodyPr/>
-          <a:lstStyle/>
-          <a:p>
-            <a:fld id="{67F9F019-D13C-4797-8A9F-7B02D5B8121E}" type="datetime1">
+        <p:spPr>
+          <a:xfrm>
+            <a:off x="838200" y="6445249"/>
+            <a:ext cx="2743200" cy="365125"/>
+          </a:xfrm>
+          <a:prstGeom prst="rect">
+            <a:avLst/>
+          </a:prstGeom>
+        </p:spPr>
+        <p:txBody>
+          <a:bodyPr/>
+          <a:lstStyle/>
+          <a:p>
+            <a:fld id="{71087A05-F855-4434-8DDE-39A8542098A6}" type="datetimeFigureOut">
               <a:rPr lang="en-US" smtClean="0"/>
-              <a:t>10/10/2024</a:t>
+              <a:t>11/21/2024</a:t>
             </a:fld>
             <a:endParaRPr lang="en-US"/>
           </a:p>
@@ -4176,7 +2397,7 @@
           <p:cNvPr id="4" name="Footer Placeholder 3">
             <a:extLst>
               <a:ext uri="{FF2B5EF4-FFF2-40B4-BE49-F238E27FC236}">
-                <a16:creationId xmlns:a16="http://schemas.microsoft.com/office/drawing/2014/main" id="{1B329954-395E-06FF-D638-EC31477B4B60}"/>
+                <a16:creationId xmlns:a16="http://schemas.microsoft.com/office/drawing/2014/main" id="{725CCAE4-3361-9867-C2CA-9F8A178ED41C}"/>
               </a:ext>
             </a:extLst>
           </p:cNvPr>
@@ -4187,7 +2408,15 @@
             <p:ph type="ftr" sz="quarter" idx="11"/>
           </p:nvPr>
         </p:nvSpPr>
-        <p:spPr/>
+        <p:spPr>
+          <a:xfrm>
+            <a:off x="4038600" y="6356350"/>
+            <a:ext cx="4114800" cy="365125"/>
+          </a:xfrm>
+          <a:prstGeom prst="rect">
+            <a:avLst/>
+          </a:prstGeom>
+        </p:spPr>
         <p:txBody>
           <a:bodyPr/>
           <a:lstStyle/>
@@ -4201,7 +2430,7 @@
           <p:cNvPr id="5" name="Slide Number Placeholder 4">
             <a:extLst>
               <a:ext uri="{FF2B5EF4-FFF2-40B4-BE49-F238E27FC236}">
-                <a16:creationId xmlns:a16="http://schemas.microsoft.com/office/drawing/2014/main" id="{26A16BE0-3CF4-0FFF-42E9-C2ABCD5E1AB3}"/>
+                <a16:creationId xmlns:a16="http://schemas.microsoft.com/office/drawing/2014/main" id="{E42ECABF-B7A6-37FC-1091-0A6AE97D6725}"/>
               </a:ext>
             </a:extLst>
           </p:cNvPr>
@@ -4212,12 +2441,20 @@
             <p:ph type="sldNum" sz="quarter" idx="12"/>
           </p:nvPr>
         </p:nvSpPr>
-        <p:spPr/>
-        <p:txBody>
-          <a:bodyPr/>
-          <a:lstStyle/>
-          <a:p>
-            <a:fld id="{B46E5E13-EE34-439C-B49B-F0CB75B28E1B}" type="slidenum">
+        <p:spPr>
+          <a:xfrm>
+            <a:off x="8610600" y="6356350"/>
+            <a:ext cx="2743200" cy="365125"/>
+          </a:xfrm>
+          <a:prstGeom prst="rect">
+            <a:avLst/>
+          </a:prstGeom>
+        </p:spPr>
+        <p:txBody>
+          <a:bodyPr/>
+          <a:lstStyle/>
+          <a:p>
+            <a:fld id="{6C0014F0-3D1D-4459-A530-32E6C19AE461}" type="slidenum">
               <a:rPr lang="en-US" smtClean="0"/>
               <a:t>‹#›</a:t>
             </a:fld>
@@ -4228,7 +2465,7 @@
     </p:spTree>
     <p:extLst>
       <p:ext uri="{BB962C8B-B14F-4D97-AF65-F5344CB8AC3E}">
-        <p14:creationId xmlns:p14="http://schemas.microsoft.com/office/powerpoint/2010/main" val="2594811457"/>
+        <p14:creationId xmlns:p14="http://schemas.microsoft.com/office/powerpoint/2010/main" val="2477561557"/>
       </p:ext>
     </p:extLst>
   </p:cSld>
@@ -4260,7 +2497,7 @@
           <p:cNvPr id="2" name="Date Placeholder 1">
             <a:extLst>
               <a:ext uri="{FF2B5EF4-FFF2-40B4-BE49-F238E27FC236}">
-                <a16:creationId xmlns:a16="http://schemas.microsoft.com/office/drawing/2014/main" id="{AA5B9B0A-FA71-5C03-A207-2398589F58E9}"/>
+                <a16:creationId xmlns:a16="http://schemas.microsoft.com/office/drawing/2014/main" id="{E2C2A218-2D68-399E-5303-823F32D18A0A}"/>
               </a:ext>
             </a:extLst>
           </p:cNvPr>
@@ -4271,14 +2508,22 @@
             <p:ph type="dt" sz="half" idx="10"/>
           </p:nvPr>
         </p:nvSpPr>
-        <p:spPr/>
-        <p:txBody>
-          <a:bodyPr/>
-          <a:lstStyle/>
-          <a:p>
-            <a:fld id="{FDA143B9-A6C4-436D-945A-FF5B3EA2EF39}" type="datetime1">
+        <p:spPr>
+          <a:xfrm>
+            <a:off x="838200" y="6445249"/>
+            <a:ext cx="2743200" cy="365125"/>
+          </a:xfrm>
+          <a:prstGeom prst="rect">
+            <a:avLst/>
+          </a:prstGeom>
+        </p:spPr>
+        <p:txBody>
+          <a:bodyPr/>
+          <a:lstStyle/>
+          <a:p>
+            <a:fld id="{71087A05-F855-4434-8DDE-39A8542098A6}" type="datetimeFigureOut">
               <a:rPr lang="en-US" smtClean="0"/>
-              <a:t>10/10/2024</a:t>
+              <a:t>11/21/2024</a:t>
             </a:fld>
             <a:endParaRPr lang="en-US"/>
           </a:p>
@@ -4289,7 +2534,7 @@
           <p:cNvPr id="3" name="Footer Placeholder 2">
             <a:extLst>
               <a:ext uri="{FF2B5EF4-FFF2-40B4-BE49-F238E27FC236}">
-                <a16:creationId xmlns:a16="http://schemas.microsoft.com/office/drawing/2014/main" id="{5EEC7B99-A534-1835-A5BF-8993DDBD237D}"/>
+                <a16:creationId xmlns:a16="http://schemas.microsoft.com/office/drawing/2014/main" id="{41BB3505-96AE-D8F2-469A-F36E9DD155D5}"/>
               </a:ext>
             </a:extLst>
           </p:cNvPr>
@@ -4300,7 +2545,15 @@
             <p:ph type="ftr" sz="quarter" idx="11"/>
           </p:nvPr>
         </p:nvSpPr>
-        <p:spPr/>
+        <p:spPr>
+          <a:xfrm>
+            <a:off x="4038600" y="6356350"/>
+            <a:ext cx="4114800" cy="365125"/>
+          </a:xfrm>
+          <a:prstGeom prst="rect">
+            <a:avLst/>
+          </a:prstGeom>
+        </p:spPr>
         <p:txBody>
           <a:bodyPr/>
           <a:lstStyle/>
@@ -4314,7 +2567,7 @@
           <p:cNvPr id="4" name="Slide Number Placeholder 3">
             <a:extLst>
               <a:ext uri="{FF2B5EF4-FFF2-40B4-BE49-F238E27FC236}">
-                <a16:creationId xmlns:a16="http://schemas.microsoft.com/office/drawing/2014/main" id="{6E001977-30BB-D5A2-E565-94C0467FE0FD}"/>
+                <a16:creationId xmlns:a16="http://schemas.microsoft.com/office/drawing/2014/main" id="{47BA2558-EB65-5F2B-4DEB-5E332CDDC572}"/>
               </a:ext>
             </a:extLst>
           </p:cNvPr>
@@ -4325,12 +2578,20 @@
             <p:ph type="sldNum" sz="quarter" idx="12"/>
           </p:nvPr>
         </p:nvSpPr>
-        <p:spPr/>
-        <p:txBody>
-          <a:bodyPr/>
-          <a:lstStyle/>
-          <a:p>
-            <a:fld id="{B46E5E13-EE34-439C-B49B-F0CB75B28E1B}" type="slidenum">
+        <p:spPr>
+          <a:xfrm>
+            <a:off x="8610600" y="6356350"/>
+            <a:ext cx="2743200" cy="365125"/>
+          </a:xfrm>
+          <a:prstGeom prst="rect">
+            <a:avLst/>
+          </a:prstGeom>
+        </p:spPr>
+        <p:txBody>
+          <a:bodyPr/>
+          <a:lstStyle/>
+          <a:p>
+            <a:fld id="{6C0014F0-3D1D-4459-A530-32E6C19AE461}" type="slidenum">
               <a:rPr lang="en-US" smtClean="0"/>
               <a:t>‹#›</a:t>
             </a:fld>
@@ -4341,7 +2602,7 @@
     </p:spTree>
     <p:extLst>
       <p:ext uri="{BB962C8B-B14F-4D97-AF65-F5344CB8AC3E}">
-        <p14:creationId xmlns:p14="http://schemas.microsoft.com/office/powerpoint/2010/main" val="3457119493"/>
+        <p14:creationId xmlns:p14="http://schemas.microsoft.com/office/powerpoint/2010/main" val="632191323"/>
       </p:ext>
     </p:extLst>
   </p:cSld>
@@ -4373,7 +2634,7 @@
           <p:cNvPr id="2" name="Title 1">
             <a:extLst>
               <a:ext uri="{FF2B5EF4-FFF2-40B4-BE49-F238E27FC236}">
-                <a16:creationId xmlns:a16="http://schemas.microsoft.com/office/drawing/2014/main" id="{AC38A989-6857-707E-A17F-8A83A6144698}"/>
+                <a16:creationId xmlns:a16="http://schemas.microsoft.com/office/drawing/2014/main" id="{E731290A-4FEE-1487-F6FC-152481239225}"/>
               </a:ext>
             </a:extLst>
           </p:cNvPr>
@@ -4389,6 +2650,9 @@
             <a:off x="839788" y="457200"/>
             <a:ext cx="3932237" cy="1600200"/>
           </a:xfrm>
+          <a:prstGeom prst="rect">
+            <a:avLst/>
+          </a:prstGeom>
         </p:spPr>
         <p:txBody>
           <a:bodyPr anchor="b"/>
@@ -4410,7 +2674,7 @@
           <p:cNvPr id="3" name="Content Placeholder 2">
             <a:extLst>
               <a:ext uri="{FF2B5EF4-FFF2-40B4-BE49-F238E27FC236}">
-                <a16:creationId xmlns:a16="http://schemas.microsoft.com/office/drawing/2014/main" id="{D3A3E0C8-FA9B-6F55-E988-D7B8ADBC9C21}"/>
+                <a16:creationId xmlns:a16="http://schemas.microsoft.com/office/drawing/2014/main" id="{3FD49862-968E-6027-1E22-A84213937FC4}"/>
               </a:ext>
             </a:extLst>
           </p:cNvPr>
@@ -4426,6 +2690,9 @@
             <a:off x="5183188" y="987425"/>
             <a:ext cx="6172200" cy="4873625"/>
           </a:xfrm>
+          <a:prstGeom prst="rect">
+            <a:avLst/>
+          </a:prstGeom>
         </p:spPr>
         <p:txBody>
           <a:bodyPr/>
@@ -4500,7 +2767,7 @@
           <p:cNvPr id="4" name="Text Placeholder 3">
             <a:extLst>
               <a:ext uri="{FF2B5EF4-FFF2-40B4-BE49-F238E27FC236}">
-                <a16:creationId xmlns:a16="http://schemas.microsoft.com/office/drawing/2014/main" id="{FC649A31-16E4-3C58-CFAF-870BE9A231C8}"/>
+                <a16:creationId xmlns:a16="http://schemas.microsoft.com/office/drawing/2014/main" id="{DDD75452-B3CD-E4D7-2EEB-4D8E7A55BA47}"/>
               </a:ext>
             </a:extLst>
           </p:cNvPr>
@@ -4516,6 +2783,9 @@
             <a:off x="839788" y="2057400"/>
             <a:ext cx="3932237" cy="3811588"/>
           </a:xfrm>
+          <a:prstGeom prst="rect">
+            <a:avLst/>
+          </a:prstGeom>
         </p:spPr>
         <p:txBody>
           <a:bodyPr/>
@@ -4571,7 +2841,7 @@
           <p:cNvPr id="5" name="Date Placeholder 4">
             <a:extLst>
               <a:ext uri="{FF2B5EF4-FFF2-40B4-BE49-F238E27FC236}">
-                <a16:creationId xmlns:a16="http://schemas.microsoft.com/office/drawing/2014/main" id="{5999608F-F9E6-C047-FAFD-5BD962E36788}"/>
+                <a16:creationId xmlns:a16="http://schemas.microsoft.com/office/drawing/2014/main" id="{E910F3D6-85F4-16D5-02EC-B52A50D1363C}"/>
               </a:ext>
             </a:extLst>
           </p:cNvPr>
@@ -4582,14 +2852,22 @@
             <p:ph type="dt" sz="half" idx="10"/>
           </p:nvPr>
         </p:nvSpPr>
-        <p:spPr/>
-        <p:txBody>
-          <a:bodyPr/>
-          <a:lstStyle/>
-          <a:p>
-            <a:fld id="{457E18FE-B6F9-4F6A-835B-8251F04458A0}" type="datetime1">
+        <p:spPr>
+          <a:xfrm>
+            <a:off x="838200" y="6445249"/>
+            <a:ext cx="2743200" cy="365125"/>
+          </a:xfrm>
+          <a:prstGeom prst="rect">
+            <a:avLst/>
+          </a:prstGeom>
+        </p:spPr>
+        <p:txBody>
+          <a:bodyPr/>
+          <a:lstStyle/>
+          <a:p>
+            <a:fld id="{71087A05-F855-4434-8DDE-39A8542098A6}" type="datetimeFigureOut">
               <a:rPr lang="en-US" smtClean="0"/>
-              <a:t>10/10/2024</a:t>
+              <a:t>11/21/2024</a:t>
             </a:fld>
             <a:endParaRPr lang="en-US"/>
           </a:p>
@@ -4600,7 +2878,7 @@
           <p:cNvPr id="6" name="Footer Placeholder 5">
             <a:extLst>
               <a:ext uri="{FF2B5EF4-FFF2-40B4-BE49-F238E27FC236}">
-                <a16:creationId xmlns:a16="http://schemas.microsoft.com/office/drawing/2014/main" id="{E1D5DC43-2068-E43E-0C96-6105FF141340}"/>
+                <a16:creationId xmlns:a16="http://schemas.microsoft.com/office/drawing/2014/main" id="{FA7DC6C8-71E8-B7D5-9A82-0FA963F35B00}"/>
               </a:ext>
             </a:extLst>
           </p:cNvPr>
@@ -4611,7 +2889,15 @@
             <p:ph type="ftr" sz="quarter" idx="11"/>
           </p:nvPr>
         </p:nvSpPr>
-        <p:spPr/>
+        <p:spPr>
+          <a:xfrm>
+            <a:off x="4038600" y="6356350"/>
+            <a:ext cx="4114800" cy="365125"/>
+          </a:xfrm>
+          <a:prstGeom prst="rect">
+            <a:avLst/>
+          </a:prstGeom>
+        </p:spPr>
         <p:txBody>
           <a:bodyPr/>
           <a:lstStyle/>
@@ -4625,7 +2911,7 @@
           <p:cNvPr id="7" name="Slide Number Placeholder 6">
             <a:extLst>
               <a:ext uri="{FF2B5EF4-FFF2-40B4-BE49-F238E27FC236}">
-                <a16:creationId xmlns:a16="http://schemas.microsoft.com/office/drawing/2014/main" id="{07714F4E-989B-09B5-9809-BA4CDB940F1A}"/>
+                <a16:creationId xmlns:a16="http://schemas.microsoft.com/office/drawing/2014/main" id="{33AEBF5B-81ED-5FC8-76EE-E85F459B2D2B}"/>
               </a:ext>
             </a:extLst>
           </p:cNvPr>
@@ -4636,12 +2922,20 @@
             <p:ph type="sldNum" sz="quarter" idx="12"/>
           </p:nvPr>
         </p:nvSpPr>
-        <p:spPr/>
-        <p:txBody>
-          <a:bodyPr/>
-          <a:lstStyle/>
-          <a:p>
-            <a:fld id="{B46E5E13-EE34-439C-B49B-F0CB75B28E1B}" type="slidenum">
+        <p:spPr>
+          <a:xfrm>
+            <a:off x="8610600" y="6356350"/>
+            <a:ext cx="2743200" cy="365125"/>
+          </a:xfrm>
+          <a:prstGeom prst="rect">
+            <a:avLst/>
+          </a:prstGeom>
+        </p:spPr>
+        <p:txBody>
+          <a:bodyPr/>
+          <a:lstStyle/>
+          <a:p>
+            <a:fld id="{6C0014F0-3D1D-4459-A530-32E6C19AE461}" type="slidenum">
               <a:rPr lang="en-US" smtClean="0"/>
               <a:t>‹#›</a:t>
             </a:fld>
@@ -4652,7 +2946,7 @@
     </p:spTree>
     <p:extLst>
       <p:ext uri="{BB962C8B-B14F-4D97-AF65-F5344CB8AC3E}">
-        <p14:creationId xmlns:p14="http://schemas.microsoft.com/office/powerpoint/2010/main" val="3331387570"/>
+        <p14:creationId xmlns:p14="http://schemas.microsoft.com/office/powerpoint/2010/main" val="740176455"/>
       </p:ext>
     </p:extLst>
   </p:cSld>
@@ -4684,7 +2978,7 @@
           <p:cNvPr id="2" name="Title 1">
             <a:extLst>
               <a:ext uri="{FF2B5EF4-FFF2-40B4-BE49-F238E27FC236}">
-                <a16:creationId xmlns:a16="http://schemas.microsoft.com/office/drawing/2014/main" id="{3355A176-7BDB-BCDB-D1C0-7943D50F9B44}"/>
+                <a16:creationId xmlns:a16="http://schemas.microsoft.com/office/drawing/2014/main" id="{640090C6-958A-8F1E-AAA5-6F70ABB1D9F3}"/>
               </a:ext>
             </a:extLst>
           </p:cNvPr>
@@ -4700,6 +2994,9 @@
             <a:off x="839788" y="457200"/>
             <a:ext cx="3932237" cy="1600200"/>
           </a:xfrm>
+          <a:prstGeom prst="rect">
+            <a:avLst/>
+          </a:prstGeom>
         </p:spPr>
         <p:txBody>
           <a:bodyPr anchor="b"/>
@@ -4721,7 +3018,7 @@
           <p:cNvPr id="3" name="Picture Placeholder 2">
             <a:extLst>
               <a:ext uri="{FF2B5EF4-FFF2-40B4-BE49-F238E27FC236}">
-                <a16:creationId xmlns:a16="http://schemas.microsoft.com/office/drawing/2014/main" id="{B68408D7-61D1-185C-72B8-001F411FC6F7}"/>
+                <a16:creationId xmlns:a16="http://schemas.microsoft.com/office/drawing/2014/main" id="{3302DF14-CA9B-4C85-16D1-AE914D7EB7E7}"/>
               </a:ext>
             </a:extLst>
           </p:cNvPr>
@@ -4737,6 +3034,9 @@
             <a:off x="5183188" y="987425"/>
             <a:ext cx="6172200" cy="4873625"/>
           </a:xfrm>
+          <a:prstGeom prst="rect">
+            <a:avLst/>
+          </a:prstGeom>
         </p:spPr>
         <p:txBody>
           <a:bodyPr/>
@@ -4779,7 +3079,10 @@
             </a:lvl9pPr>
           </a:lstStyle>
           <a:p>
-            <a:endParaRPr lang="en-US"/>
+            <a:r>
+              <a:rPr lang="en-US"/>
+              <a:t>Click icon to add picture</a:t>
+            </a:r>
           </a:p>
         </p:txBody>
       </p:sp>
@@ -4788,7 +3091,7 @@
           <p:cNvPr id="4" name="Text Placeholder 3">
             <a:extLst>
               <a:ext uri="{FF2B5EF4-FFF2-40B4-BE49-F238E27FC236}">
-                <a16:creationId xmlns:a16="http://schemas.microsoft.com/office/drawing/2014/main" id="{390B86E7-BC7A-324F-5231-BB8844695F10}"/>
+                <a16:creationId xmlns:a16="http://schemas.microsoft.com/office/drawing/2014/main" id="{449386B6-C485-3496-A8CD-9C25B60A4255}"/>
               </a:ext>
             </a:extLst>
           </p:cNvPr>
@@ -4804,6 +3107,9 @@
             <a:off x="839788" y="2057400"/>
             <a:ext cx="3932237" cy="3811588"/>
           </a:xfrm>
+          <a:prstGeom prst="rect">
+            <a:avLst/>
+          </a:prstGeom>
         </p:spPr>
         <p:txBody>
           <a:bodyPr/>
@@ -4859,7 +3165,7 @@
           <p:cNvPr id="5" name="Date Placeholder 4">
             <a:extLst>
               <a:ext uri="{FF2B5EF4-FFF2-40B4-BE49-F238E27FC236}">
-                <a16:creationId xmlns:a16="http://schemas.microsoft.com/office/drawing/2014/main" id="{CA9F4411-F5FF-7DD9-8280-4EAE80811D9F}"/>
+                <a16:creationId xmlns:a16="http://schemas.microsoft.com/office/drawing/2014/main" id="{DBD5F565-8080-7E82-246E-1EDDAAC2C236}"/>
               </a:ext>
             </a:extLst>
           </p:cNvPr>
@@ -4870,14 +3176,22 @@
             <p:ph type="dt" sz="half" idx="10"/>
           </p:nvPr>
         </p:nvSpPr>
-        <p:spPr/>
-        <p:txBody>
-          <a:bodyPr/>
-          <a:lstStyle/>
-          <a:p>
-            <a:fld id="{5F2690CE-112A-455B-AD5F-E26CEA6A5331}" type="datetime1">
+        <p:spPr>
+          <a:xfrm>
+            <a:off x="838200" y="6445249"/>
+            <a:ext cx="2743200" cy="365125"/>
+          </a:xfrm>
+          <a:prstGeom prst="rect">
+            <a:avLst/>
+          </a:prstGeom>
+        </p:spPr>
+        <p:txBody>
+          <a:bodyPr/>
+          <a:lstStyle/>
+          <a:p>
+            <a:fld id="{71087A05-F855-4434-8DDE-39A8542098A6}" type="datetimeFigureOut">
               <a:rPr lang="en-US" smtClean="0"/>
-              <a:t>10/10/2024</a:t>
+              <a:t>11/21/2024</a:t>
             </a:fld>
             <a:endParaRPr lang="en-US"/>
           </a:p>
@@ -4888,7 +3202,7 @@
           <p:cNvPr id="6" name="Footer Placeholder 5">
             <a:extLst>
               <a:ext uri="{FF2B5EF4-FFF2-40B4-BE49-F238E27FC236}">
-                <a16:creationId xmlns:a16="http://schemas.microsoft.com/office/drawing/2014/main" id="{BD00158C-2DC0-C40D-E476-8D815E2210E6}"/>
+                <a16:creationId xmlns:a16="http://schemas.microsoft.com/office/drawing/2014/main" id="{C9E12A3F-827C-0539-3AFC-062DDE283567}"/>
               </a:ext>
             </a:extLst>
           </p:cNvPr>
@@ -4899,7 +3213,15 @@
             <p:ph type="ftr" sz="quarter" idx="11"/>
           </p:nvPr>
         </p:nvSpPr>
-        <p:spPr/>
+        <p:spPr>
+          <a:xfrm>
+            <a:off x="4038600" y="6356350"/>
+            <a:ext cx="4114800" cy="365125"/>
+          </a:xfrm>
+          <a:prstGeom prst="rect">
+            <a:avLst/>
+          </a:prstGeom>
+        </p:spPr>
         <p:txBody>
           <a:bodyPr/>
           <a:lstStyle/>
@@ -4913,7 +3235,7 @@
           <p:cNvPr id="7" name="Slide Number Placeholder 6">
             <a:extLst>
               <a:ext uri="{FF2B5EF4-FFF2-40B4-BE49-F238E27FC236}">
-                <a16:creationId xmlns:a16="http://schemas.microsoft.com/office/drawing/2014/main" id="{E47CEA17-958B-3F11-0DD0-F3DB57410690}"/>
+                <a16:creationId xmlns:a16="http://schemas.microsoft.com/office/drawing/2014/main" id="{516B4C84-F522-0893-1790-EF8E720A114E}"/>
               </a:ext>
             </a:extLst>
           </p:cNvPr>
@@ -4924,12 +3246,20 @@
             <p:ph type="sldNum" sz="quarter" idx="12"/>
           </p:nvPr>
         </p:nvSpPr>
-        <p:spPr/>
-        <p:txBody>
-          <a:bodyPr/>
-          <a:lstStyle/>
-          <a:p>
-            <a:fld id="{B46E5E13-EE34-439C-B49B-F0CB75B28E1B}" type="slidenum">
+        <p:spPr>
+          <a:xfrm>
+            <a:off x="8610600" y="6356350"/>
+            <a:ext cx="2743200" cy="365125"/>
+          </a:xfrm>
+          <a:prstGeom prst="rect">
+            <a:avLst/>
+          </a:prstGeom>
+        </p:spPr>
+        <p:txBody>
+          <a:bodyPr/>
+          <a:lstStyle/>
+          <a:p>
+            <a:fld id="{6C0014F0-3D1D-4459-A530-32E6C19AE461}" type="slidenum">
               <a:rPr lang="en-US" smtClean="0"/>
               <a:t>‹#›</a:t>
             </a:fld>
@@ -4940,7 +3270,7 @@
     </p:spTree>
     <p:extLst>
       <p:ext uri="{BB962C8B-B14F-4D97-AF65-F5344CB8AC3E}">
-        <p14:creationId xmlns:p14="http://schemas.microsoft.com/office/powerpoint/2010/main" val="1744603036"/>
+        <p14:creationId xmlns:p14="http://schemas.microsoft.com/office/powerpoint/2010/main" val="2266235175"/>
       </p:ext>
     </p:extLst>
   </p:cSld>
@@ -4972,244 +3302,131 @@
           <a:chExt cx="0" cy="0"/>
         </a:xfrm>
       </p:grpSpPr>
-      <p:sp>
-        <p:nvSpPr>
-          <p:cNvPr id="2" name="Title Placeholder 1">
-            <a:extLst>
-              <a:ext uri="{FF2B5EF4-FFF2-40B4-BE49-F238E27FC236}">
-                <a16:creationId xmlns:a16="http://schemas.microsoft.com/office/drawing/2014/main" id="{DADBBF7B-0A87-603A-6F96-ED995D2876BC}"/>
-              </a:ext>
-            </a:extLst>
-          </p:cNvPr>
-          <p:cNvSpPr>
-            <a:spLocks noGrp="1"/>
-          </p:cNvSpPr>
-          <p:nvPr>
-            <p:ph type="title"/>
-          </p:nvPr>
-        </p:nvSpPr>
-        <p:spPr>
-          <a:xfrm>
-            <a:off x="838200" y="365125"/>
-            <a:ext cx="10515600" cy="1325563"/>
-          </a:xfrm>
-          <a:prstGeom prst="rect">
-            <a:avLst/>
-          </a:prstGeom>
-        </p:spPr>
-        <p:txBody>
-          <a:bodyPr vert="horz" lIns="91440" tIns="45720" rIns="91440" bIns="45720" rtlCol="0" anchor="ctr">
-            <a:normAutofit/>
-          </a:bodyPr>
-          <a:lstStyle/>
-          <a:p>
-            <a:r>
-              <a:rPr lang="en-US"/>
-              <a:t>Click to edit Master title style</a:t>
-            </a:r>
-          </a:p>
-        </p:txBody>
-      </p:sp>
-      <p:sp>
-        <p:nvSpPr>
-          <p:cNvPr id="3" name="Text Placeholder 2">
-            <a:extLst>
-              <a:ext uri="{FF2B5EF4-FFF2-40B4-BE49-F238E27FC236}">
-                <a16:creationId xmlns:a16="http://schemas.microsoft.com/office/drawing/2014/main" id="{1EBB9990-0CBB-2977-C631-37F97EB6D7A7}"/>
-              </a:ext>
-            </a:extLst>
-          </p:cNvPr>
-          <p:cNvSpPr>
-            <a:spLocks noGrp="1"/>
-          </p:cNvSpPr>
-          <p:nvPr>
-            <p:ph type="body" idx="1"/>
-          </p:nvPr>
-        </p:nvSpPr>
-        <p:spPr>
-          <a:xfrm>
-            <a:off x="838200" y="1825625"/>
-            <a:ext cx="10515600" cy="4351338"/>
-          </a:xfrm>
-          <a:prstGeom prst="rect">
-            <a:avLst/>
-          </a:prstGeom>
-        </p:spPr>
-        <p:txBody>
-          <a:bodyPr vert="horz" lIns="91440" tIns="45720" rIns="91440" bIns="45720" rtlCol="0">
-            <a:normAutofit/>
-          </a:bodyPr>
-          <a:lstStyle/>
-          <a:p>
-            <a:pPr lvl="0"/>
-            <a:r>
-              <a:rPr lang="en-US"/>
-              <a:t>Click to edit Master text styles</a:t>
-            </a:r>
-          </a:p>
-          <a:p>
-            <a:pPr lvl="1"/>
-            <a:r>
-              <a:rPr lang="en-US"/>
-              <a:t>Second level</a:t>
-            </a:r>
-          </a:p>
-          <a:p>
-            <a:pPr lvl="2"/>
-            <a:r>
-              <a:rPr lang="en-US"/>
-              <a:t>Third level</a:t>
-            </a:r>
-          </a:p>
-          <a:p>
-            <a:pPr lvl="3"/>
-            <a:r>
-              <a:rPr lang="en-US"/>
-              <a:t>Fourth level</a:t>
-            </a:r>
-          </a:p>
-          <a:p>
-            <a:pPr lvl="4"/>
-            <a:r>
-              <a:rPr lang="en-US"/>
-              <a:t>Fifth level</a:t>
-            </a:r>
-          </a:p>
-        </p:txBody>
-      </p:sp>
-      <p:sp>
-        <p:nvSpPr>
-          <p:cNvPr id="4" name="Date Placeholder 3">
-            <a:extLst>
-              <a:ext uri="{FF2B5EF4-FFF2-40B4-BE49-F238E27FC236}">
-                <a16:creationId xmlns:a16="http://schemas.microsoft.com/office/drawing/2014/main" id="{F336638E-F817-1BC9-ECB7-18071DC44D12}"/>
-              </a:ext>
-            </a:extLst>
-          </p:cNvPr>
-          <p:cNvSpPr>
-            <a:spLocks noGrp="1"/>
-          </p:cNvSpPr>
-          <p:nvPr>
-            <p:ph type="dt" sz="half" idx="2"/>
-          </p:nvPr>
-        </p:nvSpPr>
-        <p:spPr>
-          <a:xfrm>
-            <a:off x="838200" y="6356350"/>
-            <a:ext cx="2743200" cy="365125"/>
-          </a:xfrm>
-          <a:prstGeom prst="rect">
-            <a:avLst/>
-          </a:prstGeom>
-        </p:spPr>
-        <p:txBody>
-          <a:bodyPr vert="horz" lIns="91440" tIns="45720" rIns="91440" bIns="45720" rtlCol="0" anchor="ctr"/>
-          <a:lstStyle>
-            <a:lvl1pPr algn="l">
-              <a:defRPr sz="1200">
-                <a:solidFill>
-                  <a:schemeClr val="tx1">
-                    <a:tint val="75000"/>
-                  </a:schemeClr>
-                </a:solidFill>
-              </a:defRPr>
-            </a:lvl1pPr>
-          </a:lstStyle>
-          <a:p>
-            <a:fld id="{9C4E342D-98AB-407C-88D4-A20ED0F70E1C}" type="datetime1">
-              <a:rPr lang="en-US" smtClean="0"/>
-              <a:t>10/10/2024</a:t>
-            </a:fld>
-            <a:endParaRPr lang="en-US"/>
-          </a:p>
-        </p:txBody>
-      </p:sp>
-      <p:sp>
-        <p:nvSpPr>
-          <p:cNvPr id="5" name="Footer Placeholder 4">
-            <a:extLst>
-              <a:ext uri="{FF2B5EF4-FFF2-40B4-BE49-F238E27FC236}">
-                <a16:creationId xmlns:a16="http://schemas.microsoft.com/office/drawing/2014/main" id="{60C57151-F515-08FA-FD9F-F59EDF1B6581}"/>
-              </a:ext>
-            </a:extLst>
-          </p:cNvPr>
-          <p:cNvSpPr>
-            <a:spLocks noGrp="1"/>
-          </p:cNvSpPr>
-          <p:nvPr>
-            <p:ph type="ftr" sz="quarter" idx="3"/>
-          </p:nvPr>
-        </p:nvSpPr>
-        <p:spPr>
-          <a:xfrm>
-            <a:off x="4038600" y="6356350"/>
-            <a:ext cx="4114800" cy="365125"/>
-          </a:xfrm>
-          <a:prstGeom prst="rect">
-            <a:avLst/>
-          </a:prstGeom>
-        </p:spPr>
-        <p:txBody>
-          <a:bodyPr vert="horz" lIns="91440" tIns="45720" rIns="91440" bIns="45720" rtlCol="0" anchor="ctr"/>
-          <a:lstStyle>
-            <a:lvl1pPr algn="ctr">
-              <a:defRPr sz="1200">
-                <a:solidFill>
-                  <a:schemeClr val="tx1">
-                    <a:tint val="75000"/>
-                  </a:schemeClr>
-                </a:solidFill>
-              </a:defRPr>
-            </a:lvl1pPr>
-          </a:lstStyle>
-          <a:p>
-            <a:endParaRPr lang="en-US"/>
-          </a:p>
-        </p:txBody>
-      </p:sp>
-      <p:sp>
-        <p:nvSpPr>
-          <p:cNvPr id="6" name="Slide Number Placeholder 5">
-            <a:extLst>
-              <a:ext uri="{FF2B5EF4-FFF2-40B4-BE49-F238E27FC236}">
-                <a16:creationId xmlns:a16="http://schemas.microsoft.com/office/drawing/2014/main" id="{F7D361D9-183D-9DF9-C01C-5B530B1CB880}"/>
-              </a:ext>
-            </a:extLst>
-          </p:cNvPr>
-          <p:cNvSpPr>
-            <a:spLocks noGrp="1"/>
-          </p:cNvSpPr>
-          <p:nvPr>
-            <p:ph type="sldNum" sz="quarter" idx="4"/>
-          </p:nvPr>
-        </p:nvSpPr>
-        <p:spPr>
-          <a:xfrm>
-            <a:off x="8610600" y="6356350"/>
-            <a:ext cx="2743200" cy="365125"/>
-          </a:xfrm>
-          <a:prstGeom prst="rect">
-            <a:avLst/>
-          </a:prstGeom>
-        </p:spPr>
-        <p:txBody>
-          <a:bodyPr vert="horz" lIns="91440" tIns="45720" rIns="91440" bIns="45720" rtlCol="0" anchor="ctr"/>
-          <a:lstStyle>
-            <a:lvl1pPr algn="r">
-              <a:defRPr sz="1200">
-                <a:solidFill>
-                  <a:schemeClr val="tx1">
-                    <a:tint val="75000"/>
-                  </a:schemeClr>
-                </a:solidFill>
-              </a:defRPr>
-            </a:lvl1pPr>
-          </a:lstStyle>
-          <a:p>
-            <a:fld id="{B46E5E13-EE34-439C-B49B-F0CB75B28E1B}" type="slidenum">
-              <a:rPr lang="en-US" smtClean="0"/>
-              <a:t>‹#›</a:t>
-            </a:fld>
+      <p:pic>
+        <p:nvPicPr>
+          <p:cNvPr id="7" name="Picture 6">
+            <a:extLst>
+              <a:ext uri="{FF2B5EF4-FFF2-40B4-BE49-F238E27FC236}">
+                <a16:creationId xmlns:a16="http://schemas.microsoft.com/office/drawing/2014/main" id="{AEB2CF3C-8982-A5D5-05DB-5BF3F09E24AE}"/>
+              </a:ext>
+              <a:ext uri="{C183D7F6-B498-43B3-948B-1728B52AA6E4}">
+                <adec:decorative xmlns:adec="http://schemas.microsoft.com/office/drawing/2017/decorative" val="1"/>
+              </a:ext>
+            </a:extLst>
+          </p:cNvPr>
+          <p:cNvPicPr>
+            <a:picLocks noChangeAspect="1"/>
+          </p:cNvPicPr>
+          <p:nvPr userDrawn="1"/>
+        </p:nvPicPr>
+        <p:blipFill>
+          <a:blip r:embed="rId15">
+            <a:extLst>
+              <a:ext uri="{28A0092B-C50C-407E-A947-70E740481C1C}">
+                <a14:useLocalDpi xmlns:a14="http://schemas.microsoft.com/office/drawing/2010/main" val="0"/>
+              </a:ext>
+            </a:extLst>
+          </a:blip>
+          <a:stretch>
+            <a:fillRect/>
+          </a:stretch>
+        </p:blipFill>
+        <p:spPr>
+          <a:xfrm>
+            <a:off x="212436" y="236453"/>
+            <a:ext cx="11767127" cy="787737"/>
+          </a:xfrm>
+          <a:prstGeom prst="rect">
+            <a:avLst/>
+          </a:prstGeom>
+        </p:spPr>
+      </p:pic>
+      <p:cxnSp>
+        <p:nvCxnSpPr>
+          <p:cNvPr id="9" name="Straight Connector 8">
+            <a:extLst>
+              <a:ext uri="{FF2B5EF4-FFF2-40B4-BE49-F238E27FC236}">
+                <a16:creationId xmlns:a16="http://schemas.microsoft.com/office/drawing/2014/main" id="{DE7FEFD9-5638-352F-A6ED-06F1FDE322D4}"/>
+              </a:ext>
+            </a:extLst>
+          </p:cNvPr>
+          <p:cNvCxnSpPr>
+            <a:cxnSpLocks/>
+          </p:cNvCxnSpPr>
+          <p:nvPr userDrawn="1"/>
+        </p:nvCxnSpPr>
+        <p:spPr>
+          <a:xfrm>
+            <a:off x="175490" y="1099127"/>
+            <a:ext cx="11841020" cy="0"/>
+          </a:xfrm>
+          <a:prstGeom prst="line">
+            <a:avLst/>
+          </a:prstGeom>
+          <a:ln w="38100">
+            <a:solidFill>
+              <a:srgbClr val="A13C39"/>
+            </a:solidFill>
+          </a:ln>
+        </p:spPr>
+        <p:style>
+          <a:lnRef idx="2">
+            <a:schemeClr val="accent1"/>
+          </a:lnRef>
+          <a:fillRef idx="0">
+            <a:schemeClr val="accent1"/>
+          </a:fillRef>
+          <a:effectRef idx="1">
+            <a:schemeClr val="accent1"/>
+          </a:effectRef>
+          <a:fontRef idx="minor">
+            <a:schemeClr val="tx1"/>
+          </a:fontRef>
+        </p:style>
+      </p:cxnSp>
+      <p:sp>
+        <p:nvSpPr>
+          <p:cNvPr id="11" name="Rectangle 10">
+            <a:extLst>
+              <a:ext uri="{FF2B5EF4-FFF2-40B4-BE49-F238E27FC236}">
+                <a16:creationId xmlns:a16="http://schemas.microsoft.com/office/drawing/2014/main" id="{910C5C32-408D-8072-82C8-297384424B54}"/>
+              </a:ext>
+            </a:extLst>
+          </p:cNvPr>
+          <p:cNvSpPr/>
+          <p:nvPr userDrawn="1"/>
+        </p:nvSpPr>
+        <p:spPr>
+          <a:xfrm>
+            <a:off x="175492" y="184727"/>
+            <a:ext cx="11841018" cy="6493164"/>
+          </a:xfrm>
+          <a:prstGeom prst="rect">
+            <a:avLst/>
+          </a:prstGeom>
+          <a:noFill/>
+        </p:spPr>
+        <p:style>
+          <a:lnRef idx="2">
+            <a:schemeClr val="accent1">
+              <a:shade val="15000"/>
+            </a:schemeClr>
+          </a:lnRef>
+          <a:fillRef idx="1">
+            <a:schemeClr val="accent1"/>
+          </a:fillRef>
+          <a:effectRef idx="0">
+            <a:schemeClr val="accent1"/>
+          </a:effectRef>
+          <a:fontRef idx="minor">
+            <a:schemeClr val="lt1"/>
+          </a:fontRef>
+        </p:style>
+        <p:txBody>
+          <a:bodyPr rtlCol="0" anchor="ctr"/>
+          <a:lstStyle/>
+          <a:p>
+            <a:pPr algn="ctr"/>
             <a:endParaRPr lang="en-US"/>
           </a:p>
         </p:txBody>
@@ -5217,29 +3434,29 @@
     </p:spTree>
     <p:extLst>
       <p:ext uri="{BB962C8B-B14F-4D97-AF65-F5344CB8AC3E}">
-        <p14:creationId xmlns:p14="http://schemas.microsoft.com/office/powerpoint/2010/main" val="3616380004"/>
+        <p14:creationId xmlns:p14="http://schemas.microsoft.com/office/powerpoint/2010/main" val="466850387"/>
       </p:ext>
     </p:extLst>
   </p:cSld>
   <p:clrMap bg1="lt1" tx1="dk1" bg2="lt2" tx2="dk2" accent1="accent1" accent2="accent2" accent3="accent3" accent4="accent4" accent5="accent5" accent6="accent6" hlink="hlink" folHlink="folHlink"/>
   <p:sldLayoutIdLst>
-    <p:sldLayoutId id="2147483713" r:id="rId1"/>
-    <p:sldLayoutId id="2147483714" r:id="rId2"/>
-    <p:sldLayoutId id="2147483715" r:id="rId3"/>
-    <p:sldLayoutId id="2147483716" r:id="rId4"/>
-    <p:sldLayoutId id="2147483717" r:id="rId5"/>
-    <p:sldLayoutId id="2147483718" r:id="rId6"/>
-    <p:sldLayoutId id="2147483719" r:id="rId7"/>
-    <p:sldLayoutId id="2147483720" r:id="rId8"/>
-    <p:sldLayoutId id="2147483721" r:id="rId9"/>
-    <p:sldLayoutId id="2147483722" r:id="rId10"/>
-    <p:sldLayoutId id="2147483723" r:id="rId11"/>
-    <p:sldLayoutId id="2147483724" r:id="rId12"/>
+    <p:sldLayoutId id="2147483649" r:id="rId1"/>
+    <p:sldLayoutId id="2147483650" r:id="rId2"/>
+    <p:sldLayoutId id="2147483651" r:id="rId3"/>
+    <p:sldLayoutId id="2147483652" r:id="rId4"/>
+    <p:sldLayoutId id="2147483653" r:id="rId5"/>
+    <p:sldLayoutId id="2147483654" r:id="rId6"/>
+    <p:sldLayoutId id="2147483655" r:id="rId7"/>
+    <p:sldLayoutId id="2147483656" r:id="rId8"/>
+    <p:sldLayoutId id="2147483657" r:id="rId9"/>
+    <p:sldLayoutId id="2147483658" r:id="rId10"/>
+    <p:sldLayoutId id="2147483659" r:id="rId11"/>
+    <p:sldLayoutId id="2147483660" r:id="rId12"/>
+    <p:sldLayoutId id="2147483661" r:id="rId13"/>
   </p:sldLayoutIdLst>
-  <p:hf hdr="0" ftr="0" dt="0"/>
   <p:txStyles>
     <p:titleStyle>
-      <a:lvl1pPr algn="l" defTabSz="914400" rtl="0" eaLnBrk="1" latinLnBrk="0" hangingPunct="1">
+      <a:lvl1pPr algn="ctr" defTabSz="914400" rtl="0" eaLnBrk="1" latinLnBrk="0" hangingPunct="1">
         <a:lnSpc>
           <a:spcPct val="90000"/>
         </a:lnSpc>
@@ -5674,7 +3891,12 @@
             <p:ph type="body" sz="quarter" idx="10"/>
           </p:nvPr>
         </p:nvSpPr>
-        <p:spPr/>
+        <p:spPr>
+          <a:xfrm>
+            <a:off x="323529" y="1221905"/>
+            <a:ext cx="11573197" cy="724247"/>
+          </a:xfrm>
+        </p:spPr>
         <p:txBody>
           <a:bodyPr>
             <a:normAutofit/>
@@ -5702,7 +3924,7 @@
         </p:nvSpPr>
         <p:spPr>
           <a:xfrm>
-            <a:off x="1260764" y="1054728"/>
+            <a:off x="1260764" y="1832349"/>
             <a:ext cx="9662835" cy="5078313"/>
           </a:xfrm>
           <a:prstGeom prst="rect">
@@ -5981,7 +4203,12 @@
             <p:ph type="body" sz="quarter" idx="10"/>
           </p:nvPr>
         </p:nvSpPr>
-        <p:spPr/>
+        <p:spPr>
+          <a:xfrm>
+            <a:off x="323529" y="1259624"/>
+            <a:ext cx="11573197" cy="724247"/>
+          </a:xfrm>
+        </p:spPr>
         <p:txBody>
           <a:bodyPr>
             <a:normAutofit/>
@@ -6009,7 +4236,7 @@
         </p:nvSpPr>
         <p:spPr>
           <a:xfrm>
-            <a:off x="1260764" y="1054728"/>
+            <a:off x="1260764" y="2565393"/>
             <a:ext cx="9662835" cy="3139321"/>
           </a:xfrm>
           <a:prstGeom prst="rect">
@@ -6168,7 +4395,12 @@
             <p:ph type="body" sz="quarter" idx="10"/>
           </p:nvPr>
         </p:nvSpPr>
-        <p:spPr/>
+        <p:spPr>
+          <a:xfrm>
+            <a:off x="323529" y="1249718"/>
+            <a:ext cx="11573197" cy="724247"/>
+          </a:xfrm>
+        </p:spPr>
         <p:txBody>
           <a:bodyPr>
             <a:normAutofit/>
@@ -6196,7 +4428,7 @@
         </p:nvSpPr>
         <p:spPr>
           <a:xfrm>
-            <a:off x="1260764" y="1054728"/>
+            <a:off x="1260764" y="2679312"/>
             <a:ext cx="9662835" cy="2031325"/>
           </a:xfrm>
           <a:prstGeom prst="rect">
@@ -6276,39 +4508,39 @@
         <a:sysClr val="window" lastClr="FFFFFF"/>
       </a:lt1>
       <a:dk2>
-        <a:srgbClr val="44546A"/>
+        <a:srgbClr val="0E2841"/>
       </a:dk2>
       <a:lt2>
-        <a:srgbClr val="E7E6E6"/>
+        <a:srgbClr val="E8E8E8"/>
       </a:lt2>
       <a:accent1>
-        <a:srgbClr val="4472C4"/>
+        <a:srgbClr val="156082"/>
       </a:accent1>
       <a:accent2>
-        <a:srgbClr val="ED7D31"/>
+        <a:srgbClr val="E97132"/>
       </a:accent2>
       <a:accent3>
-        <a:srgbClr val="A5A5A5"/>
+        <a:srgbClr val="196B24"/>
       </a:accent3>
       <a:accent4>
-        <a:srgbClr val="FFC000"/>
+        <a:srgbClr val="0F9ED5"/>
       </a:accent4>
       <a:accent5>
-        <a:srgbClr val="5B9BD5"/>
+        <a:srgbClr val="A02B93"/>
       </a:accent5>
       <a:accent6>
-        <a:srgbClr val="70AD47"/>
+        <a:srgbClr val="4EA72E"/>
       </a:accent6>
       <a:hlink>
-        <a:srgbClr val="0563C1"/>
+        <a:srgbClr val="467886"/>
       </a:hlink>
       <a:folHlink>
-        <a:srgbClr val="954F72"/>
+        <a:srgbClr val="96607D"/>
       </a:folHlink>
     </a:clrScheme>
     <a:fontScheme name="Office">
       <a:majorFont>
-        <a:latin typeface="Calibri Light" panose="020F0302020204030204"/>
+        <a:latin typeface="Aptos Display" panose="02110004020202020204"/>
         <a:ea typeface=""/>
         <a:cs typeface=""/>
         <a:font script="Jpan" typeface="游ゴシック Light"/>
@@ -6360,7 +4592,7 @@
         <a:font script="Tfng" typeface="Ebrima"/>
       </a:majorFont>
       <a:minorFont>
-        <a:latin typeface="Calibri" panose="020F0502020204030204"/>
+        <a:latin typeface="Aptos" panose="02110004020202020204"/>
         <a:ea typeface=""/>
         <a:cs typeface=""/>
         <a:font script="Jpan" typeface="游ゴシック"/>
@@ -6471,13 +4703,6 @@
         </a:gradFill>
       </a:fillStyleLst>
       <a:lnStyleLst>
-        <a:ln w="6350" cap="flat" cmpd="sng" algn="ctr">
-          <a:solidFill>
-            <a:schemeClr val="phClr"/>
-          </a:solidFill>
-          <a:prstDash val="solid"/>
-          <a:miter lim="800000"/>
-        </a:ln>
         <a:ln w="12700" cap="flat" cmpd="sng" algn="ctr">
           <a:solidFill>
             <a:schemeClr val="phClr"/>
@@ -6486,6 +4711,13 @@
           <a:miter lim="800000"/>
         </a:ln>
         <a:ln w="19050" cap="flat" cmpd="sng" algn="ctr">
+          <a:solidFill>
+            <a:schemeClr val="phClr"/>
+          </a:solidFill>
+          <a:prstDash val="solid"/>
+          <a:miter lim="800000"/>
+        </a:ln>
+        <a:ln w="25400" cap="flat" cmpd="sng" algn="ctr">
           <a:solidFill>
             <a:schemeClr val="phClr"/>
           </a:solidFill>
@@ -6550,11 +4782,31 @@
       </a:bgFillStyleLst>
     </a:fmtScheme>
   </a:themeElements>
-  <a:objectDefaults/>
+  <a:objectDefaults>
+    <a:lnDef>
+      <a:spPr/>
+      <a:bodyPr/>
+      <a:lstStyle/>
+      <a:style>
+        <a:lnRef idx="2">
+          <a:schemeClr val="accent1"/>
+        </a:lnRef>
+        <a:fillRef idx="0">
+          <a:schemeClr val="accent1"/>
+        </a:fillRef>
+        <a:effectRef idx="1">
+          <a:schemeClr val="accent1"/>
+        </a:effectRef>
+        <a:fontRef idx="minor">
+          <a:schemeClr val="tx1"/>
+        </a:fontRef>
+      </a:style>
+    </a:lnDef>
+  </a:objectDefaults>
   <a:extraClrSchemeLst/>
   <a:extLst>
     <a:ext uri="{05A4C25C-085E-4340-85A3-A5531E510DB2}">
-      <thm15:themeFamily xmlns:thm15="http://schemas.microsoft.com/office/thememl/2012/main" name="Office Theme" id="{62F939B6-93AF-4DB8-9C6B-D6C7DFDC589F}" vid="{4A3C46E8-61CC-4603-A589-7422A47A8E4A}"/>
+      <thm15:themeFamily xmlns:thm15="http://schemas.microsoft.com/office/thememl/2012/main" name="Presentation1" id="{DAD0D162-FE0C-45E1-B287-70A400F0FB2D}" vid="{0F85589E-3A92-4CE5-8C4F-6CD4A008415E}"/>
     </a:ext>
   </a:extLst>
 </a:theme>
